--- a/補充報告.pptx
+++ b/補充報告.pptx
@@ -6,42 +6,44 @@
     <p:sldMasterId id="2147483744" r:id="rId2"/>
   </p:sldMasterIdLst>
   <p:notesMasterIdLst>
-    <p:notesMasterId r:id="rId33"/>
+    <p:notesMasterId r:id="rId35"/>
   </p:notesMasterIdLst>
   <p:handoutMasterIdLst>
-    <p:handoutMasterId r:id="rId34"/>
+    <p:handoutMasterId r:id="rId36"/>
   </p:handoutMasterIdLst>
   <p:sldIdLst>
     <p:sldId id="256" r:id="rId3"/>
     <p:sldId id="275" r:id="rId4"/>
-    <p:sldId id="265" r:id="rId5"/>
+    <p:sldId id="269" r:id="rId5"/>
     <p:sldId id="273" r:id="rId6"/>
-    <p:sldId id="274" r:id="rId7"/>
-    <p:sldId id="279" r:id="rId8"/>
-    <p:sldId id="270" r:id="rId9"/>
-    <p:sldId id="271" r:id="rId10"/>
-    <p:sldId id="276" r:id="rId11"/>
-    <p:sldId id="278" r:id="rId12"/>
-    <p:sldId id="257" r:id="rId13"/>
-    <p:sldId id="260" r:id="rId14"/>
-    <p:sldId id="258" r:id="rId15"/>
-    <p:sldId id="259" r:id="rId16"/>
-    <p:sldId id="266" r:id="rId17"/>
-    <p:sldId id="261" r:id="rId18"/>
-    <p:sldId id="267" r:id="rId19"/>
-    <p:sldId id="284" r:id="rId20"/>
-    <p:sldId id="268" r:id="rId21"/>
-    <p:sldId id="283" r:id="rId22"/>
-    <p:sldId id="269" r:id="rId23"/>
-    <p:sldId id="281" r:id="rId24"/>
-    <p:sldId id="262" r:id="rId25"/>
-    <p:sldId id="277" r:id="rId26"/>
-    <p:sldId id="280" r:id="rId27"/>
-    <p:sldId id="282" r:id="rId28"/>
-    <p:sldId id="263" r:id="rId29"/>
-    <p:sldId id="264" r:id="rId30"/>
-    <p:sldId id="285" r:id="rId31"/>
-    <p:sldId id="286" r:id="rId32"/>
+    <p:sldId id="271" r:id="rId7"/>
+    <p:sldId id="276" r:id="rId8"/>
+    <p:sldId id="274" r:id="rId9"/>
+    <p:sldId id="287" r:id="rId10"/>
+    <p:sldId id="270" r:id="rId11"/>
+    <p:sldId id="290" r:id="rId12"/>
+    <p:sldId id="289" r:id="rId13"/>
+    <p:sldId id="257" r:id="rId14"/>
+    <p:sldId id="260" r:id="rId15"/>
+    <p:sldId id="258" r:id="rId16"/>
+    <p:sldId id="259" r:id="rId17"/>
+    <p:sldId id="266" r:id="rId18"/>
+    <p:sldId id="288" r:id="rId19"/>
+    <p:sldId id="261" r:id="rId20"/>
+    <p:sldId id="265" r:id="rId21"/>
+    <p:sldId id="284" r:id="rId22"/>
+    <p:sldId id="268" r:id="rId23"/>
+    <p:sldId id="283" r:id="rId24"/>
+    <p:sldId id="281" r:id="rId25"/>
+    <p:sldId id="262" r:id="rId26"/>
+    <p:sldId id="277" r:id="rId27"/>
+    <p:sldId id="280" r:id="rId28"/>
+    <p:sldId id="282" r:id="rId29"/>
+    <p:sldId id="263" r:id="rId30"/>
+    <p:sldId id="264" r:id="rId31"/>
+    <p:sldId id="285" r:id="rId32"/>
+    <p:sldId id="286" r:id="rId33"/>
+    <p:sldId id="267" r:id="rId34"/>
   </p:sldIdLst>
   <p:sldSz cx="12192000" cy="6858000"/>
   <p:notesSz cx="6858000" cy="9144000"/>
@@ -233,7 +235,7 @@
           <a:p>
             <a:fld id="{41540AF2-2316-4F99-AE47-609B5CF2F0D0}" type="datetimeFigureOut">
               <a:rPr lang="zh-TW" altLang="en-US" smtClean="0"/>
-              <a:t>2017/7/10</a:t>
+              <a:t>2017/7/11</a:t>
             </a:fld>
             <a:endParaRPr lang="zh-TW" altLang="en-US"/>
           </a:p>
@@ -398,7 +400,7 @@
           <a:p>
             <a:fld id="{C6E875FD-0D15-486B-B104-0CA48E79F9C2}" type="datetimeFigureOut">
               <a:rPr lang="zh-TW" altLang="en-US" smtClean="0"/>
-              <a:t>2017/7/10</a:t>
+              <a:t>2017/7/11</a:t>
             </a:fld>
             <a:endParaRPr lang="zh-TW" altLang="en-US"/>
           </a:p>
@@ -731,7 +733,7 @@
           <a:p>
             <a:fld id="{A4A8F17E-DEB8-4D69-A0E3-EE82E1895B42}" type="slidenum">
               <a:rPr lang="zh-TW" altLang="en-US" smtClean="0"/>
-              <a:t>13</a:t>
+              <a:t>14</a:t>
             </a:fld>
             <a:endParaRPr lang="zh-TW" altLang="en-US"/>
           </a:p>
@@ -892,7 +894,7 @@
           <a:p>
             <a:fld id="{A65F114C-F9CE-48E6-A756-EC092383D54A}" type="datetime1">
               <a:rPr lang="zh-TW" altLang="en-US" smtClean="0"/>
-              <a:t>2017/7/10</a:t>
+              <a:t>2017/7/11</a:t>
             </a:fld>
             <a:endParaRPr lang="zh-TW" altLang="en-US"/>
           </a:p>
@@ -1062,7 +1064,7 @@
           <a:p>
             <a:fld id="{9951E3E9-F4D8-4DFF-B18E-65F92EFE63D1}" type="datetime1">
               <a:rPr lang="zh-TW" altLang="en-US" smtClean="0"/>
-              <a:t>2017/7/10</a:t>
+              <a:t>2017/7/11</a:t>
             </a:fld>
             <a:endParaRPr lang="zh-TW" altLang="en-US"/>
           </a:p>
@@ -1242,7 +1244,7 @@
           <a:p>
             <a:fld id="{6547AEE3-DCD9-4916-8B0F-8F0AC575667E}" type="datetime1">
               <a:rPr lang="zh-TW" altLang="en-US" smtClean="0"/>
-              <a:t>2017/7/10</a:t>
+              <a:t>2017/7/11</a:t>
             </a:fld>
             <a:endParaRPr lang="zh-TW" altLang="en-US"/>
           </a:p>
@@ -1489,7 +1491,7 @@
           <a:p>
             <a:fld id="{A65F114C-F9CE-48E6-A756-EC092383D54A}" type="datetime1">
               <a:rPr lang="zh-TW" altLang="en-US" smtClean="0"/>
-              <a:t>2017/7/10</a:t>
+              <a:t>2017/7/11</a:t>
             </a:fld>
             <a:endParaRPr lang="zh-TW" altLang="en-US"/>
           </a:p>
@@ -1659,7 +1661,7 @@
           <a:p>
             <a:fld id="{F8C30999-0A77-4CD3-83AD-12E1A41AD1A6}" type="datetime1">
               <a:rPr lang="zh-TW" altLang="en-US" smtClean="0"/>
-              <a:t>2017/7/10</a:t>
+              <a:t>2017/7/11</a:t>
             </a:fld>
             <a:endParaRPr lang="zh-TW" altLang="en-US"/>
           </a:p>
@@ -1906,7 +1908,7 @@
           <a:p>
             <a:fld id="{A598021C-A141-411E-B403-F34999F645CF}" type="datetime1">
               <a:rPr lang="zh-TW" altLang="en-US" smtClean="0"/>
-              <a:t>2017/7/10</a:t>
+              <a:t>2017/7/11</a:t>
             </a:fld>
             <a:endParaRPr lang="zh-TW" altLang="en-US"/>
           </a:p>
@@ -2198,7 +2200,7 @@
           <a:p>
             <a:fld id="{58875AAD-C9EA-4D30-B5B2-64B3C9E3B526}" type="datetime1">
               <a:rPr lang="zh-TW" altLang="en-US" smtClean="0"/>
-              <a:t>2017/7/10</a:t>
+              <a:t>2017/7/11</a:t>
             </a:fld>
             <a:endParaRPr lang="zh-TW" altLang="en-US"/>
           </a:p>
@@ -2642,7 +2644,7 @@
           <a:p>
             <a:fld id="{F2277A59-0B0C-4001-9320-3BED68816E2C}" type="datetime1">
               <a:rPr lang="zh-TW" altLang="en-US" smtClean="0"/>
-              <a:t>2017/7/10</a:t>
+              <a:t>2017/7/11</a:t>
             </a:fld>
             <a:endParaRPr lang="zh-TW" altLang="en-US"/>
           </a:p>
@@ -2760,7 +2762,7 @@
           <a:p>
             <a:fld id="{3ECABE28-EAE0-4125-95DF-7DCFD2741D4B}" type="datetime1">
               <a:rPr lang="zh-TW" altLang="en-US" smtClean="0"/>
-              <a:t>2017/7/10</a:t>
+              <a:t>2017/7/11</a:t>
             </a:fld>
             <a:endParaRPr lang="zh-TW" altLang="en-US"/>
           </a:p>
@@ -2855,7 +2857,7 @@
           <a:p>
             <a:fld id="{6DB70627-F99A-4081-BC89-5D2CC6331884}" type="datetime1">
               <a:rPr lang="zh-TW" altLang="en-US" smtClean="0"/>
-              <a:t>2017/7/10</a:t>
+              <a:t>2017/7/11</a:t>
             </a:fld>
             <a:endParaRPr lang="zh-TW" altLang="en-US"/>
           </a:p>
@@ -3134,7 +3136,7 @@
           <a:p>
             <a:fld id="{3FD11D49-8EBD-4177-835B-7FB9B4F463BF}" type="datetime1">
               <a:rPr lang="zh-TW" altLang="en-US" smtClean="0"/>
-              <a:t>2017/7/10</a:t>
+              <a:t>2017/7/11</a:t>
             </a:fld>
             <a:endParaRPr lang="zh-TW" altLang="en-US"/>
           </a:p>
@@ -3304,7 +3306,7 @@
           <a:p>
             <a:fld id="{F8C30999-0A77-4CD3-83AD-12E1A41AD1A6}" type="datetime1">
               <a:rPr lang="zh-TW" altLang="en-US" smtClean="0"/>
-              <a:t>2017/7/10</a:t>
+              <a:t>2017/7/11</a:t>
             </a:fld>
             <a:endParaRPr lang="zh-TW" altLang="en-US"/>
           </a:p>
@@ -3579,7 +3581,7 @@
           <a:p>
             <a:fld id="{C5736E07-66C5-466E-A96A-28A79796E49B}" type="datetime1">
               <a:rPr lang="zh-TW" altLang="en-US" smtClean="0"/>
-              <a:t>2017/7/10</a:t>
+              <a:t>2017/7/11</a:t>
             </a:fld>
             <a:endParaRPr lang="zh-TW" altLang="en-US"/>
           </a:p>
@@ -3854,7 +3856,7 @@
           <a:p>
             <a:fld id="{031F7A9D-B67E-46DB-94BB-973451E8B73B}" type="datetime1">
               <a:rPr lang="zh-TW" altLang="en-US" smtClean="0"/>
-              <a:t>2017/7/10</a:t>
+              <a:t>2017/7/11</a:t>
             </a:fld>
             <a:endParaRPr lang="zh-TW" altLang="en-US"/>
           </a:p>
@@ -4049,7 +4051,7 @@
           <a:p>
             <a:fld id="{031F7A9D-B67E-46DB-94BB-973451E8B73B}" type="datetime1">
               <a:rPr lang="zh-TW" altLang="en-US" smtClean="0"/>
-              <a:t>2017/7/10</a:t>
+              <a:t>2017/7/11</a:t>
             </a:fld>
             <a:endParaRPr lang="zh-TW" altLang="en-US"/>
           </a:p>
@@ -4323,7 +4325,7 @@
           <a:p>
             <a:fld id="{031F7A9D-B67E-46DB-94BB-973451E8B73B}" type="datetime1">
               <a:rPr lang="zh-TW" altLang="en-US" smtClean="0"/>
-              <a:t>2017/7/10</a:t>
+              <a:t>2017/7/11</a:t>
             </a:fld>
             <a:endParaRPr lang="zh-TW" altLang="en-US"/>
           </a:p>
@@ -4665,7 +4667,7 @@
           <a:p>
             <a:fld id="{031F7A9D-B67E-46DB-94BB-973451E8B73B}" type="datetime1">
               <a:rPr lang="zh-TW" altLang="en-US" smtClean="0"/>
-              <a:t>2017/7/10</a:t>
+              <a:t>2017/7/11</a:t>
             </a:fld>
             <a:endParaRPr lang="zh-TW" altLang="en-US"/>
           </a:p>
@@ -5289,7 +5291,7 @@
           <a:p>
             <a:fld id="{031F7A9D-B67E-46DB-94BB-973451E8B73B}" type="datetime1">
               <a:rPr lang="zh-TW" altLang="en-US" smtClean="0"/>
-              <a:t>2017/7/10</a:t>
+              <a:t>2017/7/11</a:t>
             </a:fld>
             <a:endParaRPr lang="zh-TW" altLang="en-US"/>
           </a:p>
@@ -6150,7 +6152,7 @@
           <a:p>
             <a:fld id="{031F7A9D-B67E-46DB-94BB-973451E8B73B}" type="datetime1">
               <a:rPr lang="zh-TW" altLang="en-US" smtClean="0"/>
-              <a:t>2017/7/10</a:t>
+              <a:t>2017/7/11</a:t>
             </a:fld>
             <a:endParaRPr lang="zh-TW" altLang="en-US"/>
           </a:p>
@@ -6321,7 +6323,7 @@
           <a:p>
             <a:fld id="{9951E3E9-F4D8-4DFF-B18E-65F92EFE63D1}" type="datetime1">
               <a:rPr lang="zh-TW" altLang="en-US" smtClean="0"/>
-              <a:t>2017/7/10</a:t>
+              <a:t>2017/7/11</a:t>
             </a:fld>
             <a:endParaRPr lang="zh-TW" altLang="en-US"/>
           </a:p>
@@ -6501,7 +6503,7 @@
           <a:p>
             <a:fld id="{6547AEE3-DCD9-4916-8B0F-8F0AC575667E}" type="datetime1">
               <a:rPr lang="zh-TW" altLang="en-US" smtClean="0"/>
-              <a:t>2017/7/10</a:t>
+              <a:t>2017/7/11</a:t>
             </a:fld>
             <a:endParaRPr lang="zh-TW" altLang="en-US"/>
           </a:p>
@@ -6752,7 +6754,7 @@
           <a:p>
             <a:fld id="{A598021C-A141-411E-B403-F34999F645CF}" type="datetime1">
               <a:rPr lang="zh-TW" altLang="en-US" smtClean="0"/>
-              <a:t>2017/7/10</a:t>
+              <a:t>2017/7/11</a:t>
             </a:fld>
             <a:endParaRPr lang="zh-TW" altLang="en-US"/>
           </a:p>
@@ -6984,7 +6986,7 @@
           <a:p>
             <a:fld id="{58875AAD-C9EA-4D30-B5B2-64B3C9E3B526}" type="datetime1">
               <a:rPr lang="zh-TW" altLang="en-US" smtClean="0"/>
-              <a:t>2017/7/10</a:t>
+              <a:t>2017/7/11</a:t>
             </a:fld>
             <a:endParaRPr lang="zh-TW" altLang="en-US"/>
           </a:p>
@@ -7331,7 +7333,7 @@
           <a:p>
             <a:fld id="{F2277A59-0B0C-4001-9320-3BED68816E2C}" type="datetime1">
               <a:rPr lang="zh-TW" altLang="en-US" smtClean="0"/>
-              <a:t>2017/7/10</a:t>
+              <a:t>2017/7/11</a:t>
             </a:fld>
             <a:endParaRPr lang="zh-TW" altLang="en-US"/>
           </a:p>
@@ -7449,7 +7451,7 @@
           <a:p>
             <a:fld id="{3ECABE28-EAE0-4125-95DF-7DCFD2741D4B}" type="datetime1">
               <a:rPr lang="zh-TW" altLang="en-US" smtClean="0"/>
-              <a:t>2017/7/10</a:t>
+              <a:t>2017/7/11</a:t>
             </a:fld>
             <a:endParaRPr lang="zh-TW" altLang="en-US"/>
           </a:p>
@@ -7567,7 +7569,7 @@
           <a:p>
             <a:fld id="{6DB70627-F99A-4081-BC89-5D2CC6331884}" type="datetime1">
               <a:rPr lang="zh-TW" altLang="en-US" smtClean="0"/>
-              <a:t>2017/7/10</a:t>
+              <a:t>2017/7/11</a:t>
             </a:fld>
             <a:endParaRPr lang="zh-TW" altLang="en-US"/>
           </a:p>
@@ -7851,7 +7853,7 @@
           <a:p>
             <a:fld id="{3FD11D49-8EBD-4177-835B-7FB9B4F463BF}" type="datetime1">
               <a:rPr lang="zh-TW" altLang="en-US" smtClean="0"/>
-              <a:t>2017/7/10</a:t>
+              <a:t>2017/7/11</a:t>
             </a:fld>
             <a:endParaRPr lang="zh-TW" altLang="en-US"/>
           </a:p>
@@ -8115,7 +8117,7 @@
           <a:p>
             <a:fld id="{C5736E07-66C5-466E-A96A-28A79796E49B}" type="datetime1">
               <a:rPr lang="zh-TW" altLang="en-US" smtClean="0"/>
-              <a:t>2017/7/10</a:t>
+              <a:t>2017/7/11</a:t>
             </a:fld>
             <a:endParaRPr lang="zh-TW" altLang="en-US"/>
           </a:p>
@@ -8329,7 +8331,7 @@
           <a:p>
             <a:fld id="{031F7A9D-B67E-46DB-94BB-973451E8B73B}" type="datetime1">
               <a:rPr lang="zh-TW" altLang="en-US" smtClean="0"/>
-              <a:t>2017/7/10</a:t>
+              <a:t>2017/7/11</a:t>
             </a:fld>
             <a:endParaRPr lang="zh-TW" altLang="en-US"/>
           </a:p>
@@ -9075,7 +9077,7 @@
           <a:p>
             <a:fld id="{031F7A9D-B67E-46DB-94BB-973451E8B73B}" type="datetime1">
               <a:rPr lang="zh-TW" altLang="en-US" smtClean="0"/>
-              <a:t>2017/7/10</a:t>
+              <a:t>2017/7/11</a:t>
             </a:fld>
             <a:endParaRPr lang="zh-TW" altLang="en-US"/>
           </a:p>
@@ -9690,6 +9692,13 @@
   <p:clrMapOvr>
     <a:masterClrMapping/>
   </p:clrMapOvr>
+  <p:timing>
+    <p:tnLst>
+      <p:par>
+        <p:cTn id="1" dur="indefinite" restart="never" nodeType="tmRoot"/>
+      </p:par>
+    </p:tnLst>
+  </p:timing>
 </p:sld>
 </file>
 
@@ -9725,19 +9734,114 @@
           <a:bodyPr/>
           <a:lstStyle/>
           <a:p>
+            <a:r>
+              <a:rPr lang="en-US" altLang="zh-TW" dirty="0" err="1">
+                <a:solidFill>
+                  <a:schemeClr val="tx1"/>
+                </a:solidFill>
+              </a:rPr>
+              <a:t>getRootException</a:t>
+            </a:r>
+            <a:r>
+              <a:rPr lang="en-US" altLang="zh-TW" dirty="0">
+                <a:solidFill>
+                  <a:schemeClr val="tx1"/>
+                </a:solidFill>
+              </a:rPr>
+              <a:t> </a:t>
+            </a:r>
+            <a:r>
+              <a:rPr lang="zh-TW" altLang="zh-TW" dirty="0" smtClean="0">
+                <a:solidFill>
+                  <a:schemeClr val="tx1"/>
+                </a:solidFill>
+              </a:rPr>
+              <a:t>說明</a:t>
+            </a:r>
+            <a:r>
+              <a:rPr lang="en-US" altLang="zh-TW" dirty="0" smtClean="0">
+                <a:solidFill>
+                  <a:schemeClr val="tx1"/>
+                </a:solidFill>
+              </a:rPr>
+              <a:t>(2)</a:t>
+            </a:r>
+            <a:r>
+              <a:rPr lang="en-US" altLang="zh-TW" dirty="0" smtClean="0">
+                <a:solidFill>
+                  <a:srgbClr val="FF0000"/>
+                </a:solidFill>
+              </a:rPr>
+              <a:t/>
+            </a:r>
+            <a:br>
+              <a:rPr lang="en-US" altLang="zh-TW" dirty="0" smtClean="0">
+                <a:solidFill>
+                  <a:srgbClr val="FF0000"/>
+                </a:solidFill>
+              </a:rPr>
+            </a:br>
+            <a:r>
+              <a:rPr lang="en-US" altLang="zh-TW" dirty="0" smtClean="0">
+                <a:solidFill>
+                  <a:srgbClr val="FF0000"/>
+                </a:solidFill>
+              </a:rPr>
+              <a:t>==null</a:t>
+            </a:r>
+            <a:endParaRPr lang="zh-TW" altLang="en-US" dirty="0"/>
+          </a:p>
+        </p:txBody>
+      </p:sp>
+      <p:sp>
+        <p:nvSpPr>
+          <p:cNvPr id="3" name="內容版面配置區 2"/>
+          <p:cNvSpPr>
+            <a:spLocks noGrp="1"/>
+          </p:cNvSpPr>
+          <p:nvPr>
+            <p:ph idx="1"/>
+          </p:nvPr>
+        </p:nvSpPr>
+        <p:spPr/>
+        <p:txBody>
+          <a:bodyPr/>
+          <a:lstStyle/>
+          <a:p>
+            <a:endParaRPr lang="zh-TW" altLang="en-US" dirty="0"/>
+          </a:p>
+        </p:txBody>
+      </p:sp>
+      <p:sp>
+        <p:nvSpPr>
+          <p:cNvPr id="4" name="投影片編號版面配置區 3"/>
+          <p:cNvSpPr>
+            <a:spLocks noGrp="1"/>
+          </p:cNvSpPr>
+          <p:nvPr>
+            <p:ph type="sldNum" sz="quarter" idx="12"/>
+          </p:nvPr>
+        </p:nvSpPr>
+        <p:spPr/>
+        <p:txBody>
+          <a:bodyPr/>
+          <a:lstStyle/>
+          <a:p>
+            <a:fld id="{7EEA38C4-728D-4C6D-B45A-B952D9AC726F}" type="slidenum">
+              <a:rPr lang="zh-TW" altLang="en-US" smtClean="0"/>
+              <a:t>10</a:t>
+            </a:fld>
             <a:endParaRPr lang="zh-TW" altLang="en-US"/>
           </a:p>
         </p:txBody>
       </p:sp>
       <p:pic>
         <p:nvPicPr>
-          <p:cNvPr id="6" name="內容版面配置區 5"/>
+          <p:cNvPr id="5" name="圖片 4"/>
           <p:cNvPicPr>
-            <a:picLocks noGrp="1" noChangeAspect="1"/>
+            <a:picLocks noChangeAspect="1"/>
           </p:cNvPicPr>
-          <p:nvPr>
-            <p:ph idx="1"/>
-          </p:nvPr>
+          <p:nvPr/>
         </p:nvPicPr>
         <p:blipFill>
           <a:blip r:embed="rId2"/>
@@ -9747,40 +9851,17 @@
         </p:blipFill>
         <p:spPr>
           <a:xfrm>
-            <a:off x="6190803" y="2362739"/>
-            <a:ext cx="5117311" cy="4195762"/>
+            <a:off x="622342" y="2349457"/>
+            <a:ext cx="5114925" cy="1895475"/>
           </a:xfrm>
           <a:prstGeom prst="rect">
             <a:avLst/>
           </a:prstGeom>
         </p:spPr>
       </p:pic>
-      <p:sp>
-        <p:nvSpPr>
-          <p:cNvPr id="4" name="投影片編號版面配置區 3"/>
-          <p:cNvSpPr>
-            <a:spLocks noGrp="1"/>
-          </p:cNvSpPr>
-          <p:nvPr>
-            <p:ph type="sldNum" sz="quarter" idx="12"/>
-          </p:nvPr>
-        </p:nvSpPr>
-        <p:spPr/>
-        <p:txBody>
-          <a:bodyPr/>
-          <a:lstStyle/>
-          <a:p>
-            <a:fld id="{7EEA38C4-728D-4C6D-B45A-B952D9AC726F}" type="slidenum">
-              <a:rPr lang="zh-TW" altLang="en-US" smtClean="0"/>
-              <a:t>10</a:t>
-            </a:fld>
-            <a:endParaRPr lang="zh-TW" altLang="en-US"/>
-          </a:p>
-        </p:txBody>
-      </p:sp>
       <p:pic>
         <p:nvPicPr>
-          <p:cNvPr id="5" name="圖片 4"/>
+          <p:cNvPr id="6" name="圖片 5"/>
           <p:cNvPicPr>
             <a:picLocks noChangeAspect="1"/>
           </p:cNvPicPr>
@@ -9794,8 +9875,31 @@
         </p:blipFill>
         <p:spPr>
           <a:xfrm>
-            <a:off x="319330" y="2369489"/>
-            <a:ext cx="5822390" cy="3556510"/>
+            <a:off x="5832776" y="2738952"/>
+            <a:ext cx="4200525" cy="1495425"/>
+          </a:xfrm>
+          <a:prstGeom prst="rect">
+            <a:avLst/>
+          </a:prstGeom>
+        </p:spPr>
+      </p:pic>
+      <p:pic>
+        <p:nvPicPr>
+          <p:cNvPr id="8" name="圖片 7"/>
+          <p:cNvPicPr>
+            <a:picLocks noChangeAspect="1"/>
+          </p:cNvPicPr>
+          <p:nvPr/>
+        </p:nvPicPr>
+        <p:blipFill rotWithShape="1">
+          <a:blip r:embed="rId4"/>
+          <a:srcRect l="22826"/>
+          <a:stretch/>
+        </p:blipFill>
+        <p:spPr>
+          <a:xfrm>
+            <a:off x="609598" y="4346675"/>
+            <a:ext cx="10526130" cy="2185929"/>
           </a:xfrm>
           <a:prstGeom prst="rect">
             <a:avLst/>
@@ -9805,13 +9909,20 @@
     </p:spTree>
     <p:extLst>
       <p:ext uri="{BB962C8B-B14F-4D97-AF65-F5344CB8AC3E}">
-        <p14:creationId xmlns:p14="http://schemas.microsoft.com/office/powerpoint/2010/main" val="339910197"/>
+        <p14:creationId xmlns:p14="http://schemas.microsoft.com/office/powerpoint/2010/main" val="2526605729"/>
       </p:ext>
     </p:extLst>
   </p:cSld>
   <p:clrMapOvr>
     <a:masterClrMapping/>
   </p:clrMapOvr>
+  <p:timing>
+    <p:tnLst>
+      <p:par>
+        <p:cTn id="1" dur="indefinite" restart="never" nodeType="tmRoot"/>
+      </p:par>
+    </p:tnLst>
+  </p:timing>
 </p:sld>
 </file>
 
@@ -9848,79 +9959,89 @@
           <a:lstStyle/>
           <a:p>
             <a:r>
-              <a:rPr lang="zh-TW" altLang="en-US" dirty="0"/>
-              <a:t>主程式擲</a:t>
-            </a:r>
-            <a:r>
-              <a:rPr lang="zh-TW" altLang="en-US" dirty="0" smtClean="0"/>
-              <a:t>出</a:t>
-            </a:r>
-            <a:r>
-              <a:rPr lang="en-US" altLang="zh-TW" dirty="0" smtClean="0"/>
-              <a:t>Exception</a:t>
-            </a:r>
-            <a:r>
-              <a:rPr lang="zh-TW" altLang="en-US" dirty="0" smtClean="0"/>
-              <a:t>狀況</a:t>
+              <a:rPr lang="en-US" altLang="zh-TW" dirty="0" err="1">
+                <a:solidFill>
+                  <a:schemeClr val="tx1"/>
+                </a:solidFill>
+              </a:rPr>
+              <a:t>getRootException</a:t>
+            </a:r>
+            <a:r>
+              <a:rPr lang="en-US" altLang="zh-TW" dirty="0">
+                <a:solidFill>
+                  <a:schemeClr val="tx1"/>
+                </a:solidFill>
+              </a:rPr>
+              <a:t> </a:t>
+            </a:r>
+            <a:r>
+              <a:rPr lang="zh-TW" altLang="zh-TW" dirty="0" smtClean="0">
+                <a:solidFill>
+                  <a:schemeClr val="tx1"/>
+                </a:solidFill>
+              </a:rPr>
+              <a:t>說明</a:t>
+            </a:r>
+            <a:r>
+              <a:rPr lang="en-US" altLang="zh-TW" dirty="0" smtClean="0">
+                <a:solidFill>
+                  <a:schemeClr val="tx1"/>
+                </a:solidFill>
+              </a:rPr>
+              <a:t>(3)</a:t>
+            </a:r>
+            <a:r>
+              <a:rPr lang="en-US" altLang="zh-TW" dirty="0" smtClean="0">
+                <a:solidFill>
+                  <a:srgbClr val="FF0000"/>
+                </a:solidFill>
+              </a:rPr>
+              <a:t/>
+            </a:r>
+            <a:br>
+              <a:rPr lang="en-US" altLang="zh-TW" dirty="0" smtClean="0">
+                <a:solidFill>
+                  <a:srgbClr val="FF0000"/>
+                </a:solidFill>
+              </a:rPr>
+            </a:br>
+            <a:r>
+              <a:rPr lang="en-US" altLang="zh-TW" dirty="0" smtClean="0">
+                <a:solidFill>
+                  <a:srgbClr val="FF0000"/>
+                </a:solidFill>
+              </a:rPr>
+              <a:t>!</a:t>
+            </a:r>
+            <a:r>
+              <a:rPr lang="en-US" altLang="zh-TW" dirty="0">
+                <a:solidFill>
+                  <a:srgbClr val="FF0000"/>
+                </a:solidFill>
+              </a:rPr>
+              <a:t> </a:t>
+            </a:r>
+            <a:r>
+              <a:rPr lang="en-US" altLang="zh-TW" dirty="0" smtClean="0">
+                <a:solidFill>
+                  <a:srgbClr val="FF0000"/>
+                </a:solidFill>
+              </a:rPr>
+              <a:t>=null</a:t>
             </a:r>
             <a:endParaRPr lang="zh-TW" altLang="en-US" dirty="0"/>
-          </a:p>
-        </p:txBody>
-      </p:sp>
-      <p:sp>
-        <p:nvSpPr>
-          <p:cNvPr id="3" name="內容版面配置區 2"/>
-          <p:cNvSpPr>
-            <a:spLocks noGrp="1"/>
-          </p:cNvSpPr>
-          <p:nvPr>
-            <p:ph idx="1"/>
-          </p:nvPr>
-        </p:nvSpPr>
-        <p:spPr>
-          <a:xfrm>
-            <a:off x="1097280" y="1845734"/>
-            <a:ext cx="4532243" cy="4023360"/>
-          </a:xfrm>
-        </p:spPr>
-        <p:txBody>
-          <a:bodyPr/>
-          <a:lstStyle/>
-          <a:p>
-            <a:endParaRPr lang="zh-TW" altLang="en-US" dirty="0"/>
-          </a:p>
-        </p:txBody>
-      </p:sp>
-      <p:sp>
-        <p:nvSpPr>
-          <p:cNvPr id="6" name="投影片編號版面配置區 5"/>
-          <p:cNvSpPr>
-            <a:spLocks noGrp="1"/>
-          </p:cNvSpPr>
-          <p:nvPr>
-            <p:ph type="sldNum" sz="quarter" idx="12"/>
-          </p:nvPr>
-        </p:nvSpPr>
-        <p:spPr/>
-        <p:txBody>
-          <a:bodyPr/>
-          <a:lstStyle/>
-          <a:p>
-            <a:fld id="{7EEA38C4-728D-4C6D-B45A-B952D9AC726F}" type="slidenum">
-              <a:rPr lang="zh-TW" altLang="en-US" smtClean="0"/>
-              <a:t>11</a:t>
-            </a:fld>
-            <a:endParaRPr lang="zh-TW" altLang="en-US"/>
           </a:p>
         </p:txBody>
       </p:sp>
       <p:pic>
         <p:nvPicPr>
-          <p:cNvPr id="4" name="圖片 3"/>
+          <p:cNvPr id="7" name="內容版面配置區 6"/>
           <p:cNvPicPr>
-            <a:picLocks noChangeAspect="1"/>
+            <a:picLocks noGrp="1" noChangeAspect="1"/>
           </p:cNvPicPr>
-          <p:nvPr/>
+          <p:nvPr>
+            <p:ph idx="1"/>
+          </p:nvPr>
         </p:nvPicPr>
         <p:blipFill>
           <a:blip r:embed="rId2"/>
@@ -9930,14 +10051,37 @@
         </p:blipFill>
         <p:spPr>
           <a:xfrm>
-            <a:off x="5931672" y="2079720"/>
-            <a:ext cx="2195901" cy="1013338"/>
+            <a:off x="3927292" y="1952366"/>
+            <a:ext cx="8147478" cy="4160109"/>
           </a:xfrm>
           <a:prstGeom prst="rect">
             <a:avLst/>
           </a:prstGeom>
         </p:spPr>
       </p:pic>
+      <p:sp>
+        <p:nvSpPr>
+          <p:cNvPr id="4" name="投影片編號版面配置區 3"/>
+          <p:cNvSpPr>
+            <a:spLocks noGrp="1"/>
+          </p:cNvSpPr>
+          <p:nvPr>
+            <p:ph type="sldNum" sz="quarter" idx="12"/>
+          </p:nvPr>
+        </p:nvSpPr>
+        <p:spPr/>
+        <p:txBody>
+          <a:bodyPr/>
+          <a:lstStyle/>
+          <a:p>
+            <a:fld id="{7EEA38C4-728D-4C6D-B45A-B952D9AC726F}" type="slidenum">
+              <a:rPr lang="zh-TW" altLang="en-US" smtClean="0"/>
+              <a:t>11</a:t>
+            </a:fld>
+            <a:endParaRPr lang="zh-TW" altLang="en-US"/>
+          </a:p>
+        </p:txBody>
+      </p:sp>
       <p:pic>
         <p:nvPicPr>
           <p:cNvPr id="5" name="圖片 4"/>
@@ -9954,8 +10098,32 @@
         </p:blipFill>
         <p:spPr>
           <a:xfrm>
-            <a:off x="8201694" y="512525"/>
-            <a:ext cx="3869008" cy="5495677"/>
+            <a:off x="411893" y="3297581"/>
+            <a:ext cx="3462082" cy="1439293"/>
+          </a:xfrm>
+          <a:prstGeom prst="rect">
+            <a:avLst/>
+          </a:prstGeom>
+        </p:spPr>
+      </p:pic>
+      <p:pic>
+        <p:nvPicPr>
+          <p:cNvPr id="6" name="圖片 5"/>
+          <p:cNvPicPr>
+            <a:picLocks noChangeAspect="1"/>
+          </p:cNvPicPr>
+          <p:nvPr/>
+        </p:nvPicPr>
+        <p:blipFill>
+          <a:blip r:embed="rId4"/>
+          <a:stretch>
+            <a:fillRect/>
+          </a:stretch>
+        </p:blipFill>
+        <p:spPr>
+          <a:xfrm>
+            <a:off x="612690" y="1949279"/>
+            <a:ext cx="3124200" cy="1295400"/>
           </a:xfrm>
           <a:prstGeom prst="rect">
             <a:avLst/>
@@ -9965,13 +10133,20 @@
     </p:spTree>
     <p:extLst>
       <p:ext uri="{BB962C8B-B14F-4D97-AF65-F5344CB8AC3E}">
-        <p14:creationId xmlns:p14="http://schemas.microsoft.com/office/powerpoint/2010/main" val="3797971118"/>
+        <p14:creationId xmlns:p14="http://schemas.microsoft.com/office/powerpoint/2010/main" val="3010744639"/>
       </p:ext>
     </p:extLst>
   </p:cSld>
   <p:clrMapOvr>
     <a:masterClrMapping/>
   </p:clrMapOvr>
+  <p:timing>
+    <p:tnLst>
+      <p:par>
+        <p:cTn id="1" dur="indefinite" restart="never" nodeType="tmRoot"/>
+      </p:par>
+    </p:tnLst>
+  </p:timing>
 </p:sld>
 </file>
 
@@ -10007,7 +10182,23 @@
           <a:bodyPr/>
           <a:lstStyle/>
           <a:p>
-            <a:endParaRPr lang="zh-TW" altLang="en-US"/>
+            <a:r>
+              <a:rPr lang="zh-TW" altLang="en-US" dirty="0"/>
+              <a:t>主程式擲</a:t>
+            </a:r>
+            <a:r>
+              <a:rPr lang="zh-TW" altLang="en-US" dirty="0" smtClean="0"/>
+              <a:t>出</a:t>
+            </a:r>
+            <a:r>
+              <a:rPr lang="en-US" altLang="zh-TW" dirty="0" smtClean="0"/>
+              <a:t>Exception</a:t>
+            </a:r>
+            <a:r>
+              <a:rPr lang="zh-TW" altLang="en-US" dirty="0" smtClean="0"/>
+              <a:t>狀況</a:t>
+            </a:r>
+            <a:endParaRPr lang="zh-TW" altLang="en-US" dirty="0"/>
           </a:p>
         </p:txBody>
       </p:sp>
@@ -10021,42 +10212,46 @@
             <p:ph idx="1"/>
           </p:nvPr>
         </p:nvSpPr>
+        <p:spPr>
+          <a:xfrm>
+            <a:off x="1097280" y="1845734"/>
+            <a:ext cx="4532243" cy="4023360"/>
+          </a:xfrm>
+        </p:spPr>
+        <p:txBody>
+          <a:bodyPr/>
+          <a:lstStyle/>
+          <a:p>
+            <a:endParaRPr lang="zh-TW" altLang="en-US" dirty="0"/>
+          </a:p>
+        </p:txBody>
+      </p:sp>
+      <p:sp>
+        <p:nvSpPr>
+          <p:cNvPr id="6" name="投影片編號版面配置區 5"/>
+          <p:cNvSpPr>
+            <a:spLocks noGrp="1"/>
+          </p:cNvSpPr>
+          <p:nvPr>
+            <p:ph type="sldNum" sz="quarter" idx="12"/>
+          </p:nvPr>
+        </p:nvSpPr>
         <p:spPr/>
         <p:txBody>
           <a:bodyPr/>
           <a:lstStyle/>
           <a:p>
-            <a:endParaRPr lang="zh-TW" altLang="en-US"/>
-          </a:p>
-        </p:txBody>
-      </p:sp>
-      <p:sp>
-        <p:nvSpPr>
-          <p:cNvPr id="4" name="投影片編號版面配置區 3"/>
-          <p:cNvSpPr>
-            <a:spLocks noGrp="1"/>
-          </p:cNvSpPr>
-          <p:nvPr>
-            <p:ph type="sldNum" sz="quarter" idx="12"/>
-          </p:nvPr>
-        </p:nvSpPr>
-        <p:spPr/>
-        <p:txBody>
-          <a:bodyPr/>
-          <a:lstStyle/>
-          <a:p>
             <a:fld id="{7EEA38C4-728D-4C6D-B45A-B952D9AC726F}" type="slidenum">
               <a:rPr lang="zh-TW" altLang="en-US" smtClean="0"/>
-              <a:pPr/>
               <a:t>12</a:t>
             </a:fld>
-            <a:endParaRPr lang="zh-TW" altLang="en-US" dirty="0"/>
+            <a:endParaRPr lang="zh-TW" altLang="en-US"/>
           </a:p>
         </p:txBody>
       </p:sp>
       <p:pic>
         <p:nvPicPr>
-          <p:cNvPr id="5" name="圖片 4"/>
+          <p:cNvPr id="4" name="圖片 3"/>
           <p:cNvPicPr>
             <a:picLocks noChangeAspect="1"/>
           </p:cNvPicPr>
@@ -10070,8 +10265,8 @@
         </p:blipFill>
         <p:spPr>
           <a:xfrm>
-            <a:off x="1709530" y="2819537"/>
-            <a:ext cx="7360837" cy="2374244"/>
+            <a:off x="3101688" y="2079719"/>
+            <a:ext cx="5025885" cy="2319285"/>
           </a:xfrm>
           <a:prstGeom prst="rect">
             <a:avLst/>
@@ -10080,7 +10275,7 @@
       </p:pic>
       <p:pic>
         <p:nvPicPr>
-          <p:cNvPr id="6" name="圖片 5"/>
+          <p:cNvPr id="5" name="圖片 4"/>
           <p:cNvPicPr>
             <a:picLocks noChangeAspect="1"/>
           </p:cNvPicPr>
@@ -10094,8 +10289,8 @@
         </p:blipFill>
         <p:spPr>
           <a:xfrm>
-            <a:off x="5791199" y="1071770"/>
-            <a:ext cx="5457825" cy="4953000"/>
+            <a:off x="8201694" y="512525"/>
+            <a:ext cx="3869008" cy="5495677"/>
           </a:xfrm>
           <a:prstGeom prst="rect">
             <a:avLst/>
@@ -10105,13 +10300,20 @@
     </p:spTree>
     <p:extLst>
       <p:ext uri="{BB962C8B-B14F-4D97-AF65-F5344CB8AC3E}">
-        <p14:creationId xmlns:p14="http://schemas.microsoft.com/office/powerpoint/2010/main" val="397380173"/>
+        <p14:creationId xmlns:p14="http://schemas.microsoft.com/office/powerpoint/2010/main" val="3797971118"/>
       </p:ext>
     </p:extLst>
   </p:cSld>
   <p:clrMapOvr>
     <a:masterClrMapping/>
   </p:clrMapOvr>
+  <p:timing>
+    <p:tnLst>
+      <p:par>
+        <p:cTn id="1" dur="indefinite" restart="never" nodeType="tmRoot"/>
+      </p:par>
+    </p:tnLst>
+  </p:timing>
 </p:sld>
 </file>
 
@@ -10144,87 +10346,80 @@
         </p:nvSpPr>
         <p:spPr/>
         <p:txBody>
-          <a:bodyPr>
-            <a:normAutofit/>
-          </a:bodyPr>
-          <a:lstStyle/>
-          <a:p>
-            <a:r>
-              <a:rPr lang="zh-TW" altLang="en-US" dirty="0"/>
-              <a:t>主程式擲出</a:t>
-            </a:r>
-            <a:r>
-              <a:rPr lang="en-US" altLang="zh-TW" dirty="0"/>
-              <a:t>Exception</a:t>
-            </a:r>
-            <a:r>
-              <a:rPr lang="zh-TW" altLang="en-US" dirty="0"/>
-              <a:t>狀況</a:t>
-            </a:r>
-            <a:r>
-              <a:rPr lang="en-US" altLang="zh-TW" dirty="0" smtClean="0"/>
-              <a:t/>
-            </a:r>
-            <a:br>
-              <a:rPr lang="en-US" altLang="zh-TW" dirty="0" smtClean="0"/>
-            </a:br>
-            <a:r>
-              <a:rPr lang="en-US" altLang="zh-TW" dirty="0" smtClean="0"/>
-              <a:t>Ajax</a:t>
-            </a:r>
+          <a:bodyPr/>
+          <a:lstStyle/>
+          <a:p>
+            <a:endParaRPr lang="zh-TW" altLang="en-US"/>
+          </a:p>
+        </p:txBody>
+      </p:sp>
+      <p:sp>
+        <p:nvSpPr>
+          <p:cNvPr id="3" name="內容版面配置區 2"/>
+          <p:cNvSpPr>
+            <a:spLocks noGrp="1"/>
+          </p:cNvSpPr>
+          <p:nvPr>
+            <p:ph idx="1"/>
+          </p:nvPr>
+        </p:nvSpPr>
+        <p:spPr/>
+        <p:txBody>
+          <a:bodyPr/>
+          <a:lstStyle/>
+          <a:p>
+            <a:endParaRPr lang="zh-TW" altLang="en-US"/>
+          </a:p>
+        </p:txBody>
+      </p:sp>
+      <p:sp>
+        <p:nvSpPr>
+          <p:cNvPr id="4" name="投影片編號版面配置區 3"/>
+          <p:cNvSpPr>
+            <a:spLocks noGrp="1"/>
+          </p:cNvSpPr>
+          <p:nvPr>
+            <p:ph type="sldNum" sz="quarter" idx="12"/>
+          </p:nvPr>
+        </p:nvSpPr>
+        <p:spPr/>
+        <p:txBody>
+          <a:bodyPr/>
+          <a:lstStyle/>
+          <a:p>
+            <a:fld id="{7EEA38C4-728D-4C6D-B45A-B952D9AC726F}" type="slidenum">
+              <a:rPr lang="zh-TW" altLang="en-US" smtClean="0"/>
+              <a:pPr/>
+              <a:t>13</a:t>
+            </a:fld>
             <a:endParaRPr lang="zh-TW" altLang="en-US" dirty="0"/>
           </a:p>
         </p:txBody>
       </p:sp>
       <p:pic>
         <p:nvPicPr>
-          <p:cNvPr id="7" name="內容版面配置區 6"/>
+          <p:cNvPr id="5" name="圖片 4"/>
           <p:cNvPicPr>
-            <a:picLocks noGrp="1" noChangeAspect="1"/>
+            <a:picLocks noChangeAspect="1"/>
           </p:cNvPicPr>
-          <p:nvPr>
-            <p:ph idx="1"/>
-          </p:nvPr>
+          <p:nvPr/>
         </p:nvPicPr>
         <p:blipFill>
-          <a:blip r:embed="rId3"/>
+          <a:blip r:embed="rId2"/>
           <a:stretch>
             <a:fillRect/>
           </a:stretch>
         </p:blipFill>
         <p:spPr>
           <a:xfrm>
-            <a:off x="6610738" y="691763"/>
-            <a:ext cx="4544942" cy="2718849"/>
+            <a:off x="1709530" y="2819537"/>
+            <a:ext cx="7360837" cy="2374244"/>
           </a:xfrm>
           <a:prstGeom prst="rect">
             <a:avLst/>
           </a:prstGeom>
         </p:spPr>
       </p:pic>
-      <p:sp>
-        <p:nvSpPr>
-          <p:cNvPr id="8" name="投影片編號版面配置區 7"/>
-          <p:cNvSpPr>
-            <a:spLocks noGrp="1"/>
-          </p:cNvSpPr>
-          <p:nvPr>
-            <p:ph type="sldNum" sz="quarter" idx="12"/>
-          </p:nvPr>
-        </p:nvSpPr>
-        <p:spPr/>
-        <p:txBody>
-          <a:bodyPr/>
-          <a:lstStyle/>
-          <a:p>
-            <a:fld id="{7EEA38C4-728D-4C6D-B45A-B952D9AC726F}" type="slidenum">
-              <a:rPr lang="zh-TW" altLang="en-US" smtClean="0"/>
-              <a:t>13</a:t>
-            </a:fld>
-            <a:endParaRPr lang="zh-TW" altLang="en-US"/>
-          </a:p>
-        </p:txBody>
-      </p:sp>
       <p:pic>
         <p:nvPicPr>
           <p:cNvPr id="6" name="圖片 5"/>
@@ -10234,15 +10429,15 @@
           <p:nvPr/>
         </p:nvPicPr>
         <p:blipFill>
-          <a:blip r:embed="rId4"/>
+          <a:blip r:embed="rId3"/>
           <a:stretch>
             <a:fillRect/>
           </a:stretch>
         </p:blipFill>
         <p:spPr>
           <a:xfrm>
-            <a:off x="4850793" y="3592899"/>
-            <a:ext cx="6304887" cy="2518465"/>
+            <a:off x="5791199" y="1071770"/>
+            <a:ext cx="5457825" cy="4953000"/>
           </a:xfrm>
           <a:prstGeom prst="rect">
             <a:avLst/>
@@ -10252,13 +10447,20 @@
     </p:spTree>
     <p:extLst>
       <p:ext uri="{BB962C8B-B14F-4D97-AF65-F5344CB8AC3E}">
-        <p14:creationId xmlns:p14="http://schemas.microsoft.com/office/powerpoint/2010/main" val="1015557671"/>
+        <p14:creationId xmlns:p14="http://schemas.microsoft.com/office/powerpoint/2010/main" val="397380173"/>
       </p:ext>
     </p:extLst>
   </p:cSld>
   <p:clrMapOvr>
     <a:masterClrMapping/>
   </p:clrMapOvr>
+  <p:timing>
+    <p:tnLst>
+      <p:par>
+        <p:cTn id="1" dur="indefinite" restart="never" nodeType="tmRoot"/>
+      </p:par>
+    </p:tnLst>
+  </p:timing>
 </p:sld>
 </file>
 
@@ -10305,7 +10507,7 @@
               <a:t>Exception</a:t>
             </a:r>
             <a:r>
-              <a:rPr lang="zh-TW" altLang="en-US" dirty="0" smtClean="0"/>
+              <a:rPr lang="zh-TW" altLang="en-US" dirty="0"/>
               <a:t>狀況</a:t>
             </a:r>
             <a:r>
@@ -10317,94 +10519,21 @@
             </a:br>
             <a:r>
               <a:rPr lang="en-US" altLang="zh-TW" dirty="0" smtClean="0"/>
-              <a:t>Post</a:t>
-            </a:r>
-            <a:endParaRPr lang="zh-TW" altLang="en-US" dirty="0"/>
-          </a:p>
-        </p:txBody>
-      </p:sp>
-      <p:sp>
-        <p:nvSpPr>
-          <p:cNvPr id="7" name="內容版面配置區 6"/>
-          <p:cNvSpPr>
-            <a:spLocks noGrp="1"/>
-          </p:cNvSpPr>
-          <p:nvPr>
-            <p:ph idx="1"/>
-          </p:nvPr>
-        </p:nvSpPr>
-        <p:spPr>
-          <a:xfrm>
-            <a:off x="1097280" y="1965004"/>
-            <a:ext cx="10058400" cy="4023360"/>
-          </a:xfrm>
-        </p:spPr>
-        <p:txBody>
-          <a:bodyPr/>
-          <a:lstStyle/>
-          <a:p>
-            <a:pPr marL="0" indent="0" algn="ctr">
-              <a:buNone/>
-            </a:pPr>
-            <a:endParaRPr lang="zh-TW" altLang="en-US" dirty="0"/>
-          </a:p>
-        </p:txBody>
-      </p:sp>
-      <p:sp>
-        <p:nvSpPr>
-          <p:cNvPr id="4" name="投影片編號版面配置區 3"/>
-          <p:cNvSpPr>
-            <a:spLocks noGrp="1"/>
-          </p:cNvSpPr>
-          <p:nvPr>
-            <p:ph type="sldNum" sz="quarter" idx="12"/>
-          </p:nvPr>
-        </p:nvSpPr>
-        <p:spPr/>
-        <p:txBody>
-          <a:bodyPr/>
-          <a:lstStyle/>
-          <a:p>
-            <a:fld id="{7EEA38C4-728D-4C6D-B45A-B952D9AC726F}" type="slidenum">
-              <a:rPr lang="zh-TW" altLang="en-US" smtClean="0"/>
-              <a:pPr/>
-              <a:t>14</a:t>
-            </a:fld>
+              <a:t>Ajax</a:t>
+            </a:r>
             <a:endParaRPr lang="zh-TW" altLang="en-US" dirty="0"/>
           </a:p>
         </p:txBody>
       </p:sp>
       <p:pic>
         <p:nvPicPr>
-          <p:cNvPr id="11" name="圖片 10"/>
+          <p:cNvPr id="7" name="內容版面配置區 6"/>
           <p:cNvPicPr>
-            <a:picLocks noChangeAspect="1"/>
+            <a:picLocks noGrp="1" noChangeAspect="1"/>
           </p:cNvPicPr>
-          <p:nvPr/>
-        </p:nvPicPr>
-        <p:blipFill>
-          <a:blip r:embed="rId2"/>
-          <a:stretch>
-            <a:fillRect/>
-          </a:stretch>
-        </p:blipFill>
-        <p:spPr>
-          <a:xfrm>
-            <a:off x="2319337" y="1431692"/>
-            <a:ext cx="6791751" cy="3675037"/>
-          </a:xfrm>
-          <a:prstGeom prst="rect">
-            <a:avLst/>
-          </a:prstGeom>
-        </p:spPr>
-      </p:pic>
-      <p:pic>
-        <p:nvPicPr>
-          <p:cNvPr id="10" name="圖片 9"/>
-          <p:cNvPicPr>
-            <a:picLocks noChangeAspect="1"/>
-          </p:cNvPicPr>
-          <p:nvPr/>
+          <p:nvPr>
+            <p:ph idx="1"/>
+          </p:nvPr>
         </p:nvPicPr>
         <p:blipFill>
           <a:blip r:embed="rId3"/>
@@ -10414,17 +10543,40 @@
         </p:blipFill>
         <p:spPr>
           <a:xfrm>
-            <a:off x="3762375" y="2428875"/>
-            <a:ext cx="4667250" cy="2000250"/>
+            <a:off x="6610738" y="691763"/>
+            <a:ext cx="4544942" cy="2718849"/>
           </a:xfrm>
           <a:prstGeom prst="rect">
             <a:avLst/>
           </a:prstGeom>
         </p:spPr>
       </p:pic>
+      <p:sp>
+        <p:nvSpPr>
+          <p:cNvPr id="8" name="投影片編號版面配置區 7"/>
+          <p:cNvSpPr>
+            <a:spLocks noGrp="1"/>
+          </p:cNvSpPr>
+          <p:nvPr>
+            <p:ph type="sldNum" sz="quarter" idx="12"/>
+          </p:nvPr>
+        </p:nvSpPr>
+        <p:spPr/>
+        <p:txBody>
+          <a:bodyPr/>
+          <a:lstStyle/>
+          <a:p>
+            <a:fld id="{7EEA38C4-728D-4C6D-B45A-B952D9AC726F}" type="slidenum">
+              <a:rPr lang="zh-TW" altLang="en-US" smtClean="0"/>
+              <a:t>14</a:t>
+            </a:fld>
+            <a:endParaRPr lang="zh-TW" altLang="en-US"/>
+          </a:p>
+        </p:txBody>
+      </p:sp>
       <p:pic>
         <p:nvPicPr>
-          <p:cNvPr id="12" name="圖片 11"/>
+          <p:cNvPr id="6" name="圖片 5"/>
           <p:cNvPicPr>
             <a:picLocks noChangeAspect="1"/>
           </p:cNvPicPr>
@@ -10438,56 +10590,8 @@
         </p:blipFill>
         <p:spPr>
           <a:xfrm>
-            <a:off x="8429625" y="4142665"/>
-            <a:ext cx="3559621" cy="1928128"/>
-          </a:xfrm>
-          <a:prstGeom prst="rect">
-            <a:avLst/>
-          </a:prstGeom>
-        </p:spPr>
-      </p:pic>
-      <p:pic>
-        <p:nvPicPr>
-          <p:cNvPr id="13" name="圖片 12"/>
-          <p:cNvPicPr>
-            <a:picLocks noChangeAspect="1"/>
-          </p:cNvPicPr>
-          <p:nvPr/>
-        </p:nvPicPr>
-        <p:blipFill>
-          <a:blip r:embed="rId5"/>
-          <a:stretch>
-            <a:fillRect/>
-          </a:stretch>
-        </p:blipFill>
-        <p:spPr>
-          <a:xfrm>
-            <a:off x="5931673" y="1349263"/>
-            <a:ext cx="5915563" cy="2146721"/>
-          </a:xfrm>
-          <a:prstGeom prst="rect">
-            <a:avLst/>
-          </a:prstGeom>
-        </p:spPr>
-      </p:pic>
-      <p:pic>
-        <p:nvPicPr>
-          <p:cNvPr id="14" name="圖片 13"/>
-          <p:cNvPicPr>
-            <a:picLocks noChangeAspect="1"/>
-          </p:cNvPicPr>
-          <p:nvPr/>
-        </p:nvPicPr>
-        <p:blipFill>
-          <a:blip r:embed="rId6"/>
-          <a:stretch>
-            <a:fillRect/>
-          </a:stretch>
-        </p:blipFill>
-        <p:spPr>
-          <a:xfrm>
-            <a:off x="263714" y="1431692"/>
-            <a:ext cx="5524500" cy="3467100"/>
+            <a:off x="4850793" y="3592899"/>
+            <a:ext cx="6304887" cy="2518465"/>
           </a:xfrm>
           <a:prstGeom prst="rect">
             <a:avLst/>
@@ -10497,13 +10601,20 @@
     </p:spTree>
     <p:extLst>
       <p:ext uri="{BB962C8B-B14F-4D97-AF65-F5344CB8AC3E}">
-        <p14:creationId xmlns:p14="http://schemas.microsoft.com/office/powerpoint/2010/main" val="3840322205"/>
+        <p14:creationId xmlns:p14="http://schemas.microsoft.com/office/powerpoint/2010/main" val="1015557671"/>
       </p:ext>
     </p:extLst>
   </p:cSld>
   <p:clrMapOvr>
     <a:masterClrMapping/>
   </p:clrMapOvr>
+  <p:timing>
+    <p:tnLst>
+      <p:par>
+        <p:cTn id="1" dur="indefinite" restart="never" nodeType="tmRoot"/>
+      </p:par>
+    </p:tnLst>
+  </p:timing>
 </p:sld>
 </file>
 
@@ -10542,40 +10653,35 @@
           <a:lstStyle/>
           <a:p>
             <a:r>
-              <a:rPr lang="zh-TW" altLang="zh-TW" sz="3600" dirty="0">
-                <a:solidFill>
-                  <a:srgbClr val="FF0000"/>
-                </a:solidFill>
-              </a:rPr>
-              <a:t>若需要查問題需要</a:t>
-            </a:r>
-            <a:r>
-              <a:rPr lang="en-US" altLang="zh-TW" sz="3600" dirty="0">
-                <a:solidFill>
-                  <a:srgbClr val="FF0000"/>
-                </a:solidFill>
-              </a:rPr>
-              <a:t> debug </a:t>
-            </a:r>
-            <a:r>
-              <a:rPr lang="zh-TW" altLang="zh-TW" sz="3600" dirty="0">
-                <a:solidFill>
-                  <a:srgbClr val="FF0000"/>
-                </a:solidFill>
-              </a:rPr>
-              <a:t>層級，需要怎麼處理？</a:t>
-            </a:r>
-            <a:endParaRPr lang="zh-TW" altLang="en-US" sz="3600" dirty="0">
-              <a:solidFill>
-                <a:srgbClr val="FF0000"/>
-              </a:solidFill>
-            </a:endParaRPr>
-          </a:p>
-        </p:txBody>
-      </p:sp>
-      <p:sp>
-        <p:nvSpPr>
-          <p:cNvPr id="3" name="內容版面配置區 2"/>
+              <a:rPr lang="zh-TW" altLang="en-US" dirty="0"/>
+              <a:t>主程式擲出</a:t>
+            </a:r>
+            <a:r>
+              <a:rPr lang="en-US" altLang="zh-TW" dirty="0"/>
+              <a:t>Exception</a:t>
+            </a:r>
+            <a:r>
+              <a:rPr lang="zh-TW" altLang="en-US" dirty="0" smtClean="0"/>
+              <a:t>狀況</a:t>
+            </a:r>
+            <a:r>
+              <a:rPr lang="en-US" altLang="zh-TW" dirty="0" smtClean="0"/>
+              <a:t/>
+            </a:r>
+            <a:br>
+              <a:rPr lang="en-US" altLang="zh-TW" dirty="0" smtClean="0"/>
+            </a:br>
+            <a:r>
+              <a:rPr lang="en-US" altLang="zh-TW" dirty="0" smtClean="0"/>
+              <a:t>Post</a:t>
+            </a:r>
+            <a:endParaRPr lang="zh-TW" altLang="en-US" dirty="0"/>
+          </a:p>
+        </p:txBody>
+      </p:sp>
+      <p:sp>
+        <p:nvSpPr>
+          <p:cNvPr id="7" name="內容版面配置區 6"/>
           <p:cNvSpPr>
             <a:spLocks noGrp="1"/>
           </p:cNvSpPr>
@@ -10583,11 +10689,19 @@
             <p:ph idx="1"/>
           </p:nvPr>
         </p:nvSpPr>
-        <p:spPr/>
-        <p:txBody>
-          <a:bodyPr/>
-          <a:lstStyle/>
-          <a:p>
+        <p:spPr>
+          <a:xfrm>
+            <a:off x="1097280" y="1965004"/>
+            <a:ext cx="10058400" cy="4023360"/>
+          </a:xfrm>
+        </p:spPr>
+        <p:txBody>
+          <a:bodyPr/>
+          <a:lstStyle/>
+          <a:p>
+            <a:pPr marL="0" indent="0" algn="ctr">
+              <a:buNone/>
+            </a:pPr>
             <a:endParaRPr lang="zh-TW" altLang="en-US" dirty="0"/>
           </a:p>
         </p:txBody>
@@ -10616,16 +10730,143 @@
           </a:p>
         </p:txBody>
       </p:sp>
+      <p:pic>
+        <p:nvPicPr>
+          <p:cNvPr id="11" name="圖片 10"/>
+          <p:cNvPicPr>
+            <a:picLocks noChangeAspect="1"/>
+          </p:cNvPicPr>
+          <p:nvPr/>
+        </p:nvPicPr>
+        <p:blipFill>
+          <a:blip r:embed="rId2"/>
+          <a:stretch>
+            <a:fillRect/>
+          </a:stretch>
+        </p:blipFill>
+        <p:spPr>
+          <a:xfrm>
+            <a:off x="2319337" y="1431692"/>
+            <a:ext cx="6791751" cy="3675037"/>
+          </a:xfrm>
+          <a:prstGeom prst="rect">
+            <a:avLst/>
+          </a:prstGeom>
+        </p:spPr>
+      </p:pic>
+      <p:pic>
+        <p:nvPicPr>
+          <p:cNvPr id="10" name="圖片 9"/>
+          <p:cNvPicPr>
+            <a:picLocks noChangeAspect="1"/>
+          </p:cNvPicPr>
+          <p:nvPr/>
+        </p:nvPicPr>
+        <p:blipFill>
+          <a:blip r:embed="rId3"/>
+          <a:stretch>
+            <a:fillRect/>
+          </a:stretch>
+        </p:blipFill>
+        <p:spPr>
+          <a:xfrm>
+            <a:off x="3762375" y="2428875"/>
+            <a:ext cx="4667250" cy="2000250"/>
+          </a:xfrm>
+          <a:prstGeom prst="rect">
+            <a:avLst/>
+          </a:prstGeom>
+        </p:spPr>
+      </p:pic>
+      <p:pic>
+        <p:nvPicPr>
+          <p:cNvPr id="12" name="圖片 11"/>
+          <p:cNvPicPr>
+            <a:picLocks noChangeAspect="1"/>
+          </p:cNvPicPr>
+          <p:nvPr/>
+        </p:nvPicPr>
+        <p:blipFill>
+          <a:blip r:embed="rId4"/>
+          <a:stretch>
+            <a:fillRect/>
+          </a:stretch>
+        </p:blipFill>
+        <p:spPr>
+          <a:xfrm>
+            <a:off x="8429625" y="4142665"/>
+            <a:ext cx="3559621" cy="1928128"/>
+          </a:xfrm>
+          <a:prstGeom prst="rect">
+            <a:avLst/>
+          </a:prstGeom>
+        </p:spPr>
+      </p:pic>
+      <p:pic>
+        <p:nvPicPr>
+          <p:cNvPr id="13" name="圖片 12"/>
+          <p:cNvPicPr>
+            <a:picLocks noChangeAspect="1"/>
+          </p:cNvPicPr>
+          <p:nvPr/>
+        </p:nvPicPr>
+        <p:blipFill>
+          <a:blip r:embed="rId5"/>
+          <a:stretch>
+            <a:fillRect/>
+          </a:stretch>
+        </p:blipFill>
+        <p:spPr>
+          <a:xfrm>
+            <a:off x="5931673" y="1349263"/>
+            <a:ext cx="5915563" cy="2146721"/>
+          </a:xfrm>
+          <a:prstGeom prst="rect">
+            <a:avLst/>
+          </a:prstGeom>
+        </p:spPr>
+      </p:pic>
+      <p:pic>
+        <p:nvPicPr>
+          <p:cNvPr id="14" name="圖片 13"/>
+          <p:cNvPicPr>
+            <a:picLocks noChangeAspect="1"/>
+          </p:cNvPicPr>
+          <p:nvPr/>
+        </p:nvPicPr>
+        <p:blipFill>
+          <a:blip r:embed="rId6"/>
+          <a:stretch>
+            <a:fillRect/>
+          </a:stretch>
+        </p:blipFill>
+        <p:spPr>
+          <a:xfrm>
+            <a:off x="263714" y="1431692"/>
+            <a:ext cx="5524500" cy="3467100"/>
+          </a:xfrm>
+          <a:prstGeom prst="rect">
+            <a:avLst/>
+          </a:prstGeom>
+        </p:spPr>
+      </p:pic>
     </p:spTree>
     <p:extLst>
       <p:ext uri="{BB962C8B-B14F-4D97-AF65-F5344CB8AC3E}">
-        <p14:creationId xmlns:p14="http://schemas.microsoft.com/office/powerpoint/2010/main" val="2163307741"/>
+        <p14:creationId xmlns:p14="http://schemas.microsoft.com/office/powerpoint/2010/main" val="3840322205"/>
       </p:ext>
     </p:extLst>
   </p:cSld>
   <p:clrMapOvr>
     <a:masterClrMapping/>
   </p:clrMapOvr>
+  <p:timing>
+    <p:tnLst>
+      <p:par>
+        <p:cTn id="1" dur="indefinite" restart="never" nodeType="tmRoot"/>
+      </p:par>
+    </p:tnLst>
+  </p:timing>
 </p:sld>
 </file>
 
@@ -10658,357 +10899,39 @@
         </p:nvSpPr>
         <p:spPr/>
         <p:txBody>
-          <a:bodyPr/>
-          <a:lstStyle/>
-          <a:p>
-            <a:r>
-              <a:rPr lang="en-US" altLang="zh-TW" dirty="0" err="1"/>
-              <a:t>isDebugEnabled</a:t>
-            </a:r>
-            <a:r>
-              <a:rPr lang="zh-TW" altLang="en-US" dirty="0"/>
-              <a:t>的用途</a:t>
-            </a:r>
-          </a:p>
-        </p:txBody>
-      </p:sp>
-      <p:sp>
-        <p:nvSpPr>
-          <p:cNvPr id="3" name="內容版面配置區 2"/>
-          <p:cNvSpPr>
-            <a:spLocks noGrp="1"/>
-          </p:cNvSpPr>
-          <p:nvPr>
-            <p:ph idx="1"/>
-          </p:nvPr>
-        </p:nvSpPr>
-        <p:spPr/>
-        <p:txBody>
           <a:bodyPr>
-            <a:normAutofit fontScale="92500" lnSpcReduction="10000"/>
+            <a:normAutofit/>
           </a:bodyPr>
           <a:lstStyle/>
           <a:p>
             <a:r>
-              <a:rPr lang="zh-TW" altLang="en-US" b="1" dirty="0">
-                <a:latin typeface="+mn-lt"/>
+              <a:rPr lang="zh-TW" altLang="zh-TW" sz="3600" dirty="0">
+                <a:solidFill>
+                  <a:schemeClr val="tx1"/>
+                </a:solidFill>
               </a:rPr>
-              <a:t>使用 </a:t>
-            </a:r>
-            <a:r>
-              <a:rPr lang="en-US" altLang="zh-TW" b="1" dirty="0" err="1">
-                <a:latin typeface="+mn-lt"/>
+              <a:t>若需要查問題需要</a:t>
+            </a:r>
+            <a:r>
+              <a:rPr lang="en-US" altLang="zh-TW" sz="3600" dirty="0">
+                <a:solidFill>
+                  <a:schemeClr val="tx1"/>
+                </a:solidFill>
               </a:rPr>
-              <a:t>isDebugEnabled</a:t>
-            </a:r>
-            <a:r>
-              <a:rPr lang="en-US" altLang="zh-TW" b="1" dirty="0">
-                <a:latin typeface="+mn-lt"/>
+              <a:t> debug </a:t>
+            </a:r>
+            <a:r>
+              <a:rPr lang="zh-TW" altLang="zh-TW" sz="3600" dirty="0">
+                <a:solidFill>
+                  <a:schemeClr val="tx1"/>
+                </a:solidFill>
               </a:rPr>
-              <a:t> </a:t>
-            </a:r>
-            <a:r>
-              <a:rPr lang="zh-TW" altLang="en-US" b="1" dirty="0">
-                <a:latin typeface="+mn-lt"/>
-              </a:rPr>
-              <a:t>減少效能的負擔</a:t>
-            </a:r>
-            <a:endParaRPr lang="zh-TW" altLang="en-US" dirty="0">
-              <a:latin typeface="+mn-lt"/>
-            </a:endParaRPr>
-          </a:p>
-          <a:p>
-            <a:r>
-              <a:rPr lang="zh-TW" altLang="en-US" dirty="0">
-                <a:latin typeface="+mn-lt"/>
-              </a:rPr>
-              <a:t>透過一個 </a:t>
-            </a:r>
-            <a:r>
-              <a:rPr lang="en-US" altLang="zh-TW" dirty="0" err="1">
-                <a:latin typeface="+mn-lt"/>
-              </a:rPr>
-              <a:t>isDebugEnabled</a:t>
-            </a:r>
-            <a:r>
-              <a:rPr lang="en-US" altLang="zh-TW" dirty="0">
-                <a:latin typeface="+mn-lt"/>
-              </a:rPr>
-              <a:t>() </a:t>
-            </a:r>
-            <a:r>
-              <a:rPr lang="zh-TW" altLang="en-US" dirty="0">
-                <a:latin typeface="+mn-lt"/>
-              </a:rPr>
-              <a:t>方法的呼叫，來判斷目前 </a:t>
-            </a:r>
-            <a:r>
-              <a:rPr lang="en-US" altLang="zh-TW" dirty="0">
-                <a:latin typeface="+mn-lt"/>
-              </a:rPr>
-              <a:t>Log4j </a:t>
-            </a:r>
-            <a:r>
-              <a:rPr lang="zh-TW" altLang="en-US" dirty="0">
-                <a:latin typeface="+mn-lt"/>
-              </a:rPr>
-              <a:t>的 </a:t>
-            </a:r>
-            <a:r>
-              <a:rPr lang="en-US" altLang="zh-TW" dirty="0">
-                <a:latin typeface="+mn-lt"/>
-              </a:rPr>
-              <a:t>level </a:t>
-            </a:r>
-            <a:r>
-              <a:rPr lang="zh-TW" altLang="en-US" dirty="0">
-                <a:latin typeface="+mn-lt"/>
-              </a:rPr>
-              <a:t>是否為 </a:t>
-            </a:r>
-            <a:r>
-              <a:rPr lang="en-US" altLang="zh-TW" dirty="0" smtClean="0">
-                <a:latin typeface="+mn-lt"/>
-              </a:rPr>
-              <a:t>debug</a:t>
-            </a:r>
-            <a:endParaRPr lang="en-US" altLang="zh-TW" dirty="0">
-              <a:latin typeface="+mn-lt"/>
-            </a:endParaRPr>
-          </a:p>
-          <a:p>
-            <a:r>
-              <a:rPr lang="zh-TW" altLang="en-US" dirty="0" smtClean="0">
-                <a:latin typeface="+mn-lt"/>
-              </a:rPr>
-              <a:t>若</a:t>
-            </a:r>
-            <a:r>
-              <a:rPr lang="zh-TW" altLang="en-US" dirty="0">
-                <a:latin typeface="+mn-lt"/>
-              </a:rPr>
-              <a:t>不是，便不會執行參數組成的</a:t>
-            </a:r>
-            <a:r>
-              <a:rPr lang="zh-TW" altLang="en-US" dirty="0" smtClean="0">
-                <a:latin typeface="+mn-lt"/>
-              </a:rPr>
-              <a:t>程式碼</a:t>
-            </a:r>
-            <a:endParaRPr lang="en-US" altLang="zh-TW" dirty="0" smtClean="0">
-              <a:latin typeface="+mn-lt"/>
-            </a:endParaRPr>
-          </a:p>
-          <a:p>
-            <a:r>
-              <a:rPr lang="zh-TW" altLang="en-US" dirty="0" smtClean="0">
-                <a:latin typeface="+mn-lt"/>
-              </a:rPr>
-              <a:t>較好的做法是，將</a:t>
-            </a:r>
-            <a:r>
-              <a:rPr lang="zh-TW" altLang="en-US" dirty="0">
-                <a:latin typeface="+mn-lt"/>
-              </a:rPr>
-              <a:t>需要 </a:t>
-            </a:r>
-            <a:r>
-              <a:rPr lang="en-US" altLang="zh-TW" dirty="0">
-                <a:latin typeface="+mn-lt"/>
-              </a:rPr>
-              <a:t>debug </a:t>
-            </a:r>
-            <a:r>
-              <a:rPr lang="zh-TW" altLang="en-US" dirty="0">
-                <a:latin typeface="+mn-lt"/>
-              </a:rPr>
-              <a:t>的所有</a:t>
-            </a:r>
-            <a:r>
-              <a:rPr lang="zh-TW" altLang="en-US" dirty="0" smtClean="0">
-                <a:latin typeface="+mn-lt"/>
-              </a:rPr>
-              <a:t>訊息，整理</a:t>
-            </a:r>
-            <a:r>
-              <a:rPr lang="zh-TW" altLang="en-US" dirty="0">
-                <a:latin typeface="+mn-lt"/>
-              </a:rPr>
-              <a:t>在同一個判斷區</a:t>
-            </a:r>
-            <a:r>
-              <a:rPr lang="zh-TW" altLang="en-US" dirty="0" smtClean="0">
-                <a:latin typeface="+mn-lt"/>
-              </a:rPr>
-              <a:t>塊</a:t>
-            </a:r>
-            <a:endParaRPr lang="en-US" altLang="zh-TW" dirty="0">
-              <a:latin typeface="+mn-lt"/>
-            </a:endParaRPr>
-          </a:p>
-          <a:p>
-            <a:pPr marL="0" indent="0">
-              <a:buNone/>
-            </a:pPr>
-            <a:r>
-              <a:rPr lang="en-US" altLang="zh-TW" dirty="0" smtClean="0">
-                <a:latin typeface="+mn-lt"/>
-              </a:rPr>
-              <a:t>E.g.</a:t>
-            </a:r>
-          </a:p>
-          <a:p>
-            <a:pPr marL="0" indent="0">
-              <a:buNone/>
-            </a:pPr>
-            <a:r>
-              <a:rPr lang="en-US" altLang="zh-TW" dirty="0">
-                <a:latin typeface="+mn-lt"/>
-              </a:rPr>
-              <a:t>if (</a:t>
-            </a:r>
-            <a:r>
-              <a:rPr lang="en-US" altLang="zh-TW" dirty="0" err="1">
-                <a:latin typeface="+mn-lt"/>
-              </a:rPr>
-              <a:t>isDebug</a:t>
-            </a:r>
-            <a:r>
-              <a:rPr lang="en-US" altLang="zh-TW" dirty="0">
-                <a:latin typeface="+mn-lt"/>
-              </a:rPr>
-              <a:t>) {</a:t>
-            </a:r>
-          </a:p>
-          <a:p>
-            <a:pPr marL="0" indent="0">
-              <a:buNone/>
-            </a:pPr>
-            <a:r>
-              <a:rPr lang="en-US" altLang="zh-TW" dirty="0" smtClean="0">
-                <a:latin typeface="+mn-lt"/>
-              </a:rPr>
-              <a:t>  </a:t>
-            </a:r>
-            <a:r>
-              <a:rPr lang="en-US" altLang="zh-TW" dirty="0" err="1" smtClean="0">
-                <a:latin typeface="+mn-lt"/>
-              </a:rPr>
-              <a:t>log.debug</a:t>
-            </a:r>
-            <a:r>
-              <a:rPr lang="en-US" altLang="zh-TW" dirty="0">
-                <a:latin typeface="+mn-lt"/>
-              </a:rPr>
-              <a:t>("</a:t>
-            </a:r>
-            <a:r>
-              <a:rPr lang="en-US" altLang="zh-TW" dirty="0" err="1">
-                <a:latin typeface="+mn-lt"/>
-              </a:rPr>
-              <a:t>reqMap</a:t>
-            </a:r>
-            <a:r>
-              <a:rPr lang="en-US" altLang="zh-TW" dirty="0">
-                <a:latin typeface="+mn-lt"/>
-              </a:rPr>
-              <a:t>==&gt;" + </a:t>
-            </a:r>
-            <a:r>
-              <a:rPr lang="en-US" altLang="zh-TW" dirty="0" err="1">
-                <a:latin typeface="+mn-lt"/>
-              </a:rPr>
-              <a:t>reqMap</a:t>
-            </a:r>
-            <a:r>
-              <a:rPr lang="en-US" altLang="zh-TW" dirty="0">
-                <a:latin typeface="+mn-lt"/>
-              </a:rPr>
-              <a:t>);</a:t>
-            </a:r>
-          </a:p>
-          <a:p>
-            <a:pPr marL="0" indent="0">
-              <a:buNone/>
-            </a:pPr>
-            <a:r>
-              <a:rPr lang="en-US" altLang="zh-TW" dirty="0" smtClean="0">
-                <a:latin typeface="+mn-lt"/>
-              </a:rPr>
-              <a:t>  </a:t>
-            </a:r>
-            <a:r>
-              <a:rPr lang="en-US" altLang="zh-TW" dirty="0" err="1" smtClean="0">
-                <a:latin typeface="+mn-lt"/>
-              </a:rPr>
-              <a:t>log.debug</a:t>
-            </a:r>
-            <a:r>
-              <a:rPr lang="en-US" altLang="zh-TW" dirty="0">
-                <a:latin typeface="+mn-lt"/>
-              </a:rPr>
-              <a:t>("</a:t>
-            </a:r>
-            <a:r>
-              <a:rPr lang="en-US" altLang="zh-TW" dirty="0" err="1">
-                <a:latin typeface="+mn-lt"/>
-              </a:rPr>
-              <a:t>returnList</a:t>
-            </a:r>
-            <a:r>
-              <a:rPr lang="en-US" altLang="zh-TW" dirty="0">
-                <a:latin typeface="+mn-lt"/>
-              </a:rPr>
-              <a:t>==&gt;" + </a:t>
-            </a:r>
-            <a:r>
-              <a:rPr lang="en-US" altLang="zh-TW" dirty="0" err="1">
-                <a:latin typeface="+mn-lt"/>
-              </a:rPr>
-              <a:t>returnList</a:t>
-            </a:r>
-            <a:r>
-              <a:rPr lang="en-US" altLang="zh-TW" dirty="0">
-                <a:latin typeface="+mn-lt"/>
-              </a:rPr>
-              <a:t>);</a:t>
-            </a:r>
-          </a:p>
-          <a:p>
-            <a:pPr marL="0" indent="0">
-              <a:buNone/>
-            </a:pPr>
-            <a:r>
-              <a:rPr lang="en-US" altLang="zh-TW" dirty="0" smtClean="0">
-                <a:latin typeface="+mn-lt"/>
-              </a:rPr>
-              <a:t>  </a:t>
-            </a:r>
-            <a:r>
-              <a:rPr lang="en-US" altLang="zh-TW" dirty="0" err="1" smtClean="0">
-                <a:latin typeface="+mn-lt"/>
-              </a:rPr>
-              <a:t>log.debug</a:t>
-            </a:r>
-            <a:r>
-              <a:rPr lang="en-US" altLang="zh-TW" dirty="0">
-                <a:latin typeface="+mn-lt"/>
-              </a:rPr>
-              <a:t>("key==&gt;" + key);</a:t>
-            </a:r>
-          </a:p>
-          <a:p>
-            <a:pPr marL="0" indent="0">
-              <a:buNone/>
-            </a:pPr>
-            <a:r>
-              <a:rPr lang="en-US" altLang="zh-TW" dirty="0" smtClean="0">
-                <a:latin typeface="+mn-lt"/>
-              </a:rPr>
-              <a:t>}</a:t>
-            </a:r>
-            <a:endParaRPr lang="zh-TW" altLang="en-US" dirty="0">
-              <a:latin typeface="+mn-lt"/>
+              <a:t>層級，需要怎麼處理？</a:t>
+            </a:r>
+            <a:endParaRPr lang="zh-TW" altLang="en-US" sz="3600" dirty="0">
+              <a:solidFill>
+                <a:schemeClr val="tx1"/>
+              </a:solidFill>
             </a:endParaRPr>
           </a:p>
         </p:txBody>
@@ -11037,16 +10960,85 @@
           </a:p>
         </p:txBody>
       </p:sp>
+      <p:pic>
+        <p:nvPicPr>
+          <p:cNvPr id="6" name="圖片 5"/>
+          <p:cNvPicPr>
+            <a:picLocks noChangeAspect="1"/>
+          </p:cNvPicPr>
+          <p:nvPr/>
+        </p:nvPicPr>
+        <p:blipFill>
+          <a:blip r:embed="rId2"/>
+          <a:stretch>
+            <a:fillRect/>
+          </a:stretch>
+        </p:blipFill>
+        <p:spPr>
+          <a:xfrm>
+            <a:off x="134008" y="1837189"/>
+            <a:ext cx="8703901" cy="4714613"/>
+          </a:xfrm>
+          <a:prstGeom prst="rect">
+            <a:avLst/>
+          </a:prstGeom>
+          <a:ln w="38100" cap="sq">
+            <a:solidFill>
+              <a:srgbClr val="000000"/>
+            </a:solidFill>
+            <a:prstDash val="solid"/>
+            <a:miter lim="800000"/>
+          </a:ln>
+          <a:effectLst>
+            <a:outerShdw blurRad="50800" dist="38100" dir="2700000" algn="tl" rotWithShape="0">
+              <a:srgbClr val="000000">
+                <a:alpha val="43000"/>
+              </a:srgbClr>
+            </a:outerShdw>
+          </a:effectLst>
+        </p:spPr>
+      </p:pic>
+      <p:pic>
+        <p:nvPicPr>
+          <p:cNvPr id="7" name="圖片 6"/>
+          <p:cNvPicPr>
+            <a:picLocks noChangeAspect="1"/>
+          </p:cNvPicPr>
+          <p:nvPr/>
+        </p:nvPicPr>
+        <p:blipFill>
+          <a:blip r:embed="rId3"/>
+          <a:stretch>
+            <a:fillRect/>
+          </a:stretch>
+        </p:blipFill>
+        <p:spPr>
+          <a:xfrm>
+            <a:off x="5881298" y="2575218"/>
+            <a:ext cx="3571875" cy="3609975"/>
+          </a:xfrm>
+          <a:prstGeom prst="rect">
+            <a:avLst/>
+          </a:prstGeom>
+        </p:spPr>
+      </p:pic>
     </p:spTree>
     <p:extLst>
       <p:ext uri="{BB962C8B-B14F-4D97-AF65-F5344CB8AC3E}">
-        <p14:creationId xmlns:p14="http://schemas.microsoft.com/office/powerpoint/2010/main" val="2049130330"/>
+        <p14:creationId xmlns:p14="http://schemas.microsoft.com/office/powerpoint/2010/main" val="2163307741"/>
       </p:ext>
     </p:extLst>
   </p:cSld>
   <p:clrMapOvr>
     <a:masterClrMapping/>
   </p:clrMapOvr>
+  <p:timing>
+    <p:tnLst>
+      <p:par>
+        <p:cTn id="1" dur="indefinite" restart="never" nodeType="tmRoot"/>
+      </p:par>
+    </p:tnLst>
+  </p:timing>
 </p:sld>
 </file>
 
@@ -11082,111 +11074,87 @@
           <a:bodyPr/>
           <a:lstStyle/>
           <a:p>
-            <a:r>
-              <a:rPr lang="en-US" altLang="zh-TW" dirty="0" smtClean="0">
-                <a:solidFill>
-                  <a:srgbClr val="FF0000"/>
-                </a:solidFill>
-              </a:rPr>
-              <a:t>XSS</a:t>
-            </a:r>
-            <a:endParaRPr lang="zh-TW" altLang="en-US" dirty="0">
-              <a:solidFill>
-                <a:srgbClr val="FF0000"/>
-              </a:solidFill>
-            </a:endParaRPr>
-          </a:p>
-        </p:txBody>
-      </p:sp>
-      <p:sp>
-        <p:nvSpPr>
-          <p:cNvPr id="3" name="內容版面配置區 2"/>
-          <p:cNvSpPr>
-            <a:spLocks noGrp="1"/>
-          </p:cNvSpPr>
+            <a:endParaRPr lang="zh-TW" altLang="en-US"/>
+          </a:p>
+        </p:txBody>
+      </p:sp>
+      <p:pic>
+        <p:nvPicPr>
+          <p:cNvPr id="5" name="內容版面配置區 4"/>
+          <p:cNvPicPr>
+            <a:picLocks noGrp="1" noChangeAspect="1"/>
+          </p:cNvPicPr>
           <p:nvPr>
             <p:ph idx="1"/>
           </p:nvPr>
+        </p:nvPicPr>
+        <p:blipFill>
+          <a:blip r:embed="rId2"/>
+          <a:stretch>
+            <a:fillRect/>
+          </a:stretch>
+        </p:blipFill>
+        <p:spPr>
+          <a:xfrm>
+            <a:off x="419571" y="3648298"/>
+            <a:ext cx="10731221" cy="3082015"/>
+          </a:xfrm>
+          <a:prstGeom prst="rect">
+            <a:avLst/>
+          </a:prstGeom>
+        </p:spPr>
+      </p:pic>
+      <p:sp>
+        <p:nvSpPr>
+          <p:cNvPr id="4" name="投影片編號版面配置區 3"/>
+          <p:cNvSpPr>
+            <a:spLocks noGrp="1"/>
+          </p:cNvSpPr>
+          <p:nvPr>
+            <p:ph type="sldNum" sz="quarter" idx="12"/>
+          </p:nvPr>
         </p:nvSpPr>
         <p:spPr/>
         <p:txBody>
           <a:bodyPr/>
           <a:lstStyle/>
           <a:p>
-            <a:r>
-              <a:rPr lang="zh-TW" altLang="zh-TW" dirty="0"/>
-              <a:t>權限檢核是什麼</a:t>
-            </a:r>
-            <a:r>
-              <a:rPr lang="zh-TW" altLang="zh-TW" dirty="0" smtClean="0"/>
-              <a:t>？</a:t>
-            </a:r>
-            <a:endParaRPr lang="en-US" altLang="zh-TW" dirty="0" smtClean="0"/>
-          </a:p>
-          <a:p>
-            <a:r>
-              <a:rPr lang="zh-TW" altLang="zh-TW" dirty="0"/>
-              <a:t>黑名單</a:t>
-            </a:r>
-            <a:r>
-              <a:rPr lang="en-US" altLang="zh-TW" dirty="0"/>
-              <a:t>/</a:t>
-            </a:r>
-            <a:r>
-              <a:rPr lang="zh-TW" altLang="zh-TW" dirty="0"/>
-              <a:t>白名單是什麼</a:t>
-            </a:r>
-            <a:r>
-              <a:rPr lang="zh-TW" altLang="zh-TW" dirty="0" smtClean="0"/>
-              <a:t>？</a:t>
-            </a:r>
-            <a:endParaRPr lang="en-US" altLang="zh-TW" dirty="0"/>
-          </a:p>
-          <a:p>
-            <a:r>
-              <a:rPr lang="zh-TW" altLang="zh-TW" dirty="0"/>
-              <a:t>為防止</a:t>
-            </a:r>
-            <a:r>
-              <a:rPr lang="en-US" altLang="zh-TW" dirty="0"/>
-              <a:t>XSS</a:t>
-            </a:r>
-            <a:r>
-              <a:rPr lang="zh-TW" altLang="zh-TW" dirty="0"/>
-              <a:t>攻擊，過濾特殊字元，若需某些特殊字元要呈現於網頁上，需如何處理？</a:t>
-            </a:r>
-            <a:endParaRPr lang="zh-TW" altLang="en-US" dirty="0"/>
-          </a:p>
-        </p:txBody>
-      </p:sp>
-      <p:sp>
-        <p:nvSpPr>
-          <p:cNvPr id="4" name="投影片編號版面配置區 3"/>
-          <p:cNvSpPr>
-            <a:spLocks noGrp="1"/>
-          </p:cNvSpPr>
-          <p:nvPr>
-            <p:ph type="sldNum" sz="quarter" idx="12"/>
-          </p:nvPr>
-        </p:nvSpPr>
-        <p:spPr/>
-        <p:txBody>
-          <a:bodyPr/>
-          <a:lstStyle/>
-          <a:p>
             <a:fld id="{7EEA38C4-728D-4C6D-B45A-B952D9AC726F}" type="slidenum">
               <a:rPr lang="zh-TW" altLang="en-US" smtClean="0"/>
-              <a:pPr/>
               <a:t>17</a:t>
             </a:fld>
-            <a:endParaRPr lang="zh-TW" altLang="en-US" dirty="0"/>
-          </a:p>
-        </p:txBody>
-      </p:sp>
+            <a:endParaRPr lang="zh-TW" altLang="en-US"/>
+          </a:p>
+        </p:txBody>
+      </p:sp>
+      <p:pic>
+        <p:nvPicPr>
+          <p:cNvPr id="6" name="圖片 5"/>
+          <p:cNvPicPr>
+            <a:picLocks noChangeAspect="1"/>
+          </p:cNvPicPr>
+          <p:nvPr/>
+        </p:nvPicPr>
+        <p:blipFill>
+          <a:blip r:embed="rId3"/>
+          <a:stretch>
+            <a:fillRect/>
+          </a:stretch>
+        </p:blipFill>
+        <p:spPr>
+          <a:xfrm>
+            <a:off x="423528" y="1253628"/>
+            <a:ext cx="11365929" cy="2288642"/>
+          </a:xfrm>
+          <a:prstGeom prst="rect">
+            <a:avLst/>
+          </a:prstGeom>
+        </p:spPr>
+      </p:pic>
     </p:spTree>
     <p:extLst>
       <p:ext uri="{BB962C8B-B14F-4D97-AF65-F5344CB8AC3E}">
-        <p14:creationId xmlns:p14="http://schemas.microsoft.com/office/powerpoint/2010/main" val="572722433"/>
+        <p14:creationId xmlns:p14="http://schemas.microsoft.com/office/powerpoint/2010/main" val="4039939736"/>
       </p:ext>
     </p:extLst>
   </p:cSld>
@@ -11229,180 +11197,354 @@
           <a:lstStyle/>
           <a:p>
             <a:r>
+              <a:rPr lang="en-US" altLang="zh-TW" dirty="0" err="1"/>
+              <a:t>isDebugEnabled</a:t>
+            </a:r>
+            <a:r>
+              <a:rPr lang="zh-TW" altLang="en-US" dirty="0"/>
+              <a:t>的用途</a:t>
+            </a:r>
+          </a:p>
+        </p:txBody>
+      </p:sp>
+      <p:sp>
+        <p:nvSpPr>
+          <p:cNvPr id="3" name="內容版面配置區 2"/>
+          <p:cNvSpPr>
+            <a:spLocks noGrp="1"/>
+          </p:cNvSpPr>
+          <p:nvPr>
+            <p:ph idx="1"/>
+          </p:nvPr>
+        </p:nvSpPr>
+        <p:spPr/>
+        <p:txBody>
+          <a:bodyPr>
+            <a:normAutofit fontScale="92500" lnSpcReduction="10000"/>
+          </a:bodyPr>
+          <a:lstStyle/>
+          <a:p>
+            <a:r>
+              <a:rPr lang="zh-TW" altLang="en-US" b="1" dirty="0">
+                <a:latin typeface="+mn-lt"/>
+              </a:rPr>
+              <a:t>使用 </a:t>
+            </a:r>
+            <a:r>
+              <a:rPr lang="en-US" altLang="zh-TW" b="1" dirty="0" err="1">
+                <a:latin typeface="+mn-lt"/>
+              </a:rPr>
+              <a:t>isDebugEnabled</a:t>
+            </a:r>
+            <a:r>
+              <a:rPr lang="en-US" altLang="zh-TW" b="1" dirty="0">
+                <a:latin typeface="+mn-lt"/>
+              </a:rPr>
+              <a:t> </a:t>
+            </a:r>
+            <a:r>
+              <a:rPr lang="zh-TW" altLang="en-US" b="1" dirty="0">
+                <a:latin typeface="+mn-lt"/>
+              </a:rPr>
+              <a:t>減少效能的負擔</a:t>
+            </a:r>
+            <a:endParaRPr lang="zh-TW" altLang="en-US" dirty="0">
+              <a:latin typeface="+mn-lt"/>
+            </a:endParaRPr>
+          </a:p>
+          <a:p>
+            <a:r>
+              <a:rPr lang="zh-TW" altLang="en-US" dirty="0">
+                <a:latin typeface="+mn-lt"/>
+              </a:rPr>
+              <a:t>透過一個 </a:t>
+            </a:r>
+            <a:r>
               <a:rPr lang="en-US" altLang="zh-TW" dirty="0" err="1">
-                <a:solidFill>
-                  <a:srgbClr val="FF0000"/>
-                </a:solidFill>
+                <a:latin typeface="+mn-lt"/>
               </a:rPr>
-              <a:t>DBMudule</a:t>
-            </a:r>
-            <a:endParaRPr lang="zh-TW" altLang="en-US" dirty="0"/>
-          </a:p>
-        </p:txBody>
-      </p:sp>
-      <p:sp>
-        <p:nvSpPr>
-          <p:cNvPr id="3" name="內容版面配置區 2"/>
-          <p:cNvSpPr>
-            <a:spLocks noGrp="1"/>
-          </p:cNvSpPr>
-          <p:nvPr>
-            <p:ph idx="1"/>
-          </p:nvPr>
-        </p:nvSpPr>
-        <p:spPr>
-          <a:xfrm>
-            <a:off x="316134" y="1353203"/>
-            <a:ext cx="6847992" cy="4195481"/>
-          </a:xfrm>
-        </p:spPr>
-        <p:txBody>
-          <a:bodyPr/>
-          <a:lstStyle/>
-          <a:p>
-            <a:r>
-              <a:rPr lang="en-US" altLang="zh-TW" dirty="0" err="1"/>
-              <a:t>DBMudule</a:t>
-            </a:r>
-            <a:r>
-              <a:rPr lang="zh-TW" altLang="zh-TW" dirty="0"/>
-              <a:t>使用的時機？</a:t>
-            </a:r>
-            <a:endParaRPr lang="en-US" altLang="zh-TW" dirty="0"/>
-          </a:p>
-          <a:p>
-            <a:endParaRPr lang="en-US" altLang="zh-TW" dirty="0" smtClean="0"/>
-          </a:p>
-          <a:p>
-            <a:r>
-              <a:rPr lang="en-US" altLang="zh-TW" dirty="0" smtClean="0"/>
-              <a:t>A</a:t>
-            </a:r>
-            <a:r>
-              <a:rPr lang="zh-TW" altLang="zh-TW" dirty="0"/>
-              <a:t>系統作業的主程式，呼叫</a:t>
-            </a:r>
-            <a:r>
-              <a:rPr lang="en-US" altLang="zh-TW" dirty="0"/>
-              <a:t>B</a:t>
-            </a:r>
-            <a:r>
-              <a:rPr lang="zh-TW" altLang="zh-TW" dirty="0"/>
-              <a:t>系統模組，此模組繼承</a:t>
-            </a:r>
-            <a:r>
-              <a:rPr lang="en-US" altLang="zh-TW" dirty="0"/>
-              <a:t>C </a:t>
-            </a:r>
-            <a:r>
-              <a:rPr lang="zh-TW" altLang="zh-TW" dirty="0"/>
-              <a:t>系統的</a:t>
-            </a:r>
-            <a:r>
-              <a:rPr lang="en-US" altLang="zh-TW" dirty="0" err="1"/>
-              <a:t>DBModule</a:t>
-            </a:r>
-            <a:r>
-              <a:rPr lang="zh-TW" altLang="zh-TW" dirty="0"/>
-              <a:t>，當在</a:t>
-            </a:r>
-            <a:r>
-              <a:rPr lang="en-US" altLang="zh-TW" dirty="0"/>
-              <a:t>B</a:t>
-            </a:r>
-            <a:r>
-              <a:rPr lang="zh-TW" altLang="zh-TW" dirty="0"/>
-              <a:t>系統模組內使用</a:t>
-            </a:r>
-            <a:r>
-              <a:rPr lang="en-US" altLang="zh-TW" dirty="0"/>
-              <a:t> </a:t>
-            </a:r>
-            <a:r>
-              <a:rPr lang="en-US" altLang="zh-TW" dirty="0" err="1"/>
-              <a:t>getDataSet</a:t>
-            </a:r>
-            <a:r>
-              <a:rPr lang="en-US" altLang="zh-TW" dirty="0"/>
+              <a:t>isDebugEnabled</a:t>
+            </a:r>
+            <a:r>
+              <a:rPr lang="en-US" altLang="zh-TW" dirty="0">
+                <a:latin typeface="+mn-lt"/>
+              </a:rPr>
               <a:t>() </a:t>
             </a:r>
             <a:r>
-              <a:rPr lang="zh-TW" altLang="zh-TW" dirty="0"/>
-              <a:t>取得連線，那此時取得的連線會使用哪一條連線？為什麼</a:t>
-            </a:r>
-            <a:r>
-              <a:rPr lang="zh-TW" altLang="zh-TW" dirty="0" smtClean="0"/>
-              <a:t>？</a:t>
-            </a:r>
-            <a:endParaRPr lang="en-US" altLang="zh-TW" dirty="0" smtClean="0"/>
-          </a:p>
-          <a:p>
-            <a:endParaRPr lang="en-US" altLang="zh-TW" dirty="0"/>
+              <a:rPr lang="zh-TW" altLang="en-US" dirty="0">
+                <a:latin typeface="+mn-lt"/>
+              </a:rPr>
+              <a:t>方法的呼叫，來判斷目前 </a:t>
+            </a:r>
+            <a:r>
+              <a:rPr lang="en-US" altLang="zh-TW" dirty="0">
+                <a:latin typeface="+mn-lt"/>
+              </a:rPr>
+              <a:t>Log4j </a:t>
+            </a:r>
+            <a:r>
+              <a:rPr lang="zh-TW" altLang="en-US" dirty="0">
+                <a:latin typeface="+mn-lt"/>
+              </a:rPr>
+              <a:t>的 </a:t>
+            </a:r>
+            <a:r>
+              <a:rPr lang="en-US" altLang="zh-TW" dirty="0">
+                <a:latin typeface="+mn-lt"/>
+              </a:rPr>
+              <a:t>level </a:t>
+            </a:r>
+            <a:r>
+              <a:rPr lang="zh-TW" altLang="en-US" dirty="0">
+                <a:latin typeface="+mn-lt"/>
+              </a:rPr>
+              <a:t>是否為 </a:t>
+            </a:r>
+            <a:r>
+              <a:rPr lang="en-US" altLang="zh-TW" dirty="0" smtClean="0">
+                <a:latin typeface="+mn-lt"/>
+              </a:rPr>
+              <a:t>debug</a:t>
+            </a:r>
+            <a:endParaRPr lang="en-US" altLang="zh-TW" dirty="0">
+              <a:latin typeface="+mn-lt"/>
+            </a:endParaRPr>
+          </a:p>
+          <a:p>
+            <a:r>
+              <a:rPr lang="zh-TW" altLang="en-US" dirty="0" smtClean="0">
+                <a:latin typeface="+mn-lt"/>
+              </a:rPr>
+              <a:t>若</a:t>
+            </a:r>
+            <a:r>
+              <a:rPr lang="zh-TW" altLang="en-US" dirty="0">
+                <a:latin typeface="+mn-lt"/>
+              </a:rPr>
+              <a:t>不是，便不會執行參數組成的</a:t>
+            </a:r>
+            <a:r>
+              <a:rPr lang="zh-TW" altLang="en-US" dirty="0" smtClean="0">
+                <a:latin typeface="+mn-lt"/>
+              </a:rPr>
+              <a:t>程式碼</a:t>
+            </a:r>
+            <a:endParaRPr lang="en-US" altLang="zh-TW" dirty="0" smtClean="0">
+              <a:latin typeface="+mn-lt"/>
+            </a:endParaRPr>
+          </a:p>
+          <a:p>
+            <a:r>
+              <a:rPr lang="zh-TW" altLang="en-US" dirty="0" smtClean="0">
+                <a:latin typeface="+mn-lt"/>
+              </a:rPr>
+              <a:t>較好的做法是，將</a:t>
+            </a:r>
+            <a:r>
+              <a:rPr lang="zh-TW" altLang="en-US" dirty="0">
+                <a:latin typeface="+mn-lt"/>
+              </a:rPr>
+              <a:t>需要 </a:t>
+            </a:r>
+            <a:r>
+              <a:rPr lang="en-US" altLang="zh-TW" dirty="0">
+                <a:latin typeface="+mn-lt"/>
+              </a:rPr>
+              <a:t>debug </a:t>
+            </a:r>
+            <a:r>
+              <a:rPr lang="zh-TW" altLang="en-US" dirty="0">
+                <a:latin typeface="+mn-lt"/>
+              </a:rPr>
+              <a:t>的所有</a:t>
+            </a:r>
+            <a:r>
+              <a:rPr lang="zh-TW" altLang="en-US" dirty="0" smtClean="0">
+                <a:latin typeface="+mn-lt"/>
+              </a:rPr>
+              <a:t>訊息，整理</a:t>
+            </a:r>
+            <a:r>
+              <a:rPr lang="zh-TW" altLang="en-US" dirty="0">
+                <a:latin typeface="+mn-lt"/>
+              </a:rPr>
+              <a:t>在同一個判斷區</a:t>
+            </a:r>
+            <a:r>
+              <a:rPr lang="zh-TW" altLang="en-US" dirty="0" smtClean="0">
+                <a:latin typeface="+mn-lt"/>
+              </a:rPr>
+              <a:t>塊</a:t>
+            </a:r>
+            <a:endParaRPr lang="en-US" altLang="zh-TW" dirty="0">
+              <a:latin typeface="+mn-lt"/>
+            </a:endParaRPr>
           </a:p>
           <a:p>
             <a:pPr marL="0" indent="0">
               <a:buNone/>
             </a:pPr>
             <a:r>
-              <a:rPr lang="zh-TW" altLang="en-US" dirty="0"/>
-              <a:t>使用</a:t>
-            </a:r>
-            <a:r>
-              <a:rPr lang="en-US" altLang="zh-TW" dirty="0"/>
-              <a:t>DS_C</a:t>
-            </a:r>
-            <a:r>
-              <a:rPr lang="zh-TW" altLang="en-US" dirty="0"/>
-              <a:t>系統代碼，因</a:t>
-            </a:r>
-            <a:r>
-              <a:rPr lang="en-US" altLang="zh-TW" dirty="0"/>
-              <a:t>B</a:t>
-            </a:r>
-            <a:r>
-              <a:rPr lang="zh-TW" altLang="en-US" dirty="0"/>
-              <a:t>模組繼承 </a:t>
-            </a:r>
-            <a:r>
-              <a:rPr lang="en-US" altLang="zh-TW" dirty="0"/>
-              <a:t>” C </a:t>
-            </a:r>
-            <a:r>
-              <a:rPr lang="zh-TW" altLang="zh-TW" dirty="0"/>
-              <a:t>系統</a:t>
-            </a:r>
-            <a:r>
-              <a:rPr lang="en-US" altLang="zh-TW" dirty="0"/>
-              <a:t>_</a:t>
-            </a:r>
-            <a:r>
-              <a:rPr lang="en-US" altLang="zh-TW" dirty="0" err="1"/>
-              <a:t>DBModule</a:t>
-            </a:r>
-            <a:r>
-              <a:rPr lang="en-US" altLang="zh-TW" dirty="0"/>
-              <a:t>”</a:t>
-            </a:r>
-            <a:r>
-              <a:rPr lang="zh-TW" altLang="en-US" dirty="0"/>
-              <a:t>，會取得該子系統的獨立 </a:t>
-            </a:r>
-            <a:r>
-              <a:rPr lang="en-US" altLang="zh-TW" dirty="0" err="1"/>
-              <a:t>DataSet</a:t>
-            </a:r>
-            <a:r>
-              <a:rPr lang="en-US" altLang="zh-TW" dirty="0"/>
-              <a:t> </a:t>
-            </a:r>
-            <a:r>
-              <a:rPr lang="zh-TW" altLang="en-US" dirty="0"/>
-              <a:t>進行連線</a:t>
-            </a:r>
-            <a:endParaRPr lang="en-US" altLang="zh-TW" dirty="0"/>
-          </a:p>
-          <a:p>
-            <a:endParaRPr lang="zh-TW" altLang="en-US" dirty="0"/>
+              <a:rPr lang="en-US" altLang="zh-TW" dirty="0" smtClean="0">
+                <a:latin typeface="+mn-lt"/>
+              </a:rPr>
+              <a:t>E.g.</a:t>
+            </a:r>
+          </a:p>
+          <a:p>
+            <a:pPr marL="0" indent="0">
+              <a:buNone/>
+            </a:pPr>
+            <a:r>
+              <a:rPr lang="en-US" altLang="zh-TW" dirty="0">
+                <a:latin typeface="+mn-lt"/>
+              </a:rPr>
+              <a:t>if (</a:t>
+            </a:r>
+            <a:r>
+              <a:rPr lang="en-US" altLang="zh-TW" dirty="0" err="1">
+                <a:latin typeface="+mn-lt"/>
+              </a:rPr>
+              <a:t>isDebug</a:t>
+            </a:r>
+            <a:r>
+              <a:rPr lang="en-US" altLang="zh-TW" dirty="0">
+                <a:latin typeface="+mn-lt"/>
+              </a:rPr>
+              <a:t>) {</a:t>
+            </a:r>
+          </a:p>
+          <a:p>
+            <a:pPr marL="0" indent="0">
+              <a:buNone/>
+            </a:pPr>
+            <a:r>
+              <a:rPr lang="en-US" altLang="zh-TW" dirty="0" smtClean="0">
+                <a:latin typeface="+mn-lt"/>
+              </a:rPr>
+              <a:t>  </a:t>
+            </a:r>
+            <a:r>
+              <a:rPr lang="en-US" altLang="zh-TW" dirty="0" err="1" smtClean="0">
+                <a:latin typeface="+mn-lt"/>
+              </a:rPr>
+              <a:t>log.debug</a:t>
+            </a:r>
+            <a:r>
+              <a:rPr lang="en-US" altLang="zh-TW" dirty="0">
+                <a:latin typeface="+mn-lt"/>
+              </a:rPr>
+              <a:t>("</a:t>
+            </a:r>
+            <a:r>
+              <a:rPr lang="en-US" altLang="zh-TW" dirty="0" err="1">
+                <a:latin typeface="+mn-lt"/>
+              </a:rPr>
+              <a:t>reqMap</a:t>
+            </a:r>
+            <a:r>
+              <a:rPr lang="en-US" altLang="zh-TW" dirty="0">
+                <a:latin typeface="+mn-lt"/>
+              </a:rPr>
+              <a:t>==&gt;" + </a:t>
+            </a:r>
+            <a:r>
+              <a:rPr lang="en-US" altLang="zh-TW" dirty="0" err="1">
+                <a:latin typeface="+mn-lt"/>
+              </a:rPr>
+              <a:t>reqMap</a:t>
+            </a:r>
+            <a:r>
+              <a:rPr lang="en-US" altLang="zh-TW" dirty="0">
+                <a:latin typeface="+mn-lt"/>
+              </a:rPr>
+              <a:t>);</a:t>
+            </a:r>
+          </a:p>
+          <a:p>
+            <a:pPr marL="0" indent="0">
+              <a:buNone/>
+            </a:pPr>
+            <a:r>
+              <a:rPr lang="en-US" altLang="zh-TW" dirty="0" smtClean="0">
+                <a:latin typeface="+mn-lt"/>
+              </a:rPr>
+              <a:t>  </a:t>
+            </a:r>
+            <a:r>
+              <a:rPr lang="en-US" altLang="zh-TW" dirty="0" err="1" smtClean="0">
+                <a:latin typeface="+mn-lt"/>
+              </a:rPr>
+              <a:t>log.debug</a:t>
+            </a:r>
+            <a:r>
+              <a:rPr lang="en-US" altLang="zh-TW" dirty="0">
+                <a:latin typeface="+mn-lt"/>
+              </a:rPr>
+              <a:t>("</a:t>
+            </a:r>
+            <a:r>
+              <a:rPr lang="en-US" altLang="zh-TW" dirty="0" err="1">
+                <a:latin typeface="+mn-lt"/>
+              </a:rPr>
+              <a:t>returnList</a:t>
+            </a:r>
+            <a:r>
+              <a:rPr lang="en-US" altLang="zh-TW" dirty="0">
+                <a:latin typeface="+mn-lt"/>
+              </a:rPr>
+              <a:t>==&gt;" + </a:t>
+            </a:r>
+            <a:r>
+              <a:rPr lang="en-US" altLang="zh-TW" dirty="0" err="1">
+                <a:latin typeface="+mn-lt"/>
+              </a:rPr>
+              <a:t>returnList</a:t>
+            </a:r>
+            <a:r>
+              <a:rPr lang="en-US" altLang="zh-TW" dirty="0">
+                <a:latin typeface="+mn-lt"/>
+              </a:rPr>
+              <a:t>);</a:t>
+            </a:r>
+          </a:p>
+          <a:p>
+            <a:pPr marL="0" indent="0">
+              <a:buNone/>
+            </a:pPr>
+            <a:r>
+              <a:rPr lang="en-US" altLang="zh-TW" dirty="0" smtClean="0">
+                <a:latin typeface="+mn-lt"/>
+              </a:rPr>
+              <a:t>  </a:t>
+            </a:r>
+            <a:r>
+              <a:rPr lang="en-US" altLang="zh-TW" dirty="0" err="1" smtClean="0">
+                <a:latin typeface="+mn-lt"/>
+              </a:rPr>
+              <a:t>log.debug</a:t>
+            </a:r>
+            <a:r>
+              <a:rPr lang="en-US" altLang="zh-TW" dirty="0">
+                <a:latin typeface="+mn-lt"/>
+              </a:rPr>
+              <a:t>("key==&gt;" + key);</a:t>
+            </a:r>
+          </a:p>
+          <a:p>
+            <a:pPr marL="0" indent="0">
+              <a:buNone/>
+            </a:pPr>
+            <a:r>
+              <a:rPr lang="en-US" altLang="zh-TW" dirty="0" smtClean="0">
+                <a:latin typeface="+mn-lt"/>
+              </a:rPr>
+              <a:t>}</a:t>
+            </a:r>
+            <a:endParaRPr lang="zh-TW" altLang="en-US" dirty="0">
+              <a:latin typeface="+mn-lt"/>
+            </a:endParaRPr>
           </a:p>
         </p:txBody>
       </p:sp>
@@ -11423,40 +11565,17 @@
           <a:p>
             <a:fld id="{7EEA38C4-728D-4C6D-B45A-B952D9AC726F}" type="slidenum">
               <a:rPr lang="zh-TW" altLang="en-US" smtClean="0"/>
+              <a:pPr/>
               <a:t>18</a:t>
             </a:fld>
-            <a:endParaRPr lang="zh-TW" altLang="en-US"/>
-          </a:p>
-        </p:txBody>
-      </p:sp>
-      <p:pic>
-        <p:nvPicPr>
-          <p:cNvPr id="6" name="圖片 5"/>
-          <p:cNvPicPr>
-            <a:picLocks noChangeAspect="1"/>
-          </p:cNvPicPr>
-          <p:nvPr/>
-        </p:nvPicPr>
-        <p:blipFill>
-          <a:blip r:embed="rId2"/>
-          <a:stretch>
-            <a:fillRect/>
-          </a:stretch>
-        </p:blipFill>
-        <p:spPr>
-          <a:xfrm>
-            <a:off x="7338557" y="1771814"/>
-            <a:ext cx="4305300" cy="3505200"/>
-          </a:xfrm>
-          <a:prstGeom prst="rect">
-            <a:avLst/>
-          </a:prstGeom>
-        </p:spPr>
-      </p:pic>
+            <a:endParaRPr lang="zh-TW" altLang="en-US" dirty="0"/>
+          </a:p>
+        </p:txBody>
+      </p:sp>
     </p:spTree>
     <p:extLst>
       <p:ext uri="{BB962C8B-B14F-4D97-AF65-F5344CB8AC3E}">
-        <p14:creationId xmlns:p14="http://schemas.microsoft.com/office/powerpoint/2010/main" val="917221708"/>
+        <p14:creationId xmlns:p14="http://schemas.microsoft.com/office/powerpoint/2010/main" val="2049130330"/>
       </p:ext>
     </p:extLst>
   </p:cSld>
@@ -11499,16 +11618,16 @@
           <a:lstStyle/>
           <a:p>
             <a:r>
-              <a:rPr lang="en-US" altLang="zh-TW" dirty="0" err="1">
+              <a:rPr lang="zh-TW" altLang="en-US" dirty="0" smtClean="0">
                 <a:solidFill>
-                  <a:srgbClr val="FF0000"/>
+                  <a:schemeClr val="tx1"/>
                 </a:solidFill>
               </a:rPr>
-              <a:t>DBMudule</a:t>
+              <a:t>批次</a:t>
             </a:r>
             <a:endParaRPr lang="zh-TW" altLang="en-US" dirty="0">
               <a:solidFill>
-                <a:srgbClr val="FF0000"/>
+                <a:schemeClr val="tx1"/>
               </a:solidFill>
             </a:endParaRPr>
           </a:p>
@@ -11526,54 +11645,79 @@
         </p:nvSpPr>
         <p:spPr>
           <a:xfrm>
-            <a:off x="204814" y="1480424"/>
-            <a:ext cx="7833955" cy="4195481"/>
-          </a:xfrm>
-        </p:spPr>
-        <p:txBody>
-          <a:bodyPr/>
-          <a:lstStyle/>
-          <a:p>
-            <a:r>
-              <a:rPr lang="en-US" altLang="zh-TW" dirty="0" err="1" smtClean="0"/>
-              <a:t>DBMudule</a:t>
-            </a:r>
-            <a:r>
-              <a:rPr lang="en-US" altLang="zh-TW" dirty="0" smtClean="0"/>
-              <a:t> </a:t>
-            </a:r>
-            <a:r>
-              <a:rPr lang="zh-TW" altLang="zh-TW" dirty="0"/>
-              <a:t>取得獨立連線，若須同時更新不同</a:t>
-            </a:r>
-            <a:r>
-              <a:rPr lang="en-US" altLang="zh-TW" dirty="0"/>
-              <a:t> table</a:t>
-            </a:r>
-            <a:r>
-              <a:rPr lang="zh-TW" altLang="zh-TW" dirty="0"/>
-              <a:t>資料一起要進行交易控制，該如何做到交易控制</a:t>
-            </a:r>
-            <a:r>
-              <a:rPr lang="zh-TW" altLang="zh-TW" dirty="0" smtClean="0"/>
-              <a:t>？</a:t>
-            </a:r>
-            <a:endParaRPr lang="en-US" altLang="zh-TW" dirty="0" smtClean="0"/>
-          </a:p>
-          <a:p>
-            <a:endParaRPr lang="en-US" altLang="zh-TW" dirty="0" smtClean="0"/>
+            <a:off x="732609" y="1484507"/>
+            <a:ext cx="8946541" cy="4195481"/>
+          </a:xfrm>
+        </p:spPr>
+        <p:txBody>
+          <a:bodyPr/>
+          <a:lstStyle/>
+          <a:p>
+            <a:pPr marL="457200" indent="-457200">
+              <a:buFont typeface="+mj-lt"/>
+              <a:buAutoNum type="arabicPeriod"/>
+            </a:pPr>
+            <a:r>
+              <a:rPr lang="zh-TW" altLang="zh-TW" dirty="0">
+                <a:latin typeface="Times New Roman" panose="02020603050405020304" pitchFamily="18" charset="0"/>
+                <a:cs typeface="Times New Roman" panose="02020603050405020304" pitchFamily="18" charset="0"/>
+              </a:rPr>
+              <a:t>批次可以做</a:t>
+            </a:r>
+            <a:r>
+              <a:rPr lang="en-US" altLang="zh-TW" dirty="0">
+                <a:latin typeface="Times New Roman" panose="02020603050405020304" pitchFamily="18" charset="0"/>
+                <a:cs typeface="Times New Roman" panose="02020603050405020304" pitchFamily="18" charset="0"/>
+              </a:rPr>
+              <a:t> 2PC </a:t>
+            </a:r>
+            <a:r>
+              <a:rPr lang="zh-TW" altLang="zh-TW" dirty="0">
+                <a:latin typeface="Times New Roman" panose="02020603050405020304" pitchFamily="18" charset="0"/>
+                <a:cs typeface="Times New Roman" panose="02020603050405020304" pitchFamily="18" charset="0"/>
+              </a:rPr>
+              <a:t>嗎</a:t>
+            </a:r>
+            <a:r>
+              <a:rPr lang="en-US" altLang="zh-TW" dirty="0" smtClean="0">
+                <a:latin typeface="Times New Roman" panose="02020603050405020304" pitchFamily="18" charset="0"/>
+                <a:cs typeface="Times New Roman" panose="02020603050405020304" pitchFamily="18" charset="0"/>
+              </a:rPr>
+              <a:t>?</a:t>
+            </a:r>
           </a:p>
           <a:p>
             <a:pPr marL="0" indent="0">
               <a:buNone/>
             </a:pPr>
-            <a:endParaRPr lang="en-US" altLang="zh-TW" dirty="0" smtClean="0"/>
-          </a:p>
-          <a:p>
-            <a:endParaRPr lang="en-US" altLang="zh-TW" dirty="0"/>
-          </a:p>
-          <a:p>
-            <a:endParaRPr lang="zh-TW" altLang="en-US" dirty="0"/>
+            <a:endParaRPr lang="en-US" altLang="zh-TW" dirty="0" smtClean="0">
+              <a:latin typeface="Times New Roman" panose="02020603050405020304" pitchFamily="18" charset="0"/>
+              <a:cs typeface="Times New Roman" panose="02020603050405020304" pitchFamily="18" charset="0"/>
+            </a:endParaRPr>
+          </a:p>
+          <a:p>
+            <a:pPr marL="457200" indent="-457200">
+              <a:buFont typeface="+mj-lt"/>
+              <a:buAutoNum type="arabicPeriod"/>
+            </a:pPr>
+            <a:r>
+              <a:rPr lang="zh-TW" altLang="zh-TW" dirty="0" smtClean="0">
+                <a:latin typeface="Times New Roman" panose="02020603050405020304" pitchFamily="18" charset="0"/>
+                <a:cs typeface="Times New Roman" panose="02020603050405020304" pitchFamily="18" charset="0"/>
+              </a:rPr>
+              <a:t>批次</a:t>
+            </a:r>
+            <a:r>
+              <a:rPr lang="zh-TW" altLang="zh-TW" dirty="0">
+                <a:latin typeface="Times New Roman" panose="02020603050405020304" pitchFamily="18" charset="0"/>
+                <a:cs typeface="Times New Roman" panose="02020603050405020304" pitchFamily="18" charset="0"/>
+              </a:rPr>
+              <a:t>與線上程式執行有何不同？</a:t>
+            </a:r>
+            <a:endParaRPr lang="zh-TW" altLang="en-US" dirty="0">
+              <a:latin typeface="Times New Roman" panose="02020603050405020304" pitchFamily="18" charset="0"/>
+              <a:cs typeface="Times New Roman" panose="02020603050405020304" pitchFamily="18" charset="0"/>
+            </a:endParaRPr>
           </a:p>
         </p:txBody>
       </p:sp>
@@ -11601,40 +11745,23 @@
           </a:p>
         </p:txBody>
       </p:sp>
-      <p:pic>
-        <p:nvPicPr>
-          <p:cNvPr id="5" name="圖片 4"/>
-          <p:cNvPicPr>
-            <a:picLocks noChangeAspect="1"/>
-          </p:cNvPicPr>
-          <p:nvPr/>
-        </p:nvPicPr>
-        <p:blipFill>
-          <a:blip r:embed="rId2"/>
-          <a:stretch>
-            <a:fillRect/>
-          </a:stretch>
-        </p:blipFill>
-        <p:spPr>
-          <a:xfrm>
-            <a:off x="3007705" y="2502590"/>
-            <a:ext cx="3648075" cy="2647950"/>
-          </a:xfrm>
-          <a:prstGeom prst="rect">
-            <a:avLst/>
-          </a:prstGeom>
-        </p:spPr>
-      </p:pic>
     </p:spTree>
     <p:extLst>
       <p:ext uri="{BB962C8B-B14F-4D97-AF65-F5344CB8AC3E}">
-        <p14:creationId xmlns:p14="http://schemas.microsoft.com/office/powerpoint/2010/main" val="3102162224"/>
+        <p14:creationId xmlns:p14="http://schemas.microsoft.com/office/powerpoint/2010/main" val="127330774"/>
       </p:ext>
     </p:extLst>
   </p:cSld>
   <p:clrMapOvr>
     <a:masterClrMapping/>
   </p:clrMapOvr>
+  <p:timing>
+    <p:tnLst>
+      <p:par>
+        <p:cTn id="1" dur="indefinite" restart="never" nodeType="tmRoot"/>
+      </p:par>
+    </p:tnLst>
+  </p:timing>
 </p:sld>
 </file>
 
@@ -11736,10 +11863,187 @@
             <a:endParaRPr lang="en-US" altLang="zh-TW" dirty="0" smtClean="0"/>
           </a:p>
           <a:p>
+            <a:pPr marL="400050" lvl="1" indent="0">
+              <a:buNone/>
+            </a:pPr>
+            <a:r>
+              <a:rPr lang="zh-TW" altLang="en-US" dirty="0" smtClean="0">
+                <a:solidFill>
+                  <a:srgbClr val="FFFF00"/>
+                </a:solidFill>
+              </a:rPr>
+              <a:t>設定在</a:t>
+            </a:r>
+            <a:r>
+              <a:rPr lang="en-US" altLang="zh-TW" dirty="0" smtClean="0">
+                <a:solidFill>
+                  <a:srgbClr val="FFFF00"/>
+                </a:solidFill>
+              </a:rPr>
+              <a:t>EAR</a:t>
+            </a:r>
+            <a:r>
+              <a:rPr lang="zh-TW" altLang="en-US" dirty="0" smtClean="0">
+                <a:solidFill>
+                  <a:srgbClr val="FFFF00"/>
+                </a:solidFill>
+              </a:rPr>
+              <a:t>的</a:t>
+            </a:r>
+            <a:r>
+              <a:rPr lang="en-US" altLang="zh-TW" dirty="0" smtClean="0">
+                <a:solidFill>
+                  <a:srgbClr val="FFFF00"/>
+                </a:solidFill>
+              </a:rPr>
+              <a:t>application.xml</a:t>
+            </a:r>
+            <a:r>
+              <a:rPr lang="zh-TW" altLang="en-US" dirty="0" smtClean="0">
+                <a:solidFill>
+                  <a:srgbClr val="FFFF00"/>
+                </a:solidFill>
+              </a:rPr>
+              <a:t>；</a:t>
+            </a:r>
+            <a:endParaRPr lang="en-US" altLang="zh-TW" dirty="0" smtClean="0">
+              <a:solidFill>
+                <a:srgbClr val="FFFF00"/>
+              </a:solidFill>
+            </a:endParaRPr>
+          </a:p>
+          <a:p>
+            <a:pPr marL="400050" lvl="1" indent="0">
+              <a:buNone/>
+            </a:pPr>
+            <a:r>
+              <a:rPr lang="zh-TW" altLang="en-US" dirty="0" smtClean="0">
+                <a:solidFill>
+                  <a:srgbClr val="FFFF00"/>
+                </a:solidFill>
+              </a:rPr>
+              <a:t>當</a:t>
+            </a:r>
+            <a:r>
+              <a:rPr lang="en-US" altLang="zh-TW" dirty="0" smtClean="0">
+                <a:solidFill>
+                  <a:srgbClr val="FFFF00"/>
+                </a:solidFill>
+              </a:rPr>
+              <a:t>Server</a:t>
+            </a:r>
+            <a:r>
+              <a:rPr lang="zh-TW" altLang="en-US" dirty="0" smtClean="0">
+                <a:solidFill>
+                  <a:srgbClr val="FFFF00"/>
+                </a:solidFill>
+              </a:rPr>
+              <a:t>啟動時，</a:t>
+            </a:r>
+            <a:r>
+              <a:rPr lang="en-US" altLang="zh-TW" dirty="0" smtClean="0">
+                <a:solidFill>
+                  <a:srgbClr val="FFFF00"/>
+                </a:solidFill>
+              </a:rPr>
+              <a:t>EAR</a:t>
+            </a:r>
+            <a:r>
+              <a:rPr lang="zh-TW" altLang="en-US" dirty="0" smtClean="0">
+                <a:solidFill>
+                  <a:srgbClr val="FFFF00"/>
+                </a:solidFill>
+              </a:rPr>
+              <a:t>的連線會載入到</a:t>
+            </a:r>
+            <a:r>
+              <a:rPr lang="en-US" altLang="zh-TW" dirty="0" smtClean="0">
+                <a:solidFill>
+                  <a:srgbClr val="FFFF00"/>
+                </a:solidFill>
+              </a:rPr>
+              <a:t>Server</a:t>
+            </a:r>
+            <a:r>
+              <a:rPr lang="zh-TW" altLang="en-US" dirty="0" smtClean="0">
+                <a:solidFill>
+                  <a:srgbClr val="FFFF00"/>
+                </a:solidFill>
+              </a:rPr>
+              <a:t>上的</a:t>
+            </a:r>
+            <a:r>
+              <a:rPr lang="en-US" altLang="zh-TW" dirty="0" smtClean="0">
+                <a:solidFill>
+                  <a:srgbClr val="FFFF00"/>
+                </a:solidFill>
+              </a:rPr>
+              <a:t>pool</a:t>
+            </a:r>
+            <a:r>
+              <a:rPr lang="zh-TW" altLang="en-US" dirty="0" smtClean="0">
+                <a:solidFill>
+                  <a:srgbClr val="FFFF00"/>
+                </a:solidFill>
+              </a:rPr>
+              <a:t>連線池，統一控管；</a:t>
+            </a:r>
+            <a:endParaRPr lang="en-US" altLang="zh-TW" dirty="0" smtClean="0">
+              <a:solidFill>
+                <a:srgbClr val="FFFF00"/>
+              </a:solidFill>
+            </a:endParaRPr>
+          </a:p>
+          <a:p>
+            <a:pPr marL="400050" lvl="1" indent="0">
+              <a:buNone/>
+            </a:pPr>
+            <a:endParaRPr lang="en-US" altLang="zh-TW" dirty="0" smtClean="0">
+              <a:solidFill>
+                <a:srgbClr val="FFFF00"/>
+              </a:solidFill>
+            </a:endParaRPr>
+          </a:p>
+          <a:p>
             <a:pPr marL="457200" indent="-457200">
               <a:buFont typeface="+mj-lt"/>
               <a:buAutoNum type="arabicPeriod"/>
             </a:pPr>
+            <a:endParaRPr lang="en-US" altLang="zh-TW" dirty="0" smtClean="0"/>
+          </a:p>
+          <a:p>
+            <a:pPr marL="457200" indent="-457200">
+              <a:buFont typeface="+mj-lt"/>
+              <a:buAutoNum type="arabicPeriod"/>
+            </a:pPr>
+            <a:endParaRPr lang="en-US" altLang="zh-TW" dirty="0"/>
+          </a:p>
+          <a:p>
+            <a:pPr marL="457200" indent="-457200">
+              <a:buFont typeface="+mj-lt"/>
+              <a:buAutoNum type="arabicPeriod"/>
+            </a:pPr>
+            <a:endParaRPr lang="en-US" altLang="zh-TW" dirty="0" smtClean="0"/>
+          </a:p>
+          <a:p>
+            <a:pPr marL="457200" indent="-457200">
+              <a:buFont typeface="+mj-lt"/>
+              <a:buAutoNum type="arabicPeriod"/>
+            </a:pPr>
+            <a:endParaRPr lang="en-US" altLang="zh-TW" dirty="0"/>
+          </a:p>
+          <a:p>
+            <a:pPr marL="457200" indent="-457200">
+              <a:buFont typeface="+mj-lt"/>
+              <a:buAutoNum type="arabicPeriod"/>
+            </a:pPr>
+            <a:endParaRPr lang="en-US" altLang="zh-TW" dirty="0" smtClean="0"/>
+          </a:p>
+          <a:p>
+            <a:pPr marL="457200" indent="-457200">
+              <a:buFont typeface="+mj-lt"/>
+              <a:buAutoNum type="arabicPeriod"/>
+            </a:pPr>
             <a:r>
               <a:rPr lang="en-US" altLang="zh-TW" dirty="0"/>
               <a:t>DB2PoolSvc.xml  type pool</a:t>
@@ -11758,8 +12062,20 @@
             </a:r>
             <a:r>
               <a:rPr lang="zh-TW" altLang="en-US" dirty="0"/>
-              <a:t>差異為何？</a:t>
-            </a:r>
+              <a:t>差異為何</a:t>
+            </a:r>
+            <a:r>
+              <a:rPr lang="zh-TW" altLang="en-US" dirty="0" smtClean="0"/>
+              <a:t>？</a:t>
+            </a:r>
+            <a:endParaRPr lang="en-US" altLang="zh-TW" dirty="0" smtClean="0"/>
+          </a:p>
+          <a:p>
+            <a:pPr marL="457200" indent="-457200">
+              <a:buFont typeface="+mj-lt"/>
+              <a:buAutoNum type="arabicPeriod"/>
+            </a:pPr>
+            <a:endParaRPr lang="zh-TW" altLang="en-US" dirty="0"/>
           </a:p>
         </p:txBody>
       </p:sp>
@@ -11797,6 +12113,13 @@
   <p:clrMapOvr>
     <a:masterClrMapping/>
   </p:clrMapOvr>
+  <p:timing>
+    <p:tnLst>
+      <p:par>
+        <p:cTn id="1" dur="indefinite" restart="never" nodeType="tmRoot"/>
+      </p:par>
+    </p:tnLst>
+  </p:timing>
 </p:sld>
 </file>
 
@@ -11832,7 +12155,19 @@
           <a:bodyPr/>
           <a:lstStyle/>
           <a:p>
-            <a:endParaRPr lang="zh-TW" altLang="en-US"/>
+            <a:r>
+              <a:rPr lang="en-US" altLang="zh-TW" dirty="0" err="1">
+                <a:solidFill>
+                  <a:schemeClr val="tx1"/>
+                </a:solidFill>
+              </a:rPr>
+              <a:t>DBMudule</a:t>
+            </a:r>
+            <a:endParaRPr lang="zh-TW" altLang="en-US" dirty="0">
+              <a:solidFill>
+                <a:schemeClr val="tx1"/>
+              </a:solidFill>
+            </a:endParaRPr>
           </a:p>
         </p:txBody>
       </p:sp>
@@ -11846,10 +12181,183 @@
             <p:ph idx="1"/>
           </p:nvPr>
         </p:nvSpPr>
-        <p:spPr/>
-        <p:txBody>
-          <a:bodyPr/>
-          <a:lstStyle/>
+        <p:spPr>
+          <a:xfrm>
+            <a:off x="316134" y="1353203"/>
+            <a:ext cx="6847992" cy="4195481"/>
+          </a:xfrm>
+        </p:spPr>
+        <p:txBody>
+          <a:bodyPr/>
+          <a:lstStyle/>
+          <a:p>
+            <a:r>
+              <a:rPr lang="en-US" altLang="zh-TW" dirty="0" err="1"/>
+              <a:t>DBMudule</a:t>
+            </a:r>
+            <a:r>
+              <a:rPr lang="zh-TW" altLang="zh-TW" dirty="0"/>
+              <a:t>使用的時機？</a:t>
+            </a:r>
+            <a:endParaRPr lang="en-US" altLang="zh-TW" dirty="0"/>
+          </a:p>
+          <a:p>
+            <a:endParaRPr lang="en-US" altLang="zh-TW" dirty="0" smtClean="0"/>
+          </a:p>
+          <a:p>
+            <a:r>
+              <a:rPr lang="en-US" altLang="zh-TW" dirty="0" smtClean="0"/>
+              <a:t>A</a:t>
+            </a:r>
+            <a:r>
+              <a:rPr lang="zh-TW" altLang="zh-TW" dirty="0"/>
+              <a:t>系統作業的主程式，呼叫</a:t>
+            </a:r>
+            <a:r>
+              <a:rPr lang="en-US" altLang="zh-TW" dirty="0"/>
+              <a:t>B</a:t>
+            </a:r>
+            <a:r>
+              <a:rPr lang="zh-TW" altLang="zh-TW" dirty="0"/>
+              <a:t>系統模組，此模組繼承</a:t>
+            </a:r>
+            <a:r>
+              <a:rPr lang="en-US" altLang="zh-TW" dirty="0"/>
+              <a:t>C </a:t>
+            </a:r>
+            <a:r>
+              <a:rPr lang="zh-TW" altLang="zh-TW" dirty="0"/>
+              <a:t>系統的</a:t>
+            </a:r>
+            <a:r>
+              <a:rPr lang="en-US" altLang="zh-TW" dirty="0" err="1"/>
+              <a:t>DBModule</a:t>
+            </a:r>
+            <a:r>
+              <a:rPr lang="zh-TW" altLang="zh-TW" dirty="0"/>
+              <a:t>，當在</a:t>
+            </a:r>
+            <a:r>
+              <a:rPr lang="en-US" altLang="zh-TW" dirty="0"/>
+              <a:t>B</a:t>
+            </a:r>
+            <a:r>
+              <a:rPr lang="zh-TW" altLang="zh-TW" dirty="0"/>
+              <a:t>系統模組內使用</a:t>
+            </a:r>
+            <a:r>
+              <a:rPr lang="en-US" altLang="zh-TW" dirty="0"/>
+              <a:t> </a:t>
+            </a:r>
+            <a:r>
+              <a:rPr lang="en-US" altLang="zh-TW" dirty="0" err="1"/>
+              <a:t>getDataSet</a:t>
+            </a:r>
+            <a:r>
+              <a:rPr lang="en-US" altLang="zh-TW" dirty="0"/>
+              <a:t>() </a:t>
+            </a:r>
+            <a:r>
+              <a:rPr lang="zh-TW" altLang="zh-TW" dirty="0"/>
+              <a:t>取得連線，那此時取得的連線會使用哪一條連線？為什麼</a:t>
+            </a:r>
+            <a:r>
+              <a:rPr lang="zh-TW" altLang="zh-TW" dirty="0" smtClean="0"/>
+              <a:t>？</a:t>
+            </a:r>
+            <a:endParaRPr lang="en-US" altLang="zh-TW" dirty="0" smtClean="0"/>
+          </a:p>
+          <a:p>
+            <a:endParaRPr lang="en-US" altLang="zh-TW" dirty="0"/>
+          </a:p>
+          <a:p>
+            <a:pPr marL="0" indent="0">
+              <a:buNone/>
+            </a:pPr>
+            <a:r>
+              <a:rPr lang="zh-TW" altLang="en-US" dirty="0"/>
+              <a:t>使用</a:t>
+            </a:r>
+            <a:r>
+              <a:rPr lang="en-US" altLang="zh-TW" dirty="0"/>
+              <a:t>DS_C</a:t>
+            </a:r>
+            <a:r>
+              <a:rPr lang="zh-TW" altLang="en-US" dirty="0"/>
+              <a:t>系統</a:t>
+            </a:r>
+            <a:r>
+              <a:rPr lang="zh-TW" altLang="en-US" dirty="0" smtClean="0"/>
+              <a:t>代碼這條</a:t>
+            </a:r>
+            <a:r>
+              <a:rPr lang="zh-TW" altLang="zh-TW" dirty="0" smtClean="0"/>
+              <a:t>連線</a:t>
+            </a:r>
+            <a:r>
+              <a:rPr lang="zh-TW" altLang="en-US" dirty="0" smtClean="0"/>
+              <a:t>，</a:t>
+            </a:r>
+            <a:endParaRPr lang="en-US" altLang="zh-TW" dirty="0" smtClean="0"/>
+          </a:p>
+          <a:p>
+            <a:pPr marL="0" indent="0">
+              <a:buNone/>
+            </a:pPr>
+            <a:r>
+              <a:rPr lang="zh-TW" altLang="en-US" dirty="0" smtClean="0"/>
+              <a:t>因</a:t>
+            </a:r>
+            <a:r>
+              <a:rPr lang="en-US" altLang="zh-TW" dirty="0"/>
+              <a:t>B</a:t>
+            </a:r>
+            <a:r>
+              <a:rPr lang="zh-TW" altLang="en-US" dirty="0"/>
+              <a:t>模組繼承 </a:t>
+            </a:r>
+            <a:r>
+              <a:rPr lang="en-US" altLang="zh-TW" dirty="0"/>
+              <a:t>” C </a:t>
+            </a:r>
+            <a:r>
+              <a:rPr lang="zh-TW" altLang="zh-TW" dirty="0" smtClean="0"/>
+              <a:t>系統</a:t>
+            </a:r>
+            <a:r>
+              <a:rPr lang="zh-TW" altLang="en-US" dirty="0"/>
+              <a:t>代碼</a:t>
+            </a:r>
+            <a:r>
+              <a:rPr lang="en-US" altLang="zh-TW" dirty="0" smtClean="0"/>
+              <a:t>_</a:t>
+            </a:r>
+            <a:r>
+              <a:rPr lang="en-US" altLang="zh-TW" dirty="0" err="1"/>
+              <a:t>DBModule</a:t>
+            </a:r>
+            <a:r>
+              <a:rPr lang="en-US" altLang="zh-TW" dirty="0"/>
+              <a:t>”</a:t>
+            </a:r>
+            <a:r>
+              <a:rPr lang="zh-TW" altLang="en-US" dirty="0"/>
+              <a:t>，會取得該子系統的獨立 </a:t>
+            </a:r>
+            <a:r>
+              <a:rPr lang="en-US" altLang="zh-TW" dirty="0" err="1"/>
+              <a:t>DataSet</a:t>
+            </a:r>
+            <a:r>
+              <a:rPr lang="en-US" altLang="zh-TW" dirty="0"/>
+              <a:t> </a:t>
+            </a:r>
+            <a:r>
+              <a:rPr lang="zh-TW" altLang="en-US" dirty="0"/>
+              <a:t>進行連線</a:t>
+            </a:r>
+            <a:endParaRPr lang="en-US" altLang="zh-TW" dirty="0"/>
+          </a:p>
           <a:p>
             <a:endParaRPr lang="zh-TW" altLang="en-US" dirty="0"/>
           </a:p>
@@ -11880,7 +12388,7 @@
       </p:sp>
       <p:pic>
         <p:nvPicPr>
-          <p:cNvPr id="5" name="圖片 4"/>
+          <p:cNvPr id="6" name="圖片 5"/>
           <p:cNvPicPr>
             <a:picLocks noChangeAspect="1"/>
           </p:cNvPicPr>
@@ -11894,31 +12402,8 @@
         </p:blipFill>
         <p:spPr>
           <a:xfrm>
-            <a:off x="211198" y="182878"/>
-            <a:ext cx="10157303" cy="4200428"/>
-          </a:xfrm>
-          <a:prstGeom prst="rect">
-            <a:avLst/>
-          </a:prstGeom>
-        </p:spPr>
-      </p:pic>
-      <p:pic>
-        <p:nvPicPr>
-          <p:cNvPr id="6" name="圖片 5"/>
-          <p:cNvPicPr>
-            <a:picLocks noChangeAspect="1"/>
-          </p:cNvPicPr>
-          <p:nvPr/>
-        </p:nvPicPr>
-        <p:blipFill rotWithShape="1">
-          <a:blip r:embed="rId3"/>
-          <a:srcRect b="63937"/>
-          <a:stretch/>
-        </p:blipFill>
-        <p:spPr>
-          <a:xfrm>
-            <a:off x="204154" y="4317633"/>
-            <a:ext cx="11294955" cy="1621991"/>
+            <a:off x="7338557" y="1771814"/>
+            <a:ext cx="4305300" cy="3505200"/>
           </a:xfrm>
           <a:prstGeom prst="rect">
             <a:avLst/>
@@ -11928,13 +12413,20 @@
     </p:spTree>
     <p:extLst>
       <p:ext uri="{BB962C8B-B14F-4D97-AF65-F5344CB8AC3E}">
-        <p14:creationId xmlns:p14="http://schemas.microsoft.com/office/powerpoint/2010/main" val="1829162389"/>
+        <p14:creationId xmlns:p14="http://schemas.microsoft.com/office/powerpoint/2010/main" val="917221708"/>
       </p:ext>
     </p:extLst>
   </p:cSld>
   <p:clrMapOvr>
     <a:masterClrMapping/>
   </p:clrMapOvr>
+  <p:timing>
+    <p:tnLst>
+      <p:par>
+        <p:cTn id="1" dur="indefinite" restart="never" nodeType="tmRoot"/>
+      </p:par>
+    </p:tnLst>
+  </p:timing>
 </p:sld>
 </file>
 
@@ -11971,20 +12463,12 @@
           <a:lstStyle/>
           <a:p>
             <a:r>
-              <a:rPr lang="en-US" altLang="zh-TW" dirty="0" smtClean="0">
+              <a:rPr lang="en-US" altLang="zh-TW" dirty="0" err="1">
                 <a:solidFill>
                   <a:srgbClr val="FF0000"/>
                 </a:solidFill>
               </a:rPr>
-              <a:t>SQL</a:t>
-            </a:r>
-            <a:r>
-              <a:rPr lang="zh-TW" altLang="zh-TW" dirty="0">
-                <a:solidFill>
-                  <a:srgbClr val="FF0000"/>
-                </a:solidFill>
-              </a:rPr>
-              <a:t>未進行更新，是什麼原因？</a:t>
+              <a:t>DBMudule</a:t>
             </a:r>
             <a:endParaRPr lang="zh-TW" altLang="en-US" dirty="0">
               <a:solidFill>
@@ -12004,43 +12488,55 @@
             <p:ph idx="1"/>
           </p:nvPr>
         </p:nvSpPr>
-        <p:spPr/>
-        <p:txBody>
-          <a:bodyPr/>
-          <a:lstStyle/>
-          <a:p>
+        <p:spPr>
+          <a:xfrm>
+            <a:off x="204814" y="1480424"/>
+            <a:ext cx="7833955" cy="4195481"/>
+          </a:xfrm>
+        </p:spPr>
+        <p:txBody>
+          <a:bodyPr/>
+          <a:lstStyle/>
+          <a:p>
+            <a:r>
+              <a:rPr lang="en-US" altLang="zh-TW" dirty="0" err="1" smtClean="0"/>
+              <a:t>DBMudule</a:t>
+            </a:r>
+            <a:r>
+              <a:rPr lang="en-US" altLang="zh-TW" dirty="0" smtClean="0"/>
+              <a:t> </a:t>
+            </a:r>
             <a:r>
               <a:rPr lang="zh-TW" altLang="zh-TW" dirty="0"/>
-              <a:t>本機</a:t>
+              <a:t>取得獨立連線，若須同時更新不同</a:t>
             </a:r>
             <a:r>
               <a:rPr lang="en-US" altLang="zh-TW" dirty="0"/>
-              <a:t>server SQL </a:t>
+              <a:t> table</a:t>
             </a:r>
             <a:r>
               <a:rPr lang="zh-TW" altLang="zh-TW" dirty="0"/>
-              <a:t>寫錯，重新修改後執行，執行時發現</a:t>
-            </a:r>
-            <a:r>
-              <a:rPr lang="en-US" altLang="zh-TW" dirty="0"/>
-              <a:t>SQL </a:t>
-            </a:r>
-            <a:r>
-              <a:rPr lang="zh-TW" altLang="zh-TW" dirty="0"/>
-              <a:t>未進行更新，是什麼原因？應該如何處理？測試環境執行時</a:t>
-            </a:r>
-            <a:r>
-              <a:rPr lang="en-US" altLang="zh-TW" dirty="0"/>
-              <a:t>SQL</a:t>
-            </a:r>
-            <a:r>
-              <a:rPr lang="zh-TW" altLang="zh-TW" dirty="0"/>
-              <a:t>從何而來？讀取</a:t>
-            </a:r>
-            <a:r>
-              <a:rPr lang="en-US" altLang="zh-TW" dirty="0"/>
-              <a:t>SQL file?...</a:t>
-            </a:r>
+              <a:t>資料一起要進行交易控制，該如何做到交易控制</a:t>
+            </a:r>
+            <a:r>
+              <a:rPr lang="zh-TW" altLang="zh-TW" dirty="0" smtClean="0"/>
+              <a:t>？</a:t>
+            </a:r>
+            <a:endParaRPr lang="en-US" altLang="zh-TW" dirty="0" smtClean="0"/>
+          </a:p>
+          <a:p>
+            <a:endParaRPr lang="en-US" altLang="zh-TW" dirty="0" smtClean="0"/>
+          </a:p>
+          <a:p>
+            <a:pPr marL="0" indent="0">
+              <a:buNone/>
+            </a:pPr>
+            <a:endParaRPr lang="en-US" altLang="zh-TW" dirty="0" smtClean="0"/>
+          </a:p>
+          <a:p>
+            <a:endParaRPr lang="en-US" altLang="zh-TW" dirty="0"/>
+          </a:p>
+          <a:p>
             <a:endParaRPr lang="zh-TW" altLang="en-US" dirty="0"/>
           </a:p>
         </p:txBody>
@@ -12069,16 +12565,47 @@
           </a:p>
         </p:txBody>
       </p:sp>
+      <p:pic>
+        <p:nvPicPr>
+          <p:cNvPr id="5" name="圖片 4"/>
+          <p:cNvPicPr>
+            <a:picLocks noChangeAspect="1"/>
+          </p:cNvPicPr>
+          <p:nvPr/>
+        </p:nvPicPr>
+        <p:blipFill>
+          <a:blip r:embed="rId2"/>
+          <a:stretch>
+            <a:fillRect/>
+          </a:stretch>
+        </p:blipFill>
+        <p:spPr>
+          <a:xfrm>
+            <a:off x="3007705" y="2502590"/>
+            <a:ext cx="3648075" cy="2647950"/>
+          </a:xfrm>
+          <a:prstGeom prst="rect">
+            <a:avLst/>
+          </a:prstGeom>
+        </p:spPr>
+      </p:pic>
     </p:spTree>
     <p:extLst>
       <p:ext uri="{BB962C8B-B14F-4D97-AF65-F5344CB8AC3E}">
-        <p14:creationId xmlns:p14="http://schemas.microsoft.com/office/powerpoint/2010/main" val="2470817329"/>
+        <p14:creationId xmlns:p14="http://schemas.microsoft.com/office/powerpoint/2010/main" val="3102162224"/>
       </p:ext>
     </p:extLst>
   </p:cSld>
   <p:clrMapOvr>
     <a:masterClrMapping/>
   </p:clrMapOvr>
+  <p:timing>
+    <p:tnLst>
+      <p:par>
+        <p:cTn id="1" dur="indefinite" restart="never" nodeType="tmRoot"/>
+      </p:par>
+    </p:tnLst>
+  </p:timing>
 </p:sld>
 </file>
 
@@ -12133,7 +12660,7 @@
           <a:bodyPr/>
           <a:lstStyle/>
           <a:p>
-            <a:endParaRPr lang="zh-TW" altLang="en-US"/>
+            <a:endParaRPr lang="zh-TW" altLang="en-US" dirty="0"/>
           </a:p>
         </p:txBody>
       </p:sp>
@@ -12176,8 +12703,31 @@
         </p:blipFill>
         <p:spPr>
           <a:xfrm>
-            <a:off x="-661988" y="2790825"/>
-            <a:ext cx="13515975" cy="1276350"/>
+            <a:off x="211198" y="182878"/>
+            <a:ext cx="10157303" cy="4200428"/>
+          </a:xfrm>
+          <a:prstGeom prst="rect">
+            <a:avLst/>
+          </a:prstGeom>
+        </p:spPr>
+      </p:pic>
+      <p:pic>
+        <p:nvPicPr>
+          <p:cNvPr id="6" name="圖片 5"/>
+          <p:cNvPicPr>
+            <a:picLocks noChangeAspect="1"/>
+          </p:cNvPicPr>
+          <p:nvPr/>
+        </p:nvPicPr>
+        <p:blipFill rotWithShape="1">
+          <a:blip r:embed="rId3"/>
+          <a:srcRect b="63937"/>
+          <a:stretch/>
+        </p:blipFill>
+        <p:spPr>
+          <a:xfrm>
+            <a:off x="204154" y="4317633"/>
+            <a:ext cx="11294955" cy="1621991"/>
           </a:xfrm>
           <a:prstGeom prst="rect">
             <a:avLst/>
@@ -12187,13 +12737,20 @@
     </p:spTree>
     <p:extLst>
       <p:ext uri="{BB962C8B-B14F-4D97-AF65-F5344CB8AC3E}">
-        <p14:creationId xmlns:p14="http://schemas.microsoft.com/office/powerpoint/2010/main" val="764708013"/>
+        <p14:creationId xmlns:p14="http://schemas.microsoft.com/office/powerpoint/2010/main" val="1829162389"/>
       </p:ext>
     </p:extLst>
   </p:cSld>
   <p:clrMapOvr>
     <a:masterClrMapping/>
   </p:clrMapOvr>
+  <p:timing>
+    <p:tnLst>
+      <p:par>
+        <p:cTn id="1" dur="indefinite" restart="never" nodeType="tmRoot"/>
+      </p:par>
+    </p:tnLst>
+  </p:timing>
 </p:sld>
 </file>
 
@@ -12229,19 +12786,7 @@
           <a:bodyPr/>
           <a:lstStyle/>
           <a:p>
-            <a:r>
-              <a:rPr lang="zh-TW" altLang="en-US" dirty="0"/>
-              <a:t>測試</a:t>
-            </a:r>
-            <a:r>
-              <a:rPr lang="en-US" altLang="zh-TW" dirty="0" smtClean="0"/>
-              <a:t>Dataset </a:t>
-            </a:r>
-            <a:r>
-              <a:rPr lang="en-US" altLang="zh-TW" dirty="0" smtClean="0"/>
-              <a:t>Clear(1)</a:t>
-            </a:r>
-            <a:endParaRPr lang="zh-TW" altLang="en-US" dirty="0"/>
+            <a:endParaRPr lang="zh-TW" altLang="en-US"/>
           </a:p>
         </p:txBody>
       </p:sp>
@@ -12255,71 +12800,12 @@
             <p:ph idx="1"/>
           </p:nvPr>
         </p:nvSpPr>
-        <p:spPr>
-          <a:xfrm>
-            <a:off x="707387" y="1506164"/>
-            <a:ext cx="8946541" cy="5244493"/>
-          </a:xfrm>
-        </p:spPr>
-        <p:txBody>
-          <a:bodyPr>
-            <a:normAutofit/>
-          </a:bodyPr>
-          <a:lstStyle/>
-          <a:p>
-            <a:r>
-              <a:rPr lang="zh-TW" altLang="en-US" dirty="0"/>
-              <a:t>不做</a:t>
-            </a:r>
-            <a:r>
-              <a:rPr lang="en-US" altLang="zh-TW" dirty="0"/>
-              <a:t>clear</a:t>
-            </a:r>
-            <a:r>
-              <a:rPr lang="zh-TW" altLang="en-US" dirty="0"/>
-              <a:t>會不會生效</a:t>
-            </a:r>
-            <a:r>
-              <a:rPr lang="zh-TW" altLang="en-US" dirty="0" smtClean="0"/>
-              <a:t>？</a:t>
-            </a:r>
-            <a:endParaRPr lang="en-US" altLang="zh-TW" dirty="0" smtClean="0"/>
-          </a:p>
-          <a:p>
-            <a:pPr marL="0" indent="0">
-              <a:buNone/>
-            </a:pPr>
-            <a:endParaRPr lang="en-US" altLang="zh-TW" dirty="0" smtClean="0"/>
-          </a:p>
-          <a:p>
-            <a:pPr marL="0" indent="0">
-              <a:buNone/>
-            </a:pPr>
-            <a:endParaRPr lang="en-US" altLang="zh-TW" dirty="0"/>
-          </a:p>
-          <a:p>
-            <a:pPr marL="0" indent="0">
-              <a:buNone/>
-            </a:pPr>
-            <a:endParaRPr lang="en-US" altLang="zh-TW" dirty="0" smtClean="0"/>
-          </a:p>
-          <a:p>
-            <a:pPr marL="0" indent="0">
-              <a:buNone/>
-            </a:pPr>
-            <a:endParaRPr lang="en-US" altLang="zh-TW" dirty="0" smtClean="0"/>
-          </a:p>
-          <a:p>
-            <a:pPr marL="0" indent="0">
-              <a:buNone/>
-            </a:pPr>
-            <a:endParaRPr lang="en-US" altLang="zh-TW" dirty="0" smtClean="0"/>
-          </a:p>
-          <a:p>
-            <a:pPr marL="0" indent="0">
-              <a:buNone/>
-            </a:pPr>
-            <a:endParaRPr lang="en-US" altLang="zh-TW" dirty="0" smtClean="0"/>
+        <p:spPr/>
+        <p:txBody>
+          <a:bodyPr/>
+          <a:lstStyle/>
+          <a:p>
+            <a:endParaRPr lang="zh-TW" altLang="en-US"/>
           </a:p>
         </p:txBody>
       </p:sp>
@@ -12340,10 +12826,9 @@
           <a:p>
             <a:fld id="{7EEA38C4-728D-4C6D-B45A-B952D9AC726F}" type="slidenum">
               <a:rPr lang="zh-TW" altLang="en-US" smtClean="0"/>
-              <a:pPr/>
               <a:t>23</a:t>
             </a:fld>
-            <a:endParaRPr lang="zh-TW" altLang="en-US" dirty="0"/>
+            <a:endParaRPr lang="zh-TW" altLang="en-US"/>
           </a:p>
         </p:txBody>
       </p:sp>
@@ -12363,80 +12848,8 @@
         </p:blipFill>
         <p:spPr>
           <a:xfrm>
-            <a:off x="1008863" y="3986171"/>
-            <a:ext cx="7439025" cy="666750"/>
-          </a:xfrm>
-          <a:prstGeom prst="rect">
-            <a:avLst/>
-          </a:prstGeom>
-        </p:spPr>
-      </p:pic>
-      <p:pic>
-        <p:nvPicPr>
-          <p:cNvPr id="7" name="圖片 6"/>
-          <p:cNvPicPr>
-            <a:picLocks noChangeAspect="1"/>
-          </p:cNvPicPr>
-          <p:nvPr/>
-        </p:nvPicPr>
-        <p:blipFill>
-          <a:blip r:embed="rId3"/>
-          <a:stretch>
-            <a:fillRect/>
-          </a:stretch>
-        </p:blipFill>
-        <p:spPr>
-          <a:xfrm>
-            <a:off x="1023274" y="1994701"/>
-            <a:ext cx="3895725" cy="1962150"/>
-          </a:xfrm>
-          <a:prstGeom prst="rect">
-            <a:avLst/>
-          </a:prstGeom>
-        </p:spPr>
-      </p:pic>
-      <p:pic>
-        <p:nvPicPr>
-          <p:cNvPr id="8" name="圖片 7"/>
-          <p:cNvPicPr>
-            <a:picLocks noChangeAspect="1"/>
-          </p:cNvPicPr>
-          <p:nvPr/>
-        </p:nvPicPr>
-        <p:blipFill>
-          <a:blip r:embed="rId4"/>
-          <a:stretch>
-            <a:fillRect/>
-          </a:stretch>
-        </p:blipFill>
-        <p:spPr>
-          <a:xfrm>
-            <a:off x="4953663" y="1989939"/>
-            <a:ext cx="4015657" cy="1971675"/>
-          </a:xfrm>
-          <a:prstGeom prst="rect">
-            <a:avLst/>
-          </a:prstGeom>
-        </p:spPr>
-      </p:pic>
-      <p:pic>
-        <p:nvPicPr>
-          <p:cNvPr id="9" name="圖片 8"/>
-          <p:cNvPicPr>
-            <a:picLocks noChangeAspect="1"/>
-          </p:cNvPicPr>
-          <p:nvPr/>
-        </p:nvPicPr>
-        <p:blipFill>
-          <a:blip r:embed="rId5"/>
-          <a:stretch>
-            <a:fillRect/>
-          </a:stretch>
-        </p:blipFill>
-        <p:spPr>
-          <a:xfrm>
-            <a:off x="5297225" y="679961"/>
-            <a:ext cx="6781800" cy="6086475"/>
+            <a:off x="-661988" y="2790825"/>
+            <a:ext cx="13515975" cy="1276350"/>
           </a:xfrm>
           <a:prstGeom prst="rect">
             <a:avLst/>
@@ -12446,13 +12859,20 @@
     </p:spTree>
     <p:extLst>
       <p:ext uri="{BB962C8B-B14F-4D97-AF65-F5344CB8AC3E}">
-        <p14:creationId xmlns:p14="http://schemas.microsoft.com/office/powerpoint/2010/main" val="1436779720"/>
+        <p14:creationId xmlns:p14="http://schemas.microsoft.com/office/powerpoint/2010/main" val="764708013"/>
       </p:ext>
     </p:extLst>
   </p:cSld>
   <p:clrMapOvr>
     <a:masterClrMapping/>
   </p:clrMapOvr>
+  <p:timing>
+    <p:tnLst>
+      <p:par>
+        <p:cTn id="1" dur="indefinite" restart="never" nodeType="tmRoot"/>
+      </p:par>
+    </p:tnLst>
+  </p:timing>
 </p:sld>
 </file>
 
@@ -12493,80 +12913,88 @@
               <a:t>測試</a:t>
             </a:r>
             <a:r>
+              <a:rPr lang="en-US" altLang="zh-TW" dirty="0" smtClean="0"/>
+              <a:t>Dataset Clear(1)</a:t>
+            </a:r>
+            <a:endParaRPr lang="zh-TW" altLang="en-US" dirty="0"/>
+          </a:p>
+        </p:txBody>
+      </p:sp>
+      <p:sp>
+        <p:nvSpPr>
+          <p:cNvPr id="3" name="內容版面配置區 2"/>
+          <p:cNvSpPr>
+            <a:spLocks noGrp="1"/>
+          </p:cNvSpPr>
+          <p:nvPr>
+            <p:ph idx="1"/>
+          </p:nvPr>
+        </p:nvSpPr>
+        <p:spPr>
+          <a:xfrm>
+            <a:off x="707387" y="1506164"/>
+            <a:ext cx="8946541" cy="5244493"/>
+          </a:xfrm>
+        </p:spPr>
+        <p:txBody>
+          <a:bodyPr>
+            <a:normAutofit/>
+          </a:bodyPr>
+          <a:lstStyle/>
+          <a:p>
+            <a:r>
+              <a:rPr lang="zh-TW" altLang="en-US" dirty="0"/>
+              <a:t>不做</a:t>
+            </a:r>
+            <a:r>
               <a:rPr lang="en-US" altLang="zh-TW" dirty="0"/>
-              <a:t>Dataset </a:t>
-            </a:r>
-            <a:r>
-              <a:rPr lang="en-US" altLang="zh-TW" dirty="0" smtClean="0"/>
-              <a:t>Clear(2)</a:t>
-            </a:r>
-            <a:endParaRPr lang="zh-TW" altLang="en-US" dirty="0"/>
-          </a:p>
-        </p:txBody>
-      </p:sp>
-      <p:sp>
-        <p:nvSpPr>
-          <p:cNvPr id="3" name="內容版面配置區 2"/>
-          <p:cNvSpPr>
-            <a:spLocks noGrp="1"/>
-          </p:cNvSpPr>
-          <p:nvPr>
-            <p:ph idx="1"/>
-          </p:nvPr>
-        </p:nvSpPr>
-        <p:spPr>
-          <a:xfrm>
-            <a:off x="721649" y="1305496"/>
-            <a:ext cx="8946541" cy="4195481"/>
-          </a:xfrm>
-        </p:spPr>
-        <p:txBody>
-          <a:bodyPr/>
-          <a:lstStyle/>
-          <a:p>
+              <a:t>clear</a:t>
+            </a:r>
             <a:r>
               <a:rPr lang="zh-TW" altLang="en-US" dirty="0"/>
-              <a:t>各情況模擬測試</a:t>
-            </a:r>
+              <a:t>會不會生效</a:t>
+            </a:r>
+            <a:r>
+              <a:rPr lang="zh-TW" altLang="en-US" dirty="0" smtClean="0"/>
+              <a:t>？</a:t>
+            </a:r>
+            <a:endParaRPr lang="en-US" altLang="zh-TW" dirty="0" smtClean="0"/>
+          </a:p>
+          <a:p>
+            <a:pPr marL="0" indent="0">
+              <a:buNone/>
+            </a:pPr>
+            <a:endParaRPr lang="en-US" altLang="zh-TW" dirty="0" smtClean="0"/>
+          </a:p>
+          <a:p>
+            <a:pPr marL="0" indent="0">
+              <a:buNone/>
+            </a:pPr>
             <a:endParaRPr lang="en-US" altLang="zh-TW" dirty="0"/>
           </a:p>
           <a:p>
-            <a:pPr marL="800100" lvl="1" indent="-342900">
-              <a:buFont typeface="+mj-lt"/>
-              <a:buAutoNum type="arabicPeriod"/>
+            <a:pPr marL="0" indent="0">
+              <a:buNone/>
             </a:pPr>
-            <a:r>
-              <a:rPr lang="zh-TW" altLang="en-US" dirty="0" smtClean="0"/>
-              <a:t>使用</a:t>
-            </a:r>
-            <a:r>
-              <a:rPr lang="en-US" altLang="zh-TW" dirty="0" smtClean="0"/>
-              <a:t>2</a:t>
-            </a:r>
-            <a:r>
-              <a:rPr lang="zh-TW" altLang="en-US" dirty="0"/>
-              <a:t>個</a:t>
-            </a:r>
-            <a:r>
-              <a:rPr lang="zh-TW" altLang="en-US" dirty="0" smtClean="0"/>
-              <a:t>條件，使用</a:t>
-            </a:r>
-            <a:r>
-              <a:rPr lang="en-US" altLang="zh-TW" dirty="0" smtClean="0"/>
-              <a:t>3</a:t>
-            </a:r>
-            <a:r>
-              <a:rPr lang="zh-TW" altLang="en-US" dirty="0"/>
-              <a:t>個</a:t>
-            </a:r>
-            <a:r>
-              <a:rPr lang="zh-TW" altLang="en-US" dirty="0" smtClean="0"/>
-              <a:t>條件</a:t>
-            </a:r>
-            <a:endParaRPr lang="zh-TW" altLang="en-US" dirty="0"/>
-          </a:p>
-          <a:p>
-            <a:endParaRPr lang="zh-TW" altLang="en-US" dirty="0"/>
+            <a:endParaRPr lang="en-US" altLang="zh-TW" dirty="0" smtClean="0"/>
+          </a:p>
+          <a:p>
+            <a:pPr marL="0" indent="0">
+              <a:buNone/>
+            </a:pPr>
+            <a:endParaRPr lang="en-US" altLang="zh-TW" dirty="0" smtClean="0"/>
+          </a:p>
+          <a:p>
+            <a:pPr marL="0" indent="0">
+              <a:buNone/>
+            </a:pPr>
+            <a:endParaRPr lang="en-US" altLang="zh-TW" dirty="0" smtClean="0"/>
+          </a:p>
+          <a:p>
+            <a:pPr marL="0" indent="0">
+              <a:buNone/>
+            </a:pPr>
+            <a:endParaRPr lang="en-US" altLang="zh-TW" dirty="0" smtClean="0"/>
           </a:p>
         </p:txBody>
       </p:sp>
@@ -12587,15 +13015,16 @@
           <a:p>
             <a:fld id="{7EEA38C4-728D-4C6D-B45A-B952D9AC726F}" type="slidenum">
               <a:rPr lang="zh-TW" altLang="en-US" smtClean="0"/>
+              <a:pPr/>
               <a:t>24</a:t>
             </a:fld>
-            <a:endParaRPr lang="zh-TW" altLang="en-US"/>
+            <a:endParaRPr lang="zh-TW" altLang="en-US" dirty="0"/>
           </a:p>
         </p:txBody>
       </p:sp>
       <p:pic>
         <p:nvPicPr>
-          <p:cNvPr id="8" name="圖片 7"/>
+          <p:cNvPr id="5" name="圖片 4"/>
           <p:cNvPicPr>
             <a:picLocks noChangeAspect="1"/>
           </p:cNvPicPr>
@@ -12609,82 +13038,17 @@
         </p:blipFill>
         <p:spPr>
           <a:xfrm>
-            <a:off x="510830" y="2390402"/>
-            <a:ext cx="3457575" cy="1647825"/>
+            <a:off x="1008863" y="3986171"/>
+            <a:ext cx="7439025" cy="666750"/>
           </a:xfrm>
           <a:prstGeom prst="rect">
             <a:avLst/>
           </a:prstGeom>
         </p:spPr>
       </p:pic>
-      <p:sp>
-        <p:nvSpPr>
-          <p:cNvPr id="9" name="矩形 8"/>
-          <p:cNvSpPr/>
-          <p:nvPr/>
-        </p:nvSpPr>
-        <p:spPr>
-          <a:xfrm>
-            <a:off x="233224" y="2059590"/>
-            <a:ext cx="4044697" cy="369332"/>
-          </a:xfrm>
-          <a:prstGeom prst="rect">
-            <a:avLst/>
-          </a:prstGeom>
-        </p:spPr>
-        <p:txBody>
-          <a:bodyPr wrap="none">
-            <a:spAutoFit/>
-          </a:bodyPr>
-          <a:lstStyle/>
-          <a:p>
-            <a:r>
-              <a:rPr lang="en-US" altLang="zh-TW" dirty="0" smtClean="0">
-                <a:solidFill>
-                  <a:srgbClr val="FFFF00"/>
-                </a:solidFill>
-                <a:latin typeface="Courier New" panose="02070309020205020404" pitchFamily="49" charset="0"/>
-              </a:rPr>
-              <a:t>1.</a:t>
-            </a:r>
-            <a:r>
-              <a:rPr lang="zh-TW" altLang="en-US" dirty="0" smtClean="0">
-                <a:solidFill>
-                  <a:srgbClr val="FFFF00"/>
-                </a:solidFill>
-                <a:latin typeface="Courier New" panose="02070309020205020404" pitchFamily="49" charset="0"/>
-              </a:rPr>
-              <a:t> </a:t>
-            </a:r>
-            <a:r>
-              <a:rPr lang="en-US" altLang="zh-TW" dirty="0" smtClean="0">
-                <a:solidFill>
-                  <a:srgbClr val="FFFF00"/>
-                </a:solidFill>
-                <a:latin typeface="Courier New" panose="02070309020205020404" pitchFamily="49" charset="0"/>
-              </a:rPr>
-              <a:t>INSERT </a:t>
-            </a:r>
-            <a:r>
-              <a:rPr lang="en-US" altLang="zh-TW" dirty="0">
-                <a:solidFill>
-                  <a:srgbClr val="FFFF00"/>
-                </a:solidFill>
-                <a:latin typeface="Courier New" panose="02070309020205020404" pitchFamily="49" charset="0"/>
-              </a:rPr>
-              <a:t>INTO DBXX.DTXXTP01</a:t>
-            </a:r>
-            <a:endParaRPr lang="zh-TW" altLang="en-US" dirty="0">
-              <a:solidFill>
-                <a:srgbClr val="FFFF00"/>
-              </a:solidFill>
-            </a:endParaRPr>
-          </a:p>
-        </p:txBody>
-      </p:sp>
       <p:pic>
         <p:nvPicPr>
-          <p:cNvPr id="10" name="圖片 9"/>
+          <p:cNvPr id="7" name="圖片 6"/>
           <p:cNvPicPr>
             <a:picLocks noChangeAspect="1"/>
           </p:cNvPicPr>
@@ -12698,81 +13062,17 @@
         </p:blipFill>
         <p:spPr>
           <a:xfrm>
-            <a:off x="4781341" y="2710649"/>
-            <a:ext cx="2390775" cy="514350"/>
+            <a:off x="1023274" y="1994701"/>
+            <a:ext cx="3895725" cy="1962150"/>
           </a:xfrm>
           <a:prstGeom prst="rect">
             <a:avLst/>
           </a:prstGeom>
         </p:spPr>
       </p:pic>
-      <p:sp>
-        <p:nvSpPr>
-          <p:cNvPr id="11" name="矩形 10"/>
-          <p:cNvSpPr/>
-          <p:nvPr/>
-        </p:nvSpPr>
-        <p:spPr>
-          <a:xfrm>
-            <a:off x="4712388" y="2059590"/>
-            <a:ext cx="2528256" cy="646331"/>
-          </a:xfrm>
-          <a:prstGeom prst="rect">
-            <a:avLst/>
-          </a:prstGeom>
-        </p:spPr>
-        <p:txBody>
-          <a:bodyPr wrap="none">
-            <a:spAutoFit/>
-          </a:bodyPr>
-          <a:lstStyle/>
-          <a:p>
-            <a:r>
-              <a:rPr lang="en-US" altLang="zh-TW" dirty="0" smtClean="0">
-                <a:solidFill>
-                  <a:srgbClr val="FFFF00"/>
-                </a:solidFill>
-                <a:latin typeface="Courier New" panose="02070309020205020404" pitchFamily="49" charset="0"/>
-              </a:rPr>
-              <a:t>2.INSERT </a:t>
-            </a:r>
-            <a:r>
-              <a:rPr lang="en-US" altLang="zh-TW" dirty="0">
-                <a:solidFill>
-                  <a:srgbClr val="FFFF00"/>
-                </a:solidFill>
-                <a:latin typeface="Courier New" panose="02070309020205020404" pitchFamily="49" charset="0"/>
-              </a:rPr>
-              <a:t>INTO </a:t>
-            </a:r>
-            <a:endParaRPr lang="en-US" altLang="zh-TW" dirty="0" smtClean="0">
-              <a:solidFill>
-                <a:srgbClr val="FFFF00"/>
-              </a:solidFill>
-              <a:latin typeface="Courier New" panose="02070309020205020404" pitchFamily="49" charset="0"/>
-            </a:endParaRPr>
-          </a:p>
-          <a:p>
-            <a:r>
-              <a:rPr lang="en-US" altLang="zh-TW" dirty="0" smtClean="0">
-                <a:solidFill>
-                  <a:srgbClr val="FFFF00"/>
-                </a:solidFill>
-                <a:latin typeface="Courier New" panose="02070309020205020404" pitchFamily="49" charset="0"/>
-              </a:rPr>
-              <a:t>DBXX.DTXXTP01_BAK</a:t>
-            </a:r>
-            <a:endParaRPr lang="zh-TW" altLang="en-US" dirty="0">
-              <a:solidFill>
-                <a:srgbClr val="FFFF00"/>
-              </a:solidFill>
-            </a:endParaRPr>
-          </a:p>
-        </p:txBody>
-      </p:sp>
       <p:pic>
         <p:nvPicPr>
-          <p:cNvPr id="12" name="圖片 11"/>
+          <p:cNvPr id="8" name="圖片 7"/>
           <p:cNvPicPr>
             <a:picLocks noChangeAspect="1"/>
           </p:cNvPicPr>
@@ -12786,82 +13086,17 @@
         </p:blipFill>
         <p:spPr>
           <a:xfrm>
-            <a:off x="494429" y="4537999"/>
-            <a:ext cx="2886075" cy="676275"/>
+            <a:off x="4953663" y="1989939"/>
+            <a:ext cx="4015657" cy="1971675"/>
           </a:xfrm>
           <a:prstGeom prst="rect">
             <a:avLst/>
           </a:prstGeom>
         </p:spPr>
       </p:pic>
-      <p:sp>
-        <p:nvSpPr>
-          <p:cNvPr id="13" name="矩形 12"/>
-          <p:cNvSpPr/>
-          <p:nvPr/>
-        </p:nvSpPr>
-        <p:spPr>
-          <a:xfrm>
-            <a:off x="214582" y="4158733"/>
-            <a:ext cx="4733988" cy="369332"/>
-          </a:xfrm>
-          <a:prstGeom prst="rect">
-            <a:avLst/>
-          </a:prstGeom>
-        </p:spPr>
-        <p:txBody>
-          <a:bodyPr wrap="none">
-            <a:spAutoFit/>
-          </a:bodyPr>
-          <a:lstStyle/>
-          <a:p>
-            <a:r>
-              <a:rPr lang="en-US" altLang="zh-TW" dirty="0" smtClean="0">
-                <a:solidFill>
-                  <a:srgbClr val="FFFF00"/>
-                </a:solidFill>
-                <a:latin typeface="Courier New" panose="02070309020205020404" pitchFamily="49" charset="0"/>
-              </a:rPr>
-              <a:t>3.</a:t>
-            </a:r>
-            <a:r>
-              <a:rPr lang="zh-TW" altLang="en-US" dirty="0" smtClean="0">
-                <a:solidFill>
-                  <a:srgbClr val="FFFF00"/>
-                </a:solidFill>
-                <a:latin typeface="Courier New" panose="02070309020205020404" pitchFamily="49" charset="0"/>
-              </a:rPr>
-              <a:t> </a:t>
-            </a:r>
-            <a:r>
-              <a:rPr lang="en-US" altLang="zh-TW" dirty="0" smtClean="0">
-                <a:solidFill>
-                  <a:srgbClr val="FFFF00"/>
-                </a:solidFill>
-                <a:latin typeface="Courier New" panose="02070309020205020404" pitchFamily="49" charset="0"/>
-              </a:rPr>
-              <a:t>INSERT </a:t>
-            </a:r>
-            <a:r>
-              <a:rPr lang="en-US" altLang="zh-TW" dirty="0">
-                <a:solidFill>
-                  <a:srgbClr val="FFFF00"/>
-                </a:solidFill>
-                <a:latin typeface="Courier New" panose="02070309020205020404" pitchFamily="49" charset="0"/>
-              </a:rPr>
-              <a:t>INTO DBXX.DTXXTP01_BAK2</a:t>
-            </a:r>
-            <a:endParaRPr lang="zh-TW" altLang="en-US" dirty="0">
-              <a:solidFill>
-                <a:srgbClr val="FFFF00"/>
-              </a:solidFill>
-            </a:endParaRPr>
-          </a:p>
-        </p:txBody>
-      </p:sp>
       <p:pic>
         <p:nvPicPr>
-          <p:cNvPr id="14" name="圖片 13"/>
+          <p:cNvPr id="9" name="圖片 8"/>
           <p:cNvPicPr>
             <a:picLocks noChangeAspect="1"/>
           </p:cNvPicPr>
@@ -12875,281 +13110,31 @@
         </p:blipFill>
         <p:spPr>
           <a:xfrm>
-            <a:off x="4473809" y="5412519"/>
-            <a:ext cx="5343525" cy="533400"/>
+            <a:off x="6468960" y="423076"/>
+            <a:ext cx="6781800" cy="6086475"/>
           </a:xfrm>
           <a:prstGeom prst="rect">
             <a:avLst/>
           </a:prstGeom>
         </p:spPr>
       </p:pic>
-      <p:sp>
-        <p:nvSpPr>
-          <p:cNvPr id="15" name="矩形 14"/>
-          <p:cNvSpPr/>
-          <p:nvPr/>
-        </p:nvSpPr>
-        <p:spPr>
-          <a:xfrm>
-            <a:off x="3953020" y="4986994"/>
-            <a:ext cx="4733988" cy="369332"/>
-          </a:xfrm>
-          <a:prstGeom prst="rect">
-            <a:avLst/>
-          </a:prstGeom>
-        </p:spPr>
-        <p:txBody>
-          <a:bodyPr wrap="none">
-            <a:spAutoFit/>
-          </a:bodyPr>
-          <a:lstStyle/>
-          <a:p>
-            <a:r>
-              <a:rPr lang="en-US" altLang="zh-TW" dirty="0" smtClean="0">
-                <a:solidFill>
-                  <a:srgbClr val="FFFF00"/>
-                </a:solidFill>
-                <a:latin typeface="Courier New" panose="02070309020205020404" pitchFamily="49" charset="0"/>
-              </a:rPr>
-              <a:t>4.</a:t>
-            </a:r>
-            <a:r>
-              <a:rPr lang="zh-TW" altLang="en-US" dirty="0" smtClean="0">
-                <a:solidFill>
-                  <a:srgbClr val="FFFF00"/>
-                </a:solidFill>
-                <a:latin typeface="Courier New" panose="02070309020205020404" pitchFamily="49" charset="0"/>
-              </a:rPr>
-              <a:t> </a:t>
-            </a:r>
-            <a:r>
-              <a:rPr lang="en-US" altLang="zh-TW" dirty="0" smtClean="0">
-                <a:solidFill>
-                  <a:srgbClr val="FFFF00"/>
-                </a:solidFill>
-                <a:latin typeface="Courier New" panose="02070309020205020404" pitchFamily="49" charset="0"/>
-              </a:rPr>
-              <a:t>INSERT </a:t>
-            </a:r>
-            <a:r>
-              <a:rPr lang="en-US" altLang="zh-TW" dirty="0">
-                <a:solidFill>
-                  <a:srgbClr val="FFFF00"/>
-                </a:solidFill>
-                <a:latin typeface="Courier New" panose="02070309020205020404" pitchFamily="49" charset="0"/>
-              </a:rPr>
-              <a:t>INTO DBXX.DTXXTP01_BAK2</a:t>
-            </a:r>
-            <a:endParaRPr lang="zh-TW" altLang="en-US" dirty="0">
-              <a:solidFill>
-                <a:srgbClr val="FFFF00"/>
-              </a:solidFill>
-            </a:endParaRPr>
-          </a:p>
-        </p:txBody>
-      </p:sp>
-      <p:sp>
-        <p:nvSpPr>
-          <p:cNvPr id="16" name="矩形 15"/>
-          <p:cNvSpPr/>
-          <p:nvPr/>
-        </p:nvSpPr>
-        <p:spPr>
-          <a:xfrm>
-            <a:off x="4399081" y="5995486"/>
-            <a:ext cx="4188967" cy="369332"/>
-          </a:xfrm>
-          <a:prstGeom prst="rect">
-            <a:avLst/>
-          </a:prstGeom>
-        </p:spPr>
-        <p:txBody>
-          <a:bodyPr wrap="none">
-            <a:spAutoFit/>
-          </a:bodyPr>
-          <a:lstStyle/>
-          <a:p>
-            <a:r>
-              <a:rPr lang="zh-TW" altLang="en-US" b="1" dirty="0">
-                <a:solidFill>
-                  <a:srgbClr val="FF0000"/>
-                </a:solidFill>
-                <a:latin typeface="Courier New" panose="02070309020205020404" pitchFamily="49" charset="0"/>
-              </a:rPr>
-              <a:t>前端並沒有</a:t>
-            </a:r>
-            <a:r>
-              <a:rPr lang="en-US" altLang="zh-TW" b="1" dirty="0" err="1">
-                <a:solidFill>
-                  <a:srgbClr val="FF0000"/>
-                </a:solidFill>
-                <a:latin typeface="Courier New" panose="02070309020205020404" pitchFamily="49" charset="0"/>
-              </a:rPr>
-              <a:t>setField</a:t>
-            </a:r>
-            <a:r>
-              <a:rPr lang="en-US" altLang="zh-TW" b="1" dirty="0">
-                <a:solidFill>
-                  <a:srgbClr val="FF0000"/>
-                </a:solidFill>
-                <a:latin typeface="Courier New" panose="02070309020205020404" pitchFamily="49" charset="0"/>
-              </a:rPr>
-              <a:t>[EMP_NAME]</a:t>
-            </a:r>
-            <a:r>
-              <a:rPr lang="zh-TW" altLang="en-US" b="1" dirty="0">
-                <a:solidFill>
-                  <a:srgbClr val="FF0000"/>
-                </a:solidFill>
-                <a:latin typeface="Courier New" panose="02070309020205020404" pitchFamily="49" charset="0"/>
-              </a:rPr>
-              <a:t>值</a:t>
-            </a:r>
-            <a:r>
-              <a:rPr lang="en-US" altLang="zh-TW" b="1" dirty="0">
-                <a:solidFill>
-                  <a:srgbClr val="FF0000"/>
-                </a:solidFill>
-                <a:latin typeface="Courier New" panose="02070309020205020404" pitchFamily="49" charset="0"/>
-              </a:rPr>
-              <a:t>.</a:t>
-            </a:r>
-            <a:endParaRPr lang="zh-TW" altLang="en-US" b="1" dirty="0">
-              <a:solidFill>
-                <a:srgbClr val="FF0000"/>
-              </a:solidFill>
-            </a:endParaRPr>
-          </a:p>
-        </p:txBody>
-      </p:sp>
-      <p:pic>
-        <p:nvPicPr>
-          <p:cNvPr id="17" name="圖片 16"/>
-          <p:cNvPicPr>
-            <a:picLocks noChangeAspect="1"/>
-          </p:cNvPicPr>
-          <p:nvPr/>
-        </p:nvPicPr>
-        <p:blipFill>
-          <a:blip r:embed="rId6"/>
-          <a:stretch>
-            <a:fillRect/>
-          </a:stretch>
-        </p:blipFill>
-        <p:spPr>
-          <a:xfrm>
-            <a:off x="7617351" y="1324390"/>
-            <a:ext cx="4036902" cy="3470116"/>
-          </a:xfrm>
-          <a:prstGeom prst="rect">
-            <a:avLst/>
-          </a:prstGeom>
-        </p:spPr>
-      </p:pic>
-      <p:sp>
-        <p:nvSpPr>
-          <p:cNvPr id="18" name="文字方塊 17"/>
-          <p:cNvSpPr txBox="1"/>
-          <p:nvPr/>
-        </p:nvSpPr>
-        <p:spPr>
-          <a:xfrm>
-            <a:off x="7410613" y="3498576"/>
-            <a:ext cx="4094923" cy="1323439"/>
-          </a:xfrm>
-          <a:prstGeom prst="rect">
-            <a:avLst/>
-          </a:prstGeom>
-          <a:noFill/>
-          <a:ln>
-            <a:solidFill>
-              <a:srgbClr val="FF0000"/>
-            </a:solidFill>
-          </a:ln>
-        </p:spPr>
-        <p:txBody>
-          <a:bodyPr wrap="square" rtlCol="0">
-            <a:spAutoFit/>
-          </a:bodyPr>
-          <a:lstStyle/>
-          <a:p>
-            <a:r>
-              <a:rPr lang="en-US" altLang="zh-TW" sz="1200" dirty="0" smtClean="0">
-                <a:solidFill>
-                  <a:srgbClr val="FF0000"/>
-                </a:solidFill>
-              </a:rPr>
-              <a:t>1</a:t>
-            </a:r>
-          </a:p>
-          <a:p>
-            <a:r>
-              <a:rPr lang="en-US" altLang="zh-TW" sz="1200" dirty="0" smtClean="0">
-                <a:solidFill>
-                  <a:srgbClr val="FF0000"/>
-                </a:solidFill>
-              </a:rPr>
-              <a:t>2</a:t>
-            </a:r>
-          </a:p>
-          <a:p>
-            <a:r>
-              <a:rPr lang="en-US" altLang="zh-TW" sz="1200" dirty="0" smtClean="0">
-                <a:solidFill>
-                  <a:srgbClr val="FF0000"/>
-                </a:solidFill>
-              </a:rPr>
-              <a:t>3</a:t>
-            </a:r>
-          </a:p>
-          <a:p>
-            <a:endParaRPr lang="en-US" altLang="zh-TW" sz="1200" dirty="0">
-              <a:solidFill>
-                <a:srgbClr val="FF0000"/>
-              </a:solidFill>
-            </a:endParaRPr>
-          </a:p>
-          <a:p>
-            <a:endParaRPr lang="en-US" altLang="zh-TW" sz="1200" dirty="0" smtClean="0">
-              <a:solidFill>
-                <a:srgbClr val="FF0000"/>
-              </a:solidFill>
-            </a:endParaRPr>
-          </a:p>
-          <a:p>
-            <a:endParaRPr lang="en-US" altLang="zh-TW" sz="500" dirty="0" smtClean="0">
-              <a:solidFill>
-                <a:srgbClr val="FF0000"/>
-              </a:solidFill>
-            </a:endParaRPr>
-          </a:p>
-          <a:p>
-            <a:r>
-              <a:rPr lang="en-US" altLang="zh-TW" sz="1200" dirty="0" smtClean="0">
-                <a:solidFill>
-                  <a:srgbClr val="FF0000"/>
-                </a:solidFill>
-              </a:rPr>
-              <a:t>4</a:t>
-            </a:r>
-            <a:endParaRPr lang="zh-TW" altLang="en-US" sz="1200" dirty="0">
-              <a:solidFill>
-                <a:srgbClr val="FF0000"/>
-              </a:solidFill>
-            </a:endParaRPr>
-          </a:p>
-        </p:txBody>
-      </p:sp>
     </p:spTree>
     <p:extLst>
       <p:ext uri="{BB962C8B-B14F-4D97-AF65-F5344CB8AC3E}">
-        <p14:creationId xmlns:p14="http://schemas.microsoft.com/office/powerpoint/2010/main" val="3813902678"/>
+        <p14:creationId xmlns:p14="http://schemas.microsoft.com/office/powerpoint/2010/main" val="1436779720"/>
       </p:ext>
     </p:extLst>
   </p:cSld>
   <p:clrMapOvr>
     <a:masterClrMapping/>
   </p:clrMapOvr>
+  <p:timing>
+    <p:tnLst>
+      <p:par>
+        <p:cTn id="1" dur="indefinite" restart="never" nodeType="tmRoot"/>
+      </p:par>
+    </p:tnLst>
+  </p:timing>
 </p:sld>
 </file>
 
@@ -13185,7 +13170,19 @@
           <a:bodyPr/>
           <a:lstStyle/>
           <a:p>
-            <a:endParaRPr lang="zh-TW" altLang="en-US"/>
+            <a:r>
+              <a:rPr lang="zh-TW" altLang="en-US" dirty="0"/>
+              <a:t>測試</a:t>
+            </a:r>
+            <a:r>
+              <a:rPr lang="en-US" altLang="zh-TW" dirty="0"/>
+              <a:t>Dataset </a:t>
+            </a:r>
+            <a:r>
+              <a:rPr lang="en-US" altLang="zh-TW" dirty="0" smtClean="0"/>
+              <a:t>Clear(2)</a:t>
+            </a:r>
+            <a:endParaRPr lang="zh-TW" altLang="en-US" dirty="0"/>
           </a:p>
         </p:txBody>
       </p:sp>
@@ -13199,10 +13196,57 @@
             <p:ph idx="1"/>
           </p:nvPr>
         </p:nvSpPr>
-        <p:spPr/>
-        <p:txBody>
-          <a:bodyPr/>
-          <a:lstStyle/>
+        <p:spPr>
+          <a:xfrm>
+            <a:off x="721649" y="1305496"/>
+            <a:ext cx="8946541" cy="4195481"/>
+          </a:xfrm>
+        </p:spPr>
+        <p:txBody>
+          <a:bodyPr/>
+          <a:lstStyle/>
+          <a:p>
+            <a:r>
+              <a:rPr lang="zh-TW" altLang="en-US" dirty="0"/>
+              <a:t>各情況模擬測試</a:t>
+            </a:r>
+            <a:endParaRPr lang="en-US" altLang="zh-TW" dirty="0"/>
+          </a:p>
+          <a:p>
+            <a:pPr marL="800100" lvl="1" indent="-342900">
+              <a:buFont typeface="+mj-lt"/>
+              <a:buAutoNum type="arabicPeriod"/>
+            </a:pPr>
+            <a:r>
+              <a:rPr lang="zh-TW" altLang="en-US" dirty="0" smtClean="0"/>
+              <a:t>使用</a:t>
+            </a:r>
+            <a:r>
+              <a:rPr lang="en-US" altLang="zh-TW" dirty="0" smtClean="0"/>
+              <a:t>2</a:t>
+            </a:r>
+            <a:r>
+              <a:rPr lang="zh-TW" altLang="en-US" dirty="0"/>
+              <a:t>個</a:t>
+            </a:r>
+            <a:r>
+              <a:rPr lang="zh-TW" altLang="en-US" dirty="0" smtClean="0"/>
+              <a:t>條件，使用</a:t>
+            </a:r>
+            <a:r>
+              <a:rPr lang="en-US" altLang="zh-TW" dirty="0" smtClean="0"/>
+              <a:t>3</a:t>
+            </a:r>
+            <a:r>
+              <a:rPr lang="zh-TW" altLang="en-US" dirty="0"/>
+              <a:t>個</a:t>
+            </a:r>
+            <a:r>
+              <a:rPr lang="zh-TW" altLang="en-US" dirty="0" smtClean="0"/>
+              <a:t>條件</a:t>
+            </a:r>
+            <a:endParaRPr lang="zh-TW" altLang="en-US" dirty="0"/>
+          </a:p>
           <a:p>
             <a:endParaRPr lang="zh-TW" altLang="en-US" dirty="0"/>
           </a:p>
@@ -13233,7 +13277,7 @@
       </p:sp>
       <p:pic>
         <p:nvPicPr>
-          <p:cNvPr id="6" name="圖片 5"/>
+          <p:cNvPr id="8" name="圖片 7"/>
           <p:cNvPicPr>
             <a:picLocks noChangeAspect="1"/>
           </p:cNvPicPr>
@@ -13247,17 +13291,82 @@
         </p:blipFill>
         <p:spPr>
           <a:xfrm>
-            <a:off x="844790" y="1080986"/>
-            <a:ext cx="7223961" cy="2680026"/>
+            <a:off x="510830" y="2390402"/>
+            <a:ext cx="3457575" cy="1647825"/>
           </a:xfrm>
           <a:prstGeom prst="rect">
             <a:avLst/>
           </a:prstGeom>
         </p:spPr>
       </p:pic>
+      <p:sp>
+        <p:nvSpPr>
+          <p:cNvPr id="9" name="矩形 8"/>
+          <p:cNvSpPr/>
+          <p:nvPr/>
+        </p:nvSpPr>
+        <p:spPr>
+          <a:xfrm>
+            <a:off x="233224" y="2059590"/>
+            <a:ext cx="4044697" cy="369332"/>
+          </a:xfrm>
+          <a:prstGeom prst="rect">
+            <a:avLst/>
+          </a:prstGeom>
+        </p:spPr>
+        <p:txBody>
+          <a:bodyPr wrap="none">
+            <a:spAutoFit/>
+          </a:bodyPr>
+          <a:lstStyle/>
+          <a:p>
+            <a:r>
+              <a:rPr lang="en-US" altLang="zh-TW" dirty="0" smtClean="0">
+                <a:solidFill>
+                  <a:srgbClr val="FFFF00"/>
+                </a:solidFill>
+                <a:latin typeface="Courier New" panose="02070309020205020404" pitchFamily="49" charset="0"/>
+              </a:rPr>
+              <a:t>1.</a:t>
+            </a:r>
+            <a:r>
+              <a:rPr lang="zh-TW" altLang="en-US" dirty="0" smtClean="0">
+                <a:solidFill>
+                  <a:srgbClr val="FFFF00"/>
+                </a:solidFill>
+                <a:latin typeface="Courier New" panose="02070309020205020404" pitchFamily="49" charset="0"/>
+              </a:rPr>
+              <a:t> </a:t>
+            </a:r>
+            <a:r>
+              <a:rPr lang="en-US" altLang="zh-TW" dirty="0" smtClean="0">
+                <a:solidFill>
+                  <a:srgbClr val="FFFF00"/>
+                </a:solidFill>
+                <a:latin typeface="Courier New" panose="02070309020205020404" pitchFamily="49" charset="0"/>
+              </a:rPr>
+              <a:t>INSERT </a:t>
+            </a:r>
+            <a:r>
+              <a:rPr lang="en-US" altLang="zh-TW" dirty="0">
+                <a:solidFill>
+                  <a:srgbClr val="FFFF00"/>
+                </a:solidFill>
+                <a:latin typeface="Courier New" panose="02070309020205020404" pitchFamily="49" charset="0"/>
+              </a:rPr>
+              <a:t>INTO DBXX.DTXXTP01</a:t>
+            </a:r>
+            <a:endParaRPr lang="zh-TW" altLang="en-US" dirty="0">
+              <a:solidFill>
+                <a:srgbClr val="FFFF00"/>
+              </a:solidFill>
+            </a:endParaRPr>
+          </a:p>
+        </p:txBody>
+      </p:sp>
       <p:pic>
         <p:nvPicPr>
-          <p:cNvPr id="7" name="圖片 6"/>
+          <p:cNvPr id="10" name="圖片 9"/>
           <p:cNvPicPr>
             <a:picLocks noChangeAspect="1"/>
           </p:cNvPicPr>
@@ -13271,17 +13380,81 @@
         </p:blipFill>
         <p:spPr>
           <a:xfrm>
-            <a:off x="818984" y="3833883"/>
-            <a:ext cx="7679135" cy="2856705"/>
+            <a:off x="4781341" y="2710649"/>
+            <a:ext cx="2390775" cy="514350"/>
           </a:xfrm>
           <a:prstGeom prst="rect">
             <a:avLst/>
           </a:prstGeom>
         </p:spPr>
       </p:pic>
+      <p:sp>
+        <p:nvSpPr>
+          <p:cNvPr id="11" name="矩形 10"/>
+          <p:cNvSpPr/>
+          <p:nvPr/>
+        </p:nvSpPr>
+        <p:spPr>
+          <a:xfrm>
+            <a:off x="4712388" y="2059590"/>
+            <a:ext cx="2528256" cy="646331"/>
+          </a:xfrm>
+          <a:prstGeom prst="rect">
+            <a:avLst/>
+          </a:prstGeom>
+        </p:spPr>
+        <p:txBody>
+          <a:bodyPr wrap="none">
+            <a:spAutoFit/>
+          </a:bodyPr>
+          <a:lstStyle/>
+          <a:p>
+            <a:r>
+              <a:rPr lang="en-US" altLang="zh-TW" dirty="0" smtClean="0">
+                <a:solidFill>
+                  <a:srgbClr val="FFFF00"/>
+                </a:solidFill>
+                <a:latin typeface="Courier New" panose="02070309020205020404" pitchFamily="49" charset="0"/>
+              </a:rPr>
+              <a:t>2.INSERT </a:t>
+            </a:r>
+            <a:r>
+              <a:rPr lang="en-US" altLang="zh-TW" dirty="0">
+                <a:solidFill>
+                  <a:srgbClr val="FFFF00"/>
+                </a:solidFill>
+                <a:latin typeface="Courier New" panose="02070309020205020404" pitchFamily="49" charset="0"/>
+              </a:rPr>
+              <a:t>INTO </a:t>
+            </a:r>
+            <a:endParaRPr lang="en-US" altLang="zh-TW" dirty="0" smtClean="0">
+              <a:solidFill>
+                <a:srgbClr val="FFFF00"/>
+              </a:solidFill>
+              <a:latin typeface="Courier New" panose="02070309020205020404" pitchFamily="49" charset="0"/>
+            </a:endParaRPr>
+          </a:p>
+          <a:p>
+            <a:r>
+              <a:rPr lang="en-US" altLang="zh-TW" dirty="0" smtClean="0">
+                <a:solidFill>
+                  <a:srgbClr val="FFFF00"/>
+                </a:solidFill>
+                <a:latin typeface="Courier New" panose="02070309020205020404" pitchFamily="49" charset="0"/>
+              </a:rPr>
+              <a:t>DBXX.DTXXTP01_BAK</a:t>
+            </a:r>
+            <a:endParaRPr lang="zh-TW" altLang="en-US" dirty="0">
+              <a:solidFill>
+                <a:srgbClr val="FFFF00"/>
+              </a:solidFill>
+            </a:endParaRPr>
+          </a:p>
+        </p:txBody>
+      </p:sp>
       <p:pic>
         <p:nvPicPr>
-          <p:cNvPr id="8" name="圖片 7"/>
+          <p:cNvPr id="12" name="圖片 11"/>
           <p:cNvPicPr>
             <a:picLocks noChangeAspect="1"/>
           </p:cNvPicPr>
@@ -13295,24 +13468,377 @@
         </p:blipFill>
         <p:spPr>
           <a:xfrm>
-            <a:off x="8524130" y="1475216"/>
-            <a:ext cx="3429000" cy="2571750"/>
+            <a:off x="494429" y="4537999"/>
+            <a:ext cx="2886075" cy="676275"/>
           </a:xfrm>
           <a:prstGeom prst="rect">
             <a:avLst/>
           </a:prstGeom>
         </p:spPr>
       </p:pic>
+      <p:sp>
+        <p:nvSpPr>
+          <p:cNvPr id="13" name="矩形 12"/>
+          <p:cNvSpPr/>
+          <p:nvPr/>
+        </p:nvSpPr>
+        <p:spPr>
+          <a:xfrm>
+            <a:off x="214582" y="4158733"/>
+            <a:ext cx="4733988" cy="369332"/>
+          </a:xfrm>
+          <a:prstGeom prst="rect">
+            <a:avLst/>
+          </a:prstGeom>
+        </p:spPr>
+        <p:txBody>
+          <a:bodyPr wrap="none">
+            <a:spAutoFit/>
+          </a:bodyPr>
+          <a:lstStyle/>
+          <a:p>
+            <a:r>
+              <a:rPr lang="en-US" altLang="zh-TW" dirty="0" smtClean="0">
+                <a:solidFill>
+                  <a:srgbClr val="FFFF00"/>
+                </a:solidFill>
+                <a:latin typeface="Courier New" panose="02070309020205020404" pitchFamily="49" charset="0"/>
+              </a:rPr>
+              <a:t>3.</a:t>
+            </a:r>
+            <a:r>
+              <a:rPr lang="zh-TW" altLang="en-US" dirty="0" smtClean="0">
+                <a:solidFill>
+                  <a:srgbClr val="FFFF00"/>
+                </a:solidFill>
+                <a:latin typeface="Courier New" panose="02070309020205020404" pitchFamily="49" charset="0"/>
+              </a:rPr>
+              <a:t> </a:t>
+            </a:r>
+            <a:r>
+              <a:rPr lang="en-US" altLang="zh-TW" dirty="0" smtClean="0">
+                <a:solidFill>
+                  <a:srgbClr val="FFFF00"/>
+                </a:solidFill>
+                <a:latin typeface="Courier New" panose="02070309020205020404" pitchFamily="49" charset="0"/>
+              </a:rPr>
+              <a:t>INSERT </a:t>
+            </a:r>
+            <a:r>
+              <a:rPr lang="en-US" altLang="zh-TW" dirty="0">
+                <a:solidFill>
+                  <a:srgbClr val="FFFF00"/>
+                </a:solidFill>
+                <a:latin typeface="Courier New" panose="02070309020205020404" pitchFamily="49" charset="0"/>
+              </a:rPr>
+              <a:t>INTO DBXX.DTXXTP01_BAK2</a:t>
+            </a:r>
+            <a:endParaRPr lang="zh-TW" altLang="en-US" dirty="0">
+              <a:solidFill>
+                <a:srgbClr val="FFFF00"/>
+              </a:solidFill>
+            </a:endParaRPr>
+          </a:p>
+        </p:txBody>
+      </p:sp>
+      <p:pic>
+        <p:nvPicPr>
+          <p:cNvPr id="14" name="圖片 13"/>
+          <p:cNvPicPr>
+            <a:picLocks noChangeAspect="1"/>
+          </p:cNvPicPr>
+          <p:nvPr/>
+        </p:nvPicPr>
+        <p:blipFill>
+          <a:blip r:embed="rId5"/>
+          <a:stretch>
+            <a:fillRect/>
+          </a:stretch>
+        </p:blipFill>
+        <p:spPr>
+          <a:xfrm>
+            <a:off x="4473809" y="5412519"/>
+            <a:ext cx="5343525" cy="533400"/>
+          </a:xfrm>
+          <a:prstGeom prst="rect">
+            <a:avLst/>
+          </a:prstGeom>
+        </p:spPr>
+      </p:pic>
+      <p:sp>
+        <p:nvSpPr>
+          <p:cNvPr id="15" name="矩形 14"/>
+          <p:cNvSpPr/>
+          <p:nvPr/>
+        </p:nvSpPr>
+        <p:spPr>
+          <a:xfrm>
+            <a:off x="3953020" y="4986994"/>
+            <a:ext cx="4733988" cy="369332"/>
+          </a:xfrm>
+          <a:prstGeom prst="rect">
+            <a:avLst/>
+          </a:prstGeom>
+        </p:spPr>
+        <p:txBody>
+          <a:bodyPr wrap="none">
+            <a:spAutoFit/>
+          </a:bodyPr>
+          <a:lstStyle/>
+          <a:p>
+            <a:r>
+              <a:rPr lang="en-US" altLang="zh-TW" dirty="0" smtClean="0">
+                <a:solidFill>
+                  <a:srgbClr val="FFFF00"/>
+                </a:solidFill>
+                <a:latin typeface="Courier New" panose="02070309020205020404" pitchFamily="49" charset="0"/>
+              </a:rPr>
+              <a:t>4.</a:t>
+            </a:r>
+            <a:r>
+              <a:rPr lang="zh-TW" altLang="en-US" dirty="0" smtClean="0">
+                <a:solidFill>
+                  <a:srgbClr val="FFFF00"/>
+                </a:solidFill>
+                <a:latin typeface="Courier New" panose="02070309020205020404" pitchFamily="49" charset="0"/>
+              </a:rPr>
+              <a:t> </a:t>
+            </a:r>
+            <a:r>
+              <a:rPr lang="en-US" altLang="zh-TW" dirty="0" smtClean="0">
+                <a:solidFill>
+                  <a:srgbClr val="FFFF00"/>
+                </a:solidFill>
+                <a:latin typeface="Courier New" panose="02070309020205020404" pitchFamily="49" charset="0"/>
+              </a:rPr>
+              <a:t>INSERT </a:t>
+            </a:r>
+            <a:r>
+              <a:rPr lang="en-US" altLang="zh-TW" dirty="0">
+                <a:solidFill>
+                  <a:srgbClr val="FFFF00"/>
+                </a:solidFill>
+                <a:latin typeface="Courier New" panose="02070309020205020404" pitchFamily="49" charset="0"/>
+              </a:rPr>
+              <a:t>INTO DBXX.DTXXTP01_BAK2</a:t>
+            </a:r>
+            <a:endParaRPr lang="zh-TW" altLang="en-US" dirty="0">
+              <a:solidFill>
+                <a:srgbClr val="FFFF00"/>
+              </a:solidFill>
+            </a:endParaRPr>
+          </a:p>
+        </p:txBody>
+      </p:sp>
+      <p:sp>
+        <p:nvSpPr>
+          <p:cNvPr id="16" name="矩形 15"/>
+          <p:cNvSpPr/>
+          <p:nvPr/>
+        </p:nvSpPr>
+        <p:spPr>
+          <a:xfrm>
+            <a:off x="4399081" y="5995486"/>
+            <a:ext cx="4188967" cy="369332"/>
+          </a:xfrm>
+          <a:prstGeom prst="rect">
+            <a:avLst/>
+          </a:prstGeom>
+        </p:spPr>
+        <p:txBody>
+          <a:bodyPr wrap="none">
+            <a:spAutoFit/>
+          </a:bodyPr>
+          <a:lstStyle/>
+          <a:p>
+            <a:r>
+              <a:rPr lang="zh-TW" altLang="en-US" b="1" dirty="0">
+                <a:solidFill>
+                  <a:srgbClr val="FF0000"/>
+                </a:solidFill>
+                <a:latin typeface="Courier New" panose="02070309020205020404" pitchFamily="49" charset="0"/>
+              </a:rPr>
+              <a:t>前端並沒有</a:t>
+            </a:r>
+            <a:r>
+              <a:rPr lang="en-US" altLang="zh-TW" b="1" dirty="0" err="1">
+                <a:solidFill>
+                  <a:srgbClr val="FF0000"/>
+                </a:solidFill>
+                <a:latin typeface="Courier New" panose="02070309020205020404" pitchFamily="49" charset="0"/>
+              </a:rPr>
+              <a:t>setField</a:t>
+            </a:r>
+            <a:r>
+              <a:rPr lang="en-US" altLang="zh-TW" b="1" dirty="0">
+                <a:solidFill>
+                  <a:srgbClr val="FF0000"/>
+                </a:solidFill>
+                <a:latin typeface="Courier New" panose="02070309020205020404" pitchFamily="49" charset="0"/>
+              </a:rPr>
+              <a:t>[EMP_NAME]</a:t>
+            </a:r>
+            <a:r>
+              <a:rPr lang="zh-TW" altLang="en-US" b="1" dirty="0">
+                <a:solidFill>
+                  <a:srgbClr val="FF0000"/>
+                </a:solidFill>
+                <a:latin typeface="Courier New" panose="02070309020205020404" pitchFamily="49" charset="0"/>
+              </a:rPr>
+              <a:t>值</a:t>
+            </a:r>
+            <a:r>
+              <a:rPr lang="en-US" altLang="zh-TW" b="1" dirty="0">
+                <a:solidFill>
+                  <a:srgbClr val="FF0000"/>
+                </a:solidFill>
+                <a:latin typeface="Courier New" panose="02070309020205020404" pitchFamily="49" charset="0"/>
+              </a:rPr>
+              <a:t>.</a:t>
+            </a:r>
+            <a:endParaRPr lang="zh-TW" altLang="en-US" b="1" dirty="0">
+              <a:solidFill>
+                <a:srgbClr val="FF0000"/>
+              </a:solidFill>
+            </a:endParaRPr>
+          </a:p>
+        </p:txBody>
+      </p:sp>
+      <p:pic>
+        <p:nvPicPr>
+          <p:cNvPr id="17" name="圖片 16"/>
+          <p:cNvPicPr>
+            <a:picLocks noChangeAspect="1"/>
+          </p:cNvPicPr>
+          <p:nvPr/>
+        </p:nvPicPr>
+        <p:blipFill>
+          <a:blip r:embed="rId6"/>
+          <a:stretch>
+            <a:fillRect/>
+          </a:stretch>
+        </p:blipFill>
+        <p:spPr>
+          <a:xfrm>
+            <a:off x="7617351" y="1324390"/>
+            <a:ext cx="4036902" cy="3470116"/>
+          </a:xfrm>
+          <a:prstGeom prst="rect">
+            <a:avLst/>
+          </a:prstGeom>
+        </p:spPr>
+      </p:pic>
+      <p:sp>
+        <p:nvSpPr>
+          <p:cNvPr id="18" name="文字方塊 17"/>
+          <p:cNvSpPr txBox="1"/>
+          <p:nvPr/>
+        </p:nvSpPr>
+        <p:spPr>
+          <a:xfrm>
+            <a:off x="7410613" y="3498576"/>
+            <a:ext cx="4094923" cy="1323439"/>
+          </a:xfrm>
+          <a:prstGeom prst="rect">
+            <a:avLst/>
+          </a:prstGeom>
+          <a:noFill/>
+          <a:ln>
+            <a:solidFill>
+              <a:srgbClr val="FF0000"/>
+            </a:solidFill>
+          </a:ln>
+        </p:spPr>
+        <p:txBody>
+          <a:bodyPr wrap="square" rtlCol="0">
+            <a:spAutoFit/>
+          </a:bodyPr>
+          <a:lstStyle/>
+          <a:p>
+            <a:r>
+              <a:rPr lang="en-US" altLang="zh-TW" sz="1200" dirty="0" smtClean="0">
+                <a:solidFill>
+                  <a:srgbClr val="FF0000"/>
+                </a:solidFill>
+              </a:rPr>
+              <a:t>1</a:t>
+            </a:r>
+          </a:p>
+          <a:p>
+            <a:r>
+              <a:rPr lang="en-US" altLang="zh-TW" sz="1200" dirty="0" smtClean="0">
+                <a:solidFill>
+                  <a:srgbClr val="FF0000"/>
+                </a:solidFill>
+              </a:rPr>
+              <a:t>2</a:t>
+            </a:r>
+          </a:p>
+          <a:p>
+            <a:r>
+              <a:rPr lang="en-US" altLang="zh-TW" sz="1200" dirty="0" smtClean="0">
+                <a:solidFill>
+                  <a:srgbClr val="FF0000"/>
+                </a:solidFill>
+              </a:rPr>
+              <a:t>3</a:t>
+            </a:r>
+          </a:p>
+          <a:p>
+            <a:endParaRPr lang="en-US" altLang="zh-TW" sz="1200" dirty="0">
+              <a:solidFill>
+                <a:srgbClr val="FF0000"/>
+              </a:solidFill>
+            </a:endParaRPr>
+          </a:p>
+          <a:p>
+            <a:endParaRPr lang="en-US" altLang="zh-TW" sz="1200" dirty="0" smtClean="0">
+              <a:solidFill>
+                <a:srgbClr val="FF0000"/>
+              </a:solidFill>
+            </a:endParaRPr>
+          </a:p>
+          <a:p>
+            <a:endParaRPr lang="en-US" altLang="zh-TW" sz="500" dirty="0" smtClean="0">
+              <a:solidFill>
+                <a:srgbClr val="FF0000"/>
+              </a:solidFill>
+            </a:endParaRPr>
+          </a:p>
+          <a:p>
+            <a:r>
+              <a:rPr lang="en-US" altLang="zh-TW" sz="1200" dirty="0" smtClean="0">
+                <a:solidFill>
+                  <a:srgbClr val="FF0000"/>
+                </a:solidFill>
+              </a:rPr>
+              <a:t>4</a:t>
+            </a:r>
+            <a:endParaRPr lang="zh-TW" altLang="en-US" sz="1200" dirty="0">
+              <a:solidFill>
+                <a:srgbClr val="FF0000"/>
+              </a:solidFill>
+            </a:endParaRPr>
+          </a:p>
+        </p:txBody>
+      </p:sp>
     </p:spTree>
     <p:extLst>
       <p:ext uri="{BB962C8B-B14F-4D97-AF65-F5344CB8AC3E}">
-        <p14:creationId xmlns:p14="http://schemas.microsoft.com/office/powerpoint/2010/main" val="1088997398"/>
+        <p14:creationId xmlns:p14="http://schemas.microsoft.com/office/powerpoint/2010/main" val="3813902678"/>
       </p:ext>
     </p:extLst>
   </p:cSld>
   <p:clrMapOvr>
     <a:masterClrMapping/>
   </p:clrMapOvr>
+  <p:timing>
+    <p:tnLst>
+      <p:par>
+        <p:cTn id="1" dur="indefinite" restart="never" nodeType="tmRoot"/>
+      </p:par>
+    </p:tnLst>
+  </p:timing>
 </p:sld>
 </file>
 
@@ -13367,7 +13893,7 @@
           <a:bodyPr/>
           <a:lstStyle/>
           <a:p>
-            <a:endParaRPr lang="zh-TW" altLang="en-US"/>
+            <a:endParaRPr lang="zh-TW" altLang="en-US" dirty="0"/>
           </a:p>
         </p:txBody>
       </p:sp>
@@ -13396,7 +13922,7 @@
       </p:sp>
       <p:pic>
         <p:nvPicPr>
-          <p:cNvPr id="5" name="圖片 4"/>
+          <p:cNvPr id="6" name="圖片 5"/>
           <p:cNvPicPr>
             <a:picLocks noChangeAspect="1"/>
           </p:cNvPicPr>
@@ -13410,8 +13936,8 @@
         </p:blipFill>
         <p:spPr>
           <a:xfrm>
-            <a:off x="514840" y="848054"/>
-            <a:ext cx="4219575" cy="1819275"/>
+            <a:off x="844790" y="1080986"/>
+            <a:ext cx="7223961" cy="2680026"/>
           </a:xfrm>
           <a:prstGeom prst="rect">
             <a:avLst/>
@@ -13420,7 +13946,7 @@
       </p:pic>
       <p:pic>
         <p:nvPicPr>
-          <p:cNvPr id="6" name="圖片 5"/>
+          <p:cNvPr id="7" name="圖片 6"/>
           <p:cNvPicPr>
             <a:picLocks noChangeAspect="1"/>
           </p:cNvPicPr>
@@ -13434,8 +13960,8 @@
         </p:blipFill>
         <p:spPr>
           <a:xfrm>
-            <a:off x="585536" y="1824320"/>
-            <a:ext cx="10764002" cy="3036438"/>
+            <a:off x="818984" y="3833883"/>
+            <a:ext cx="7679135" cy="2856705"/>
           </a:xfrm>
           <a:prstGeom prst="rect">
             <a:avLst/>
@@ -13444,7 +13970,7 @@
       </p:pic>
       <p:pic>
         <p:nvPicPr>
-          <p:cNvPr id="7" name="圖片 6"/>
+          <p:cNvPr id="8" name="圖片 7"/>
           <p:cNvPicPr>
             <a:picLocks noChangeAspect="1"/>
           </p:cNvPicPr>
@@ -13458,32 +13984,8 @@
         </p:blipFill>
         <p:spPr>
           <a:xfrm>
-            <a:off x="1138988" y="4284115"/>
-            <a:ext cx="9580645" cy="2385140"/>
-          </a:xfrm>
-          <a:prstGeom prst="rect">
-            <a:avLst/>
-          </a:prstGeom>
-        </p:spPr>
-      </p:pic>
-      <p:pic>
-        <p:nvPicPr>
-          <p:cNvPr id="8" name="圖片 7"/>
-          <p:cNvPicPr>
-            <a:picLocks noChangeAspect="1"/>
-          </p:cNvPicPr>
-          <p:nvPr/>
-        </p:nvPicPr>
-        <p:blipFill>
-          <a:blip r:embed="rId5"/>
-          <a:stretch>
-            <a:fillRect/>
-          </a:stretch>
-        </p:blipFill>
-        <p:spPr>
-          <a:xfrm>
-            <a:off x="6893904" y="428749"/>
-            <a:ext cx="3190875" cy="2486025"/>
+            <a:off x="8524130" y="1475216"/>
+            <a:ext cx="3429000" cy="2571750"/>
           </a:xfrm>
           <a:prstGeom prst="rect">
             <a:avLst/>
@@ -13493,13 +13995,20 @@
     </p:spTree>
     <p:extLst>
       <p:ext uri="{BB962C8B-B14F-4D97-AF65-F5344CB8AC3E}">
-        <p14:creationId xmlns:p14="http://schemas.microsoft.com/office/powerpoint/2010/main" val="2383342165"/>
+        <p14:creationId xmlns:p14="http://schemas.microsoft.com/office/powerpoint/2010/main" val="1088997398"/>
       </p:ext>
     </p:extLst>
   </p:cSld>
   <p:clrMapOvr>
     <a:masterClrMapping/>
   </p:clrMapOvr>
+  <p:timing>
+    <p:tnLst>
+      <p:par>
+        <p:cTn id="1" dur="indefinite" restart="never" nodeType="tmRoot"/>
+      </p:par>
+    </p:tnLst>
+  </p:timing>
 </p:sld>
 </file>
 
@@ -13535,11 +14044,7 @@
           <a:bodyPr/>
           <a:lstStyle/>
           <a:p>
-            <a:r>
-              <a:rPr lang="en-US" altLang="zh-TW" dirty="0" err="1" smtClean="0"/>
-              <a:t>HttpDispatcher</a:t>
-            </a:r>
-            <a:endParaRPr lang="zh-TW" altLang="en-US" dirty="0"/>
+            <a:endParaRPr lang="zh-TW" altLang="en-US"/>
           </a:p>
         </p:txBody>
       </p:sp>
@@ -13553,41 +14058,12 @@
             <p:ph idx="1"/>
           </p:nvPr>
         </p:nvSpPr>
-        <p:spPr>
-          <a:xfrm>
-            <a:off x="713698" y="1281642"/>
-            <a:ext cx="8946541" cy="555110"/>
-          </a:xfrm>
-        </p:spPr>
-        <p:txBody>
-          <a:bodyPr/>
-          <a:lstStyle/>
-          <a:p>
-            <a:r>
-              <a:rPr lang="en-US" altLang="zh-TW" dirty="0" err="1"/>
-              <a:t>HttpDispatcher</a:t>
-            </a:r>
-            <a:r>
-              <a:rPr lang="zh-TW" altLang="zh-TW" dirty="0"/>
-              <a:t>是什麼？接受任何</a:t>
-            </a:r>
-            <a:r>
-              <a:rPr lang="en-US" altLang="zh-TW" dirty="0"/>
-              <a:t> Request </a:t>
-            </a:r>
-            <a:r>
-              <a:rPr lang="zh-TW" altLang="zh-TW" dirty="0"/>
-              <a:t>會解析</a:t>
-            </a:r>
-            <a:r>
-              <a:rPr lang="en-US" altLang="zh-TW" dirty="0"/>
-              <a:t>URL</a:t>
-            </a:r>
-            <a:r>
-              <a:rPr lang="zh-TW" altLang="zh-TW" dirty="0"/>
-              <a:t>嗎？</a:t>
-            </a:r>
-            <a:endParaRPr lang="zh-TW" altLang="en-US" dirty="0"/>
+        <p:spPr/>
+        <p:txBody>
+          <a:bodyPr/>
+          <a:lstStyle/>
+          <a:p>
+            <a:endParaRPr lang="zh-TW" altLang="en-US"/>
           </a:p>
         </p:txBody>
       </p:sp>
@@ -13608,10 +14084,9 @@
           <a:p>
             <a:fld id="{7EEA38C4-728D-4C6D-B45A-B952D9AC726F}" type="slidenum">
               <a:rPr lang="zh-TW" altLang="en-US" smtClean="0"/>
-              <a:pPr/>
               <a:t>27</a:t>
             </a:fld>
-            <a:endParaRPr lang="zh-TW" altLang="en-US" dirty="0"/>
+            <a:endParaRPr lang="zh-TW" altLang="en-US"/>
           </a:p>
         </p:txBody>
       </p:sp>
@@ -13631,24 +14106,361 @@
         </p:blipFill>
         <p:spPr>
           <a:xfrm>
-            <a:off x="789457" y="1888310"/>
-            <a:ext cx="7496175" cy="2143125"/>
+            <a:off x="514840" y="848054"/>
+            <a:ext cx="4219575" cy="1819275"/>
           </a:xfrm>
           <a:prstGeom prst="rect">
             <a:avLst/>
           </a:prstGeom>
         </p:spPr>
       </p:pic>
-      <p:sp>
-        <p:nvSpPr>
-          <p:cNvPr id="6" name="文字方塊 5"/>
+      <p:pic>
+        <p:nvPicPr>
+          <p:cNvPr id="6" name="圖片 5"/>
+          <p:cNvPicPr>
+            <a:picLocks noChangeAspect="1"/>
+          </p:cNvPicPr>
+          <p:nvPr/>
+        </p:nvPicPr>
+        <p:blipFill>
+          <a:blip r:embed="rId3"/>
+          <a:stretch>
+            <a:fillRect/>
+          </a:stretch>
+        </p:blipFill>
+        <p:spPr>
+          <a:xfrm>
+            <a:off x="585536" y="1824320"/>
+            <a:ext cx="10764002" cy="3036438"/>
+          </a:xfrm>
+          <a:prstGeom prst="rect">
+            <a:avLst/>
+          </a:prstGeom>
+        </p:spPr>
+      </p:pic>
+      <p:pic>
+        <p:nvPicPr>
+          <p:cNvPr id="7" name="圖片 6"/>
+          <p:cNvPicPr>
+            <a:picLocks noChangeAspect="1"/>
+          </p:cNvPicPr>
+          <p:nvPr/>
+        </p:nvPicPr>
+        <p:blipFill>
+          <a:blip r:embed="rId4"/>
+          <a:stretch>
+            <a:fillRect/>
+          </a:stretch>
+        </p:blipFill>
+        <p:spPr>
+          <a:xfrm>
+            <a:off x="1138988" y="4284115"/>
+            <a:ext cx="9580645" cy="2385140"/>
+          </a:xfrm>
+          <a:prstGeom prst="rect">
+            <a:avLst/>
+          </a:prstGeom>
+        </p:spPr>
+      </p:pic>
+      <p:pic>
+        <p:nvPicPr>
+          <p:cNvPr id="8" name="圖片 7"/>
+          <p:cNvPicPr>
+            <a:picLocks noChangeAspect="1"/>
+          </p:cNvPicPr>
+          <p:nvPr/>
+        </p:nvPicPr>
+        <p:blipFill>
+          <a:blip r:embed="rId5"/>
+          <a:stretch>
+            <a:fillRect/>
+          </a:stretch>
+        </p:blipFill>
+        <p:spPr>
+          <a:xfrm>
+            <a:off x="6893904" y="428749"/>
+            <a:ext cx="3190875" cy="2486025"/>
+          </a:xfrm>
+          <a:prstGeom prst="rect">
+            <a:avLst/>
+          </a:prstGeom>
+        </p:spPr>
+      </p:pic>
+    </p:spTree>
+    <p:extLst>
+      <p:ext uri="{BB962C8B-B14F-4D97-AF65-F5344CB8AC3E}">
+        <p14:creationId xmlns:p14="http://schemas.microsoft.com/office/powerpoint/2010/main" val="2383342165"/>
+      </p:ext>
+    </p:extLst>
+  </p:cSld>
+  <p:clrMapOvr>
+    <a:masterClrMapping/>
+  </p:clrMapOvr>
+  <p:timing>
+    <p:tnLst>
+      <p:par>
+        <p:cTn id="1" dur="indefinite" restart="never" nodeType="tmRoot"/>
+      </p:par>
+    </p:tnLst>
+  </p:timing>
+</p:sld>
+</file>
+
+<file path=ppt/slides/slide28.xml><?xml version="1.0" encoding="utf-8"?>
+<p:sld xmlns:a="http://schemas.openxmlformats.org/drawingml/2006/main" xmlns:r="http://schemas.openxmlformats.org/officeDocument/2006/relationships" xmlns:p="http://schemas.openxmlformats.org/presentationml/2006/main">
+  <p:cSld>
+    <p:spTree>
+      <p:nvGrpSpPr>
+        <p:cNvPr id="1" name=""/>
+        <p:cNvGrpSpPr/>
+        <p:nvPr/>
+      </p:nvGrpSpPr>
+      <p:grpSpPr>
+        <a:xfrm>
+          <a:off x="0" y="0"/>
+          <a:ext cx="0" cy="0"/>
+          <a:chOff x="0" y="0"/>
+          <a:chExt cx="0" cy="0"/>
+        </a:xfrm>
+      </p:grpSpPr>
+      <p:sp>
+        <p:nvSpPr>
+          <p:cNvPr id="2" name="標題 1"/>
+          <p:cNvSpPr>
+            <a:spLocks noGrp="1"/>
+          </p:cNvSpPr>
+          <p:nvPr>
+            <p:ph type="title"/>
+          </p:nvPr>
+        </p:nvSpPr>
+        <p:spPr/>
+        <p:txBody>
+          <a:bodyPr/>
+          <a:lstStyle/>
+          <a:p>
+            <a:r>
+              <a:rPr lang="en-US" altLang="zh-TW" dirty="0" err="1" smtClean="0"/>
+              <a:t>HttpDispatcher</a:t>
+            </a:r>
+            <a:endParaRPr lang="zh-TW" altLang="en-US" dirty="0"/>
+          </a:p>
+        </p:txBody>
+      </p:sp>
+      <p:sp>
+        <p:nvSpPr>
+          <p:cNvPr id="3" name="內容版面配置區 2"/>
+          <p:cNvSpPr>
+            <a:spLocks noGrp="1"/>
+          </p:cNvSpPr>
+          <p:nvPr>
+            <p:ph idx="1"/>
+          </p:nvPr>
+        </p:nvSpPr>
+        <p:spPr>
+          <a:xfrm>
+            <a:off x="713698" y="1281642"/>
+            <a:ext cx="8946541" cy="555110"/>
+          </a:xfrm>
+        </p:spPr>
+        <p:txBody>
+          <a:bodyPr/>
+          <a:lstStyle/>
+          <a:p>
+            <a:r>
+              <a:rPr lang="en-US" altLang="zh-TW" dirty="0" err="1"/>
+              <a:t>HttpDispatcher</a:t>
+            </a:r>
+            <a:r>
+              <a:rPr lang="zh-TW" altLang="zh-TW" dirty="0"/>
+              <a:t>是什麼？接受任何</a:t>
+            </a:r>
+            <a:r>
+              <a:rPr lang="en-US" altLang="zh-TW" dirty="0"/>
+              <a:t> Request </a:t>
+            </a:r>
+            <a:r>
+              <a:rPr lang="zh-TW" altLang="zh-TW" dirty="0"/>
+              <a:t>會解析</a:t>
+            </a:r>
+            <a:r>
+              <a:rPr lang="en-US" altLang="zh-TW" dirty="0"/>
+              <a:t>URL</a:t>
+            </a:r>
+            <a:r>
+              <a:rPr lang="zh-TW" altLang="zh-TW" dirty="0"/>
+              <a:t>嗎？</a:t>
+            </a:r>
+            <a:endParaRPr lang="zh-TW" altLang="en-US" dirty="0"/>
+          </a:p>
+        </p:txBody>
+      </p:sp>
+      <p:sp>
+        <p:nvSpPr>
+          <p:cNvPr id="4" name="投影片編號版面配置區 3"/>
+          <p:cNvSpPr>
+            <a:spLocks noGrp="1"/>
+          </p:cNvSpPr>
+          <p:nvPr>
+            <p:ph type="sldNum" sz="quarter" idx="12"/>
+          </p:nvPr>
+        </p:nvSpPr>
+        <p:spPr/>
+        <p:txBody>
+          <a:bodyPr/>
+          <a:lstStyle/>
+          <a:p>
+            <a:fld id="{7EEA38C4-728D-4C6D-B45A-B952D9AC726F}" type="slidenum">
+              <a:rPr lang="zh-TW" altLang="en-US" smtClean="0"/>
+              <a:pPr/>
+              <a:t>28</a:t>
+            </a:fld>
+            <a:endParaRPr lang="zh-TW" altLang="en-US" dirty="0"/>
+          </a:p>
+        </p:txBody>
+      </p:sp>
+      <p:grpSp>
+        <p:nvGrpSpPr>
+          <p:cNvPr id="9" name="群組 8"/>
+          <p:cNvGrpSpPr/>
+          <p:nvPr/>
+        </p:nvGrpSpPr>
+        <p:grpSpPr>
+          <a:xfrm>
+            <a:off x="384602" y="2662668"/>
+            <a:ext cx="9515646" cy="2143125"/>
+            <a:chOff x="401077" y="1838884"/>
+            <a:chExt cx="9515646" cy="2143125"/>
+          </a:xfrm>
+        </p:grpSpPr>
+        <p:pic>
+          <p:nvPicPr>
+            <p:cNvPr id="5" name="圖片 4"/>
+            <p:cNvPicPr>
+              <a:picLocks noChangeAspect="1"/>
+            </p:cNvPicPr>
+            <p:nvPr/>
+          </p:nvPicPr>
+          <p:blipFill>
+            <a:blip r:embed="rId2"/>
+            <a:stretch>
+              <a:fillRect/>
+            </a:stretch>
+          </p:blipFill>
+          <p:spPr>
+            <a:xfrm>
+              <a:off x="2420548" y="1838884"/>
+              <a:ext cx="7496175" cy="2143125"/>
+            </a:xfrm>
+            <a:prstGeom prst="rect">
+              <a:avLst/>
+            </a:prstGeom>
+          </p:spPr>
+        </p:pic>
+        <p:sp>
+          <p:nvSpPr>
+            <p:cNvPr id="6" name="文字方塊 5"/>
+            <p:cNvSpPr txBox="1"/>
+            <p:nvPr/>
+          </p:nvSpPr>
+          <p:spPr>
+            <a:xfrm>
+              <a:off x="401077" y="3439764"/>
+              <a:ext cx="2308645" cy="369332"/>
+            </a:xfrm>
+            <a:prstGeom prst="rect">
+              <a:avLst/>
+            </a:prstGeom>
+          </p:spPr>
+          <p:style>
+            <a:lnRef idx="0">
+              <a:schemeClr val="accent2"/>
+            </a:lnRef>
+            <a:fillRef idx="3">
+              <a:schemeClr val="accent2"/>
+            </a:fillRef>
+            <a:effectRef idx="3">
+              <a:schemeClr val="accent2"/>
+            </a:effectRef>
+            <a:fontRef idx="minor">
+              <a:schemeClr val="lt1"/>
+            </a:fontRef>
+          </p:style>
+          <p:txBody>
+            <a:bodyPr wrap="none" rtlCol="0">
+              <a:spAutoFit/>
+            </a:bodyPr>
+            <a:lstStyle/>
+            <a:p>
+              <a:r>
+                <a:rPr lang="zh-TW" altLang="en-US" dirty="0" smtClean="0"/>
+                <a:t>找出</a:t>
+              </a:r>
+              <a:r>
+                <a:rPr lang="en-US" altLang="zh-TW" dirty="0" smtClean="0"/>
+                <a:t>Servlet</a:t>
+              </a:r>
+              <a:r>
+                <a:rPr lang="zh-TW" altLang="en-US" dirty="0" smtClean="0"/>
+                <a:t>註冊名稱</a:t>
+              </a:r>
+              <a:endParaRPr lang="zh-TW" altLang="en-US" dirty="0"/>
+            </a:p>
+          </p:txBody>
+        </p:sp>
+        <p:sp>
+          <p:nvSpPr>
+            <p:cNvPr id="7" name="文字方塊 6"/>
+            <p:cNvSpPr txBox="1"/>
+            <p:nvPr/>
+          </p:nvSpPr>
+          <p:spPr>
+            <a:xfrm>
+              <a:off x="1027619" y="2311788"/>
+              <a:ext cx="1569660" cy="369332"/>
+            </a:xfrm>
+            <a:prstGeom prst="rect">
+              <a:avLst/>
+            </a:prstGeom>
+          </p:spPr>
+          <p:style>
+            <a:lnRef idx="0">
+              <a:schemeClr val="accent2"/>
+            </a:lnRef>
+            <a:fillRef idx="3">
+              <a:schemeClr val="accent2"/>
+            </a:fillRef>
+            <a:effectRef idx="3">
+              <a:schemeClr val="accent2"/>
+            </a:effectRef>
+            <a:fontRef idx="minor">
+              <a:schemeClr val="lt1"/>
+            </a:fontRef>
+          </p:style>
+          <p:txBody>
+            <a:bodyPr wrap="none" rtlCol="0">
+              <a:spAutoFit/>
+            </a:bodyPr>
+            <a:lstStyle/>
+            <a:p>
+              <a:r>
+                <a:rPr lang="zh-TW" altLang="en-US" dirty="0" smtClean="0"/>
+                <a:t>對應註冊名稱</a:t>
+              </a:r>
+              <a:endParaRPr lang="zh-TW" altLang="en-US" dirty="0"/>
+            </a:p>
+          </p:txBody>
+        </p:sp>
+      </p:grpSp>
+      <p:sp>
+        <p:nvSpPr>
+          <p:cNvPr id="8" name="文字方塊 7"/>
           <p:cNvSpPr txBox="1"/>
           <p:nvPr/>
         </p:nvSpPr>
         <p:spPr>
           <a:xfrm>
-            <a:off x="8301163" y="3530380"/>
-            <a:ext cx="2308645" cy="369332"/>
+            <a:off x="1087609" y="1547281"/>
+            <a:ext cx="9555677" cy="923330"/>
           </a:xfrm>
           <a:prstGeom prst="rect">
             <a:avLst/>
@@ -13656,82 +14468,18 @@
           <a:noFill/>
         </p:spPr>
         <p:txBody>
-          <a:bodyPr wrap="none" rtlCol="0">
+          <a:bodyPr wrap="square" rtlCol="0">
             <a:spAutoFit/>
           </a:bodyPr>
           <a:lstStyle/>
           <a:p>
-            <a:r>
-              <a:rPr lang="zh-TW" altLang="en-US" dirty="0" smtClean="0"/>
-              <a:t>找出</a:t>
-            </a:r>
-            <a:r>
-              <a:rPr lang="en-US" altLang="zh-TW" dirty="0" smtClean="0"/>
-              <a:t>Servlet</a:t>
-            </a:r>
-            <a:r>
-              <a:rPr lang="zh-TW" altLang="en-US" dirty="0" smtClean="0"/>
-              <a:t>註冊名稱</a:t>
-            </a:r>
-            <a:endParaRPr lang="zh-TW" altLang="en-US" dirty="0"/>
-          </a:p>
-        </p:txBody>
-      </p:sp>
-      <p:sp>
-        <p:nvSpPr>
-          <p:cNvPr id="7" name="文字方塊 6"/>
-          <p:cNvSpPr txBox="1"/>
-          <p:nvPr/>
-        </p:nvSpPr>
-        <p:spPr>
-          <a:xfrm>
-            <a:off x="8326342" y="2179983"/>
-            <a:ext cx="1569660" cy="369332"/>
-          </a:xfrm>
-          <a:prstGeom prst="rect">
-            <a:avLst/>
-          </a:prstGeom>
-          <a:noFill/>
-        </p:spPr>
-        <p:txBody>
-          <a:bodyPr wrap="none" rtlCol="0">
-            <a:spAutoFit/>
-          </a:bodyPr>
-          <a:lstStyle/>
-          <a:p>
-            <a:r>
-              <a:rPr lang="zh-TW" altLang="en-US" dirty="0" smtClean="0"/>
-              <a:t>對應註冊名稱</a:t>
-            </a:r>
-            <a:endParaRPr lang="zh-TW" altLang="en-US" dirty="0"/>
-          </a:p>
-        </p:txBody>
-      </p:sp>
-      <p:sp>
-        <p:nvSpPr>
-          <p:cNvPr id="8" name="文字方塊 7"/>
-          <p:cNvSpPr txBox="1"/>
-          <p:nvPr/>
-        </p:nvSpPr>
-        <p:spPr>
-          <a:xfrm>
-            <a:off x="2051437" y="4611757"/>
-            <a:ext cx="5791970" cy="1477328"/>
-          </a:xfrm>
-          <a:prstGeom prst="rect">
-            <a:avLst/>
-          </a:prstGeom>
-          <a:noFill/>
-        </p:spPr>
-        <p:txBody>
-          <a:bodyPr wrap="none" rtlCol="0">
-            <a:spAutoFit/>
-          </a:bodyPr>
-          <a:lstStyle/>
-          <a:p>
             <a:endParaRPr lang="en-US" altLang="zh-TW" dirty="0" smtClean="0"/>
           </a:p>
           <a:p>
+            <a:pPr marL="285750" indent="-285750">
+              <a:buFont typeface="Arial" panose="020B0604020202020204" pitchFamily="34" charset="0"/>
+              <a:buChar char="•"/>
+            </a:pPr>
             <a:r>
               <a:rPr lang="zh-TW" altLang="en-US" dirty="0" smtClean="0"/>
               <a:t>由</a:t>
@@ -13747,6 +14495,10 @@
             <a:endParaRPr lang="en-US" altLang="zh-TW" dirty="0" smtClean="0"/>
           </a:p>
           <a:p>
+            <a:pPr marL="285750" indent="-285750">
+              <a:buFont typeface="Arial" panose="020B0604020202020204" pitchFamily="34" charset="0"/>
+              <a:buChar char="•"/>
+            </a:pPr>
             <a:r>
               <a:rPr lang="en-US" altLang="zh-TW" dirty="0" err="1" smtClean="0"/>
               <a:t>url</a:t>
@@ -13757,43 +14509,13 @@
             </a:r>
             <a:r>
               <a:rPr lang="zh-TW" altLang="en-US" dirty="0" smtClean="0"/>
-              <a:t>設定的邏輯名稱</a:t>
-            </a:r>
-            <a:endParaRPr lang="en-US" altLang="zh-TW" dirty="0" smtClean="0"/>
-          </a:p>
-          <a:p>
-            <a:r>
-              <a:rPr lang="en-US" altLang="zh-TW" dirty="0" smtClean="0"/>
-              <a:t>servlet-name </a:t>
-            </a:r>
-            <a:r>
-              <a:rPr lang="zh-TW" altLang="en-US" dirty="0" smtClean="0"/>
-              <a:t>註冊的</a:t>
-            </a:r>
-            <a:r>
-              <a:rPr lang="en-US" altLang="zh-TW" dirty="0" smtClean="0"/>
-              <a:t>Servlet</a:t>
+              <a:t>設定的邏輯</a:t>
             </a:r>
             <a:r>
               <a:rPr lang="zh-TW" altLang="en-US" dirty="0" smtClean="0"/>
               <a:t>名稱</a:t>
             </a:r>
             <a:endParaRPr lang="en-US" altLang="zh-TW" dirty="0" smtClean="0"/>
-          </a:p>
-          <a:p>
-            <a:r>
-              <a:rPr lang="en-US" altLang="zh-TW" dirty="0" err="1" smtClean="0"/>
-              <a:t>servelet</a:t>
-            </a:r>
-            <a:r>
-              <a:rPr lang="en-US" altLang="zh-TW" dirty="0" smtClean="0"/>
-              <a:t>-class </a:t>
-            </a:r>
-            <a:r>
-              <a:rPr lang="zh-TW" altLang="en-US" dirty="0" smtClean="0"/>
-              <a:t>設定的實體類別名稱</a:t>
-            </a:r>
-            <a:endParaRPr lang="zh-TW" altLang="en-US" dirty="0"/>
           </a:p>
         </p:txBody>
       </p:sp>
@@ -13807,10 +14529,17 @@
   <p:clrMapOvr>
     <a:masterClrMapping/>
   </p:clrMapOvr>
+  <p:timing>
+    <p:tnLst>
+      <p:par>
+        <p:cTn id="1" dur="indefinite" restart="never" nodeType="tmRoot"/>
+      </p:par>
+    </p:tnLst>
+  </p:timing>
 </p:sld>
 </file>
 
-<file path=ppt/slides/slide28.xml><?xml version="1.0" encoding="utf-8"?>
+<file path=ppt/slides/slide29.xml><?xml version="1.0" encoding="utf-8"?>
 <p:sld xmlns:a="http://schemas.openxmlformats.org/drawingml/2006/main" xmlns:r="http://schemas.openxmlformats.org/officeDocument/2006/relationships" xmlns:p="http://schemas.openxmlformats.org/presentationml/2006/main">
   <p:cSld>
     <p:spTree>
@@ -13915,7 +14644,7 @@
             <a:fld id="{7EEA38C4-728D-4C6D-B45A-B952D9AC726F}" type="slidenum">
               <a:rPr lang="zh-TW" altLang="en-US" smtClean="0"/>
               <a:pPr/>
-              <a:t>28</a:t>
+              <a:t>29</a:t>
             </a:fld>
             <a:endParaRPr lang="zh-TW" altLang="en-US" dirty="0"/>
           </a:p>
@@ -14321,121 +15050,13 @@
   <p:clrMapOvr>
     <a:masterClrMapping/>
   </p:clrMapOvr>
-</p:sld>
-</file>
-
-<file path=ppt/slides/slide29.xml><?xml version="1.0" encoding="utf-8"?>
-<p:sld xmlns:a="http://schemas.openxmlformats.org/drawingml/2006/main" xmlns:r="http://schemas.openxmlformats.org/officeDocument/2006/relationships" xmlns:p="http://schemas.openxmlformats.org/presentationml/2006/main">
-  <p:cSld>
-    <p:spTree>
-      <p:nvGrpSpPr>
-        <p:cNvPr id="1" name=""/>
-        <p:cNvGrpSpPr/>
-        <p:nvPr/>
-      </p:nvGrpSpPr>
-      <p:grpSpPr>
-        <a:xfrm>
-          <a:off x="0" y="0"/>
-          <a:ext cx="0" cy="0"/>
-          <a:chOff x="0" y="0"/>
-          <a:chExt cx="0" cy="0"/>
-        </a:xfrm>
-      </p:grpSpPr>
-      <p:sp>
-        <p:nvSpPr>
-          <p:cNvPr id="2" name="標題 1"/>
-          <p:cNvSpPr>
-            <a:spLocks noGrp="1"/>
-          </p:cNvSpPr>
-          <p:nvPr>
-            <p:ph type="title"/>
-          </p:nvPr>
-        </p:nvSpPr>
-        <p:spPr/>
-        <p:txBody>
-          <a:bodyPr/>
-          <a:lstStyle/>
-          <a:p>
-            <a:endParaRPr lang="zh-TW" altLang="en-US"/>
-          </a:p>
-        </p:txBody>
-      </p:sp>
-      <p:sp>
-        <p:nvSpPr>
-          <p:cNvPr id="3" name="內容版面配置區 2"/>
-          <p:cNvSpPr>
-            <a:spLocks noGrp="1"/>
-          </p:cNvSpPr>
-          <p:nvPr>
-            <p:ph idx="1"/>
-          </p:nvPr>
-        </p:nvSpPr>
-        <p:spPr/>
-        <p:txBody>
-          <a:bodyPr/>
-          <a:lstStyle/>
-          <a:p>
-            <a:endParaRPr lang="zh-TW" altLang="en-US" dirty="0"/>
-          </a:p>
-        </p:txBody>
-      </p:sp>
-      <p:sp>
-        <p:nvSpPr>
-          <p:cNvPr id="4" name="投影片編號版面配置區 3"/>
-          <p:cNvSpPr>
-            <a:spLocks noGrp="1"/>
-          </p:cNvSpPr>
-          <p:nvPr>
-            <p:ph type="sldNum" sz="quarter" idx="12"/>
-          </p:nvPr>
-        </p:nvSpPr>
-        <p:spPr/>
-        <p:txBody>
-          <a:bodyPr/>
-          <a:lstStyle/>
-          <a:p>
-            <a:fld id="{7EEA38C4-728D-4C6D-B45A-B952D9AC726F}" type="slidenum">
-              <a:rPr lang="zh-TW" altLang="en-US" smtClean="0"/>
-              <a:t>29</a:t>
-            </a:fld>
-            <a:endParaRPr lang="zh-TW" altLang="en-US"/>
-          </a:p>
-        </p:txBody>
-      </p:sp>
-      <p:pic>
-        <p:nvPicPr>
-          <p:cNvPr id="6" name="圖片 5"/>
-          <p:cNvPicPr>
-            <a:picLocks noChangeAspect="1"/>
-          </p:cNvPicPr>
-          <p:nvPr/>
-        </p:nvPicPr>
-        <p:blipFill>
-          <a:blip r:embed="rId2"/>
-          <a:stretch>
-            <a:fillRect/>
-          </a:stretch>
-        </p:blipFill>
-        <p:spPr>
-          <a:xfrm>
-            <a:off x="128338" y="460047"/>
-            <a:ext cx="10279920" cy="5331175"/>
-          </a:xfrm>
-          <a:prstGeom prst="rect">
-            <a:avLst/>
-          </a:prstGeom>
-        </p:spPr>
-      </p:pic>
-    </p:spTree>
-    <p:extLst>
-      <p:ext uri="{BB962C8B-B14F-4D97-AF65-F5344CB8AC3E}">
-        <p14:creationId xmlns:p14="http://schemas.microsoft.com/office/powerpoint/2010/main" val="491038785"/>
-      </p:ext>
-    </p:extLst>
-  </p:cSld>
-  <p:clrMapOvr>
-    <a:masterClrMapping/>
-  </p:clrMapOvr>
+  <p:timing>
+    <p:tnLst>
+      <p:par>
+        <p:cTn id="1" dur="indefinite" restart="never" nodeType="tmRoot"/>
+      </p:par>
+    </p:tnLst>
+  </p:timing>
 </p:sld>
 </file>
 
@@ -14472,12 +15093,20 @@
           <a:lstStyle/>
           <a:p>
             <a:r>
-              <a:rPr lang="zh-TW" altLang="en-US" dirty="0" smtClean="0">
+              <a:rPr lang="en-US" altLang="zh-TW" dirty="0" smtClean="0">
                 <a:solidFill>
                   <a:srgbClr val="FF0000"/>
                 </a:solidFill>
               </a:rPr>
-              <a:t>批次</a:t>
+              <a:t>SQL</a:t>
+            </a:r>
+            <a:r>
+              <a:rPr lang="zh-TW" altLang="zh-TW" dirty="0">
+                <a:solidFill>
+                  <a:srgbClr val="FF0000"/>
+                </a:solidFill>
+              </a:rPr>
+              <a:t>未進行更新，是什麼原因？</a:t>
             </a:r>
             <a:endParaRPr lang="zh-TW" altLang="en-US" dirty="0">
               <a:solidFill>
@@ -14497,44 +15126,159 @@
             <p:ph idx="1"/>
           </p:nvPr>
         </p:nvSpPr>
-        <p:spPr/>
-        <p:txBody>
-          <a:bodyPr/>
-          <a:lstStyle/>
-          <a:p>
-            <a:pPr marL="457200" indent="-457200">
-              <a:buFont typeface="+mj-lt"/>
-              <a:buAutoNum type="arabicPeriod"/>
-            </a:pPr>
+        <p:spPr>
+          <a:xfrm>
+            <a:off x="798512" y="1319750"/>
+            <a:ext cx="8946541" cy="4891580"/>
+          </a:xfrm>
+        </p:spPr>
+        <p:txBody>
+          <a:bodyPr/>
+          <a:lstStyle/>
+          <a:p>
             <a:r>
               <a:rPr lang="zh-TW" altLang="zh-TW" dirty="0"/>
-              <a:t>批次可以做</a:t>
+              <a:t>本機</a:t>
             </a:r>
             <a:r>
               <a:rPr lang="en-US" altLang="zh-TW" dirty="0"/>
-              <a:t> 2PC </a:t>
+              <a:t>server SQL </a:t>
             </a:r>
             <a:r>
               <a:rPr lang="zh-TW" altLang="zh-TW" dirty="0"/>
-              <a:t>嗎</a:t>
+              <a:t>寫錯，重新修改後執行，執行時發現</a:t>
+            </a:r>
+            <a:r>
+              <a:rPr lang="en-US" altLang="zh-TW" dirty="0"/>
+              <a:t>SQL </a:t>
+            </a:r>
+            <a:r>
+              <a:rPr lang="zh-TW" altLang="zh-TW" dirty="0"/>
+              <a:t>未進行更新，是什麼原因？應該如何處理</a:t>
+            </a:r>
+            <a:r>
+              <a:rPr lang="zh-TW" altLang="zh-TW" dirty="0" smtClean="0"/>
+              <a:t>？</a:t>
+            </a:r>
+            <a:endParaRPr lang="en-US" altLang="zh-TW" dirty="0" smtClean="0"/>
+          </a:p>
+          <a:p>
+            <a:pPr lvl="1"/>
+            <a:r>
+              <a:rPr lang="zh-TW" altLang="en-US" dirty="0" smtClean="0">
+                <a:solidFill>
+                  <a:srgbClr val="FFFF00"/>
+                </a:solidFill>
+              </a:rPr>
+              <a:t>確認本機的</a:t>
+            </a:r>
+            <a:r>
+              <a:rPr lang="en-US" altLang="zh-TW" dirty="0" smtClean="0">
+                <a:solidFill>
+                  <a:srgbClr val="FFFF00"/>
+                </a:solidFill>
+              </a:rPr>
+              <a:t>DB2PoolSvc.xml</a:t>
+            </a:r>
+            <a:r>
+              <a:rPr lang="zh-TW" altLang="en-US" dirty="0" smtClean="0">
+                <a:solidFill>
+                  <a:srgbClr val="FFFF00"/>
+                </a:solidFill>
+              </a:rPr>
+              <a:t>中，</a:t>
+            </a:r>
+            <a:r>
+              <a:rPr lang="en-US" altLang="zh-TW" dirty="0" err="1" smtClean="0">
+                <a:solidFill>
+                  <a:srgbClr val="FFFF00"/>
+                </a:solidFill>
+              </a:rPr>
+              <a:t>sqlcmd</a:t>
+            </a:r>
+            <a:r>
+              <a:rPr lang="en-US" altLang="zh-TW" dirty="0" smtClean="0">
+                <a:solidFill>
+                  <a:srgbClr val="FFFF00"/>
+                </a:solidFill>
+              </a:rPr>
+              <a:t>-</a:t>
+            </a:r>
+            <a:r>
+              <a:rPr lang="en-US" altLang="zh-TW" dirty="0" err="1" smtClean="0">
+                <a:solidFill>
+                  <a:srgbClr val="FFFF00"/>
+                </a:solidFill>
+              </a:rPr>
+              <a:t>param</a:t>
+            </a:r>
+            <a:r>
+              <a:rPr lang="en-US" altLang="zh-TW" dirty="0" smtClean="0">
+                <a:solidFill>
+                  <a:srgbClr val="FFFF00"/>
+                </a:solidFill>
+              </a:rPr>
+              <a:t>-list</a:t>
+            </a:r>
+            <a:r>
+              <a:rPr lang="zh-TW" altLang="en-US" dirty="0" smtClean="0">
+                <a:solidFill>
+                  <a:srgbClr val="FFFF00"/>
+                </a:solidFill>
+              </a:rPr>
+              <a:t>資訊</a:t>
+            </a:r>
+            <a:endParaRPr lang="en-US" altLang="zh-TW" dirty="0" smtClean="0">
+              <a:solidFill>
+                <a:srgbClr val="FFFF00"/>
+              </a:solidFill>
+            </a:endParaRPr>
+          </a:p>
+          <a:p>
+            <a:endParaRPr lang="en-US" altLang="zh-TW" dirty="0"/>
+          </a:p>
+          <a:p>
+            <a:endParaRPr lang="en-US" altLang="zh-TW" dirty="0" smtClean="0"/>
+          </a:p>
+          <a:p>
+            <a:endParaRPr lang="en-US" altLang="zh-TW" dirty="0"/>
+          </a:p>
+          <a:p>
+            <a:r>
+              <a:rPr lang="zh-TW" altLang="zh-TW" dirty="0"/>
+              <a:t>測試環境執行時</a:t>
+            </a:r>
+            <a:r>
+              <a:rPr lang="en-US" altLang="zh-TW" dirty="0"/>
+              <a:t>SQL</a:t>
+            </a:r>
+            <a:r>
+              <a:rPr lang="zh-TW" altLang="zh-TW" dirty="0"/>
+              <a:t>從何而來</a:t>
+            </a:r>
+            <a:r>
+              <a:rPr lang="zh-TW" altLang="zh-TW" dirty="0" smtClean="0"/>
+              <a:t>？</a:t>
+            </a:r>
+            <a:endParaRPr lang="en-US" altLang="zh-TW" dirty="0" smtClean="0"/>
+          </a:p>
+          <a:p>
+            <a:pPr lvl="1"/>
+            <a:r>
+              <a:rPr lang="zh-TW" altLang="en-US" dirty="0" smtClean="0"/>
+              <a:t>部署時，</a:t>
             </a:r>
             <a:r>
               <a:rPr lang="en-US" altLang="zh-TW" dirty="0" smtClean="0"/>
-              <a:t>?</a:t>
-            </a:r>
-          </a:p>
-          <a:p>
-            <a:pPr marL="457200" indent="-457200">
-              <a:buFont typeface="+mj-lt"/>
-              <a:buAutoNum type="arabicPeriod"/>
-            </a:pPr>
-            <a:r>
-              <a:rPr lang="zh-TW" altLang="zh-TW" dirty="0" smtClean="0"/>
-              <a:t>批次</a:t>
-            </a:r>
-            <a:r>
-              <a:rPr lang="zh-TW" altLang="zh-TW" dirty="0"/>
-              <a:t>與線上程式執行有何不同？</a:t>
+              <a:t>SQL</a:t>
+            </a:r>
+            <a:r>
+              <a:rPr lang="zh-TW" altLang="en-US" dirty="0" smtClean="0"/>
+              <a:t>寫入</a:t>
+            </a:r>
+            <a:r>
+              <a:rPr lang="en-US" altLang="zh-TW" dirty="0" smtClean="0"/>
+              <a:t>DB</a:t>
             </a:r>
             <a:endParaRPr lang="zh-TW" altLang="en-US" dirty="0"/>
           </a:p>
@@ -14564,16 +15308,70 @@
           </a:p>
         </p:txBody>
       </p:sp>
+      <p:pic>
+        <p:nvPicPr>
+          <p:cNvPr id="5" name="圖片 4"/>
+          <p:cNvPicPr>
+            <a:picLocks noChangeAspect="1"/>
+          </p:cNvPicPr>
+          <p:nvPr/>
+        </p:nvPicPr>
+        <p:blipFill>
+          <a:blip r:embed="rId2"/>
+          <a:stretch>
+            <a:fillRect/>
+          </a:stretch>
+        </p:blipFill>
+        <p:spPr>
+          <a:xfrm>
+            <a:off x="1271072" y="2590284"/>
+            <a:ext cx="5876925" cy="952500"/>
+          </a:xfrm>
+          <a:prstGeom prst="rect">
+            <a:avLst/>
+          </a:prstGeom>
+        </p:spPr>
+      </p:pic>
+      <p:pic>
+        <p:nvPicPr>
+          <p:cNvPr id="6" name="圖片 5"/>
+          <p:cNvPicPr>
+            <a:picLocks noChangeAspect="1"/>
+          </p:cNvPicPr>
+          <p:nvPr/>
+        </p:nvPicPr>
+        <p:blipFill rotWithShape="1">
+          <a:blip r:embed="rId3"/>
+          <a:srcRect b="18411"/>
+          <a:stretch/>
+        </p:blipFill>
+        <p:spPr>
+          <a:xfrm>
+            <a:off x="1375719" y="4554863"/>
+            <a:ext cx="10058400" cy="2240204"/>
+          </a:xfrm>
+          <a:prstGeom prst="rect">
+            <a:avLst/>
+          </a:prstGeom>
+        </p:spPr>
+      </p:pic>
     </p:spTree>
     <p:extLst>
       <p:ext uri="{BB962C8B-B14F-4D97-AF65-F5344CB8AC3E}">
-        <p14:creationId xmlns:p14="http://schemas.microsoft.com/office/powerpoint/2010/main" val="127330774"/>
+        <p14:creationId xmlns:p14="http://schemas.microsoft.com/office/powerpoint/2010/main" val="2470817329"/>
       </p:ext>
     </p:extLst>
   </p:cSld>
   <p:clrMapOvr>
     <a:masterClrMapping/>
   </p:clrMapOvr>
+  <p:timing>
+    <p:tnLst>
+      <p:par>
+        <p:cTn id="1" dur="indefinite" restart="never" nodeType="tmRoot"/>
+      </p:par>
+    </p:tnLst>
+  </p:timing>
 </p:sld>
 </file>
 
@@ -14628,10 +15426,132 @@
           <a:bodyPr/>
           <a:lstStyle/>
           <a:p>
+            <a:endParaRPr lang="zh-TW" altLang="en-US" dirty="0"/>
+          </a:p>
+        </p:txBody>
+      </p:sp>
+      <p:sp>
+        <p:nvSpPr>
+          <p:cNvPr id="4" name="投影片編號版面配置區 3"/>
+          <p:cNvSpPr>
+            <a:spLocks noGrp="1"/>
+          </p:cNvSpPr>
+          <p:nvPr>
+            <p:ph type="sldNum" sz="quarter" idx="12"/>
+          </p:nvPr>
+        </p:nvSpPr>
+        <p:spPr/>
+        <p:txBody>
+          <a:bodyPr/>
+          <a:lstStyle/>
+          <a:p>
+            <a:fld id="{7EEA38C4-728D-4C6D-B45A-B952D9AC726F}" type="slidenum">
+              <a:rPr lang="zh-TW" altLang="en-US" smtClean="0"/>
+              <a:t>30</a:t>
+            </a:fld>
             <a:endParaRPr lang="zh-TW" altLang="en-US"/>
           </a:p>
         </p:txBody>
       </p:sp>
+      <p:pic>
+        <p:nvPicPr>
+          <p:cNvPr id="6" name="圖片 5"/>
+          <p:cNvPicPr>
+            <a:picLocks noChangeAspect="1"/>
+          </p:cNvPicPr>
+          <p:nvPr/>
+        </p:nvPicPr>
+        <p:blipFill>
+          <a:blip r:embed="rId2"/>
+          <a:stretch>
+            <a:fillRect/>
+          </a:stretch>
+        </p:blipFill>
+        <p:spPr>
+          <a:xfrm>
+            <a:off x="136576" y="888415"/>
+            <a:ext cx="10279920" cy="5331175"/>
+          </a:xfrm>
+          <a:prstGeom prst="rect">
+            <a:avLst/>
+          </a:prstGeom>
+        </p:spPr>
+      </p:pic>
+    </p:spTree>
+    <p:extLst>
+      <p:ext uri="{BB962C8B-B14F-4D97-AF65-F5344CB8AC3E}">
+        <p14:creationId xmlns:p14="http://schemas.microsoft.com/office/powerpoint/2010/main" val="491038785"/>
+      </p:ext>
+    </p:extLst>
+  </p:cSld>
+  <p:clrMapOvr>
+    <a:masterClrMapping/>
+  </p:clrMapOvr>
+  <p:timing>
+    <p:tnLst>
+      <p:par>
+        <p:cTn id="1" dur="indefinite" restart="never" nodeType="tmRoot"/>
+      </p:par>
+    </p:tnLst>
+  </p:timing>
+</p:sld>
+</file>
+
+<file path=ppt/slides/slide31.xml><?xml version="1.0" encoding="utf-8"?>
+<p:sld xmlns:a="http://schemas.openxmlformats.org/drawingml/2006/main" xmlns:r="http://schemas.openxmlformats.org/officeDocument/2006/relationships" xmlns:p="http://schemas.openxmlformats.org/presentationml/2006/main">
+  <p:cSld>
+    <p:spTree>
+      <p:nvGrpSpPr>
+        <p:cNvPr id="1" name=""/>
+        <p:cNvGrpSpPr/>
+        <p:nvPr/>
+      </p:nvGrpSpPr>
+      <p:grpSpPr>
+        <a:xfrm>
+          <a:off x="0" y="0"/>
+          <a:ext cx="0" cy="0"/>
+          <a:chOff x="0" y="0"/>
+          <a:chExt cx="0" cy="0"/>
+        </a:xfrm>
+      </p:grpSpPr>
+      <p:sp>
+        <p:nvSpPr>
+          <p:cNvPr id="2" name="標題 1"/>
+          <p:cNvSpPr>
+            <a:spLocks noGrp="1"/>
+          </p:cNvSpPr>
+          <p:nvPr>
+            <p:ph type="title"/>
+          </p:nvPr>
+        </p:nvSpPr>
+        <p:spPr/>
+        <p:txBody>
+          <a:bodyPr/>
+          <a:lstStyle/>
+          <a:p>
+            <a:endParaRPr lang="zh-TW" altLang="en-US"/>
+          </a:p>
+        </p:txBody>
+      </p:sp>
+      <p:sp>
+        <p:nvSpPr>
+          <p:cNvPr id="3" name="內容版面配置區 2"/>
+          <p:cNvSpPr>
+            <a:spLocks noGrp="1"/>
+          </p:cNvSpPr>
+          <p:nvPr>
+            <p:ph idx="1"/>
+          </p:nvPr>
+        </p:nvSpPr>
+        <p:spPr/>
+        <p:txBody>
+          <a:bodyPr/>
+          <a:lstStyle/>
+          <a:p>
+            <a:endParaRPr lang="zh-TW" altLang="en-US" dirty="0"/>
+          </a:p>
+        </p:txBody>
+      </p:sp>
       <p:sp>
         <p:nvSpPr>
           <p:cNvPr id="4" name="投影片編號版面配置區 3"/>
@@ -14649,7 +15569,7 @@
           <a:p>
             <a:fld id="{7EEA38C4-728D-4C6D-B45A-B952D9AC726F}" type="slidenum">
               <a:rPr lang="zh-TW" altLang="en-US" smtClean="0"/>
-              <a:t>30</a:t>
+              <a:t>31</a:t>
             </a:fld>
             <a:endParaRPr lang="zh-TW" altLang="en-US" dirty="0"/>
           </a:p>
@@ -14689,6 +15609,345 @@
   <p:clrMapOvr>
     <a:masterClrMapping/>
   </p:clrMapOvr>
+  <p:timing>
+    <p:tnLst>
+      <p:par>
+        <p:cTn id="1" dur="indefinite" restart="never" nodeType="tmRoot"/>
+      </p:par>
+    </p:tnLst>
+  </p:timing>
+</p:sld>
+</file>
+
+<file path=ppt/slides/slide32.xml><?xml version="1.0" encoding="utf-8"?>
+<p:sld xmlns:a="http://schemas.openxmlformats.org/drawingml/2006/main" xmlns:r="http://schemas.openxmlformats.org/officeDocument/2006/relationships" xmlns:p="http://schemas.openxmlformats.org/presentationml/2006/main">
+  <p:cSld>
+    <p:spTree>
+      <p:nvGrpSpPr>
+        <p:cNvPr id="1" name=""/>
+        <p:cNvGrpSpPr/>
+        <p:nvPr/>
+      </p:nvGrpSpPr>
+      <p:grpSpPr>
+        <a:xfrm>
+          <a:off x="0" y="0"/>
+          <a:ext cx="0" cy="0"/>
+          <a:chOff x="0" y="0"/>
+          <a:chExt cx="0" cy="0"/>
+        </a:xfrm>
+      </p:grpSpPr>
+      <p:sp>
+        <p:nvSpPr>
+          <p:cNvPr id="2" name="標題 1"/>
+          <p:cNvSpPr>
+            <a:spLocks noGrp="1"/>
+          </p:cNvSpPr>
+          <p:nvPr>
+            <p:ph type="title"/>
+          </p:nvPr>
+        </p:nvSpPr>
+        <p:spPr/>
+        <p:txBody>
+          <a:bodyPr/>
+          <a:lstStyle/>
+          <a:p>
+            <a:r>
+              <a:rPr lang="en-US" altLang="zh-TW" dirty="0" smtClean="0">
+                <a:solidFill>
+                  <a:schemeClr val="tx1"/>
+                </a:solidFill>
+              </a:rPr>
+              <a:t>XSS</a:t>
+            </a:r>
+            <a:endParaRPr lang="zh-TW" altLang="en-US" dirty="0">
+              <a:solidFill>
+                <a:schemeClr val="tx1"/>
+              </a:solidFill>
+            </a:endParaRPr>
+          </a:p>
+        </p:txBody>
+      </p:sp>
+      <p:sp>
+        <p:nvSpPr>
+          <p:cNvPr id="3" name="內容版面配置區 2"/>
+          <p:cNvSpPr>
+            <a:spLocks noGrp="1"/>
+          </p:cNvSpPr>
+          <p:nvPr>
+            <p:ph idx="1"/>
+          </p:nvPr>
+        </p:nvSpPr>
+        <p:spPr>
+          <a:xfrm>
+            <a:off x="757323" y="1336226"/>
+            <a:ext cx="9680018" cy="5188142"/>
+          </a:xfrm>
+        </p:spPr>
+        <p:txBody>
+          <a:bodyPr>
+            <a:normAutofit/>
+          </a:bodyPr>
+          <a:lstStyle/>
+          <a:p>
+            <a:r>
+              <a:rPr lang="zh-TW" altLang="zh-TW" dirty="0"/>
+              <a:t>權限檢核是什麼</a:t>
+            </a:r>
+            <a:r>
+              <a:rPr lang="zh-TW" altLang="zh-TW" dirty="0" smtClean="0"/>
+              <a:t>？</a:t>
+            </a:r>
+            <a:endParaRPr lang="en-US" altLang="zh-TW" dirty="0" smtClean="0"/>
+          </a:p>
+          <a:p>
+            <a:pPr marL="0" indent="0">
+              <a:buNone/>
+            </a:pPr>
+            <a:r>
+              <a:rPr lang="zh-TW" altLang="en-US" dirty="0" smtClean="0"/>
+              <a:t>保護</a:t>
+            </a:r>
+            <a:r>
+              <a:rPr lang="zh-TW" altLang="en-US" dirty="0"/>
+              <a:t>機制</a:t>
+            </a:r>
+            <a:r>
+              <a:rPr lang="zh-TW" altLang="en-US" dirty="0" smtClean="0"/>
+              <a:t>，</a:t>
+            </a:r>
+            <a:r>
+              <a:rPr lang="zh-TW" altLang="en-US" dirty="0"/>
+              <a:t>明確授予特定的使用者角色與存取權限。</a:t>
+            </a:r>
+            <a:endParaRPr lang="en-US" altLang="zh-TW" dirty="0"/>
+          </a:p>
+          <a:p>
+            <a:pPr marL="0" indent="0">
+              <a:buNone/>
+            </a:pPr>
+            <a:r>
+              <a:rPr lang="zh-TW" altLang="en-US" dirty="0" smtClean="0"/>
+              <a:t>確保</a:t>
+            </a:r>
+            <a:r>
+              <a:rPr lang="zh-TW" altLang="en-US" dirty="0"/>
+              <a:t>每個頁</a:t>
+            </a:r>
+            <a:r>
+              <a:rPr lang="zh-TW" altLang="en-US" dirty="0" smtClean="0"/>
+              <a:t>面的</a:t>
+            </a:r>
+            <a:r>
+              <a:rPr lang="zh-TW" altLang="en-US" dirty="0"/>
+              <a:t>存取都須經過適當的身分認證和授權，以</a:t>
+            </a:r>
+            <a:r>
+              <a:rPr lang="zh-TW" altLang="en-US" dirty="0" smtClean="0"/>
+              <a:t>防範</a:t>
+            </a:r>
+            <a:r>
+              <a:rPr lang="zh-TW" altLang="en-US" dirty="0"/>
+              <a:t>未經授權的 </a:t>
+            </a:r>
+            <a:r>
+              <a:rPr lang="en-US" altLang="zh-TW" dirty="0"/>
+              <a:t>URL </a:t>
+            </a:r>
+            <a:r>
+              <a:rPr lang="zh-TW" altLang="en-US" dirty="0"/>
+              <a:t>存取</a:t>
+            </a:r>
+            <a:r>
+              <a:rPr lang="zh-TW" altLang="en-US" dirty="0" smtClean="0"/>
+              <a:t>。</a:t>
+            </a:r>
+            <a:endParaRPr lang="en-US" altLang="zh-TW" dirty="0" smtClean="0"/>
+          </a:p>
+          <a:p>
+            <a:r>
+              <a:rPr lang="zh-TW" altLang="zh-TW" dirty="0" smtClean="0"/>
+              <a:t>黑名單</a:t>
+            </a:r>
+            <a:r>
+              <a:rPr lang="en-US" altLang="zh-TW" dirty="0"/>
+              <a:t>/</a:t>
+            </a:r>
+            <a:r>
+              <a:rPr lang="zh-TW" altLang="zh-TW" dirty="0"/>
+              <a:t>白名單是什麼</a:t>
+            </a:r>
+            <a:r>
+              <a:rPr lang="zh-TW" altLang="zh-TW" dirty="0" smtClean="0"/>
+              <a:t>？</a:t>
+            </a:r>
+            <a:endParaRPr lang="en-US" altLang="zh-TW" dirty="0" smtClean="0"/>
+          </a:p>
+          <a:p>
+            <a:pPr lvl="1"/>
+            <a:r>
+              <a:rPr lang="zh-TW" altLang="en-US" dirty="0"/>
+              <a:t>黑名單</a:t>
+            </a:r>
+            <a:r>
+              <a:rPr lang="zh-TW" altLang="en-US" dirty="0" smtClean="0"/>
+              <a:t>：</a:t>
+            </a:r>
+            <a:r>
+              <a:rPr lang="zh-TW" altLang="en-US" dirty="0"/>
+              <a:t>程式是先列出「不能出現」的對象清單，然後進行過濾</a:t>
+            </a:r>
+            <a:r>
+              <a:rPr lang="zh-TW" altLang="en-US" dirty="0" smtClean="0"/>
+              <a:t>。</a:t>
+            </a:r>
+            <a:endParaRPr lang="en-US" altLang="zh-TW" dirty="0" smtClean="0"/>
+          </a:p>
+          <a:p>
+            <a:pPr lvl="2"/>
+            <a:r>
+              <a:rPr lang="zh-TW" altLang="en-US" dirty="0" smtClean="0"/>
+              <a:t>針對</a:t>
+            </a:r>
+            <a:r>
+              <a:rPr lang="zh-TW" altLang="en-US" dirty="0"/>
+              <a:t>有可能造成疑慮的使用者資料進行過濾。例如，針對</a:t>
+            </a:r>
+            <a:r>
+              <a:rPr lang="en-US" altLang="zh-TW" dirty="0"/>
+              <a:t>&lt;</a:t>
+            </a:r>
+            <a:r>
+              <a:rPr lang="zh-TW" altLang="en-US" dirty="0"/>
+              <a:t>或者</a:t>
+            </a:r>
+            <a:r>
+              <a:rPr lang="en-US" altLang="zh-TW" dirty="0"/>
+              <a:t>&gt;</a:t>
+            </a:r>
+            <a:r>
+              <a:rPr lang="zh-TW" altLang="en-US" dirty="0"/>
+              <a:t>字元、或者</a:t>
+            </a:r>
+            <a:r>
+              <a:rPr lang="en-US" altLang="zh-TW" dirty="0"/>
+              <a:t>SCRIPT</a:t>
+            </a:r>
+            <a:r>
+              <a:rPr lang="zh-TW" altLang="en-US" dirty="0"/>
+              <a:t>字串進行過濾，倘若使用者的輸入資料中含有可疑的字元或字串時，則進行改寫或禁止使用</a:t>
+            </a:r>
+            <a:r>
+              <a:rPr lang="zh-TW" altLang="en-US" dirty="0" smtClean="0"/>
+              <a:t>。</a:t>
+            </a:r>
+            <a:endParaRPr lang="en-US" altLang="zh-TW" dirty="0" smtClean="0"/>
+          </a:p>
+          <a:p>
+            <a:pPr lvl="1"/>
+            <a:r>
+              <a:rPr lang="zh-TW" altLang="en-US" dirty="0" smtClean="0"/>
+              <a:t>白</a:t>
+            </a:r>
+            <a:r>
+              <a:rPr lang="zh-TW" altLang="en-US" dirty="0"/>
+              <a:t>名單：程式是先列出可被接受的對象</a:t>
+            </a:r>
+            <a:r>
+              <a:rPr lang="zh-TW" altLang="en-US" dirty="0" smtClean="0"/>
+              <a:t>。</a:t>
+            </a:r>
+            <a:endParaRPr lang="en-US" altLang="zh-TW" dirty="0" smtClean="0"/>
+          </a:p>
+          <a:p>
+            <a:pPr lvl="2"/>
+            <a:r>
+              <a:rPr lang="zh-TW" altLang="en-US" dirty="0"/>
+              <a:t>每個欄位都明確定義出它該有的形式，例如日期欄位就只能出現數字和斜線</a:t>
+            </a:r>
+            <a:r>
+              <a:rPr lang="zh-TW" altLang="en-US" dirty="0" smtClean="0"/>
+              <a:t>字元。</a:t>
+            </a:r>
+            <a:endParaRPr lang="en-US" altLang="zh-TW" dirty="0" smtClean="0"/>
+          </a:p>
+          <a:p>
+            <a:r>
+              <a:rPr lang="zh-TW" altLang="zh-TW" dirty="0" smtClean="0"/>
+              <a:t>為防止</a:t>
+            </a:r>
+            <a:r>
+              <a:rPr lang="en-US" altLang="zh-TW" dirty="0" smtClean="0"/>
+              <a:t>XSS</a:t>
+            </a:r>
+            <a:r>
+              <a:rPr lang="zh-TW" altLang="zh-TW" dirty="0" smtClean="0"/>
+              <a:t>攻擊，過濾特殊字元，若需某些特殊字元要呈現於網頁上，需如何處理？</a:t>
+            </a:r>
+            <a:endParaRPr lang="en-US" altLang="zh-TW" dirty="0" smtClean="0"/>
+          </a:p>
+          <a:p>
+            <a:pPr lvl="1"/>
+            <a:r>
+              <a:rPr lang="en-US" altLang="zh-TW" dirty="0" smtClean="0"/>
+              <a:t>HTML</a:t>
+            </a:r>
+            <a:r>
+              <a:rPr lang="zh-TW" altLang="zh-TW" dirty="0"/>
+              <a:t>特殊</a:t>
+            </a:r>
+            <a:r>
+              <a:rPr lang="zh-TW" altLang="zh-TW" dirty="0" smtClean="0"/>
+              <a:t>字元</a:t>
+            </a:r>
+            <a:r>
+              <a:rPr lang="zh-TW" altLang="en-US" dirty="0" smtClean="0"/>
+              <a:t>編碼</a:t>
+            </a:r>
+            <a:endParaRPr lang="en-US" altLang="zh-TW" dirty="0" smtClean="0"/>
+          </a:p>
+        </p:txBody>
+      </p:sp>
+      <p:sp>
+        <p:nvSpPr>
+          <p:cNvPr id="4" name="投影片編號版面配置區 3"/>
+          <p:cNvSpPr>
+            <a:spLocks noGrp="1"/>
+          </p:cNvSpPr>
+          <p:nvPr>
+            <p:ph type="sldNum" sz="quarter" idx="12"/>
+          </p:nvPr>
+        </p:nvSpPr>
+        <p:spPr/>
+        <p:txBody>
+          <a:bodyPr/>
+          <a:lstStyle/>
+          <a:p>
+            <a:fld id="{7EEA38C4-728D-4C6D-B45A-B952D9AC726F}" type="slidenum">
+              <a:rPr lang="zh-TW" altLang="en-US" smtClean="0"/>
+              <a:pPr/>
+              <a:t>32</a:t>
+            </a:fld>
+            <a:endParaRPr lang="zh-TW" altLang="en-US" dirty="0"/>
+          </a:p>
+        </p:txBody>
+      </p:sp>
+    </p:spTree>
+    <p:extLst>
+      <p:ext uri="{BB962C8B-B14F-4D97-AF65-F5344CB8AC3E}">
+        <p14:creationId xmlns:p14="http://schemas.microsoft.com/office/powerpoint/2010/main" val="572722433"/>
+      </p:ext>
+    </p:extLst>
+  </p:cSld>
+  <p:clrMapOvr>
+    <a:masterClrMapping/>
+  </p:clrMapOvr>
+  <p:timing>
+    <p:tnLst>
+      <p:par>
+        <p:cTn id="1" dur="indefinite" restart="never" nodeType="tmRoot"/>
+      </p:par>
+    </p:tnLst>
+  </p:timing>
 </p:sld>
 </file>
 
@@ -14795,12 +16054,58 @@
             </a:r>
           </a:p>
           <a:p>
-            <a:pPr marL="457200" indent="-457200">
+            <a:pPr marL="857250" lvl="1" indent="-457200">
               <a:buFont typeface="+mj-lt"/>
               <a:buAutoNum type="arabicPeriod"/>
             </a:pPr>
             <a:r>
+              <a:rPr lang="en-US" altLang="zh-TW" dirty="0" err="1">
+                <a:solidFill>
+                  <a:srgbClr val="FFFF00"/>
+                </a:solidFill>
+                <a:latin typeface="Times New Roman" panose="02020603050405020304" pitchFamily="18" charset="0"/>
+                <a:cs typeface="Times New Roman" panose="02020603050405020304" pitchFamily="18" charset="0"/>
+              </a:rPr>
+              <a:t>initApp</a:t>
+            </a:r>
+            <a:r>
+              <a:rPr lang="zh-TW" altLang="en-US" dirty="0">
+                <a:solidFill>
+                  <a:srgbClr val="FFFF00"/>
+                </a:solidFill>
+                <a:latin typeface="Times New Roman" panose="02020603050405020304" pitchFamily="18" charset="0"/>
+                <a:cs typeface="Times New Roman" panose="02020603050405020304" pitchFamily="18" charset="0"/>
+              </a:rPr>
+              <a:t>時</a:t>
+            </a:r>
+            <a:r>
+              <a:rPr lang="zh-TW" altLang="en-US" dirty="0" smtClean="0">
+                <a:solidFill>
+                  <a:srgbClr val="FFFF00"/>
+                </a:solidFill>
+                <a:latin typeface="Times New Roman" panose="02020603050405020304" pitchFamily="18" charset="0"/>
+                <a:cs typeface="Times New Roman" panose="02020603050405020304" pitchFamily="18" charset="0"/>
+              </a:rPr>
+              <a:t>設定</a:t>
+            </a:r>
+            <a:endParaRPr lang="en-US" altLang="zh-TW" dirty="0" smtClean="0">
+              <a:solidFill>
+                <a:srgbClr val="FFFF00"/>
+              </a:solidFill>
+              <a:latin typeface="Times New Roman" panose="02020603050405020304" pitchFamily="18" charset="0"/>
+              <a:cs typeface="Times New Roman" panose="02020603050405020304" pitchFamily="18" charset="0"/>
+            </a:endParaRPr>
+          </a:p>
+          <a:p>
+            <a:pPr marL="857250" lvl="1" indent="-457200">
+              <a:buFont typeface="+mj-lt"/>
+              <a:buAutoNum type="arabicPeriod"/>
+            </a:pPr>
+            <a:r>
               <a:rPr lang="en-US" altLang="zh-TW" dirty="0" smtClean="0">
+                <a:solidFill>
+                  <a:srgbClr val="FFFF00"/>
+                </a:solidFill>
                 <a:latin typeface="Times New Roman" panose="02020603050405020304" pitchFamily="18" charset="0"/>
                 <a:cs typeface="Times New Roman" panose="02020603050405020304" pitchFamily="18" charset="0"/>
               </a:rPr>
@@ -14808,6 +16113,9 @@
             </a:r>
             <a:r>
               <a:rPr lang="zh-TW" altLang="en-US" dirty="0" smtClean="0">
+                <a:solidFill>
+                  <a:srgbClr val="FFFF00"/>
+                </a:solidFill>
                 <a:latin typeface="Times New Roman" panose="02020603050405020304" pitchFamily="18" charset="0"/>
                 <a:cs typeface="Times New Roman" panose="02020603050405020304" pitchFamily="18" charset="0"/>
               </a:rPr>
@@ -14815,6 +16123,9 @@
             </a:r>
             <a:r>
               <a:rPr lang="zh-TW" altLang="en-US" dirty="0">
+                <a:solidFill>
+                  <a:srgbClr val="FFFF00"/>
+                </a:solidFill>
                 <a:latin typeface="Times New Roman" panose="02020603050405020304" pitchFamily="18" charset="0"/>
                 <a:cs typeface="Times New Roman" panose="02020603050405020304" pitchFamily="18" charset="0"/>
               </a:rPr>
@@ -14822,6 +16133,9 @@
             </a:r>
             <a:r>
               <a:rPr lang="en-US" altLang="zh-TW" dirty="0">
+                <a:solidFill>
+                  <a:srgbClr val="FFFF00"/>
+                </a:solidFill>
                 <a:latin typeface="Times New Roman" panose="02020603050405020304" pitchFamily="18" charset="0"/>
                 <a:cs typeface="Times New Roman" panose="02020603050405020304" pitchFamily="18" charset="0"/>
               </a:rPr>
@@ -14829,6 +16143,9 @@
             </a:r>
             <a:r>
               <a:rPr lang="zh-TW" altLang="en-US" dirty="0">
+                <a:solidFill>
+                  <a:srgbClr val="FFFF00"/>
+                </a:solidFill>
                 <a:latin typeface="Times New Roman" panose="02020603050405020304" pitchFamily="18" charset="0"/>
                 <a:cs typeface="Times New Roman" panose="02020603050405020304" pitchFamily="18" charset="0"/>
               </a:rPr>
@@ -14836,6 +16153,9 @@
             </a:r>
             <a:r>
               <a:rPr lang="en-US" altLang="zh-TW" dirty="0">
+                <a:solidFill>
+                  <a:srgbClr val="FFFF00"/>
+                </a:solidFill>
                 <a:latin typeface="Times New Roman" panose="02020603050405020304" pitchFamily="18" charset="0"/>
                 <a:cs typeface="Times New Roman" panose="02020603050405020304" pitchFamily="18" charset="0"/>
               </a:rPr>
@@ -14843,6 +16163,9 @@
             </a:r>
             <a:r>
               <a:rPr lang="zh-TW" altLang="en-US" dirty="0">
+                <a:solidFill>
+                  <a:srgbClr val="FFFF00"/>
+                </a:solidFill>
                 <a:latin typeface="Times New Roman" panose="02020603050405020304" pitchFamily="18" charset="0"/>
                 <a:cs typeface="Times New Roman" panose="02020603050405020304" pitchFamily="18" charset="0"/>
               </a:rPr>
@@ -14850,6 +16173,9 @@
             </a:r>
             <a:r>
               <a:rPr lang="en-US" altLang="zh-TW" dirty="0">
+                <a:solidFill>
+                  <a:srgbClr val="FFFF00"/>
+                </a:solidFill>
                 <a:latin typeface="Times New Roman" panose="02020603050405020304" pitchFamily="18" charset="0"/>
                 <a:cs typeface="Times New Roman" panose="02020603050405020304" pitchFamily="18" charset="0"/>
               </a:rPr>
@@ -14857,6 +16183,9 @@
             </a:r>
             <a:r>
               <a:rPr lang="zh-TW" altLang="en-US" dirty="0">
+                <a:solidFill>
+                  <a:srgbClr val="FFFF00"/>
+                </a:solidFill>
                 <a:latin typeface="Times New Roman" panose="02020603050405020304" pitchFamily="18" charset="0"/>
                 <a:cs typeface="Times New Roman" panose="02020603050405020304" pitchFamily="18" charset="0"/>
               </a:rPr>
@@ -14864,6 +16193,9 @@
             </a:r>
             <a:r>
               <a:rPr lang="zh-TW" altLang="en-US" dirty="0" smtClean="0">
+                <a:solidFill>
+                  <a:srgbClr val="FFFF00"/>
+                </a:solidFill>
                 <a:latin typeface="Times New Roman" panose="02020603050405020304" pitchFamily="18" charset="0"/>
                 <a:cs typeface="Times New Roman" panose="02020603050405020304" pitchFamily="18" charset="0"/>
               </a:rPr>
@@ -14871,47 +16203,32 @@
             </a:r>
             <a:r>
               <a:rPr lang="en-US" altLang="zh-TW" dirty="0" err="1">
+                <a:solidFill>
+                  <a:srgbClr val="FFFF00"/>
+                </a:solidFill>
                 <a:latin typeface="Times New Roman" panose="02020603050405020304" pitchFamily="18" charset="0"/>
                 <a:cs typeface="Times New Roman" panose="02020603050405020304" pitchFamily="18" charset="0"/>
               </a:rPr>
               <a:t>initApp</a:t>
             </a:r>
             <a:endParaRPr lang="en-US" altLang="zh-TW" dirty="0" smtClean="0">
+              <a:solidFill>
+                <a:srgbClr val="FFFF00"/>
+              </a:solidFill>
               <a:latin typeface="Times New Roman" panose="02020603050405020304" pitchFamily="18" charset="0"/>
               <a:cs typeface="Times New Roman" panose="02020603050405020304" pitchFamily="18" charset="0"/>
             </a:endParaRPr>
           </a:p>
           <a:p>
-            <a:pPr marL="457200" indent="-457200">
+            <a:pPr marL="857250" lvl="1" indent="-457200">
               <a:buFont typeface="+mj-lt"/>
               <a:buAutoNum type="arabicPeriod"/>
             </a:pPr>
             <a:r>
-              <a:rPr lang="en-US" altLang="zh-TW" dirty="0" err="1" smtClean="0">
-                <a:latin typeface="Times New Roman" panose="02020603050405020304" pitchFamily="18" charset="0"/>
-                <a:cs typeface="Times New Roman" panose="02020603050405020304" pitchFamily="18" charset="0"/>
-              </a:rPr>
-              <a:t>initApp</a:t>
-            </a:r>
-            <a:r>
               <a:rPr lang="zh-TW" altLang="en-US" dirty="0" smtClean="0">
-                <a:latin typeface="Times New Roman" panose="02020603050405020304" pitchFamily="18" charset="0"/>
-                <a:cs typeface="Times New Roman" panose="02020603050405020304" pitchFamily="18" charset="0"/>
-              </a:rPr>
-              <a:t>時設定</a:t>
-            </a:r>
-            <a:endParaRPr lang="en-US" altLang="zh-TW" dirty="0" smtClean="0">
-              <a:latin typeface="Times New Roman" panose="02020603050405020304" pitchFamily="18" charset="0"/>
-              <a:cs typeface="Times New Roman" panose="02020603050405020304" pitchFamily="18" charset="0"/>
-            </a:endParaRPr>
-          </a:p>
-          <a:p>
-            <a:pPr marL="457200" indent="-457200">
-              <a:buFont typeface="+mj-lt"/>
-              <a:buAutoNum type="arabicPeriod"/>
-            </a:pPr>
-            <a:r>
-              <a:rPr lang="zh-TW" altLang="en-US" dirty="0" smtClean="0">
+                <a:solidFill>
+                  <a:srgbClr val="FFFF00"/>
+                </a:solidFill>
                 <a:latin typeface="Times New Roman" panose="02020603050405020304" pitchFamily="18" charset="0"/>
                 <a:cs typeface="Times New Roman" panose="02020603050405020304" pitchFamily="18" charset="0"/>
               </a:rPr>
@@ -14919,6 +16236,9 @@
             </a:r>
             <a:r>
               <a:rPr lang="zh-TW" altLang="en-US" dirty="0">
+                <a:solidFill>
+                  <a:srgbClr val="FFFF00"/>
+                </a:solidFill>
                 <a:latin typeface="Times New Roman" panose="02020603050405020304" pitchFamily="18" charset="0"/>
                 <a:cs typeface="Times New Roman" panose="02020603050405020304" pitchFamily="18" charset="0"/>
               </a:rPr>
@@ -14926,20 +16246,19 @@
             </a:r>
             <a:r>
               <a:rPr lang="zh-TW" altLang="en-US" dirty="0" smtClean="0">
+                <a:solidFill>
+                  <a:srgbClr val="FFFF00"/>
+                </a:solidFill>
                 <a:latin typeface="Times New Roman" panose="02020603050405020304" pitchFamily="18" charset="0"/>
                 <a:cs typeface="Times New Roman" panose="02020603050405020304" pitchFamily="18" charset="0"/>
               </a:rPr>
-              <a:t>一個頁</a:t>
-            </a:r>
-            <a:r>
-              <a:rPr lang="zh-TW" altLang="en-US" dirty="0" smtClean="0">
-                <a:latin typeface="Times New Roman" panose="02020603050405020304" pitchFamily="18" charset="0"/>
-                <a:cs typeface="Times New Roman" panose="02020603050405020304" pitchFamily="18" charset="0"/>
-              </a:rPr>
-              <a:t>面呈現，</a:t>
+              <a:t>一個頁面呈現，</a:t>
             </a:r>
             <a:r>
               <a:rPr lang="zh-TW" altLang="en-US" dirty="0">
+                <a:solidFill>
+                  <a:srgbClr val="FFFF00"/>
+                </a:solidFill>
                 <a:latin typeface="Times New Roman" panose="02020603050405020304" pitchFamily="18" charset="0"/>
                 <a:cs typeface="Times New Roman" panose="02020603050405020304" pitchFamily="18" charset="0"/>
               </a:rPr>
@@ -14947,6 +16266,9 @@
             </a:r>
             <a:r>
               <a:rPr lang="zh-TW" altLang="en-US" dirty="0" smtClean="0">
+                <a:solidFill>
+                  <a:srgbClr val="FFFF00"/>
+                </a:solidFill>
                 <a:latin typeface="Times New Roman" panose="02020603050405020304" pitchFamily="18" charset="0"/>
                 <a:cs typeface="Times New Roman" panose="02020603050405020304" pitchFamily="18" charset="0"/>
               </a:rPr>
@@ -14954,12 +16276,18 @@
             </a:r>
             <a:r>
               <a:rPr lang="en-US" altLang="zh-TW" dirty="0" err="1">
+                <a:solidFill>
+                  <a:srgbClr val="FFFF00"/>
+                </a:solidFill>
                 <a:latin typeface="Times New Roman" panose="02020603050405020304" pitchFamily="18" charset="0"/>
                 <a:cs typeface="Times New Roman" panose="02020603050405020304" pitchFamily="18" charset="0"/>
               </a:rPr>
               <a:t>ResponseCode</a:t>
             </a:r>
             <a:endParaRPr lang="en-US" altLang="zh-TW" dirty="0" smtClean="0">
+              <a:solidFill>
+                <a:srgbClr val="FFFF00"/>
+              </a:solidFill>
               <a:latin typeface="Times New Roman" panose="02020603050405020304" pitchFamily="18" charset="0"/>
               <a:cs typeface="Times New Roman" panose="02020603050405020304" pitchFamily="18" charset="0"/>
             </a:endParaRPr>
@@ -15000,6 +16328,13 @@
   <p:clrMapOvr>
     <a:masterClrMapping/>
   </p:clrMapOvr>
+  <p:timing>
+    <p:tnLst>
+      <p:par>
+        <p:cTn id="1" dur="indefinite" restart="never" nodeType="tmRoot"/>
+      </p:par>
+    </p:tnLst>
+  </p:timing>
 </p:sld>
 </file>
 
@@ -15036,18 +16371,18 @@
           <a:lstStyle/>
           <a:p>
             <a:r>
-              <a:rPr lang="en-US" altLang="zh-TW" dirty="0" err="1">
-                <a:solidFill>
-                  <a:srgbClr val="FF0000"/>
-                </a:solidFill>
-              </a:rPr>
-              <a:t>messageHelper</a:t>
-            </a:r>
-            <a:endParaRPr lang="zh-TW" altLang="en-US" dirty="0">
-              <a:solidFill>
-                <a:srgbClr val="FF0000"/>
-              </a:solidFill>
-            </a:endParaRPr>
+              <a:rPr lang="en-US" altLang="zh-TW" dirty="0" err="1"/>
+              <a:t>ReturnMessage</a:t>
+            </a:r>
+            <a:r>
+              <a:rPr lang="en-US" altLang="zh-TW" dirty="0"/>
+              <a:t> </a:t>
+            </a:r>
+            <a:r>
+              <a:rPr lang="zh-TW" altLang="zh-TW" dirty="0"/>
+              <a:t>訊息處理</a:t>
+            </a:r>
+            <a:endParaRPr lang="zh-TW" altLang="en-US" dirty="0"/>
           </a:p>
         </p:txBody>
       </p:sp>
@@ -15061,169 +16396,56 @@
             <p:ph idx="1"/>
           </p:nvPr>
         </p:nvSpPr>
-        <p:spPr/>
-        <p:txBody>
-          <a:bodyPr/>
-          <a:lstStyle/>
-          <a:p>
+        <p:spPr>
+          <a:xfrm>
+            <a:off x="716813" y="1317627"/>
+            <a:ext cx="8946541" cy="4195481"/>
+          </a:xfrm>
+        </p:spPr>
+        <p:txBody>
+          <a:bodyPr/>
+          <a:lstStyle/>
+          <a:p>
+            <a:r>
+              <a:rPr lang="zh-TW" altLang="zh-TW" dirty="0"/>
+              <a:t>用</a:t>
+            </a:r>
             <a:r>
               <a:rPr lang="en-US" altLang="zh-TW" dirty="0"/>
-              <a:t>3</a:t>
-            </a:r>
-            <a:r>
-              <a:rPr lang="zh-TW" altLang="en-US" dirty="0"/>
-              <a:t>個參數與</a:t>
+              <a:t> </a:t>
+            </a:r>
+            <a:r>
+              <a:rPr lang="en-US" altLang="zh-TW" dirty="0" err="1"/>
+              <a:t>ReturnMessage</a:t>
             </a:r>
             <a:r>
               <a:rPr lang="en-US" altLang="zh-TW" dirty="0"/>
-              <a:t>5</a:t>
-            </a:r>
-            <a:r>
-              <a:rPr lang="zh-TW" altLang="en-US" dirty="0"/>
-              <a:t>個參數差異</a:t>
-            </a:r>
+              <a:t> </a:t>
+            </a:r>
+            <a:r>
+              <a:rPr lang="zh-TW" altLang="zh-TW" dirty="0"/>
+              <a:t>訊息處理，那是如何傳至前</a:t>
+            </a:r>
+            <a:r>
+              <a:rPr lang="zh-TW" altLang="zh-TW" dirty="0" smtClean="0"/>
+              <a:t>端</a:t>
+            </a:r>
+            <a:endParaRPr lang="en-US" altLang="zh-TW" dirty="0" smtClean="0"/>
+          </a:p>
+          <a:p>
             <a:r>
               <a:rPr lang="zh-TW" altLang="en-US" dirty="0" smtClean="0"/>
-              <a:t>？</a:t>
-            </a:r>
-            <a:endParaRPr lang="en-US" altLang="zh-TW" dirty="0" smtClean="0"/>
-          </a:p>
-          <a:p>
+              <a:t>在</a:t>
+            </a:r>
             <a:r>
               <a:rPr lang="en-US" altLang="zh-TW" dirty="0" err="1" smtClean="0"/>
-              <a:t>m</a:t>
-            </a:r>
-            <a:r>
-              <a:rPr lang="en-US" altLang="zh-TW" dirty="0" err="1" smtClean="0"/>
-              <a:t>sg</a:t>
-            </a:r>
-            <a:r>
-              <a:rPr lang="en-US" altLang="zh-TW" dirty="0" smtClean="0"/>
-              <a:t> - </a:t>
-            </a:r>
-            <a:r>
-              <a:rPr lang="en-US" altLang="zh-TW" dirty="0" err="1" smtClean="0"/>
-              <a:t>ReturnMessage</a:t>
-            </a:r>
-            <a:endParaRPr lang="en-US" altLang="zh-TW" dirty="0" smtClean="0"/>
-          </a:p>
-          <a:p>
-            <a:r>
-              <a:rPr lang="en-US" altLang="zh-TW" dirty="0" err="1" smtClean="0"/>
-              <a:t>returnCode</a:t>
-            </a:r>
-            <a:endParaRPr lang="en-US" altLang="zh-TW" dirty="0" smtClean="0"/>
-          </a:p>
-          <a:p>
-            <a:r>
-              <a:rPr lang="en-US" altLang="zh-TW" dirty="0" err="1" smtClean="0"/>
-              <a:t>msgDesc</a:t>
-            </a:r>
-            <a:r>
-              <a:rPr lang="en-US" altLang="zh-TW" dirty="0" smtClean="0"/>
-              <a:t> – </a:t>
+              <a:t>initApp</a:t>
             </a:r>
             <a:r>
               <a:rPr lang="zh-TW" altLang="en-US" dirty="0" smtClean="0"/>
-              <a:t>畫面上顯示錯誤訊息，應確保使用者能理解</a:t>
-            </a:r>
-            <a:endParaRPr lang="en-US" altLang="zh-TW" dirty="0" smtClean="0"/>
-          </a:p>
-          <a:p>
-            <a:r>
-              <a:rPr lang="en-US" altLang="zh-TW" dirty="0" smtClean="0"/>
-              <a:t>t - </a:t>
-            </a:r>
-            <a:r>
-              <a:rPr lang="en-US" altLang="zh-TW" dirty="0" err="1" smtClean="0"/>
-              <a:t>Throwable</a:t>
-            </a:r>
-            <a:endParaRPr lang="en-US" altLang="zh-TW" dirty="0" smtClean="0"/>
-          </a:p>
-          <a:p>
-            <a:r>
-              <a:rPr lang="en-US" altLang="zh-TW" dirty="0" err="1" smtClean="0"/>
-              <a:t>Req</a:t>
-            </a:r>
-            <a:endParaRPr lang="en-US" altLang="zh-TW" dirty="0" smtClean="0"/>
-          </a:p>
-          <a:p>
-            <a:pPr marL="0" indent="0">
-              <a:buNone/>
-            </a:pPr>
-            <a:endParaRPr lang="en-US" altLang="zh-TW" dirty="0"/>
-          </a:p>
-          <a:p>
-            <a:pPr marL="0" indent="0">
-              <a:buNone/>
-            </a:pPr>
-            <a:r>
-              <a:rPr lang="zh-TW" altLang="en-US" dirty="0" smtClean="0"/>
-              <a:t>使用</a:t>
-            </a:r>
-            <a:r>
-              <a:rPr lang="en-US" altLang="zh-TW" dirty="0" smtClean="0"/>
-              <a:t>5</a:t>
-            </a:r>
-            <a:r>
-              <a:rPr lang="zh-TW" altLang="en-US" dirty="0" smtClean="0"/>
-              <a:t>個參數：</a:t>
-            </a:r>
-            <a:endParaRPr lang="en-US" altLang="zh-TW" dirty="0" smtClean="0"/>
-          </a:p>
-          <a:p>
-            <a:pPr marL="0" indent="0">
-              <a:buNone/>
-            </a:pPr>
-            <a:r>
-              <a:rPr lang="en-US" altLang="zh-TW" dirty="0"/>
-              <a:t>catch</a:t>
-            </a:r>
-            <a:r>
-              <a:rPr lang="zh-TW" altLang="en-US" dirty="0"/>
-              <a:t>未知的</a:t>
-            </a:r>
-            <a:r>
-              <a:rPr lang="en-US" altLang="zh-TW" dirty="0"/>
-              <a:t>Exception</a:t>
-            </a:r>
-            <a:r>
-              <a:rPr lang="zh-TW" altLang="en-US" dirty="0"/>
               <a:t>時</a:t>
             </a:r>
-            <a:r>
-              <a:rPr lang="en-US" altLang="zh-TW" dirty="0"/>
-              <a:t>,</a:t>
-            </a:r>
-            <a:r>
-              <a:rPr lang="zh-TW" altLang="en-US" dirty="0"/>
-              <a:t>帶入</a:t>
-            </a:r>
-            <a:r>
-              <a:rPr lang="en-US" altLang="zh-TW" dirty="0" err="1"/>
-              <a:t>setReturnMessage</a:t>
-            </a:r>
-            <a:r>
-              <a:rPr lang="zh-TW" altLang="en-US" dirty="0"/>
-              <a:t>的</a:t>
-            </a:r>
-            <a:r>
-              <a:rPr lang="en-US" altLang="zh-TW" dirty="0"/>
-              <a:t>exception</a:t>
-            </a:r>
-            <a:r>
-              <a:rPr lang="zh-TW" altLang="en-US" dirty="0"/>
-              <a:t>及</a:t>
-            </a:r>
-            <a:r>
-              <a:rPr lang="en-US" altLang="zh-TW" dirty="0"/>
-              <a:t>request context</a:t>
-            </a:r>
-            <a:r>
-              <a:rPr lang="zh-TW" altLang="en-US" dirty="0"/>
-              <a:t>參數</a:t>
-            </a:r>
-            <a:endParaRPr lang="en-US" altLang="zh-TW" dirty="0" smtClean="0"/>
+            <a:endParaRPr lang="zh-TW" altLang="zh-TW" dirty="0"/>
           </a:p>
         </p:txBody>
       </p:sp>
@@ -15267,8 +16489,104 @@
         </p:blipFill>
         <p:spPr>
           <a:xfrm>
-            <a:off x="5438483" y="236275"/>
-            <a:ext cx="6502306" cy="4266764"/>
+            <a:off x="763588" y="2179917"/>
+            <a:ext cx="5905500" cy="2457450"/>
+          </a:xfrm>
+          <a:prstGeom prst="rect">
+            <a:avLst/>
+          </a:prstGeom>
+        </p:spPr>
+      </p:pic>
+      <p:pic>
+        <p:nvPicPr>
+          <p:cNvPr id="6" name="圖片 5"/>
+          <p:cNvPicPr>
+            <a:picLocks noChangeAspect="1"/>
+          </p:cNvPicPr>
+          <p:nvPr/>
+        </p:nvPicPr>
+        <p:blipFill>
+          <a:blip r:embed="rId3"/>
+          <a:stretch>
+            <a:fillRect/>
+          </a:stretch>
+        </p:blipFill>
+        <p:spPr>
+          <a:xfrm>
+            <a:off x="6575868" y="3827462"/>
+            <a:ext cx="5124450" cy="1514475"/>
+          </a:xfrm>
+          <a:prstGeom prst="rect">
+            <a:avLst/>
+          </a:prstGeom>
+        </p:spPr>
+      </p:pic>
+      <p:pic>
+        <p:nvPicPr>
+          <p:cNvPr id="7" name="圖片 6"/>
+          <p:cNvPicPr>
+            <a:picLocks noChangeAspect="1"/>
+          </p:cNvPicPr>
+          <p:nvPr/>
+        </p:nvPicPr>
+        <p:blipFill>
+          <a:blip r:embed="rId4"/>
+          <a:stretch>
+            <a:fillRect/>
+          </a:stretch>
+        </p:blipFill>
+        <p:spPr>
+          <a:xfrm>
+            <a:off x="4643343" y="6264500"/>
+            <a:ext cx="5353050" cy="361950"/>
+          </a:xfrm>
+          <a:prstGeom prst="rect">
+            <a:avLst/>
+          </a:prstGeom>
+        </p:spPr>
+      </p:pic>
+      <p:pic>
+        <p:nvPicPr>
+          <p:cNvPr id="8" name="圖片 7"/>
+          <p:cNvPicPr>
+            <a:picLocks noChangeAspect="1"/>
+          </p:cNvPicPr>
+          <p:nvPr/>
+        </p:nvPicPr>
+        <p:blipFill>
+          <a:blip r:embed="rId5"/>
+          <a:stretch>
+            <a:fillRect/>
+          </a:stretch>
+        </p:blipFill>
+        <p:spPr>
+          <a:xfrm>
+            <a:off x="7338187" y="585144"/>
+            <a:ext cx="3819525" cy="3438525"/>
+          </a:xfrm>
+          <a:prstGeom prst="rect">
+            <a:avLst/>
+          </a:prstGeom>
+        </p:spPr>
+      </p:pic>
+      <p:pic>
+        <p:nvPicPr>
+          <p:cNvPr id="9" name="圖片 8"/>
+          <p:cNvPicPr>
+            <a:picLocks noChangeAspect="1"/>
+          </p:cNvPicPr>
+          <p:nvPr/>
+        </p:nvPicPr>
+        <p:blipFill>
+          <a:blip r:embed="rId6"/>
+          <a:stretch>
+            <a:fillRect/>
+          </a:stretch>
+        </p:blipFill>
+        <p:spPr>
+          <a:xfrm>
+            <a:off x="3150116" y="2680641"/>
+            <a:ext cx="3362325" cy="2667000"/>
           </a:xfrm>
           <a:prstGeom prst="rect">
             <a:avLst/>
@@ -15278,13 +16596,20 @@
     </p:spTree>
     <p:extLst>
       <p:ext uri="{BB962C8B-B14F-4D97-AF65-F5344CB8AC3E}">
-        <p14:creationId xmlns:p14="http://schemas.microsoft.com/office/powerpoint/2010/main" val="2334321216"/>
+        <p14:creationId xmlns:p14="http://schemas.microsoft.com/office/powerpoint/2010/main" val="1744130984"/>
       </p:ext>
     </p:extLst>
   </p:cSld>
   <p:clrMapOvr>
     <a:masterClrMapping/>
   </p:clrMapOvr>
+  <p:timing>
+    <p:tnLst>
+      <p:par>
+        <p:cTn id="1" dur="indefinite" restart="never" nodeType="tmRoot"/>
+      </p:par>
+    </p:tnLst>
+  </p:timing>
 </p:sld>
 </file>
 
@@ -15305,34 +16630,13 @@
           <a:chExt cx="0" cy="0"/>
         </a:xfrm>
       </p:grpSpPr>
-      <p:sp>
-        <p:nvSpPr>
-          <p:cNvPr id="2" name="標題 1"/>
-          <p:cNvSpPr>
-            <a:spLocks noGrp="1"/>
-          </p:cNvSpPr>
-          <p:nvPr>
-            <p:ph type="title"/>
-          </p:nvPr>
-        </p:nvSpPr>
-        <p:spPr/>
-        <p:txBody>
-          <a:bodyPr/>
-          <a:lstStyle/>
-          <a:p>
-            <a:endParaRPr lang="zh-TW" altLang="en-US"/>
-          </a:p>
-        </p:txBody>
-      </p:sp>
       <p:pic>
         <p:nvPicPr>
-          <p:cNvPr id="6" name="內容版面配置區 5"/>
+          <p:cNvPr id="10" name="內容版面配置區 5"/>
           <p:cNvPicPr>
-            <a:picLocks noGrp="1" noChangeAspect="1"/>
+            <a:picLocks noChangeAspect="1"/>
           </p:cNvPicPr>
-          <p:nvPr>
-            <p:ph idx="1"/>
-          </p:nvPr>
+          <p:nvPr/>
         </p:nvPicPr>
         <p:blipFill>
           <a:blip r:embed="rId2"/>
@@ -15342,8 +16646,8 @@
         </p:blipFill>
         <p:spPr>
           <a:xfrm>
-            <a:off x="1865699" y="2138549"/>
-            <a:ext cx="4210050" cy="1495425"/>
+            <a:off x="6499653" y="122047"/>
+            <a:ext cx="3729303" cy="3057713"/>
           </a:xfrm>
           <a:prstGeom prst="rect">
             <a:avLst/>
@@ -15352,6 +16656,282 @@
       </p:pic>
       <p:sp>
         <p:nvSpPr>
+          <p:cNvPr id="2" name="標題 1"/>
+          <p:cNvSpPr>
+            <a:spLocks noGrp="1"/>
+          </p:cNvSpPr>
+          <p:nvPr>
+            <p:ph type="title"/>
+          </p:nvPr>
+        </p:nvSpPr>
+        <p:spPr/>
+        <p:txBody>
+          <a:bodyPr/>
+          <a:lstStyle/>
+          <a:p>
+            <a:r>
+              <a:rPr lang="en-US" altLang="zh-TW" dirty="0" err="1"/>
+              <a:t>ReturnCode</a:t>
+            </a:r>
+            <a:endParaRPr lang="zh-TW" altLang="en-US" dirty="0"/>
+          </a:p>
+        </p:txBody>
+      </p:sp>
+      <p:sp>
+        <p:nvSpPr>
+          <p:cNvPr id="3" name="內容版面配置區 2"/>
+          <p:cNvSpPr>
+            <a:spLocks noGrp="1"/>
+          </p:cNvSpPr>
+          <p:nvPr>
+            <p:ph idx="1"/>
+          </p:nvPr>
+        </p:nvSpPr>
+        <p:spPr>
+          <a:xfrm>
+            <a:off x="403096" y="1756356"/>
+            <a:ext cx="5017401" cy="4195481"/>
+          </a:xfrm>
+        </p:spPr>
+        <p:txBody>
+          <a:bodyPr/>
+          <a:lstStyle/>
+          <a:p>
+            <a:r>
+              <a:rPr lang="zh-TW" altLang="zh-TW" dirty="0" smtClean="0"/>
+              <a:t>有</a:t>
+            </a:r>
+            <a:r>
+              <a:rPr lang="zh-TW" altLang="zh-TW" dirty="0"/>
+              <a:t>意義嗎</a:t>
+            </a:r>
+            <a:r>
+              <a:rPr lang="zh-TW" altLang="zh-TW" dirty="0" smtClean="0"/>
+              <a:t>？</a:t>
+            </a:r>
+            <a:endParaRPr lang="en-US" altLang="zh-TW" dirty="0" smtClean="0"/>
+          </a:p>
+          <a:p>
+            <a:r>
+              <a:rPr lang="zh-TW" altLang="zh-TW" dirty="0" smtClean="0"/>
+              <a:t>發送</a:t>
+            </a:r>
+            <a:r>
+              <a:rPr lang="en-US" altLang="zh-TW" dirty="0" err="1"/>
+              <a:t>ajax</a:t>
+            </a:r>
+            <a:r>
+              <a:rPr lang="zh-TW" altLang="zh-TW" dirty="0"/>
+              <a:t>請求如何知道作業成功</a:t>
+            </a:r>
+            <a:r>
+              <a:rPr lang="en-US" altLang="zh-TW" dirty="0"/>
+              <a:t>/</a:t>
+            </a:r>
+            <a:r>
+              <a:rPr lang="zh-TW" altLang="zh-TW" dirty="0"/>
+              <a:t>失敗</a:t>
+            </a:r>
+            <a:r>
+              <a:rPr lang="zh-TW" altLang="zh-TW" dirty="0" smtClean="0"/>
+              <a:t>？</a:t>
+            </a:r>
+            <a:endParaRPr lang="en-US" altLang="zh-TW" dirty="0" smtClean="0"/>
+          </a:p>
+          <a:p>
+            <a:pPr lvl="1">
+              <a:buFont typeface="Wingdings" panose="05000000000000000000" pitchFamily="2" charset="2"/>
+              <a:buChar char="n"/>
+            </a:pPr>
+            <a:r>
+              <a:rPr lang="en-US" altLang="zh-TW" dirty="0" err="1" smtClean="0">
+                <a:solidFill>
+                  <a:srgbClr val="FFFF00"/>
+                </a:solidFill>
+              </a:rPr>
+              <a:t>returnCode</a:t>
+            </a:r>
+            <a:r>
+              <a:rPr lang="en-US" altLang="zh-TW" dirty="0" smtClean="0">
+                <a:solidFill>
+                  <a:srgbClr val="FFFF00"/>
+                </a:solidFill>
+              </a:rPr>
+              <a:t> </a:t>
+            </a:r>
+            <a:r>
+              <a:rPr lang="en-US" altLang="zh-TW" dirty="0" smtClean="0">
+                <a:solidFill>
+                  <a:srgbClr val="FFFF00"/>
+                </a:solidFill>
+              </a:rPr>
+              <a:t>=</a:t>
+            </a:r>
+            <a:r>
+              <a:rPr lang="zh-TW" altLang="en-US" dirty="0" smtClean="0">
+                <a:solidFill>
+                  <a:srgbClr val="FFFF00"/>
+                </a:solidFill>
+              </a:rPr>
+              <a:t> </a:t>
+            </a:r>
+            <a:r>
+              <a:rPr lang="en-US" altLang="zh-TW" dirty="0" smtClean="0">
+                <a:solidFill>
+                  <a:srgbClr val="FFFF00"/>
+                </a:solidFill>
+              </a:rPr>
+              <a:t>0</a:t>
+            </a:r>
+            <a:r>
+              <a:rPr lang="zh-TW" altLang="en-US" dirty="0" smtClean="0">
+                <a:solidFill>
+                  <a:srgbClr val="FFFF00"/>
+                </a:solidFill>
+              </a:rPr>
+              <a:t> 成功</a:t>
+            </a:r>
+            <a:r>
+              <a:rPr lang="zh-TW" altLang="en-US" dirty="0" smtClean="0">
+                <a:solidFill>
+                  <a:srgbClr val="FFFF00"/>
+                </a:solidFill>
+              </a:rPr>
+              <a:t>，</a:t>
+            </a:r>
+            <a:r>
+              <a:rPr lang="en-US" altLang="zh-TW" dirty="0">
+                <a:solidFill>
+                  <a:srgbClr val="FFFF00"/>
+                </a:solidFill>
+              </a:rPr>
+              <a:t> </a:t>
+            </a:r>
+            <a:r>
+              <a:rPr lang="en-US" altLang="zh-TW" dirty="0" err="1">
+                <a:solidFill>
+                  <a:srgbClr val="FFFF00"/>
+                </a:solidFill>
+              </a:rPr>
+              <a:t>returnCode</a:t>
+            </a:r>
+            <a:r>
+              <a:rPr lang="en-US" altLang="zh-TW" dirty="0">
+                <a:solidFill>
+                  <a:srgbClr val="FFFF00"/>
+                </a:solidFill>
+              </a:rPr>
+              <a:t> &lt;</a:t>
+            </a:r>
+            <a:r>
+              <a:rPr lang="zh-TW" altLang="en-US" dirty="0" smtClean="0">
+                <a:solidFill>
+                  <a:srgbClr val="FFFF00"/>
+                </a:solidFill>
+              </a:rPr>
+              <a:t> </a:t>
+            </a:r>
+            <a:r>
+              <a:rPr lang="en-US" altLang="zh-TW" dirty="0">
+                <a:solidFill>
+                  <a:srgbClr val="FFFF00"/>
+                </a:solidFill>
+              </a:rPr>
+              <a:t>0 </a:t>
+            </a:r>
+            <a:r>
+              <a:rPr lang="zh-TW" altLang="en-US" dirty="0" smtClean="0">
+                <a:solidFill>
+                  <a:srgbClr val="FFFF00"/>
+                </a:solidFill>
+              </a:rPr>
+              <a:t>失敗</a:t>
+            </a:r>
+            <a:endParaRPr lang="en-US" altLang="zh-TW" dirty="0" smtClean="0">
+              <a:solidFill>
+                <a:srgbClr val="FFFF00"/>
+              </a:solidFill>
+            </a:endParaRPr>
+          </a:p>
+          <a:p>
+            <a:pPr lvl="1">
+              <a:buFont typeface="Wingdings" panose="05000000000000000000" pitchFamily="2" charset="2"/>
+              <a:buChar char="n"/>
+            </a:pPr>
+            <a:r>
+              <a:rPr lang="zh-TW" altLang="en-US" dirty="0" smtClean="0">
+                <a:solidFill>
+                  <a:srgbClr val="FFFF00"/>
+                </a:solidFill>
+              </a:rPr>
+              <a:t>畫面上</a:t>
+            </a:r>
+            <a:r>
+              <a:rPr lang="en-US" altLang="zh-TW" dirty="0" smtClean="0">
+                <a:solidFill>
+                  <a:srgbClr val="FFFF00"/>
+                </a:solidFill>
+              </a:rPr>
+              <a:t>alert</a:t>
+            </a:r>
+            <a:r>
+              <a:rPr lang="zh-TW" altLang="en-US" dirty="0" smtClean="0">
+                <a:solidFill>
+                  <a:srgbClr val="FFFF00"/>
+                </a:solidFill>
+              </a:rPr>
+              <a:t>訊息與狀態列</a:t>
+            </a:r>
+            <a:endParaRPr lang="en-US" altLang="zh-TW" dirty="0" smtClean="0">
+              <a:solidFill>
+                <a:srgbClr val="FFFF00"/>
+              </a:solidFill>
+            </a:endParaRPr>
+          </a:p>
+          <a:p>
+            <a:pPr lvl="1">
+              <a:buFont typeface="Wingdings" panose="05000000000000000000" pitchFamily="2" charset="2"/>
+              <a:buChar char="n"/>
+            </a:pPr>
+            <a:r>
+              <a:rPr lang="zh-TW" altLang="en-US" dirty="0" smtClean="0">
+                <a:solidFill>
+                  <a:srgbClr val="FFFF00"/>
+                </a:solidFill>
+              </a:rPr>
+              <a:t>正數</a:t>
+            </a:r>
+            <a:r>
+              <a:rPr lang="zh-TW" altLang="en-US" dirty="0">
+                <a:solidFill>
+                  <a:srgbClr val="FFFF00"/>
+                </a:solidFill>
+              </a:rPr>
+              <a:t>或是負數來決定顯示訊息的顏色，正數為藍色、負數為紅色。</a:t>
+            </a:r>
+            <a:endParaRPr lang="en-US" altLang="zh-TW" dirty="0" smtClean="0">
+              <a:solidFill>
+                <a:srgbClr val="FFFF00"/>
+              </a:solidFill>
+            </a:endParaRPr>
+          </a:p>
+          <a:p>
+            <a:pPr marL="0" indent="0">
+              <a:buNone/>
+            </a:pPr>
+            <a:endParaRPr lang="zh-TW" altLang="en-US" dirty="0">
+              <a:solidFill>
+                <a:srgbClr val="FF0000"/>
+              </a:solidFill>
+            </a:endParaRPr>
+          </a:p>
+          <a:p>
+            <a:endParaRPr lang="zh-TW" altLang="en-US" dirty="0"/>
+          </a:p>
+        </p:txBody>
+      </p:sp>
+      <p:sp>
+        <p:nvSpPr>
           <p:cNvPr id="4" name="投影片編號版面配置區 3"/>
           <p:cNvSpPr>
             <a:spLocks noGrp="1"/>
@@ -15367,9 +16947,10 @@
           <a:p>
             <a:fld id="{7EEA38C4-728D-4C6D-B45A-B952D9AC726F}" type="slidenum">
               <a:rPr lang="zh-TW" altLang="en-US" smtClean="0"/>
+              <a:pPr/>
               <a:t>6</a:t>
             </a:fld>
-            <a:endParaRPr lang="zh-TW" altLang="en-US"/>
+            <a:endParaRPr lang="zh-TW" altLang="en-US" dirty="0"/>
           </a:p>
         </p:txBody>
       </p:sp>
@@ -15389,18 +16970,164 @@
         </p:blipFill>
         <p:spPr>
           <a:xfrm>
-            <a:off x="1867977" y="3816998"/>
-            <a:ext cx="4210050" cy="1800225"/>
+            <a:off x="6643576" y="494271"/>
+            <a:ext cx="2539950" cy="2286588"/>
           </a:xfrm>
           <a:prstGeom prst="rect">
             <a:avLst/>
           </a:prstGeom>
         </p:spPr>
       </p:pic>
+      <p:pic>
+        <p:nvPicPr>
+          <p:cNvPr id="9" name="圖片 8"/>
+          <p:cNvPicPr>
+            <a:picLocks noChangeAspect="1"/>
+          </p:cNvPicPr>
+          <p:nvPr/>
+        </p:nvPicPr>
+        <p:blipFill>
+          <a:blip r:embed="rId4"/>
+          <a:stretch>
+            <a:fillRect/>
+          </a:stretch>
+        </p:blipFill>
+        <p:spPr>
+          <a:xfrm>
+            <a:off x="6048334" y="3201510"/>
+            <a:ext cx="5822390" cy="3556510"/>
+          </a:xfrm>
+          <a:prstGeom prst="rect">
+            <a:avLst/>
+          </a:prstGeom>
+        </p:spPr>
+      </p:pic>
+      <p:pic>
+        <p:nvPicPr>
+          <p:cNvPr id="6" name="圖片 5"/>
+          <p:cNvPicPr>
+            <a:picLocks noChangeAspect="1"/>
+          </p:cNvPicPr>
+          <p:nvPr/>
+        </p:nvPicPr>
+        <p:blipFill>
+          <a:blip r:embed="rId5"/>
+          <a:stretch>
+            <a:fillRect/>
+          </a:stretch>
+        </p:blipFill>
+        <p:spPr>
+          <a:xfrm>
+            <a:off x="5278743" y="3730245"/>
+            <a:ext cx="3362325" cy="2667000"/>
+          </a:xfrm>
+          <a:prstGeom prst="rect">
+            <a:avLst/>
+          </a:prstGeom>
+        </p:spPr>
+      </p:pic>
+      <p:sp>
+        <p:nvSpPr>
+          <p:cNvPr id="11" name="矩形 10"/>
+          <p:cNvSpPr/>
+          <p:nvPr/>
+        </p:nvSpPr>
+        <p:spPr>
+          <a:xfrm>
+            <a:off x="9234423" y="2000421"/>
+            <a:ext cx="646331" cy="369332"/>
+          </a:xfrm>
+          <a:prstGeom prst="rect">
+            <a:avLst/>
+          </a:prstGeom>
+        </p:spPr>
+        <p:style>
+          <a:lnRef idx="2">
+            <a:schemeClr val="accent1">
+              <a:shade val="50000"/>
+            </a:schemeClr>
+          </a:lnRef>
+          <a:fillRef idx="1">
+            <a:schemeClr val="accent1"/>
+          </a:fillRef>
+          <a:effectRef idx="0">
+            <a:schemeClr val="accent1"/>
+          </a:effectRef>
+          <a:fontRef idx="minor">
+            <a:schemeClr val="lt1"/>
+          </a:fontRef>
+        </p:style>
+        <p:txBody>
+          <a:bodyPr wrap="none">
+            <a:spAutoFit/>
+          </a:bodyPr>
+          <a:lstStyle/>
+          <a:p>
+            <a:r>
+              <a:rPr lang="zh-TW" altLang="en-US" dirty="0" smtClean="0"/>
+              <a:t>成功</a:t>
+            </a:r>
+            <a:endParaRPr lang="zh-TW" altLang="en-US" dirty="0"/>
+          </a:p>
+        </p:txBody>
+      </p:sp>
+      <p:sp>
+        <p:nvSpPr>
+          <p:cNvPr id="12" name="矩形 11"/>
+          <p:cNvSpPr/>
+          <p:nvPr/>
+        </p:nvSpPr>
+        <p:spPr>
+          <a:xfrm>
+            <a:off x="9287969" y="5266724"/>
+            <a:ext cx="646331" cy="369332"/>
+          </a:xfrm>
+          <a:prstGeom prst="rect">
+            <a:avLst/>
+          </a:prstGeom>
+        </p:spPr>
+        <p:style>
+          <a:lnRef idx="2">
+            <a:schemeClr val="accent1">
+              <a:shade val="50000"/>
+            </a:schemeClr>
+          </a:lnRef>
+          <a:fillRef idx="1">
+            <a:schemeClr val="accent1"/>
+          </a:fillRef>
+          <a:effectRef idx="0">
+            <a:schemeClr val="accent1"/>
+          </a:effectRef>
+          <a:fontRef idx="minor">
+            <a:schemeClr val="lt1"/>
+          </a:fontRef>
+        </p:style>
+        <p:txBody>
+          <a:bodyPr wrap="none">
+            <a:spAutoFit/>
+          </a:bodyPr>
+          <a:lstStyle/>
+          <a:p>
+            <a:r>
+              <a:rPr lang="zh-TW" altLang="en-US" dirty="0">
+                <a:solidFill>
+                  <a:srgbClr val="FFFF00"/>
+                </a:solidFill>
+              </a:rPr>
+              <a:t>失敗</a:t>
+            </a:r>
+            <a:endParaRPr lang="en-US" altLang="zh-TW" dirty="0">
+              <a:solidFill>
+                <a:srgbClr val="FFFF00"/>
+              </a:solidFill>
+            </a:endParaRPr>
+          </a:p>
+        </p:txBody>
+      </p:sp>
     </p:spTree>
     <p:extLst>
       <p:ext uri="{BB962C8B-B14F-4D97-AF65-F5344CB8AC3E}">
-        <p14:creationId xmlns:p14="http://schemas.microsoft.com/office/powerpoint/2010/main" val="3343038624"/>
+        <p14:creationId xmlns:p14="http://schemas.microsoft.com/office/powerpoint/2010/main" val="1555458802"/>
       </p:ext>
     </p:extLst>
   </p:cSld>
@@ -15445,32 +17172,132 @@
             <a:r>
               <a:rPr lang="en-US" altLang="zh-TW" dirty="0" err="1">
                 <a:solidFill>
-                  <a:srgbClr val="FF0000"/>
+                  <a:schemeClr val="tx1"/>
                 </a:solidFill>
               </a:rPr>
-              <a:t>getRootException</a:t>
-            </a:r>
-            <a:r>
-              <a:rPr lang="en-US" altLang="zh-TW" dirty="0">
-                <a:solidFill>
-                  <a:srgbClr val="FF0000"/>
-                </a:solidFill>
-              </a:rPr>
-              <a:t> </a:t>
-            </a:r>
-            <a:r>
-              <a:rPr lang="zh-TW" altLang="zh-TW" dirty="0">
-                <a:solidFill>
-                  <a:srgbClr val="FF0000"/>
-                </a:solidFill>
-              </a:rPr>
-              <a:t>說明</a:t>
+              <a:t>messageHelper</a:t>
             </a:r>
             <a:endParaRPr lang="zh-TW" altLang="en-US" dirty="0">
               <a:solidFill>
-                <a:srgbClr val="FF0000"/>
+                <a:schemeClr val="tx1"/>
               </a:solidFill>
             </a:endParaRPr>
+          </a:p>
+        </p:txBody>
+      </p:sp>
+      <p:sp>
+        <p:nvSpPr>
+          <p:cNvPr id="3" name="內容版面配置區 2"/>
+          <p:cNvSpPr>
+            <a:spLocks noGrp="1"/>
+          </p:cNvSpPr>
+          <p:nvPr>
+            <p:ph idx="1"/>
+          </p:nvPr>
+        </p:nvSpPr>
+        <p:spPr>
+          <a:xfrm>
+            <a:off x="254814" y="1369178"/>
+            <a:ext cx="5182159" cy="4195481"/>
+          </a:xfrm>
+        </p:spPr>
+        <p:txBody>
+          <a:bodyPr>
+            <a:normAutofit/>
+          </a:bodyPr>
+          <a:lstStyle/>
+          <a:p>
+            <a:r>
+              <a:rPr lang="en-US" altLang="zh-TW" sz="1800" dirty="0"/>
+              <a:t>3</a:t>
+            </a:r>
+            <a:r>
+              <a:rPr lang="zh-TW" altLang="en-US" sz="1800" dirty="0"/>
+              <a:t>個參數與</a:t>
+            </a:r>
+            <a:r>
+              <a:rPr lang="en-US" altLang="zh-TW" sz="1800" dirty="0"/>
+              <a:t>5</a:t>
+            </a:r>
+            <a:r>
+              <a:rPr lang="zh-TW" altLang="en-US" sz="1800" dirty="0"/>
+              <a:t>個參數差異</a:t>
+            </a:r>
+            <a:r>
+              <a:rPr lang="zh-TW" altLang="en-US" sz="1800" dirty="0" smtClean="0"/>
+              <a:t>？</a:t>
+            </a:r>
+            <a:endParaRPr lang="en-US" altLang="zh-TW" sz="1800" dirty="0" smtClean="0"/>
+          </a:p>
+          <a:p>
+            <a:pPr lvl="1"/>
+            <a:r>
+              <a:rPr lang="en-US" altLang="zh-TW" sz="1600" dirty="0" err="1" smtClean="0"/>
+              <a:t>msg</a:t>
+            </a:r>
+            <a:r>
+              <a:rPr lang="en-US" altLang="zh-TW" sz="1600" dirty="0" smtClean="0"/>
+              <a:t> - </a:t>
+            </a:r>
+            <a:r>
+              <a:rPr lang="en-US" altLang="zh-TW" sz="1600" dirty="0" err="1" smtClean="0"/>
+              <a:t>ReturnMessage</a:t>
+            </a:r>
+            <a:endParaRPr lang="en-US" altLang="zh-TW" sz="1600" dirty="0" smtClean="0"/>
+          </a:p>
+          <a:p>
+            <a:pPr lvl="1"/>
+            <a:r>
+              <a:rPr lang="en-US" altLang="zh-TW" sz="1600" dirty="0" err="1" smtClean="0"/>
+              <a:t>returnCode</a:t>
+            </a:r>
+            <a:endParaRPr lang="en-US" altLang="zh-TW" sz="1600" dirty="0" smtClean="0"/>
+          </a:p>
+          <a:p>
+            <a:pPr lvl="1"/>
+            <a:r>
+              <a:rPr lang="en-US" altLang="zh-TW" sz="1600" dirty="0" err="1" smtClean="0"/>
+              <a:t>msgDesc</a:t>
+            </a:r>
+            <a:r>
+              <a:rPr lang="en-US" altLang="zh-TW" sz="1600" dirty="0" smtClean="0"/>
+              <a:t> – </a:t>
+            </a:r>
+            <a:r>
+              <a:rPr lang="zh-TW" altLang="en-US" sz="1600" dirty="0" smtClean="0"/>
+              <a:t>畫面</a:t>
+            </a:r>
+            <a:r>
+              <a:rPr lang="zh-TW" altLang="en-US" sz="1600" dirty="0" smtClean="0"/>
+              <a:t>上顯示錯誤訊息，應確保使用者能理解</a:t>
+            </a:r>
+            <a:endParaRPr lang="en-US" altLang="zh-TW" sz="1600" dirty="0" smtClean="0"/>
+          </a:p>
+          <a:p>
+            <a:pPr lvl="1"/>
+            <a:r>
+              <a:rPr lang="en-US" altLang="zh-TW" sz="1600" dirty="0" smtClean="0"/>
+              <a:t>t - </a:t>
+            </a:r>
+            <a:r>
+              <a:rPr lang="en-US" altLang="zh-TW" sz="1600" dirty="0" err="1" smtClean="0"/>
+              <a:t>Throwable</a:t>
+            </a:r>
+            <a:endParaRPr lang="en-US" altLang="zh-TW" sz="1600" dirty="0" smtClean="0"/>
+          </a:p>
+          <a:p>
+            <a:pPr lvl="1"/>
+            <a:r>
+              <a:rPr lang="en-US" altLang="zh-TW" sz="1600" dirty="0" err="1" smtClean="0"/>
+              <a:t>Req</a:t>
+            </a:r>
+            <a:endParaRPr lang="en-US" altLang="zh-TW" sz="1600" dirty="0" smtClean="0"/>
+          </a:p>
+          <a:p>
+            <a:pPr marL="0" indent="0">
+              <a:buNone/>
+            </a:pPr>
+            <a:endParaRPr lang="en-US" altLang="zh-TW" dirty="0"/>
           </a:p>
         </p:txBody>
       </p:sp>
@@ -15514,18 +17341,190 @@
         </p:blipFill>
         <p:spPr>
           <a:xfrm>
-            <a:off x="7751693" y="830123"/>
-            <a:ext cx="3924300" cy="5038725"/>
+            <a:off x="5545574" y="1167150"/>
+            <a:ext cx="6502306" cy="4266764"/>
           </a:xfrm>
           <a:prstGeom prst="rect">
             <a:avLst/>
           </a:prstGeom>
         </p:spPr>
       </p:pic>
+      <p:pic>
+        <p:nvPicPr>
+          <p:cNvPr id="6" name="內容版面配置區 5"/>
+          <p:cNvPicPr>
+            <a:picLocks noChangeAspect="1"/>
+          </p:cNvPicPr>
+          <p:nvPr/>
+        </p:nvPicPr>
+        <p:blipFill>
+          <a:blip r:embed="rId3"/>
+          <a:stretch>
+            <a:fillRect/>
+          </a:stretch>
+        </p:blipFill>
+        <p:spPr>
+          <a:xfrm>
+            <a:off x="522932" y="3876735"/>
+            <a:ext cx="4210050" cy="1495425"/>
+          </a:xfrm>
+          <a:prstGeom prst="rect">
+            <a:avLst/>
+          </a:prstGeom>
+          <a:ln w="88900" cap="sq" cmpd="thickThin">
+            <a:solidFill>
+              <a:srgbClr val="000000"/>
+            </a:solidFill>
+            <a:prstDash val="solid"/>
+            <a:miter lim="800000"/>
+          </a:ln>
+          <a:effectLst>
+            <a:innerShdw blurRad="76200">
+              <a:srgbClr val="000000"/>
+            </a:innerShdw>
+          </a:effectLst>
+        </p:spPr>
+      </p:pic>
+      <p:pic>
+        <p:nvPicPr>
+          <p:cNvPr id="7" name="圖片 6"/>
+          <p:cNvPicPr>
+            <a:picLocks noChangeAspect="1"/>
+          </p:cNvPicPr>
+          <p:nvPr/>
+        </p:nvPicPr>
+        <p:blipFill>
+          <a:blip r:embed="rId4"/>
+          <a:stretch>
+            <a:fillRect/>
+          </a:stretch>
+        </p:blipFill>
+        <p:spPr>
+          <a:xfrm>
+            <a:off x="2650572" y="4591354"/>
+            <a:ext cx="4210050" cy="1800225"/>
+          </a:xfrm>
+          <a:prstGeom prst="rect">
+            <a:avLst/>
+          </a:prstGeom>
+          <a:ln w="88900" cap="sq" cmpd="thickThin">
+            <a:solidFill>
+              <a:srgbClr val="000000"/>
+            </a:solidFill>
+            <a:prstDash val="solid"/>
+            <a:miter lim="800000"/>
+          </a:ln>
+          <a:effectLst>
+            <a:innerShdw blurRad="76200">
+              <a:srgbClr val="000000"/>
+            </a:innerShdw>
+          </a:effectLst>
+        </p:spPr>
+      </p:pic>
+      <p:sp>
+        <p:nvSpPr>
+          <p:cNvPr id="8" name="矩形 7"/>
+          <p:cNvSpPr/>
+          <p:nvPr/>
+        </p:nvSpPr>
+        <p:spPr>
+          <a:xfrm>
+            <a:off x="2619439" y="4002216"/>
+            <a:ext cx="1005403" cy="369332"/>
+          </a:xfrm>
+          <a:prstGeom prst="rect">
+            <a:avLst/>
+          </a:prstGeom>
+        </p:spPr>
+        <p:style>
+          <a:lnRef idx="2">
+            <a:schemeClr val="accent1">
+              <a:shade val="50000"/>
+            </a:schemeClr>
+          </a:lnRef>
+          <a:fillRef idx="1">
+            <a:schemeClr val="accent1"/>
+          </a:fillRef>
+          <a:effectRef idx="0">
+            <a:schemeClr val="accent1"/>
+          </a:effectRef>
+          <a:fontRef idx="minor">
+            <a:schemeClr val="lt1"/>
+          </a:fontRef>
+        </p:style>
+        <p:txBody>
+          <a:bodyPr wrap="none">
+            <a:spAutoFit/>
+          </a:bodyPr>
+          <a:lstStyle/>
+          <a:p>
+            <a:r>
+              <a:rPr lang="en-US" altLang="zh-TW" dirty="0"/>
+              <a:t>3</a:t>
+            </a:r>
+            <a:r>
+              <a:rPr lang="zh-TW" altLang="en-US" dirty="0"/>
+              <a:t>個參數</a:t>
+            </a:r>
+          </a:p>
+        </p:txBody>
+      </p:sp>
+      <p:sp>
+        <p:nvSpPr>
+          <p:cNvPr id="9" name="矩形 8"/>
+          <p:cNvSpPr/>
+          <p:nvPr/>
+        </p:nvSpPr>
+        <p:spPr>
+          <a:xfrm>
+            <a:off x="4320552" y="4788930"/>
+            <a:ext cx="1005403" cy="369332"/>
+          </a:xfrm>
+          <a:prstGeom prst="rect">
+            <a:avLst/>
+          </a:prstGeom>
+        </p:spPr>
+        <p:style>
+          <a:lnRef idx="2">
+            <a:schemeClr val="accent1">
+              <a:shade val="50000"/>
+            </a:schemeClr>
+          </a:lnRef>
+          <a:fillRef idx="1">
+            <a:schemeClr val="accent1"/>
+          </a:fillRef>
+          <a:effectRef idx="0">
+            <a:schemeClr val="accent1"/>
+          </a:effectRef>
+          <a:fontRef idx="minor">
+            <a:schemeClr val="lt1"/>
+          </a:fontRef>
+        </p:style>
+        <p:txBody>
+          <a:bodyPr wrap="none">
+            <a:spAutoFit/>
+          </a:bodyPr>
+          <a:lstStyle/>
+          <a:p>
+            <a:r>
+              <a:rPr lang="en-US" altLang="zh-TW" dirty="0" smtClean="0"/>
+              <a:t>5</a:t>
+            </a:r>
+            <a:r>
+              <a:rPr lang="zh-TW" altLang="en-US" dirty="0" smtClean="0"/>
+              <a:t>個</a:t>
+            </a:r>
+            <a:r>
+              <a:rPr lang="zh-TW" altLang="en-US" dirty="0"/>
+              <a:t>參數</a:t>
+            </a:r>
+          </a:p>
+        </p:txBody>
+      </p:sp>
     </p:spTree>
     <p:extLst>
       <p:ext uri="{BB962C8B-B14F-4D97-AF65-F5344CB8AC3E}">
-        <p14:creationId xmlns:p14="http://schemas.microsoft.com/office/powerpoint/2010/main" val="1607866946"/>
+        <p14:creationId xmlns:p14="http://schemas.microsoft.com/office/powerpoint/2010/main" val="2334321216"/>
       </p:ext>
     </p:extLst>
   </p:cSld>
@@ -15567,116 +17566,19 @@
           <a:bodyPr/>
           <a:lstStyle/>
           <a:p>
-            <a:r>
-              <a:rPr lang="en-US" altLang="zh-TW" dirty="0" err="1"/>
-              <a:t>ReturnMessage</a:t>
-            </a:r>
-            <a:r>
-              <a:rPr lang="en-US" altLang="zh-TW" dirty="0"/>
-              <a:t> </a:t>
-            </a:r>
-            <a:r>
-              <a:rPr lang="zh-TW" altLang="zh-TW" dirty="0"/>
-              <a:t>訊息處理</a:t>
-            </a:r>
-            <a:endParaRPr lang="zh-TW" altLang="en-US" dirty="0"/>
-          </a:p>
-        </p:txBody>
-      </p:sp>
-      <p:sp>
-        <p:nvSpPr>
-          <p:cNvPr id="3" name="內容版面配置區 2"/>
-          <p:cNvSpPr>
-            <a:spLocks noGrp="1"/>
-          </p:cNvSpPr>
-          <p:nvPr>
-            <p:ph idx="1"/>
-          </p:nvPr>
-        </p:nvSpPr>
-        <p:spPr>
-          <a:xfrm>
-            <a:off x="716813" y="1317627"/>
-            <a:ext cx="8946541" cy="4195481"/>
-          </a:xfrm>
-        </p:spPr>
-        <p:txBody>
-          <a:bodyPr/>
-          <a:lstStyle/>
-          <a:p>
-            <a:r>
-              <a:rPr lang="zh-TW" altLang="zh-TW" dirty="0"/>
-              <a:t>用</a:t>
-            </a:r>
-            <a:r>
-              <a:rPr lang="en-US" altLang="zh-TW" dirty="0"/>
-              <a:t> </a:t>
-            </a:r>
-            <a:r>
-              <a:rPr lang="en-US" altLang="zh-TW" dirty="0" err="1"/>
-              <a:t>ReturnMessage</a:t>
-            </a:r>
-            <a:r>
-              <a:rPr lang="en-US" altLang="zh-TW" dirty="0"/>
-              <a:t> </a:t>
-            </a:r>
-            <a:r>
-              <a:rPr lang="zh-TW" altLang="zh-TW" dirty="0"/>
-              <a:t>訊息處理，那是如何傳至前</a:t>
-            </a:r>
-            <a:r>
-              <a:rPr lang="zh-TW" altLang="zh-TW" dirty="0" smtClean="0"/>
-              <a:t>端</a:t>
-            </a:r>
-            <a:endParaRPr lang="en-US" altLang="zh-TW" dirty="0" smtClean="0"/>
-          </a:p>
-          <a:p>
-            <a:r>
-              <a:rPr lang="zh-TW" altLang="en-US" dirty="0" smtClean="0"/>
-              <a:t>在</a:t>
-            </a:r>
-            <a:r>
-              <a:rPr lang="en-US" altLang="zh-TW" dirty="0" err="1" smtClean="0"/>
-              <a:t>initApp</a:t>
-            </a:r>
-            <a:r>
-              <a:rPr lang="zh-TW" altLang="en-US" dirty="0" smtClean="0"/>
-              <a:t>時</a:t>
-            </a:r>
-            <a:endParaRPr lang="zh-TW" altLang="zh-TW" dirty="0"/>
-          </a:p>
-        </p:txBody>
-      </p:sp>
-      <p:sp>
-        <p:nvSpPr>
-          <p:cNvPr id="4" name="投影片編號版面配置區 3"/>
-          <p:cNvSpPr>
-            <a:spLocks noGrp="1"/>
-          </p:cNvSpPr>
-          <p:nvPr>
-            <p:ph type="sldNum" sz="quarter" idx="12"/>
-          </p:nvPr>
-        </p:nvSpPr>
-        <p:spPr/>
-        <p:txBody>
-          <a:bodyPr/>
-          <a:lstStyle/>
-          <a:p>
-            <a:fld id="{7EEA38C4-728D-4C6D-B45A-B952D9AC726F}" type="slidenum">
-              <a:rPr lang="zh-TW" altLang="en-US" smtClean="0"/>
-              <a:pPr/>
-              <a:t>8</a:t>
-            </a:fld>
-            <a:endParaRPr lang="zh-TW" altLang="en-US" dirty="0"/>
+            <a:endParaRPr lang="zh-TW" altLang="en-US"/>
           </a:p>
         </p:txBody>
       </p:sp>
       <p:pic>
         <p:nvPicPr>
-          <p:cNvPr id="5" name="圖片 4"/>
+          <p:cNvPr id="6" name="內容版面配置區 5"/>
           <p:cNvPicPr>
-            <a:picLocks noChangeAspect="1"/>
+            <a:picLocks noGrp="1" noChangeAspect="1"/>
           </p:cNvPicPr>
-          <p:nvPr/>
+          <p:nvPr>
+            <p:ph idx="1"/>
+          </p:nvPr>
         </p:nvPicPr>
         <p:blipFill>
           <a:blip r:embed="rId2"/>
@@ -15686,17 +17588,40 @@
         </p:blipFill>
         <p:spPr>
           <a:xfrm>
-            <a:off x="623545" y="2880133"/>
-            <a:ext cx="5905500" cy="2457450"/>
+            <a:off x="171638" y="207362"/>
+            <a:ext cx="10144937" cy="5495174"/>
           </a:xfrm>
           <a:prstGeom prst="rect">
             <a:avLst/>
           </a:prstGeom>
         </p:spPr>
       </p:pic>
+      <p:sp>
+        <p:nvSpPr>
+          <p:cNvPr id="4" name="投影片編號版面配置區 3"/>
+          <p:cNvSpPr>
+            <a:spLocks noGrp="1"/>
+          </p:cNvSpPr>
+          <p:nvPr>
+            <p:ph type="sldNum" sz="quarter" idx="12"/>
+          </p:nvPr>
+        </p:nvSpPr>
+        <p:spPr/>
+        <p:txBody>
+          <a:bodyPr/>
+          <a:lstStyle/>
+          <a:p>
+            <a:fld id="{7EEA38C4-728D-4C6D-B45A-B952D9AC726F}" type="slidenum">
+              <a:rPr lang="zh-TW" altLang="en-US" smtClean="0"/>
+              <a:t>8</a:t>
+            </a:fld>
+            <a:endParaRPr lang="zh-TW" altLang="en-US"/>
+          </a:p>
+        </p:txBody>
+      </p:sp>
       <p:pic>
         <p:nvPicPr>
-          <p:cNvPr id="6" name="圖片 5"/>
+          <p:cNvPr id="3" name="圖片 2"/>
           <p:cNvPicPr>
             <a:picLocks noChangeAspect="1"/>
           </p:cNvPicPr>
@@ -15710,80 +17635,8 @@
         </p:blipFill>
         <p:spPr>
           <a:xfrm>
-            <a:off x="6575868" y="3827462"/>
-            <a:ext cx="5124450" cy="1514475"/>
-          </a:xfrm>
-          <a:prstGeom prst="rect">
-            <a:avLst/>
-          </a:prstGeom>
-        </p:spPr>
-      </p:pic>
-      <p:pic>
-        <p:nvPicPr>
-          <p:cNvPr id="7" name="圖片 6"/>
-          <p:cNvPicPr>
-            <a:picLocks noChangeAspect="1"/>
-          </p:cNvPicPr>
-          <p:nvPr/>
-        </p:nvPicPr>
-        <p:blipFill>
-          <a:blip r:embed="rId4"/>
-          <a:stretch>
-            <a:fillRect/>
-          </a:stretch>
-        </p:blipFill>
-        <p:spPr>
-          <a:xfrm>
-            <a:off x="2616835" y="5967938"/>
-            <a:ext cx="5353050" cy="361950"/>
-          </a:xfrm>
-          <a:prstGeom prst="rect">
-            <a:avLst/>
-          </a:prstGeom>
-        </p:spPr>
-      </p:pic>
-      <p:pic>
-        <p:nvPicPr>
-          <p:cNvPr id="8" name="圖片 7"/>
-          <p:cNvPicPr>
-            <a:picLocks noChangeAspect="1"/>
-          </p:cNvPicPr>
-          <p:nvPr/>
-        </p:nvPicPr>
-        <p:blipFill>
-          <a:blip r:embed="rId5"/>
-          <a:stretch>
-            <a:fillRect/>
-          </a:stretch>
-        </p:blipFill>
-        <p:spPr>
-          <a:xfrm>
-            <a:off x="7231095" y="239155"/>
-            <a:ext cx="3819525" cy="3438525"/>
-          </a:xfrm>
-          <a:prstGeom prst="rect">
-            <a:avLst/>
-          </a:prstGeom>
-        </p:spPr>
-      </p:pic>
-      <p:pic>
-        <p:nvPicPr>
-          <p:cNvPr id="9" name="圖片 8"/>
-          <p:cNvPicPr>
-            <a:picLocks noChangeAspect="1"/>
-          </p:cNvPicPr>
-          <p:nvPr/>
-        </p:nvPicPr>
-        <p:blipFill>
-          <a:blip r:embed="rId6"/>
-          <a:stretch>
-            <a:fillRect/>
-          </a:stretch>
-        </p:blipFill>
-        <p:spPr>
-          <a:xfrm>
-            <a:off x="3792668" y="464663"/>
-            <a:ext cx="3362325" cy="2667000"/>
+            <a:off x="2858529" y="672453"/>
+            <a:ext cx="7455244" cy="5604651"/>
           </a:xfrm>
           <a:prstGeom prst="rect">
             <a:avLst/>
@@ -15793,7 +17646,7 @@
     </p:spTree>
     <p:extLst>
       <p:ext uri="{BB962C8B-B14F-4D97-AF65-F5344CB8AC3E}">
-        <p14:creationId xmlns:p14="http://schemas.microsoft.com/office/powerpoint/2010/main" val="1744130984"/>
+        <p14:creationId xmlns:p14="http://schemas.microsoft.com/office/powerpoint/2010/main" val="316970818"/>
       </p:ext>
     </p:extLst>
   </p:cSld>
@@ -15836,252 +17689,42 @@
           <a:lstStyle/>
           <a:p>
             <a:r>
-              <a:rPr lang="en-US" altLang="zh-TW" dirty="0" err="1"/>
-              <a:t>ReturnCode</a:t>
-            </a:r>
-            <a:endParaRPr lang="zh-TW" altLang="en-US" dirty="0"/>
-          </a:p>
-        </p:txBody>
-      </p:sp>
-      <p:sp>
-        <p:nvSpPr>
-          <p:cNvPr id="3" name="內容版面配置區 2"/>
-          <p:cNvSpPr>
-            <a:spLocks noGrp="1"/>
-          </p:cNvSpPr>
-          <p:nvPr>
-            <p:ph idx="1"/>
-          </p:nvPr>
-        </p:nvSpPr>
-        <p:spPr/>
-        <p:txBody>
-          <a:bodyPr/>
-          <a:lstStyle/>
-          <a:p>
-            <a:r>
-              <a:rPr lang="zh-TW" altLang="zh-TW" dirty="0" smtClean="0"/>
-              <a:t>有</a:t>
-            </a:r>
-            <a:r>
-              <a:rPr lang="zh-TW" altLang="zh-TW" dirty="0"/>
-              <a:t>意義嗎</a:t>
-            </a:r>
-            <a:r>
-              <a:rPr lang="zh-TW" altLang="zh-TW" dirty="0" smtClean="0"/>
-              <a:t>？</a:t>
-            </a:r>
-            <a:endParaRPr lang="en-US" altLang="zh-TW" dirty="0" smtClean="0"/>
-          </a:p>
-          <a:p>
-            <a:r>
-              <a:rPr lang="zh-TW" altLang="zh-TW" dirty="0" smtClean="0"/>
-              <a:t>發送</a:t>
-            </a:r>
-            <a:r>
-              <a:rPr lang="en-US" altLang="zh-TW" dirty="0" err="1"/>
-              <a:t>ajax</a:t>
-            </a:r>
-            <a:r>
-              <a:rPr lang="zh-TW" altLang="zh-TW" dirty="0"/>
-              <a:t>請求如何知道作業成功</a:t>
-            </a:r>
-            <a:r>
-              <a:rPr lang="en-US" altLang="zh-TW" dirty="0"/>
-              <a:t>/</a:t>
-            </a:r>
-            <a:r>
-              <a:rPr lang="zh-TW" altLang="zh-TW" dirty="0"/>
-              <a:t>失敗</a:t>
-            </a:r>
-            <a:r>
-              <a:rPr lang="zh-TW" altLang="zh-TW" dirty="0" smtClean="0"/>
-              <a:t>？</a:t>
-            </a:r>
-            <a:endParaRPr lang="en-US" altLang="zh-TW" dirty="0" smtClean="0"/>
-          </a:p>
-          <a:p>
-            <a:pPr lvl="1">
-              <a:buFont typeface="Wingdings" panose="05000000000000000000" pitchFamily="2" charset="2"/>
-              <a:buChar char="n"/>
-            </a:pPr>
-            <a:r>
-              <a:rPr lang="en-US" altLang="zh-TW" dirty="0" err="1" smtClean="0"/>
-              <a:t>returnCode</a:t>
-            </a:r>
-            <a:r>
-              <a:rPr lang="en-US" altLang="zh-TW" dirty="0" smtClean="0"/>
-              <a:t> &gt;=</a:t>
-            </a:r>
-            <a:r>
-              <a:rPr lang="zh-TW" altLang="en-US" dirty="0" smtClean="0"/>
-              <a:t> </a:t>
-            </a:r>
-            <a:r>
-              <a:rPr lang="en-US" altLang="zh-TW" dirty="0" smtClean="0"/>
-              <a:t>0 </a:t>
-            </a:r>
-            <a:r>
-              <a:rPr lang="zh-TW" altLang="en-US" dirty="0" smtClean="0"/>
-              <a:t> 成功，</a:t>
-            </a:r>
-            <a:r>
-              <a:rPr lang="en-US" altLang="zh-TW" dirty="0"/>
-              <a:t> </a:t>
-            </a:r>
-            <a:r>
-              <a:rPr lang="en-US" altLang="zh-TW" dirty="0" err="1"/>
-              <a:t>returnCode</a:t>
-            </a:r>
-            <a:r>
-              <a:rPr lang="en-US" altLang="zh-TW" dirty="0"/>
-              <a:t> &lt;</a:t>
-            </a:r>
-            <a:r>
-              <a:rPr lang="zh-TW" altLang="en-US" dirty="0" smtClean="0"/>
-              <a:t> </a:t>
-            </a:r>
-            <a:r>
-              <a:rPr lang="en-US" altLang="zh-TW" dirty="0"/>
-              <a:t>0 </a:t>
-            </a:r>
-            <a:r>
-              <a:rPr lang="zh-TW" altLang="en-US" dirty="0" smtClean="0"/>
-              <a:t>失敗</a:t>
-            </a:r>
-            <a:endParaRPr lang="en-US" altLang="zh-TW" dirty="0" smtClean="0"/>
-          </a:p>
-          <a:p>
-            <a:pPr lvl="1">
-              <a:buFont typeface="Wingdings" panose="05000000000000000000" pitchFamily="2" charset="2"/>
-              <a:buChar char="n"/>
-            </a:pPr>
-            <a:r>
-              <a:rPr lang="zh-TW" altLang="en-US" dirty="0" smtClean="0"/>
-              <a:t>正數</a:t>
-            </a:r>
-            <a:r>
-              <a:rPr lang="zh-TW" altLang="en-US" dirty="0"/>
-              <a:t>或是負數來決定顯示訊息的顏色，正數為藍色、負數為紅色。</a:t>
-            </a:r>
-            <a:endParaRPr lang="en-US" altLang="zh-TW" dirty="0" smtClean="0"/>
-          </a:p>
-          <a:p>
-            <a:r>
-              <a:rPr lang="zh-TW" altLang="zh-TW" dirty="0" smtClean="0">
+              <a:rPr lang="en-US" altLang="zh-TW" sz="4000" dirty="0" err="1">
                 <a:solidFill>
-                  <a:srgbClr val="FF0000"/>
+                  <a:schemeClr val="tx1"/>
                 </a:solidFill>
               </a:rPr>
-              <a:t>另一個</a:t>
-            </a:r>
-            <a:r>
-              <a:rPr lang="zh-TW" altLang="zh-TW" dirty="0">
+              <a:t>getRootException</a:t>
+            </a:r>
+            <a:r>
+              <a:rPr lang="en-US" altLang="zh-TW" sz="4000" dirty="0">
                 <a:solidFill>
-                  <a:srgbClr val="FF0000"/>
-                </a:solidFill>
-              </a:rPr>
-              <a:t>功用</a:t>
-            </a:r>
-            <a:r>
-              <a:rPr lang="en-US" altLang="zh-TW" dirty="0">
-                <a:solidFill>
-                  <a:srgbClr val="FF0000"/>
-                </a:solidFill>
-              </a:rPr>
-              <a:t>(</a:t>
-            </a:r>
-            <a:r>
-              <a:rPr lang="zh-TW" altLang="zh-TW" dirty="0">
-                <a:solidFill>
-                  <a:srgbClr val="FF0000"/>
-                </a:solidFill>
-              </a:rPr>
-              <a:t>與畫面有關</a:t>
-            </a:r>
-            <a:r>
-              <a:rPr lang="en-US" altLang="zh-TW" dirty="0">
-                <a:solidFill>
-                  <a:srgbClr val="FF0000"/>
-                </a:solidFill>
-              </a:rPr>
-              <a:t>)</a:t>
-            </a:r>
-            <a:r>
-              <a:rPr lang="zh-TW" altLang="zh-TW" dirty="0" smtClean="0">
-                <a:solidFill>
-                  <a:srgbClr val="FF0000"/>
-                </a:solidFill>
-              </a:rPr>
-              <a:t>？</a:t>
-            </a:r>
-            <a:endParaRPr lang="en-US" altLang="zh-TW" dirty="0" smtClean="0">
-              <a:solidFill>
-                <a:srgbClr val="FF0000"/>
-              </a:solidFill>
-            </a:endParaRPr>
-          </a:p>
-          <a:p>
-            <a:pPr marL="0" indent="0">
-              <a:buNone/>
-            </a:pPr>
-            <a:r>
-              <a:rPr lang="en-US" altLang="zh-TW" dirty="0" smtClean="0">
-                <a:solidFill>
-                  <a:srgbClr val="FF0000"/>
-                </a:solidFill>
-              </a:rPr>
-              <a:t>alert</a:t>
-            </a:r>
-            <a:r>
-              <a:rPr lang="zh-TW" altLang="en-US" dirty="0" smtClean="0">
-                <a:solidFill>
-                  <a:srgbClr val="FF0000"/>
+                  <a:schemeClr val="tx1"/>
                 </a:solidFill>
               </a:rPr>
               <a:t> </a:t>
             </a:r>
             <a:r>
-              <a:rPr lang="en-US" altLang="zh-TW" dirty="0" smtClean="0">
+              <a:rPr lang="zh-TW" altLang="zh-TW" sz="4000" dirty="0" smtClean="0">
                 <a:solidFill>
-                  <a:srgbClr val="FF0000"/>
+                  <a:schemeClr val="tx1"/>
                 </a:solidFill>
               </a:rPr>
-              <a:t>&amp;</a:t>
-            </a:r>
-            <a:r>
-              <a:rPr lang="zh-TW" altLang="en-US" dirty="0" smtClean="0">
+              <a:t>說明</a:t>
+            </a:r>
+            <a:r>
+              <a:rPr lang="en-US" altLang="zh-TW" sz="4000" dirty="0" smtClean="0">
                 <a:solidFill>
-                  <a:srgbClr val="FF0000"/>
+                  <a:schemeClr val="tx1"/>
                 </a:solidFill>
               </a:rPr>
-              <a:t> 狀態列</a:t>
-            </a:r>
-            <a:r>
-              <a:rPr lang="zh-TW" altLang="en-US" dirty="0" smtClean="0">
-                <a:solidFill>
-                  <a:srgbClr val="FF0000"/>
-                </a:solidFill>
-              </a:rPr>
-              <a:t>？</a:t>
-            </a:r>
-            <a:endParaRPr lang="en-US" altLang="zh-TW" dirty="0" smtClean="0">
+              <a:t>(1)</a:t>
+            </a:r>
+            <a:endParaRPr lang="zh-TW" altLang="en-US" sz="4000" dirty="0">
               <a:solidFill>
-                <a:srgbClr val="FF0000"/>
+                <a:schemeClr val="tx1"/>
               </a:solidFill>
             </a:endParaRPr>
-          </a:p>
-          <a:p>
-            <a:pPr marL="0" indent="0">
-              <a:buNone/>
-            </a:pPr>
-            <a:endParaRPr lang="zh-TW" altLang="en-US" dirty="0">
-              <a:solidFill>
-                <a:srgbClr val="FF0000"/>
-              </a:solidFill>
-            </a:endParaRPr>
-          </a:p>
-          <a:p>
-            <a:endParaRPr lang="zh-TW" altLang="en-US" dirty="0"/>
           </a:p>
         </p:txBody>
       </p:sp>
@@ -16125,8 +17768,8 @@
         </p:blipFill>
         <p:spPr>
           <a:xfrm>
-            <a:off x="7014278" y="1096993"/>
-            <a:ext cx="3819525" cy="3438525"/>
+            <a:off x="7759931" y="1332631"/>
+            <a:ext cx="3924300" cy="5038725"/>
           </a:xfrm>
           <a:prstGeom prst="rect">
             <a:avLst/>
@@ -16149,32 +17792,8 @@
         </p:blipFill>
         <p:spPr>
           <a:xfrm>
-            <a:off x="8499737" y="4018569"/>
-            <a:ext cx="3362325" cy="2667000"/>
-          </a:xfrm>
-          <a:prstGeom prst="rect">
-            <a:avLst/>
-          </a:prstGeom>
-        </p:spPr>
-      </p:pic>
-      <p:pic>
-        <p:nvPicPr>
-          <p:cNvPr id="8" name="圖片 7"/>
-          <p:cNvPicPr>
-            <a:picLocks noChangeAspect="1"/>
-          </p:cNvPicPr>
-          <p:nvPr/>
-        </p:nvPicPr>
-        <p:blipFill>
-          <a:blip r:embed="rId4"/>
-          <a:stretch>
-            <a:fillRect/>
-          </a:stretch>
-        </p:blipFill>
-        <p:spPr>
-          <a:xfrm>
-            <a:off x="6341454" y="1675339"/>
-            <a:ext cx="4875670" cy="4266840"/>
+            <a:off x="522331" y="2260643"/>
+            <a:ext cx="7143750" cy="1990725"/>
           </a:xfrm>
           <a:prstGeom prst="rect">
             <a:avLst/>
@@ -16184,7 +17803,7 @@
     </p:spTree>
     <p:extLst>
       <p:ext uri="{BB962C8B-B14F-4D97-AF65-F5344CB8AC3E}">
-        <p14:creationId xmlns:p14="http://schemas.microsoft.com/office/powerpoint/2010/main" val="1555458802"/>
+        <p14:creationId xmlns:p14="http://schemas.microsoft.com/office/powerpoint/2010/main" val="1607866946"/>
       </p:ext>
     </p:extLst>
   </p:cSld>

--- a/補充報告.pptx
+++ b/補充報告.pptx
@@ -6,44 +6,39 @@
     <p:sldMasterId id="2147483744" r:id="rId2"/>
   </p:sldMasterIdLst>
   <p:notesMasterIdLst>
-    <p:notesMasterId r:id="rId35"/>
+    <p:notesMasterId r:id="rId30"/>
   </p:notesMasterIdLst>
   <p:handoutMasterIdLst>
-    <p:handoutMasterId r:id="rId36"/>
+    <p:handoutMasterId r:id="rId31"/>
   </p:handoutMasterIdLst>
   <p:sldIdLst>
     <p:sldId id="256" r:id="rId3"/>
     <p:sldId id="275" r:id="rId4"/>
     <p:sldId id="269" r:id="rId5"/>
-    <p:sldId id="273" r:id="rId6"/>
-    <p:sldId id="271" r:id="rId7"/>
-    <p:sldId id="276" r:id="rId8"/>
-    <p:sldId id="274" r:id="rId9"/>
-    <p:sldId id="287" r:id="rId10"/>
-    <p:sldId id="270" r:id="rId11"/>
-    <p:sldId id="290" r:id="rId12"/>
-    <p:sldId id="289" r:id="rId13"/>
-    <p:sldId id="257" r:id="rId14"/>
-    <p:sldId id="260" r:id="rId15"/>
+    <p:sldId id="288" r:id="rId6"/>
+    <p:sldId id="263" r:id="rId7"/>
+    <p:sldId id="273" r:id="rId8"/>
+    <p:sldId id="271" r:id="rId9"/>
+    <p:sldId id="276" r:id="rId10"/>
+    <p:sldId id="274" r:id="rId11"/>
+    <p:sldId id="287" r:id="rId12"/>
+    <p:sldId id="270" r:id="rId13"/>
+    <p:sldId id="290" r:id="rId14"/>
+    <p:sldId id="289" r:id="rId15"/>
     <p:sldId id="258" r:id="rId16"/>
     <p:sldId id="259" r:id="rId17"/>
     <p:sldId id="266" r:id="rId18"/>
-    <p:sldId id="288" r:id="rId19"/>
-    <p:sldId id="261" r:id="rId20"/>
-    <p:sldId id="265" r:id="rId21"/>
-    <p:sldId id="284" r:id="rId22"/>
-    <p:sldId id="268" r:id="rId23"/>
-    <p:sldId id="283" r:id="rId24"/>
-    <p:sldId id="281" r:id="rId25"/>
-    <p:sldId id="262" r:id="rId26"/>
-    <p:sldId id="277" r:id="rId27"/>
-    <p:sldId id="280" r:id="rId28"/>
-    <p:sldId id="282" r:id="rId29"/>
-    <p:sldId id="263" r:id="rId30"/>
-    <p:sldId id="264" r:id="rId31"/>
-    <p:sldId id="285" r:id="rId32"/>
-    <p:sldId id="286" r:id="rId33"/>
-    <p:sldId id="267" r:id="rId34"/>
+    <p:sldId id="261" r:id="rId19"/>
+    <p:sldId id="265" r:id="rId20"/>
+    <p:sldId id="284" r:id="rId21"/>
+    <p:sldId id="268" r:id="rId22"/>
+    <p:sldId id="262" r:id="rId23"/>
+    <p:sldId id="292" r:id="rId24"/>
+    <p:sldId id="277" r:id="rId25"/>
+    <p:sldId id="264" r:id="rId26"/>
+    <p:sldId id="285" r:id="rId27"/>
+    <p:sldId id="286" r:id="rId28"/>
+    <p:sldId id="267" r:id="rId29"/>
   </p:sldIdLst>
   <p:sldSz cx="12192000" cy="6858000"/>
   <p:notesSz cx="6858000" cy="9144000"/>
@@ -9618,7 +9613,7 @@
         </p:nvSpPr>
         <p:spPr/>
         <p:txBody>
-          <a:bodyPr>
+          <a:bodyPr anchor="ctr">
             <a:normAutofit/>
           </a:bodyPr>
           <a:lstStyle/>
@@ -9626,7 +9621,11 @@
             <a:pPr algn="ctr"/>
             <a:r>
               <a:rPr lang="zh-TW" altLang="en-US" sz="7200" b="1" dirty="0" smtClean="0"/>
-              <a:t>補充報告</a:t>
+              <a:t>補充</a:t>
+            </a:r>
+            <a:r>
+              <a:rPr lang="zh-TW" altLang="en-US" sz="7200" b="1" dirty="0" smtClean="0"/>
+              <a:t>報告</a:t>
             </a:r>
             <a:endParaRPr lang="zh-TW" altLang="en-US" sz="7200" b="1" dirty="0"/>
           </a:p>
@@ -9650,12 +9649,25 @@
             <a:pPr algn="r"/>
             <a:r>
               <a:rPr lang="zh-TW" altLang="en-US" dirty="0" smtClean="0"/>
-              <a:t>報告人：李思</a:t>
-            </a:r>
-            <a:r>
-              <a:rPr lang="zh-TW" altLang="en-US" dirty="0"/>
-              <a:t>穎</a:t>
-            </a:r>
+              <a:t>報告人：</a:t>
+            </a:r>
+            <a:r>
+              <a:rPr lang="zh-TW" altLang="en-US" dirty="0" smtClean="0"/>
+              <a:t>李思穎</a:t>
+            </a:r>
+            <a:endParaRPr lang="en-US" altLang="zh-TW" dirty="0" smtClean="0"/>
+          </a:p>
+          <a:p>
+            <a:pPr algn="r"/>
+            <a:r>
+              <a:rPr lang="zh-TW" altLang="en-US" dirty="0" smtClean="0"/>
+              <a:t>日期：</a:t>
+            </a:r>
+            <a:r>
+              <a:rPr lang="en-US" altLang="zh-TW" dirty="0" smtClean="0"/>
+              <a:t>2017</a:t>
+            </a:r>
+            <a:endParaRPr lang="zh-TW" altLang="en-US" dirty="0"/>
           </a:p>
         </p:txBody>
       </p:sp>
@@ -9734,8 +9746,130 @@
           <a:bodyPr/>
           <a:lstStyle/>
           <a:p>
-            <a:r>
-              <a:rPr lang="en-US" altLang="zh-TW" dirty="0" err="1">
+            <a:endParaRPr lang="zh-TW" altLang="en-US"/>
+          </a:p>
+        </p:txBody>
+      </p:sp>
+      <p:pic>
+        <p:nvPicPr>
+          <p:cNvPr id="6" name="內容版面配置區 5"/>
+          <p:cNvPicPr>
+            <a:picLocks noGrp="1" noChangeAspect="1"/>
+          </p:cNvPicPr>
+          <p:nvPr>
+            <p:ph idx="1"/>
+          </p:nvPr>
+        </p:nvPicPr>
+        <p:blipFill>
+          <a:blip r:embed="rId2"/>
+          <a:stretch>
+            <a:fillRect/>
+          </a:stretch>
+        </p:blipFill>
+        <p:spPr>
+          <a:xfrm>
+            <a:off x="171638" y="207362"/>
+            <a:ext cx="10144937" cy="5495174"/>
+          </a:xfrm>
+          <a:prstGeom prst="rect">
+            <a:avLst/>
+          </a:prstGeom>
+        </p:spPr>
+      </p:pic>
+      <p:sp>
+        <p:nvSpPr>
+          <p:cNvPr id="4" name="投影片編號版面配置區 3"/>
+          <p:cNvSpPr>
+            <a:spLocks noGrp="1"/>
+          </p:cNvSpPr>
+          <p:nvPr>
+            <p:ph type="sldNum" sz="quarter" idx="12"/>
+          </p:nvPr>
+        </p:nvSpPr>
+        <p:spPr/>
+        <p:txBody>
+          <a:bodyPr/>
+          <a:lstStyle/>
+          <a:p>
+            <a:fld id="{7EEA38C4-728D-4C6D-B45A-B952D9AC726F}" type="slidenum">
+              <a:rPr lang="zh-TW" altLang="en-US" smtClean="0"/>
+              <a:t>10</a:t>
+            </a:fld>
+            <a:endParaRPr lang="zh-TW" altLang="en-US"/>
+          </a:p>
+        </p:txBody>
+      </p:sp>
+      <p:pic>
+        <p:nvPicPr>
+          <p:cNvPr id="3" name="圖片 2"/>
+          <p:cNvPicPr>
+            <a:picLocks noChangeAspect="1"/>
+          </p:cNvPicPr>
+          <p:nvPr/>
+        </p:nvPicPr>
+        <p:blipFill>
+          <a:blip r:embed="rId3"/>
+          <a:stretch>
+            <a:fillRect/>
+          </a:stretch>
+        </p:blipFill>
+        <p:spPr>
+          <a:xfrm>
+            <a:off x="2858529" y="672453"/>
+            <a:ext cx="7455244" cy="5604651"/>
+          </a:xfrm>
+          <a:prstGeom prst="rect">
+            <a:avLst/>
+          </a:prstGeom>
+        </p:spPr>
+      </p:pic>
+    </p:spTree>
+    <p:extLst>
+      <p:ext uri="{BB962C8B-B14F-4D97-AF65-F5344CB8AC3E}">
+        <p14:creationId xmlns:p14="http://schemas.microsoft.com/office/powerpoint/2010/main" val="316970818"/>
+      </p:ext>
+    </p:extLst>
+  </p:cSld>
+  <p:clrMapOvr>
+    <a:masterClrMapping/>
+  </p:clrMapOvr>
+</p:sld>
+</file>
+
+<file path=ppt/slides/slide11.xml><?xml version="1.0" encoding="utf-8"?>
+<p:sld xmlns:a="http://schemas.openxmlformats.org/drawingml/2006/main" xmlns:r="http://schemas.openxmlformats.org/officeDocument/2006/relationships" xmlns:p="http://schemas.openxmlformats.org/presentationml/2006/main">
+  <p:cSld>
+    <p:spTree>
+      <p:nvGrpSpPr>
+        <p:cNvPr id="1" name=""/>
+        <p:cNvGrpSpPr/>
+        <p:nvPr/>
+      </p:nvGrpSpPr>
+      <p:grpSpPr>
+        <a:xfrm>
+          <a:off x="0" y="0"/>
+          <a:ext cx="0" cy="0"/>
+          <a:chOff x="0" y="0"/>
+          <a:chExt cx="0" cy="0"/>
+        </a:xfrm>
+      </p:grpSpPr>
+      <p:sp>
+        <p:nvSpPr>
+          <p:cNvPr id="2" name="標題 1"/>
+          <p:cNvSpPr>
+            <a:spLocks noGrp="1"/>
+          </p:cNvSpPr>
+          <p:nvPr>
+            <p:ph type="title"/>
+          </p:nvPr>
+        </p:nvSpPr>
+        <p:spPr/>
+        <p:txBody>
+          <a:bodyPr/>
+          <a:lstStyle/>
+          <a:p>
+            <a:r>
+              <a:rPr lang="en-US" altLang="zh-TW" sz="4000" dirty="0" err="1">
                 <a:solidFill>
                   <a:schemeClr val="tx1"/>
                 </a:solidFill>
@@ -9743,7 +9877,7 @@
               <a:t>getRootException</a:t>
             </a:r>
             <a:r>
-              <a:rPr lang="en-US" altLang="zh-TW" dirty="0">
+              <a:rPr lang="en-US" altLang="zh-TW" sz="4000" dirty="0">
                 <a:solidFill>
                   <a:schemeClr val="tx1"/>
                 </a:solidFill>
@@ -9751,7 +9885,7 @@
               <a:t> </a:t>
             </a:r>
             <a:r>
-              <a:rPr lang="zh-TW" altLang="zh-TW" dirty="0" smtClean="0">
+              <a:rPr lang="zh-TW" altLang="zh-TW" sz="4000" dirty="0" smtClean="0">
                 <a:solidFill>
                   <a:schemeClr val="tx1"/>
                 </a:solidFill>
@@ -9759,6 +9893,163 @@
               <a:t>說明</a:t>
             </a:r>
             <a:r>
+              <a:rPr lang="en-US" altLang="zh-TW" sz="4000" dirty="0" smtClean="0">
+                <a:solidFill>
+                  <a:schemeClr val="tx1"/>
+                </a:solidFill>
+              </a:rPr>
+              <a:t>(1)</a:t>
+            </a:r>
+            <a:endParaRPr lang="zh-TW" altLang="en-US" sz="4000" dirty="0">
+              <a:solidFill>
+                <a:schemeClr val="tx1"/>
+              </a:solidFill>
+            </a:endParaRPr>
+          </a:p>
+        </p:txBody>
+      </p:sp>
+      <p:sp>
+        <p:nvSpPr>
+          <p:cNvPr id="4" name="投影片編號版面配置區 3"/>
+          <p:cNvSpPr>
+            <a:spLocks noGrp="1"/>
+          </p:cNvSpPr>
+          <p:nvPr>
+            <p:ph type="sldNum" sz="quarter" idx="12"/>
+          </p:nvPr>
+        </p:nvSpPr>
+        <p:spPr/>
+        <p:txBody>
+          <a:bodyPr/>
+          <a:lstStyle/>
+          <a:p>
+            <a:fld id="{7EEA38C4-728D-4C6D-B45A-B952D9AC726F}" type="slidenum">
+              <a:rPr lang="zh-TW" altLang="en-US" smtClean="0"/>
+              <a:pPr/>
+              <a:t>11</a:t>
+            </a:fld>
+            <a:endParaRPr lang="zh-TW" altLang="en-US" dirty="0"/>
+          </a:p>
+        </p:txBody>
+      </p:sp>
+      <p:pic>
+        <p:nvPicPr>
+          <p:cNvPr id="5" name="圖片 4"/>
+          <p:cNvPicPr>
+            <a:picLocks noChangeAspect="1"/>
+          </p:cNvPicPr>
+          <p:nvPr/>
+        </p:nvPicPr>
+        <p:blipFill>
+          <a:blip r:embed="rId2"/>
+          <a:stretch>
+            <a:fillRect/>
+          </a:stretch>
+        </p:blipFill>
+        <p:spPr>
+          <a:xfrm>
+            <a:off x="7759931" y="1332631"/>
+            <a:ext cx="3924300" cy="5038725"/>
+          </a:xfrm>
+          <a:prstGeom prst="rect">
+            <a:avLst/>
+          </a:prstGeom>
+        </p:spPr>
+      </p:pic>
+      <p:pic>
+        <p:nvPicPr>
+          <p:cNvPr id="6" name="圖片 5"/>
+          <p:cNvPicPr>
+            <a:picLocks noChangeAspect="1"/>
+          </p:cNvPicPr>
+          <p:nvPr/>
+        </p:nvPicPr>
+        <p:blipFill>
+          <a:blip r:embed="rId3"/>
+          <a:stretch>
+            <a:fillRect/>
+          </a:stretch>
+        </p:blipFill>
+        <p:spPr>
+          <a:xfrm>
+            <a:off x="522331" y="2260643"/>
+            <a:ext cx="7143750" cy="1990725"/>
+          </a:xfrm>
+          <a:prstGeom prst="rect">
+            <a:avLst/>
+          </a:prstGeom>
+        </p:spPr>
+      </p:pic>
+    </p:spTree>
+    <p:extLst>
+      <p:ext uri="{BB962C8B-B14F-4D97-AF65-F5344CB8AC3E}">
+        <p14:creationId xmlns:p14="http://schemas.microsoft.com/office/powerpoint/2010/main" val="1607866946"/>
+      </p:ext>
+    </p:extLst>
+  </p:cSld>
+  <p:clrMapOvr>
+    <a:masterClrMapping/>
+  </p:clrMapOvr>
+</p:sld>
+</file>
+
+<file path=ppt/slides/slide12.xml><?xml version="1.0" encoding="utf-8"?>
+<p:sld xmlns:a="http://schemas.openxmlformats.org/drawingml/2006/main" xmlns:r="http://schemas.openxmlformats.org/officeDocument/2006/relationships" xmlns:p="http://schemas.openxmlformats.org/presentationml/2006/main">
+  <p:cSld>
+    <p:spTree>
+      <p:nvGrpSpPr>
+        <p:cNvPr id="1" name=""/>
+        <p:cNvGrpSpPr/>
+        <p:nvPr/>
+      </p:nvGrpSpPr>
+      <p:grpSpPr>
+        <a:xfrm>
+          <a:off x="0" y="0"/>
+          <a:ext cx="0" cy="0"/>
+          <a:chOff x="0" y="0"/>
+          <a:chExt cx="0" cy="0"/>
+        </a:xfrm>
+      </p:grpSpPr>
+      <p:sp>
+        <p:nvSpPr>
+          <p:cNvPr id="2" name="標題 1"/>
+          <p:cNvSpPr>
+            <a:spLocks noGrp="1"/>
+          </p:cNvSpPr>
+          <p:nvPr>
+            <p:ph type="title"/>
+          </p:nvPr>
+        </p:nvSpPr>
+        <p:spPr/>
+        <p:txBody>
+          <a:bodyPr/>
+          <a:lstStyle/>
+          <a:p>
+            <a:r>
+              <a:rPr lang="en-US" altLang="zh-TW" dirty="0" err="1">
+                <a:solidFill>
+                  <a:schemeClr val="tx1"/>
+                </a:solidFill>
+              </a:rPr>
+              <a:t>getRootException</a:t>
+            </a:r>
+            <a:r>
+              <a:rPr lang="en-US" altLang="zh-TW" dirty="0">
+                <a:solidFill>
+                  <a:schemeClr val="tx1"/>
+                </a:solidFill>
+              </a:rPr>
+              <a:t> </a:t>
+            </a:r>
+            <a:r>
+              <a:rPr lang="zh-TW" altLang="zh-TW" dirty="0" smtClean="0">
+                <a:solidFill>
+                  <a:schemeClr val="tx1"/>
+                </a:solidFill>
+              </a:rPr>
+              <a:t>說明</a:t>
+            </a:r>
+            <a:r>
               <a:rPr lang="en-US" altLang="zh-TW" dirty="0" smtClean="0">
                 <a:solidFill>
                   <a:schemeClr val="tx1"/>
@@ -9829,7 +10120,7 @@
           <a:p>
             <a:fld id="{7EEA38C4-728D-4C6D-B45A-B952D9AC726F}" type="slidenum">
               <a:rPr lang="zh-TW" altLang="en-US" smtClean="0"/>
-              <a:t>10</a:t>
+              <a:t>12</a:t>
             </a:fld>
             <a:endParaRPr lang="zh-TW" altLang="en-US"/>
           </a:p>
@@ -9926,7 +10217,7 @@
 </p:sld>
 </file>
 
-<file path=ppt/slides/slide11.xml><?xml version="1.0" encoding="utf-8"?>
+<file path=ppt/slides/slide13.xml><?xml version="1.0" encoding="utf-8"?>
 <p:sld xmlns:a="http://schemas.openxmlformats.org/drawingml/2006/main" xmlns:r="http://schemas.openxmlformats.org/officeDocument/2006/relationships" xmlns:p="http://schemas.openxmlformats.org/presentationml/2006/main">
   <p:cSld>
     <p:spTree>
@@ -10076,7 +10367,7 @@
           <a:p>
             <a:fld id="{7EEA38C4-728D-4C6D-B45A-B952D9AC726F}" type="slidenum">
               <a:rPr lang="zh-TW" altLang="en-US" smtClean="0"/>
-              <a:t>11</a:t>
+              <a:t>13</a:t>
             </a:fld>
             <a:endParaRPr lang="zh-TW" altLang="en-US"/>
           </a:p>
@@ -10150,320 +10441,6 @@
 </p:sld>
 </file>
 
-<file path=ppt/slides/slide12.xml><?xml version="1.0" encoding="utf-8"?>
-<p:sld xmlns:a="http://schemas.openxmlformats.org/drawingml/2006/main" xmlns:r="http://schemas.openxmlformats.org/officeDocument/2006/relationships" xmlns:p="http://schemas.openxmlformats.org/presentationml/2006/main">
-  <p:cSld>
-    <p:spTree>
-      <p:nvGrpSpPr>
-        <p:cNvPr id="1" name=""/>
-        <p:cNvGrpSpPr/>
-        <p:nvPr/>
-      </p:nvGrpSpPr>
-      <p:grpSpPr>
-        <a:xfrm>
-          <a:off x="0" y="0"/>
-          <a:ext cx="0" cy="0"/>
-          <a:chOff x="0" y="0"/>
-          <a:chExt cx="0" cy="0"/>
-        </a:xfrm>
-      </p:grpSpPr>
-      <p:sp>
-        <p:nvSpPr>
-          <p:cNvPr id="2" name="標題 1"/>
-          <p:cNvSpPr>
-            <a:spLocks noGrp="1"/>
-          </p:cNvSpPr>
-          <p:nvPr>
-            <p:ph type="title"/>
-          </p:nvPr>
-        </p:nvSpPr>
-        <p:spPr/>
-        <p:txBody>
-          <a:bodyPr/>
-          <a:lstStyle/>
-          <a:p>
-            <a:r>
-              <a:rPr lang="zh-TW" altLang="en-US" dirty="0"/>
-              <a:t>主程式擲</a:t>
-            </a:r>
-            <a:r>
-              <a:rPr lang="zh-TW" altLang="en-US" dirty="0" smtClean="0"/>
-              <a:t>出</a:t>
-            </a:r>
-            <a:r>
-              <a:rPr lang="en-US" altLang="zh-TW" dirty="0" smtClean="0"/>
-              <a:t>Exception</a:t>
-            </a:r>
-            <a:r>
-              <a:rPr lang="zh-TW" altLang="en-US" dirty="0" smtClean="0"/>
-              <a:t>狀況</a:t>
-            </a:r>
-            <a:endParaRPr lang="zh-TW" altLang="en-US" dirty="0"/>
-          </a:p>
-        </p:txBody>
-      </p:sp>
-      <p:sp>
-        <p:nvSpPr>
-          <p:cNvPr id="3" name="內容版面配置區 2"/>
-          <p:cNvSpPr>
-            <a:spLocks noGrp="1"/>
-          </p:cNvSpPr>
-          <p:nvPr>
-            <p:ph idx="1"/>
-          </p:nvPr>
-        </p:nvSpPr>
-        <p:spPr>
-          <a:xfrm>
-            <a:off x="1097280" y="1845734"/>
-            <a:ext cx="4532243" cy="4023360"/>
-          </a:xfrm>
-        </p:spPr>
-        <p:txBody>
-          <a:bodyPr/>
-          <a:lstStyle/>
-          <a:p>
-            <a:endParaRPr lang="zh-TW" altLang="en-US" dirty="0"/>
-          </a:p>
-        </p:txBody>
-      </p:sp>
-      <p:sp>
-        <p:nvSpPr>
-          <p:cNvPr id="6" name="投影片編號版面配置區 5"/>
-          <p:cNvSpPr>
-            <a:spLocks noGrp="1"/>
-          </p:cNvSpPr>
-          <p:nvPr>
-            <p:ph type="sldNum" sz="quarter" idx="12"/>
-          </p:nvPr>
-        </p:nvSpPr>
-        <p:spPr/>
-        <p:txBody>
-          <a:bodyPr/>
-          <a:lstStyle/>
-          <a:p>
-            <a:fld id="{7EEA38C4-728D-4C6D-B45A-B952D9AC726F}" type="slidenum">
-              <a:rPr lang="zh-TW" altLang="en-US" smtClean="0"/>
-              <a:t>12</a:t>
-            </a:fld>
-            <a:endParaRPr lang="zh-TW" altLang="en-US"/>
-          </a:p>
-        </p:txBody>
-      </p:sp>
-      <p:pic>
-        <p:nvPicPr>
-          <p:cNvPr id="4" name="圖片 3"/>
-          <p:cNvPicPr>
-            <a:picLocks noChangeAspect="1"/>
-          </p:cNvPicPr>
-          <p:nvPr/>
-        </p:nvPicPr>
-        <p:blipFill>
-          <a:blip r:embed="rId2"/>
-          <a:stretch>
-            <a:fillRect/>
-          </a:stretch>
-        </p:blipFill>
-        <p:spPr>
-          <a:xfrm>
-            <a:off x="3101688" y="2079719"/>
-            <a:ext cx="5025885" cy="2319285"/>
-          </a:xfrm>
-          <a:prstGeom prst="rect">
-            <a:avLst/>
-          </a:prstGeom>
-        </p:spPr>
-      </p:pic>
-      <p:pic>
-        <p:nvPicPr>
-          <p:cNvPr id="5" name="圖片 4"/>
-          <p:cNvPicPr>
-            <a:picLocks noChangeAspect="1"/>
-          </p:cNvPicPr>
-          <p:nvPr/>
-        </p:nvPicPr>
-        <p:blipFill>
-          <a:blip r:embed="rId3"/>
-          <a:stretch>
-            <a:fillRect/>
-          </a:stretch>
-        </p:blipFill>
-        <p:spPr>
-          <a:xfrm>
-            <a:off x="8201694" y="512525"/>
-            <a:ext cx="3869008" cy="5495677"/>
-          </a:xfrm>
-          <a:prstGeom prst="rect">
-            <a:avLst/>
-          </a:prstGeom>
-        </p:spPr>
-      </p:pic>
-    </p:spTree>
-    <p:extLst>
-      <p:ext uri="{BB962C8B-B14F-4D97-AF65-F5344CB8AC3E}">
-        <p14:creationId xmlns:p14="http://schemas.microsoft.com/office/powerpoint/2010/main" val="3797971118"/>
-      </p:ext>
-    </p:extLst>
-  </p:cSld>
-  <p:clrMapOvr>
-    <a:masterClrMapping/>
-  </p:clrMapOvr>
-  <p:timing>
-    <p:tnLst>
-      <p:par>
-        <p:cTn id="1" dur="indefinite" restart="never" nodeType="tmRoot"/>
-      </p:par>
-    </p:tnLst>
-  </p:timing>
-</p:sld>
-</file>
-
-<file path=ppt/slides/slide13.xml><?xml version="1.0" encoding="utf-8"?>
-<p:sld xmlns:a="http://schemas.openxmlformats.org/drawingml/2006/main" xmlns:r="http://schemas.openxmlformats.org/officeDocument/2006/relationships" xmlns:p="http://schemas.openxmlformats.org/presentationml/2006/main">
-  <p:cSld>
-    <p:spTree>
-      <p:nvGrpSpPr>
-        <p:cNvPr id="1" name=""/>
-        <p:cNvGrpSpPr/>
-        <p:nvPr/>
-      </p:nvGrpSpPr>
-      <p:grpSpPr>
-        <a:xfrm>
-          <a:off x="0" y="0"/>
-          <a:ext cx="0" cy="0"/>
-          <a:chOff x="0" y="0"/>
-          <a:chExt cx="0" cy="0"/>
-        </a:xfrm>
-      </p:grpSpPr>
-      <p:sp>
-        <p:nvSpPr>
-          <p:cNvPr id="2" name="標題 1"/>
-          <p:cNvSpPr>
-            <a:spLocks noGrp="1"/>
-          </p:cNvSpPr>
-          <p:nvPr>
-            <p:ph type="title"/>
-          </p:nvPr>
-        </p:nvSpPr>
-        <p:spPr/>
-        <p:txBody>
-          <a:bodyPr/>
-          <a:lstStyle/>
-          <a:p>
-            <a:endParaRPr lang="zh-TW" altLang="en-US"/>
-          </a:p>
-        </p:txBody>
-      </p:sp>
-      <p:sp>
-        <p:nvSpPr>
-          <p:cNvPr id="3" name="內容版面配置區 2"/>
-          <p:cNvSpPr>
-            <a:spLocks noGrp="1"/>
-          </p:cNvSpPr>
-          <p:nvPr>
-            <p:ph idx="1"/>
-          </p:nvPr>
-        </p:nvSpPr>
-        <p:spPr/>
-        <p:txBody>
-          <a:bodyPr/>
-          <a:lstStyle/>
-          <a:p>
-            <a:endParaRPr lang="zh-TW" altLang="en-US"/>
-          </a:p>
-        </p:txBody>
-      </p:sp>
-      <p:sp>
-        <p:nvSpPr>
-          <p:cNvPr id="4" name="投影片編號版面配置區 3"/>
-          <p:cNvSpPr>
-            <a:spLocks noGrp="1"/>
-          </p:cNvSpPr>
-          <p:nvPr>
-            <p:ph type="sldNum" sz="quarter" idx="12"/>
-          </p:nvPr>
-        </p:nvSpPr>
-        <p:spPr/>
-        <p:txBody>
-          <a:bodyPr/>
-          <a:lstStyle/>
-          <a:p>
-            <a:fld id="{7EEA38C4-728D-4C6D-B45A-B952D9AC726F}" type="slidenum">
-              <a:rPr lang="zh-TW" altLang="en-US" smtClean="0"/>
-              <a:pPr/>
-              <a:t>13</a:t>
-            </a:fld>
-            <a:endParaRPr lang="zh-TW" altLang="en-US" dirty="0"/>
-          </a:p>
-        </p:txBody>
-      </p:sp>
-      <p:pic>
-        <p:nvPicPr>
-          <p:cNvPr id="5" name="圖片 4"/>
-          <p:cNvPicPr>
-            <a:picLocks noChangeAspect="1"/>
-          </p:cNvPicPr>
-          <p:nvPr/>
-        </p:nvPicPr>
-        <p:blipFill>
-          <a:blip r:embed="rId2"/>
-          <a:stretch>
-            <a:fillRect/>
-          </a:stretch>
-        </p:blipFill>
-        <p:spPr>
-          <a:xfrm>
-            <a:off x="1709530" y="2819537"/>
-            <a:ext cx="7360837" cy="2374244"/>
-          </a:xfrm>
-          <a:prstGeom prst="rect">
-            <a:avLst/>
-          </a:prstGeom>
-        </p:spPr>
-      </p:pic>
-      <p:pic>
-        <p:nvPicPr>
-          <p:cNvPr id="6" name="圖片 5"/>
-          <p:cNvPicPr>
-            <a:picLocks noChangeAspect="1"/>
-          </p:cNvPicPr>
-          <p:nvPr/>
-        </p:nvPicPr>
-        <p:blipFill>
-          <a:blip r:embed="rId3"/>
-          <a:stretch>
-            <a:fillRect/>
-          </a:stretch>
-        </p:blipFill>
-        <p:spPr>
-          <a:xfrm>
-            <a:off x="5791199" y="1071770"/>
-            <a:ext cx="5457825" cy="4953000"/>
-          </a:xfrm>
-          <a:prstGeom prst="rect">
-            <a:avLst/>
-          </a:prstGeom>
-        </p:spPr>
-      </p:pic>
-    </p:spTree>
-    <p:extLst>
-      <p:ext uri="{BB962C8B-B14F-4D97-AF65-F5344CB8AC3E}">
-        <p14:creationId xmlns:p14="http://schemas.microsoft.com/office/powerpoint/2010/main" val="397380173"/>
-      </p:ext>
-    </p:extLst>
-  </p:cSld>
-  <p:clrMapOvr>
-    <a:masterClrMapping/>
-  </p:clrMapOvr>
-  <p:timing>
-    <p:tnLst>
-      <p:par>
-        <p:cTn id="1" dur="indefinite" restart="never" nodeType="tmRoot"/>
-      </p:par>
-    </p:tnLst>
-  </p:timing>
-</p:sld>
-</file>
-
 <file path=ppt/slides/slide14.xml><?xml version="1.0" encoding="utf-8"?>
 <p:sld xmlns:a="http://schemas.openxmlformats.org/drawingml/2006/main" xmlns:r="http://schemas.openxmlformats.org/officeDocument/2006/relationships" xmlns:p="http://schemas.openxmlformats.org/presentationml/2006/main">
   <p:cSld>
@@ -10507,8 +10484,12 @@
               <a:t>Exception</a:t>
             </a:r>
             <a:r>
-              <a:rPr lang="zh-TW" altLang="en-US" dirty="0"/>
+              <a:rPr lang="zh-TW" altLang="en-US" dirty="0" smtClean="0"/>
               <a:t>狀況</a:t>
+            </a:r>
+            <a:r>
+              <a:rPr lang="en-US" altLang="zh-TW" dirty="0" smtClean="0"/>
+              <a:t>(1)</a:t>
             </a:r>
             <a:r>
               <a:rPr lang="en-US" altLang="zh-TW" dirty="0" smtClean="0"/>
@@ -10518,10 +10499,18 @@
               <a:rPr lang="en-US" altLang="zh-TW" dirty="0" smtClean="0"/>
             </a:br>
             <a:r>
-              <a:rPr lang="en-US" altLang="zh-TW" dirty="0" smtClean="0"/>
+              <a:rPr lang="en-US" altLang="zh-TW" dirty="0" smtClean="0">
+                <a:solidFill>
+                  <a:srgbClr val="FF0000"/>
+                </a:solidFill>
+              </a:rPr>
               <a:t>Ajax</a:t>
             </a:r>
-            <a:endParaRPr lang="zh-TW" altLang="en-US" dirty="0"/>
+            <a:endParaRPr lang="zh-TW" altLang="en-US" dirty="0">
+              <a:solidFill>
+                <a:srgbClr val="FF0000"/>
+              </a:solidFill>
+            </a:endParaRPr>
           </a:p>
         </p:txBody>
       </p:sp>
@@ -10543,7 +10532,7 @@
         </p:blipFill>
         <p:spPr>
           <a:xfrm>
-            <a:off x="6610738" y="691763"/>
+            <a:off x="3247336" y="1425343"/>
             <a:ext cx="4544942" cy="2718849"/>
           </a:xfrm>
           <a:prstGeom prst="rect">
@@ -10590,7 +10579,7 @@
         </p:blipFill>
         <p:spPr>
           <a:xfrm>
-            <a:off x="4850793" y="3592899"/>
+            <a:off x="2123496" y="4215753"/>
             <a:ext cx="6304887" cy="2518465"/>
           </a:xfrm>
           <a:prstGeom prst="rect">
@@ -10666,16 +10655,28 @@
             </a:r>
             <a:r>
               <a:rPr lang="en-US" altLang="zh-TW" dirty="0" smtClean="0"/>
+              <a:t>(2)</a:t>
+            </a:r>
+            <a:r>
+              <a:rPr lang="en-US" altLang="zh-TW" dirty="0" smtClean="0"/>
               <a:t/>
             </a:r>
             <a:br>
               <a:rPr lang="en-US" altLang="zh-TW" dirty="0" smtClean="0"/>
             </a:br>
             <a:r>
-              <a:rPr lang="en-US" altLang="zh-TW" dirty="0" smtClean="0"/>
-              <a:t>Post</a:t>
-            </a:r>
-            <a:endParaRPr lang="zh-TW" altLang="en-US" dirty="0"/>
+              <a:rPr lang="en-US" altLang="zh-TW" dirty="0" smtClean="0">
+                <a:solidFill>
+                  <a:srgbClr val="FF0000"/>
+                </a:solidFill>
+              </a:rPr>
+              <a:t>Form Submit</a:t>
+            </a:r>
+            <a:endParaRPr lang="zh-TW" altLang="en-US" dirty="0">
+              <a:solidFill>
+                <a:srgbClr val="FF0000"/>
+              </a:solidFill>
+            </a:endParaRPr>
           </a:p>
         </p:txBody>
       </p:sp>
@@ -10732,7 +10733,7 @@
       </p:sp>
       <p:pic>
         <p:nvPicPr>
-          <p:cNvPr id="11" name="圖片 10"/>
+          <p:cNvPr id="12" name="圖片 11"/>
           <p:cNvPicPr>
             <a:picLocks noChangeAspect="1"/>
           </p:cNvPicPr>
@@ -10746,80 +10747,8 @@
         </p:blipFill>
         <p:spPr>
           <a:xfrm>
-            <a:off x="2319337" y="1431692"/>
-            <a:ext cx="6791751" cy="3675037"/>
-          </a:xfrm>
-          <a:prstGeom prst="rect">
-            <a:avLst/>
-          </a:prstGeom>
-        </p:spPr>
-      </p:pic>
-      <p:pic>
-        <p:nvPicPr>
-          <p:cNvPr id="10" name="圖片 9"/>
-          <p:cNvPicPr>
-            <a:picLocks noChangeAspect="1"/>
-          </p:cNvPicPr>
-          <p:nvPr/>
-        </p:nvPicPr>
-        <p:blipFill>
-          <a:blip r:embed="rId3"/>
-          <a:stretch>
-            <a:fillRect/>
-          </a:stretch>
-        </p:blipFill>
-        <p:spPr>
-          <a:xfrm>
-            <a:off x="3762375" y="2428875"/>
-            <a:ext cx="4667250" cy="2000250"/>
-          </a:xfrm>
-          <a:prstGeom prst="rect">
-            <a:avLst/>
-          </a:prstGeom>
-        </p:spPr>
-      </p:pic>
-      <p:pic>
-        <p:nvPicPr>
-          <p:cNvPr id="12" name="圖片 11"/>
-          <p:cNvPicPr>
-            <a:picLocks noChangeAspect="1"/>
-          </p:cNvPicPr>
-          <p:nvPr/>
-        </p:nvPicPr>
-        <p:blipFill>
-          <a:blip r:embed="rId4"/>
-          <a:stretch>
-            <a:fillRect/>
-          </a:stretch>
-        </p:blipFill>
-        <p:spPr>
-          <a:xfrm>
-            <a:off x="8429625" y="4142665"/>
-            <a:ext cx="3559621" cy="1928128"/>
-          </a:xfrm>
-          <a:prstGeom prst="rect">
-            <a:avLst/>
-          </a:prstGeom>
-        </p:spPr>
-      </p:pic>
-      <p:pic>
-        <p:nvPicPr>
-          <p:cNvPr id="13" name="圖片 12"/>
-          <p:cNvPicPr>
-            <a:picLocks noChangeAspect="1"/>
-          </p:cNvPicPr>
-          <p:nvPr/>
-        </p:nvPicPr>
-        <p:blipFill>
-          <a:blip r:embed="rId5"/>
-          <a:stretch>
-            <a:fillRect/>
-          </a:stretch>
-        </p:blipFill>
-        <p:spPr>
-          <a:xfrm>
-            <a:off x="5931673" y="1349263"/>
-            <a:ext cx="5915563" cy="2146721"/>
+            <a:off x="6707892" y="4394011"/>
+            <a:ext cx="4548903" cy="2463989"/>
           </a:xfrm>
           <a:prstGeom prst="rect">
             <a:avLst/>
@@ -10835,14 +10764,14 @@
           <p:nvPr/>
         </p:nvPicPr>
         <p:blipFill>
-          <a:blip r:embed="rId6"/>
+          <a:blip r:embed="rId3"/>
           <a:stretch>
             <a:fillRect/>
           </a:stretch>
         </p:blipFill>
         <p:spPr>
           <a:xfrm>
-            <a:off x="263714" y="1431692"/>
+            <a:off x="739575" y="1853248"/>
             <a:ext cx="5524500" cy="3467100"/>
           </a:xfrm>
           <a:prstGeom prst="rect">
@@ -10850,6 +10779,69 @@
           </a:prstGeom>
         </p:spPr>
       </p:pic>
+      <p:grpSp>
+        <p:nvGrpSpPr>
+          <p:cNvPr id="3" name="群組 2"/>
+          <p:cNvGrpSpPr/>
+          <p:nvPr/>
+        </p:nvGrpSpPr>
+        <p:grpSpPr>
+          <a:xfrm>
+            <a:off x="6451303" y="1543147"/>
+            <a:ext cx="5062082" cy="2739108"/>
+            <a:chOff x="2319337" y="1431692"/>
+            <a:chExt cx="6791751" cy="3675037"/>
+          </a:xfrm>
+        </p:grpSpPr>
+        <p:pic>
+          <p:nvPicPr>
+            <p:cNvPr id="11" name="圖片 10"/>
+            <p:cNvPicPr>
+              <a:picLocks noChangeAspect="1"/>
+            </p:cNvPicPr>
+            <p:nvPr/>
+          </p:nvPicPr>
+          <p:blipFill>
+            <a:blip r:embed="rId4"/>
+            <a:stretch>
+              <a:fillRect/>
+            </a:stretch>
+          </p:blipFill>
+          <p:spPr>
+            <a:xfrm>
+              <a:off x="2319337" y="1431692"/>
+              <a:ext cx="6791751" cy="3675037"/>
+            </a:xfrm>
+            <a:prstGeom prst="rect">
+              <a:avLst/>
+            </a:prstGeom>
+          </p:spPr>
+        </p:pic>
+        <p:pic>
+          <p:nvPicPr>
+            <p:cNvPr id="10" name="圖片 9"/>
+            <p:cNvPicPr>
+              <a:picLocks noChangeAspect="1"/>
+            </p:cNvPicPr>
+            <p:nvPr/>
+          </p:nvPicPr>
+          <p:blipFill>
+            <a:blip r:embed="rId5"/>
+            <a:stretch>
+              <a:fillRect/>
+            </a:stretch>
+          </p:blipFill>
+          <p:spPr>
+            <a:xfrm>
+              <a:off x="3762375" y="2428875"/>
+              <a:ext cx="4667250" cy="2000250"/>
+            </a:xfrm>
+            <a:prstGeom prst="rect">
+              <a:avLst/>
+            </a:prstGeom>
+          </p:spPr>
+        </p:pic>
+      </p:grpSp>
     </p:spTree>
     <p:extLst>
       <p:ext uri="{BB962C8B-B14F-4D97-AF65-F5344CB8AC3E}">
@@ -10976,7 +10968,7 @@
         </p:blipFill>
         <p:spPr>
           <a:xfrm>
-            <a:off x="134008" y="1837189"/>
+            <a:off x="731669" y="1853248"/>
             <a:ext cx="8703901" cy="4714613"/>
           </a:xfrm>
           <a:prstGeom prst="rect">
@@ -11014,7 +11006,7 @@
         </p:blipFill>
         <p:spPr>
           <a:xfrm>
-            <a:off x="5881298" y="2575218"/>
+            <a:off x="6478959" y="2591277"/>
             <a:ext cx="3571875" cy="3609975"/>
           </a:xfrm>
           <a:prstGeom prst="rect">
@@ -11074,36 +11066,381 @@
           <a:bodyPr/>
           <a:lstStyle/>
           <a:p>
-            <a:endParaRPr lang="zh-TW" altLang="en-US"/>
-          </a:p>
-        </p:txBody>
-      </p:sp>
-      <p:pic>
-        <p:nvPicPr>
-          <p:cNvPr id="5" name="內容版面配置區 4"/>
-          <p:cNvPicPr>
-            <a:picLocks noGrp="1" noChangeAspect="1"/>
-          </p:cNvPicPr>
+            <a:r>
+              <a:rPr lang="en-US" altLang="zh-TW" dirty="0" err="1"/>
+              <a:t>isDebugEnabled</a:t>
+            </a:r>
+            <a:r>
+              <a:rPr lang="zh-TW" altLang="en-US" dirty="0"/>
+              <a:t>的用途</a:t>
+            </a:r>
+          </a:p>
+        </p:txBody>
+      </p:sp>
+      <p:sp>
+        <p:nvSpPr>
+          <p:cNvPr id="3" name="內容版面配置區 2"/>
+          <p:cNvSpPr>
+            <a:spLocks noGrp="1"/>
+          </p:cNvSpPr>
           <p:nvPr>
             <p:ph idx="1"/>
           </p:nvPr>
-        </p:nvPicPr>
-        <p:blipFill>
-          <a:blip r:embed="rId2"/>
-          <a:stretch>
-            <a:fillRect/>
-          </a:stretch>
-        </p:blipFill>
+        </p:nvSpPr>
         <p:spPr>
           <a:xfrm>
-            <a:off x="419571" y="3648298"/>
-            <a:ext cx="10731221" cy="3082015"/>
+            <a:off x="713698" y="1528132"/>
+            <a:ext cx="9638842" cy="4952181"/>
           </a:xfrm>
-          <a:prstGeom prst="rect">
-            <a:avLst/>
-          </a:prstGeom>
         </p:spPr>
-      </p:pic>
+        <p:txBody>
+          <a:bodyPr>
+            <a:normAutofit/>
+          </a:bodyPr>
+          <a:lstStyle/>
+          <a:p>
+            <a:r>
+              <a:rPr lang="zh-TW" altLang="en-US" dirty="0">
+                <a:solidFill>
+                  <a:srgbClr val="FFFF00"/>
+                </a:solidFill>
+                <a:latin typeface="+mn-lt"/>
+              </a:rPr>
+              <a:t>使用 </a:t>
+            </a:r>
+            <a:r>
+              <a:rPr lang="en-US" altLang="zh-TW" dirty="0" err="1">
+                <a:solidFill>
+                  <a:srgbClr val="FFFF00"/>
+                </a:solidFill>
+                <a:latin typeface="+mn-lt"/>
+              </a:rPr>
+              <a:t>isDebugEnabled</a:t>
+            </a:r>
+            <a:r>
+              <a:rPr lang="en-US" altLang="zh-TW" dirty="0">
+                <a:solidFill>
+                  <a:srgbClr val="FFFF00"/>
+                </a:solidFill>
+                <a:latin typeface="+mn-lt"/>
+              </a:rPr>
+              <a:t> </a:t>
+            </a:r>
+            <a:r>
+              <a:rPr lang="zh-TW" altLang="en-US" dirty="0" smtClean="0">
+                <a:solidFill>
+                  <a:srgbClr val="FFFF00"/>
+                </a:solidFill>
+                <a:latin typeface="+mn-lt"/>
+              </a:rPr>
+              <a:t>可以減少</a:t>
+            </a:r>
+            <a:r>
+              <a:rPr lang="zh-TW" altLang="en-US" dirty="0">
+                <a:solidFill>
+                  <a:srgbClr val="FFFF00"/>
+                </a:solidFill>
+                <a:latin typeface="+mn-lt"/>
+              </a:rPr>
+              <a:t>效能的負擔</a:t>
+            </a:r>
+          </a:p>
+          <a:p>
+            <a:r>
+              <a:rPr lang="zh-TW" altLang="en-US" dirty="0">
+                <a:latin typeface="+mn-lt"/>
+              </a:rPr>
+              <a:t>透過一個 </a:t>
+            </a:r>
+            <a:r>
+              <a:rPr lang="en-US" altLang="zh-TW" dirty="0" err="1">
+                <a:latin typeface="+mn-lt"/>
+              </a:rPr>
+              <a:t>isDebugEnabled</a:t>
+            </a:r>
+            <a:r>
+              <a:rPr lang="en-US" altLang="zh-TW" dirty="0">
+                <a:latin typeface="+mn-lt"/>
+              </a:rPr>
+              <a:t>() </a:t>
+            </a:r>
+            <a:r>
+              <a:rPr lang="zh-TW" altLang="en-US" dirty="0">
+                <a:latin typeface="+mn-lt"/>
+              </a:rPr>
+              <a:t>方法的呼叫，來判斷目前 </a:t>
+            </a:r>
+            <a:r>
+              <a:rPr lang="en-US" altLang="zh-TW" dirty="0">
+                <a:latin typeface="+mn-lt"/>
+              </a:rPr>
+              <a:t>Log4j </a:t>
+            </a:r>
+            <a:r>
+              <a:rPr lang="zh-TW" altLang="en-US" dirty="0">
+                <a:latin typeface="+mn-lt"/>
+              </a:rPr>
+              <a:t>的 </a:t>
+            </a:r>
+            <a:r>
+              <a:rPr lang="en-US" altLang="zh-TW" dirty="0">
+                <a:latin typeface="+mn-lt"/>
+              </a:rPr>
+              <a:t>level </a:t>
+            </a:r>
+            <a:r>
+              <a:rPr lang="zh-TW" altLang="en-US" dirty="0">
+                <a:latin typeface="+mn-lt"/>
+              </a:rPr>
+              <a:t>是否為 </a:t>
+            </a:r>
+            <a:r>
+              <a:rPr lang="en-US" altLang="zh-TW" dirty="0" smtClean="0">
+                <a:latin typeface="+mn-lt"/>
+              </a:rPr>
+              <a:t>debug</a:t>
+            </a:r>
+            <a:endParaRPr lang="en-US" altLang="zh-TW" dirty="0">
+              <a:latin typeface="+mn-lt"/>
+            </a:endParaRPr>
+          </a:p>
+          <a:p>
+            <a:r>
+              <a:rPr lang="zh-TW" altLang="en-US" dirty="0" smtClean="0">
+                <a:latin typeface="+mn-lt"/>
+              </a:rPr>
+              <a:t>若</a:t>
+            </a:r>
+            <a:r>
+              <a:rPr lang="zh-TW" altLang="en-US" dirty="0">
+                <a:latin typeface="+mn-lt"/>
+              </a:rPr>
+              <a:t>不是，便不會執行參數組成的</a:t>
+            </a:r>
+            <a:r>
+              <a:rPr lang="zh-TW" altLang="en-US" dirty="0" smtClean="0">
+                <a:latin typeface="+mn-lt"/>
+              </a:rPr>
+              <a:t>程式碼</a:t>
+            </a:r>
+            <a:endParaRPr lang="en-US" altLang="zh-TW" dirty="0" smtClean="0">
+              <a:latin typeface="+mn-lt"/>
+            </a:endParaRPr>
+          </a:p>
+          <a:p>
+            <a:r>
+              <a:rPr lang="zh-TW" altLang="en-US" dirty="0" smtClean="0">
+                <a:latin typeface="+mn-lt"/>
+              </a:rPr>
+              <a:t>較好的做法是，將</a:t>
+            </a:r>
+            <a:r>
+              <a:rPr lang="zh-TW" altLang="en-US" dirty="0">
+                <a:latin typeface="+mn-lt"/>
+              </a:rPr>
+              <a:t>需要 </a:t>
+            </a:r>
+            <a:r>
+              <a:rPr lang="en-US" altLang="zh-TW" dirty="0">
+                <a:latin typeface="+mn-lt"/>
+              </a:rPr>
+              <a:t>debug </a:t>
+            </a:r>
+            <a:r>
+              <a:rPr lang="zh-TW" altLang="en-US" dirty="0">
+                <a:latin typeface="+mn-lt"/>
+              </a:rPr>
+              <a:t>的所有</a:t>
+            </a:r>
+            <a:r>
+              <a:rPr lang="zh-TW" altLang="en-US" dirty="0" smtClean="0">
+                <a:latin typeface="+mn-lt"/>
+              </a:rPr>
+              <a:t>訊息，整理</a:t>
+            </a:r>
+            <a:r>
+              <a:rPr lang="zh-TW" altLang="en-US" dirty="0">
+                <a:latin typeface="+mn-lt"/>
+              </a:rPr>
+              <a:t>在同一個判斷區</a:t>
+            </a:r>
+            <a:r>
+              <a:rPr lang="zh-TW" altLang="en-US" dirty="0" smtClean="0">
+                <a:latin typeface="+mn-lt"/>
+              </a:rPr>
+              <a:t>塊</a:t>
+            </a:r>
+            <a:endParaRPr lang="en-US" altLang="zh-TW" dirty="0">
+              <a:latin typeface="+mn-lt"/>
+            </a:endParaRPr>
+          </a:p>
+          <a:p>
+            <a:pPr marL="0" indent="0">
+              <a:buNone/>
+            </a:pPr>
+            <a:r>
+              <a:rPr lang="en-US" altLang="zh-TW" dirty="0" smtClean="0">
+                <a:latin typeface="+mn-lt"/>
+              </a:rPr>
+              <a:t>E.g.</a:t>
+            </a:r>
+          </a:p>
+          <a:p>
+            <a:pPr marL="0" indent="0">
+              <a:buNone/>
+            </a:pPr>
+            <a:r>
+              <a:rPr lang="en-US" altLang="zh-TW" dirty="0">
+                <a:latin typeface="+mn-lt"/>
+              </a:rPr>
+              <a:t>if (</a:t>
+            </a:r>
+            <a:r>
+              <a:rPr lang="en-US" altLang="zh-TW" dirty="0" err="1">
+                <a:latin typeface="+mn-lt"/>
+              </a:rPr>
+              <a:t>isDebug</a:t>
+            </a:r>
+            <a:r>
+              <a:rPr lang="en-US" altLang="zh-TW" dirty="0">
+                <a:latin typeface="+mn-lt"/>
+              </a:rPr>
+              <a:t>) {</a:t>
+            </a:r>
+          </a:p>
+          <a:p>
+            <a:pPr marL="0" indent="0">
+              <a:buNone/>
+            </a:pPr>
+            <a:r>
+              <a:rPr lang="en-US" altLang="zh-TW" dirty="0" smtClean="0">
+                <a:latin typeface="+mn-lt"/>
+              </a:rPr>
+              <a:t>  </a:t>
+            </a:r>
+            <a:r>
+              <a:rPr lang="en-US" altLang="zh-TW" dirty="0" err="1" smtClean="0">
+                <a:latin typeface="+mn-lt"/>
+              </a:rPr>
+              <a:t>log.debug</a:t>
+            </a:r>
+            <a:r>
+              <a:rPr lang="en-US" altLang="zh-TW" dirty="0">
+                <a:latin typeface="+mn-lt"/>
+              </a:rPr>
+              <a:t>("</a:t>
+            </a:r>
+            <a:r>
+              <a:rPr lang="en-US" altLang="zh-TW" dirty="0" err="1">
+                <a:latin typeface="+mn-lt"/>
+              </a:rPr>
+              <a:t>reqMap</a:t>
+            </a:r>
+            <a:r>
+              <a:rPr lang="en-US" altLang="zh-TW" dirty="0">
+                <a:latin typeface="+mn-lt"/>
+              </a:rPr>
+              <a:t>==&gt;" + </a:t>
+            </a:r>
+            <a:r>
+              <a:rPr lang="en-US" altLang="zh-TW" dirty="0" err="1">
+                <a:latin typeface="+mn-lt"/>
+              </a:rPr>
+              <a:t>reqMap</a:t>
+            </a:r>
+            <a:r>
+              <a:rPr lang="en-US" altLang="zh-TW" dirty="0">
+                <a:latin typeface="+mn-lt"/>
+              </a:rPr>
+              <a:t>);</a:t>
+            </a:r>
+          </a:p>
+          <a:p>
+            <a:pPr marL="0" indent="0">
+              <a:buNone/>
+            </a:pPr>
+            <a:r>
+              <a:rPr lang="en-US" altLang="zh-TW" dirty="0" smtClean="0">
+                <a:latin typeface="+mn-lt"/>
+              </a:rPr>
+              <a:t>  </a:t>
+            </a:r>
+            <a:r>
+              <a:rPr lang="en-US" altLang="zh-TW" dirty="0" err="1" smtClean="0">
+                <a:latin typeface="+mn-lt"/>
+              </a:rPr>
+              <a:t>log.debug</a:t>
+            </a:r>
+            <a:r>
+              <a:rPr lang="en-US" altLang="zh-TW" dirty="0">
+                <a:latin typeface="+mn-lt"/>
+              </a:rPr>
+              <a:t>("</a:t>
+            </a:r>
+            <a:r>
+              <a:rPr lang="en-US" altLang="zh-TW" dirty="0" err="1">
+                <a:latin typeface="+mn-lt"/>
+              </a:rPr>
+              <a:t>returnList</a:t>
+            </a:r>
+            <a:r>
+              <a:rPr lang="en-US" altLang="zh-TW" dirty="0">
+                <a:latin typeface="+mn-lt"/>
+              </a:rPr>
+              <a:t>==&gt;" + </a:t>
+            </a:r>
+            <a:r>
+              <a:rPr lang="en-US" altLang="zh-TW" dirty="0" err="1">
+                <a:latin typeface="+mn-lt"/>
+              </a:rPr>
+              <a:t>returnList</a:t>
+            </a:r>
+            <a:r>
+              <a:rPr lang="en-US" altLang="zh-TW" dirty="0">
+                <a:latin typeface="+mn-lt"/>
+              </a:rPr>
+              <a:t>);</a:t>
+            </a:r>
+          </a:p>
+          <a:p>
+            <a:pPr marL="0" indent="0">
+              <a:buNone/>
+            </a:pPr>
+            <a:r>
+              <a:rPr lang="en-US" altLang="zh-TW" dirty="0" smtClean="0">
+                <a:latin typeface="+mn-lt"/>
+              </a:rPr>
+              <a:t>  </a:t>
+            </a:r>
+            <a:r>
+              <a:rPr lang="en-US" altLang="zh-TW" dirty="0" err="1" smtClean="0">
+                <a:latin typeface="+mn-lt"/>
+              </a:rPr>
+              <a:t>log.debug</a:t>
+            </a:r>
+            <a:r>
+              <a:rPr lang="en-US" altLang="zh-TW" dirty="0">
+                <a:latin typeface="+mn-lt"/>
+              </a:rPr>
+              <a:t>("key==&gt;" + key);</a:t>
+            </a:r>
+          </a:p>
+          <a:p>
+            <a:pPr marL="0" indent="0">
+              <a:buNone/>
+            </a:pPr>
+            <a:r>
+              <a:rPr lang="en-US" altLang="zh-TW" dirty="0" smtClean="0">
+                <a:latin typeface="+mn-lt"/>
+              </a:rPr>
+              <a:t>}</a:t>
+            </a:r>
+            <a:endParaRPr lang="zh-TW" altLang="en-US" dirty="0">
+              <a:latin typeface="+mn-lt"/>
+            </a:endParaRPr>
+          </a:p>
+        </p:txBody>
+      </p:sp>
       <p:sp>
         <p:nvSpPr>
           <p:cNvPr id="4" name="投影片編號版面配置區 3"/>
@@ -11121,40 +11458,17 @@
           <a:p>
             <a:fld id="{7EEA38C4-728D-4C6D-B45A-B952D9AC726F}" type="slidenum">
               <a:rPr lang="zh-TW" altLang="en-US" smtClean="0"/>
+              <a:pPr/>
               <a:t>17</a:t>
             </a:fld>
-            <a:endParaRPr lang="zh-TW" altLang="en-US"/>
-          </a:p>
-        </p:txBody>
-      </p:sp>
-      <p:pic>
-        <p:nvPicPr>
-          <p:cNvPr id="6" name="圖片 5"/>
-          <p:cNvPicPr>
-            <a:picLocks noChangeAspect="1"/>
-          </p:cNvPicPr>
-          <p:nvPr/>
-        </p:nvPicPr>
-        <p:blipFill>
-          <a:blip r:embed="rId3"/>
-          <a:stretch>
-            <a:fillRect/>
-          </a:stretch>
-        </p:blipFill>
-        <p:spPr>
-          <a:xfrm>
-            <a:off x="423528" y="1253628"/>
-            <a:ext cx="11365929" cy="2288642"/>
-          </a:xfrm>
-          <a:prstGeom prst="rect">
-            <a:avLst/>
-          </a:prstGeom>
-        </p:spPr>
-      </p:pic>
+            <a:endParaRPr lang="zh-TW" altLang="en-US" dirty="0"/>
+          </a:p>
+        </p:txBody>
+      </p:sp>
     </p:spTree>
     <p:extLst>
       <p:ext uri="{BB962C8B-B14F-4D97-AF65-F5344CB8AC3E}">
-        <p14:creationId xmlns:p14="http://schemas.microsoft.com/office/powerpoint/2010/main" val="4039939736"/>
+        <p14:creationId xmlns:p14="http://schemas.microsoft.com/office/powerpoint/2010/main" val="2049130330"/>
       </p:ext>
     </p:extLst>
   </p:cSld>
@@ -11197,13 +11511,18 @@
           <a:lstStyle/>
           <a:p>
             <a:r>
-              <a:rPr lang="en-US" altLang="zh-TW" dirty="0" err="1"/>
-              <a:t>isDebugEnabled</a:t>
-            </a:r>
-            <a:r>
-              <a:rPr lang="zh-TW" altLang="en-US" dirty="0"/>
-              <a:t>的用途</a:t>
-            </a:r>
+              <a:rPr lang="zh-TW" altLang="en-US" dirty="0" smtClean="0">
+                <a:solidFill>
+                  <a:srgbClr val="FF0000"/>
+                </a:solidFill>
+              </a:rPr>
+              <a:t>批次</a:t>
+            </a:r>
+            <a:endParaRPr lang="zh-TW" altLang="en-US" dirty="0">
+              <a:solidFill>
+                <a:srgbClr val="FF0000"/>
+              </a:solidFill>
+            </a:endParaRPr>
           </a:p>
         </p:txBody>
       </p:sp>
@@ -11217,333 +11536,80 @@
             <p:ph idx="1"/>
           </p:nvPr>
         </p:nvSpPr>
-        <p:spPr/>
-        <p:txBody>
-          <a:bodyPr>
-            <a:normAutofit fontScale="92500" lnSpcReduction="10000"/>
-          </a:bodyPr>
-          <a:lstStyle/>
-          <a:p>
-            <a:r>
-              <a:rPr lang="zh-TW" altLang="en-US" b="1" dirty="0">
-                <a:latin typeface="+mn-lt"/>
+        <p:spPr>
+          <a:xfrm>
+            <a:off x="732609" y="1484507"/>
+            <a:ext cx="8946541" cy="4195481"/>
+          </a:xfrm>
+        </p:spPr>
+        <p:txBody>
+          <a:bodyPr/>
+          <a:lstStyle/>
+          <a:p>
+            <a:pPr marL="457200" indent="-457200">
+              <a:buFont typeface="+mj-lt"/>
+              <a:buAutoNum type="arabicPeriod"/>
+            </a:pPr>
+            <a:r>
+              <a:rPr lang="zh-TW" altLang="zh-TW" dirty="0">
+                <a:latin typeface="Times New Roman" panose="02020603050405020304" pitchFamily="18" charset="0"/>
+                <a:cs typeface="Times New Roman" panose="02020603050405020304" pitchFamily="18" charset="0"/>
               </a:rPr>
-              <a:t>使用 </a:t>
-            </a:r>
-            <a:r>
-              <a:rPr lang="en-US" altLang="zh-TW" b="1" dirty="0" err="1">
-                <a:latin typeface="+mn-lt"/>
+              <a:t>批次可以做</a:t>
+            </a:r>
+            <a:r>
+              <a:rPr lang="en-US" altLang="zh-TW" dirty="0">
+                <a:latin typeface="Times New Roman" panose="02020603050405020304" pitchFamily="18" charset="0"/>
+                <a:cs typeface="Times New Roman" panose="02020603050405020304" pitchFamily="18" charset="0"/>
               </a:rPr>
-              <a:t>isDebugEnabled</a:t>
-            </a:r>
-            <a:r>
-              <a:rPr lang="en-US" altLang="zh-TW" b="1" dirty="0">
-                <a:latin typeface="+mn-lt"/>
+              <a:t> 2PC </a:t>
+            </a:r>
+            <a:r>
+              <a:rPr lang="zh-TW" altLang="zh-TW" dirty="0">
+                <a:latin typeface="Times New Roman" panose="02020603050405020304" pitchFamily="18" charset="0"/>
+                <a:cs typeface="Times New Roman" panose="02020603050405020304" pitchFamily="18" charset="0"/>
               </a:rPr>
-              <a:t> </a:t>
-            </a:r>
-            <a:r>
-              <a:rPr lang="zh-TW" altLang="en-US" b="1" dirty="0">
-                <a:latin typeface="+mn-lt"/>
+              <a:t>嗎</a:t>
+            </a:r>
+            <a:r>
+              <a:rPr lang="en-US" altLang="zh-TW" dirty="0" smtClean="0">
+                <a:latin typeface="Times New Roman" panose="02020603050405020304" pitchFamily="18" charset="0"/>
+                <a:cs typeface="Times New Roman" panose="02020603050405020304" pitchFamily="18" charset="0"/>
               </a:rPr>
-              <a:t>減少效能的負擔</a:t>
+              <a:t>?</a:t>
+            </a:r>
+          </a:p>
+          <a:p>
+            <a:pPr marL="0" indent="0">
+              <a:buNone/>
+            </a:pPr>
+            <a:endParaRPr lang="en-US" altLang="zh-TW" dirty="0" smtClean="0">
+              <a:latin typeface="Times New Roman" panose="02020603050405020304" pitchFamily="18" charset="0"/>
+              <a:cs typeface="Times New Roman" panose="02020603050405020304" pitchFamily="18" charset="0"/>
+            </a:endParaRPr>
+          </a:p>
+          <a:p>
+            <a:pPr marL="457200" indent="-457200">
+              <a:buFont typeface="+mj-lt"/>
+              <a:buAutoNum type="arabicPeriod"/>
+            </a:pPr>
+            <a:r>
+              <a:rPr lang="zh-TW" altLang="zh-TW" dirty="0" smtClean="0">
+                <a:latin typeface="Times New Roman" panose="02020603050405020304" pitchFamily="18" charset="0"/>
+                <a:cs typeface="Times New Roman" panose="02020603050405020304" pitchFamily="18" charset="0"/>
+              </a:rPr>
+              <a:t>批次</a:t>
+            </a:r>
+            <a:r>
+              <a:rPr lang="zh-TW" altLang="zh-TW" dirty="0">
+                <a:latin typeface="Times New Roman" panose="02020603050405020304" pitchFamily="18" charset="0"/>
+                <a:cs typeface="Times New Roman" panose="02020603050405020304" pitchFamily="18" charset="0"/>
+              </a:rPr>
+              <a:t>與線上程式執行有何不同？</a:t>
             </a:r>
             <a:endParaRPr lang="zh-TW" altLang="en-US" dirty="0">
-              <a:latin typeface="+mn-lt"/>
-            </a:endParaRPr>
-          </a:p>
-          <a:p>
-            <a:r>
-              <a:rPr lang="zh-TW" altLang="en-US" dirty="0">
-                <a:latin typeface="+mn-lt"/>
-              </a:rPr>
-              <a:t>透過一個 </a:t>
-            </a:r>
-            <a:r>
-              <a:rPr lang="en-US" altLang="zh-TW" dirty="0" err="1">
-                <a:latin typeface="+mn-lt"/>
-              </a:rPr>
-              <a:t>isDebugEnabled</a:t>
-            </a:r>
-            <a:r>
-              <a:rPr lang="en-US" altLang="zh-TW" dirty="0">
-                <a:latin typeface="+mn-lt"/>
-              </a:rPr>
-              <a:t>() </a:t>
-            </a:r>
-            <a:r>
-              <a:rPr lang="zh-TW" altLang="en-US" dirty="0">
-                <a:latin typeface="+mn-lt"/>
-              </a:rPr>
-              <a:t>方法的呼叫，來判斷目前 </a:t>
-            </a:r>
-            <a:r>
-              <a:rPr lang="en-US" altLang="zh-TW" dirty="0">
-                <a:latin typeface="+mn-lt"/>
-              </a:rPr>
-              <a:t>Log4j </a:t>
-            </a:r>
-            <a:r>
-              <a:rPr lang="zh-TW" altLang="en-US" dirty="0">
-                <a:latin typeface="+mn-lt"/>
-              </a:rPr>
-              <a:t>的 </a:t>
-            </a:r>
-            <a:r>
-              <a:rPr lang="en-US" altLang="zh-TW" dirty="0">
-                <a:latin typeface="+mn-lt"/>
-              </a:rPr>
-              <a:t>level </a:t>
-            </a:r>
-            <a:r>
-              <a:rPr lang="zh-TW" altLang="en-US" dirty="0">
-                <a:latin typeface="+mn-lt"/>
-              </a:rPr>
-              <a:t>是否為 </a:t>
-            </a:r>
-            <a:r>
-              <a:rPr lang="en-US" altLang="zh-TW" dirty="0" smtClean="0">
-                <a:latin typeface="+mn-lt"/>
-              </a:rPr>
-              <a:t>debug</a:t>
-            </a:r>
-            <a:endParaRPr lang="en-US" altLang="zh-TW" dirty="0">
-              <a:latin typeface="+mn-lt"/>
-            </a:endParaRPr>
-          </a:p>
-          <a:p>
-            <a:r>
-              <a:rPr lang="zh-TW" altLang="en-US" dirty="0" smtClean="0">
-                <a:latin typeface="+mn-lt"/>
-              </a:rPr>
-              <a:t>若</a:t>
-            </a:r>
-            <a:r>
-              <a:rPr lang="zh-TW" altLang="en-US" dirty="0">
-                <a:latin typeface="+mn-lt"/>
-              </a:rPr>
-              <a:t>不是，便不會執行參數組成的</a:t>
-            </a:r>
-            <a:r>
-              <a:rPr lang="zh-TW" altLang="en-US" dirty="0" smtClean="0">
-                <a:latin typeface="+mn-lt"/>
-              </a:rPr>
-              <a:t>程式碼</a:t>
-            </a:r>
-            <a:endParaRPr lang="en-US" altLang="zh-TW" dirty="0" smtClean="0">
-              <a:latin typeface="+mn-lt"/>
-            </a:endParaRPr>
-          </a:p>
-          <a:p>
-            <a:r>
-              <a:rPr lang="zh-TW" altLang="en-US" dirty="0" smtClean="0">
-                <a:latin typeface="+mn-lt"/>
-              </a:rPr>
-              <a:t>較好的做法是，將</a:t>
-            </a:r>
-            <a:r>
-              <a:rPr lang="zh-TW" altLang="en-US" dirty="0">
-                <a:latin typeface="+mn-lt"/>
-              </a:rPr>
-              <a:t>需要 </a:t>
-            </a:r>
-            <a:r>
-              <a:rPr lang="en-US" altLang="zh-TW" dirty="0">
-                <a:latin typeface="+mn-lt"/>
-              </a:rPr>
-              <a:t>debug </a:t>
-            </a:r>
-            <a:r>
-              <a:rPr lang="zh-TW" altLang="en-US" dirty="0">
-                <a:latin typeface="+mn-lt"/>
-              </a:rPr>
-              <a:t>的所有</a:t>
-            </a:r>
-            <a:r>
-              <a:rPr lang="zh-TW" altLang="en-US" dirty="0" smtClean="0">
-                <a:latin typeface="+mn-lt"/>
-              </a:rPr>
-              <a:t>訊息，整理</a:t>
-            </a:r>
-            <a:r>
-              <a:rPr lang="zh-TW" altLang="en-US" dirty="0">
-                <a:latin typeface="+mn-lt"/>
-              </a:rPr>
-              <a:t>在同一個判斷區</a:t>
-            </a:r>
-            <a:r>
-              <a:rPr lang="zh-TW" altLang="en-US" dirty="0" smtClean="0">
-                <a:latin typeface="+mn-lt"/>
-              </a:rPr>
-              <a:t>塊</a:t>
-            </a:r>
-            <a:endParaRPr lang="en-US" altLang="zh-TW" dirty="0">
-              <a:latin typeface="+mn-lt"/>
-            </a:endParaRPr>
-          </a:p>
-          <a:p>
-            <a:pPr marL="0" indent="0">
-              <a:buNone/>
-            </a:pPr>
-            <a:r>
-              <a:rPr lang="en-US" altLang="zh-TW" dirty="0" smtClean="0">
-                <a:latin typeface="+mn-lt"/>
-              </a:rPr>
-              <a:t>E.g.</a:t>
-            </a:r>
-          </a:p>
-          <a:p>
-            <a:pPr marL="0" indent="0">
-              <a:buNone/>
-            </a:pPr>
-            <a:r>
-              <a:rPr lang="en-US" altLang="zh-TW" dirty="0">
-                <a:latin typeface="+mn-lt"/>
-              </a:rPr>
-              <a:t>if (</a:t>
-            </a:r>
-            <a:r>
-              <a:rPr lang="en-US" altLang="zh-TW" dirty="0" err="1">
-                <a:latin typeface="+mn-lt"/>
-              </a:rPr>
-              <a:t>isDebug</a:t>
-            </a:r>
-            <a:r>
-              <a:rPr lang="en-US" altLang="zh-TW" dirty="0">
-                <a:latin typeface="+mn-lt"/>
-              </a:rPr>
-              <a:t>) {</a:t>
-            </a:r>
-          </a:p>
-          <a:p>
-            <a:pPr marL="0" indent="0">
-              <a:buNone/>
-            </a:pPr>
-            <a:r>
-              <a:rPr lang="en-US" altLang="zh-TW" dirty="0" smtClean="0">
-                <a:latin typeface="+mn-lt"/>
-              </a:rPr>
-              <a:t>  </a:t>
-            </a:r>
-            <a:r>
-              <a:rPr lang="en-US" altLang="zh-TW" dirty="0" err="1" smtClean="0">
-                <a:latin typeface="+mn-lt"/>
-              </a:rPr>
-              <a:t>log.debug</a:t>
-            </a:r>
-            <a:r>
-              <a:rPr lang="en-US" altLang="zh-TW" dirty="0">
-                <a:latin typeface="+mn-lt"/>
-              </a:rPr>
-              <a:t>("</a:t>
-            </a:r>
-            <a:r>
-              <a:rPr lang="en-US" altLang="zh-TW" dirty="0" err="1">
-                <a:latin typeface="+mn-lt"/>
-              </a:rPr>
-              <a:t>reqMap</a:t>
-            </a:r>
-            <a:r>
-              <a:rPr lang="en-US" altLang="zh-TW" dirty="0">
-                <a:latin typeface="+mn-lt"/>
-              </a:rPr>
-              <a:t>==&gt;" + </a:t>
-            </a:r>
-            <a:r>
-              <a:rPr lang="en-US" altLang="zh-TW" dirty="0" err="1">
-                <a:latin typeface="+mn-lt"/>
-              </a:rPr>
-              <a:t>reqMap</a:t>
-            </a:r>
-            <a:r>
-              <a:rPr lang="en-US" altLang="zh-TW" dirty="0">
-                <a:latin typeface="+mn-lt"/>
-              </a:rPr>
-              <a:t>);</a:t>
-            </a:r>
-          </a:p>
-          <a:p>
-            <a:pPr marL="0" indent="0">
-              <a:buNone/>
-            </a:pPr>
-            <a:r>
-              <a:rPr lang="en-US" altLang="zh-TW" dirty="0" smtClean="0">
-                <a:latin typeface="+mn-lt"/>
-              </a:rPr>
-              <a:t>  </a:t>
-            </a:r>
-            <a:r>
-              <a:rPr lang="en-US" altLang="zh-TW" dirty="0" err="1" smtClean="0">
-                <a:latin typeface="+mn-lt"/>
-              </a:rPr>
-              <a:t>log.debug</a:t>
-            </a:r>
-            <a:r>
-              <a:rPr lang="en-US" altLang="zh-TW" dirty="0">
-                <a:latin typeface="+mn-lt"/>
-              </a:rPr>
-              <a:t>("</a:t>
-            </a:r>
-            <a:r>
-              <a:rPr lang="en-US" altLang="zh-TW" dirty="0" err="1">
-                <a:latin typeface="+mn-lt"/>
-              </a:rPr>
-              <a:t>returnList</a:t>
-            </a:r>
-            <a:r>
-              <a:rPr lang="en-US" altLang="zh-TW" dirty="0">
-                <a:latin typeface="+mn-lt"/>
-              </a:rPr>
-              <a:t>==&gt;" + </a:t>
-            </a:r>
-            <a:r>
-              <a:rPr lang="en-US" altLang="zh-TW" dirty="0" err="1">
-                <a:latin typeface="+mn-lt"/>
-              </a:rPr>
-              <a:t>returnList</a:t>
-            </a:r>
-            <a:r>
-              <a:rPr lang="en-US" altLang="zh-TW" dirty="0">
-                <a:latin typeface="+mn-lt"/>
-              </a:rPr>
-              <a:t>);</a:t>
-            </a:r>
-          </a:p>
-          <a:p>
-            <a:pPr marL="0" indent="0">
-              <a:buNone/>
-            </a:pPr>
-            <a:r>
-              <a:rPr lang="en-US" altLang="zh-TW" dirty="0" smtClean="0">
-                <a:latin typeface="+mn-lt"/>
-              </a:rPr>
-              <a:t>  </a:t>
-            </a:r>
-            <a:r>
-              <a:rPr lang="en-US" altLang="zh-TW" dirty="0" err="1" smtClean="0">
-                <a:latin typeface="+mn-lt"/>
-              </a:rPr>
-              <a:t>log.debug</a:t>
-            </a:r>
-            <a:r>
-              <a:rPr lang="en-US" altLang="zh-TW" dirty="0">
-                <a:latin typeface="+mn-lt"/>
-              </a:rPr>
-              <a:t>("key==&gt;" + key);</a:t>
-            </a:r>
-          </a:p>
-          <a:p>
-            <a:pPr marL="0" indent="0">
-              <a:buNone/>
-            </a:pPr>
-            <a:r>
-              <a:rPr lang="en-US" altLang="zh-TW" dirty="0" smtClean="0">
-                <a:latin typeface="+mn-lt"/>
-              </a:rPr>
-              <a:t>}</a:t>
-            </a:r>
-            <a:endParaRPr lang="zh-TW" altLang="en-US" dirty="0">
-              <a:latin typeface="+mn-lt"/>
+              <a:latin typeface="Times New Roman" panose="02020603050405020304" pitchFamily="18" charset="0"/>
+              <a:cs typeface="Times New Roman" panose="02020603050405020304" pitchFamily="18" charset="0"/>
             </a:endParaRPr>
           </a:p>
         </p:txBody>
@@ -11575,13 +11641,20 @@
     </p:spTree>
     <p:extLst>
       <p:ext uri="{BB962C8B-B14F-4D97-AF65-F5344CB8AC3E}">
-        <p14:creationId xmlns:p14="http://schemas.microsoft.com/office/powerpoint/2010/main" val="2049130330"/>
+        <p14:creationId xmlns:p14="http://schemas.microsoft.com/office/powerpoint/2010/main" val="127330774"/>
       </p:ext>
     </p:extLst>
   </p:cSld>
   <p:clrMapOvr>
     <a:masterClrMapping/>
   </p:clrMapOvr>
+  <p:timing>
+    <p:tnLst>
+      <p:par>
+        <p:cTn id="1" dur="indefinite" restart="never" nodeType="tmRoot"/>
+      </p:par>
+    </p:tnLst>
+  </p:timing>
 </p:sld>
 </file>
 
@@ -11618,544 +11691,6 @@
           <a:lstStyle/>
           <a:p>
             <a:r>
-              <a:rPr lang="zh-TW" altLang="en-US" dirty="0" smtClean="0">
-                <a:solidFill>
-                  <a:schemeClr val="tx1"/>
-                </a:solidFill>
-              </a:rPr>
-              <a:t>批次</a:t>
-            </a:r>
-            <a:endParaRPr lang="zh-TW" altLang="en-US" dirty="0">
-              <a:solidFill>
-                <a:schemeClr val="tx1"/>
-              </a:solidFill>
-            </a:endParaRPr>
-          </a:p>
-        </p:txBody>
-      </p:sp>
-      <p:sp>
-        <p:nvSpPr>
-          <p:cNvPr id="3" name="內容版面配置區 2"/>
-          <p:cNvSpPr>
-            <a:spLocks noGrp="1"/>
-          </p:cNvSpPr>
-          <p:nvPr>
-            <p:ph idx="1"/>
-          </p:nvPr>
-        </p:nvSpPr>
-        <p:spPr>
-          <a:xfrm>
-            <a:off x="732609" y="1484507"/>
-            <a:ext cx="8946541" cy="4195481"/>
-          </a:xfrm>
-        </p:spPr>
-        <p:txBody>
-          <a:bodyPr/>
-          <a:lstStyle/>
-          <a:p>
-            <a:pPr marL="457200" indent="-457200">
-              <a:buFont typeface="+mj-lt"/>
-              <a:buAutoNum type="arabicPeriod"/>
-            </a:pPr>
-            <a:r>
-              <a:rPr lang="zh-TW" altLang="zh-TW" dirty="0">
-                <a:latin typeface="Times New Roman" panose="02020603050405020304" pitchFamily="18" charset="0"/>
-                <a:cs typeface="Times New Roman" panose="02020603050405020304" pitchFamily="18" charset="0"/>
-              </a:rPr>
-              <a:t>批次可以做</a:t>
-            </a:r>
-            <a:r>
-              <a:rPr lang="en-US" altLang="zh-TW" dirty="0">
-                <a:latin typeface="Times New Roman" panose="02020603050405020304" pitchFamily="18" charset="0"/>
-                <a:cs typeface="Times New Roman" panose="02020603050405020304" pitchFamily="18" charset="0"/>
-              </a:rPr>
-              <a:t> 2PC </a:t>
-            </a:r>
-            <a:r>
-              <a:rPr lang="zh-TW" altLang="zh-TW" dirty="0">
-                <a:latin typeface="Times New Roman" panose="02020603050405020304" pitchFamily="18" charset="0"/>
-                <a:cs typeface="Times New Roman" panose="02020603050405020304" pitchFamily="18" charset="0"/>
-              </a:rPr>
-              <a:t>嗎</a:t>
-            </a:r>
-            <a:r>
-              <a:rPr lang="en-US" altLang="zh-TW" dirty="0" smtClean="0">
-                <a:latin typeface="Times New Roman" panose="02020603050405020304" pitchFamily="18" charset="0"/>
-                <a:cs typeface="Times New Roman" panose="02020603050405020304" pitchFamily="18" charset="0"/>
-              </a:rPr>
-              <a:t>?</a:t>
-            </a:r>
-          </a:p>
-          <a:p>
-            <a:pPr marL="0" indent="0">
-              <a:buNone/>
-            </a:pPr>
-            <a:endParaRPr lang="en-US" altLang="zh-TW" dirty="0" smtClean="0">
-              <a:latin typeface="Times New Roman" panose="02020603050405020304" pitchFamily="18" charset="0"/>
-              <a:cs typeface="Times New Roman" panose="02020603050405020304" pitchFamily="18" charset="0"/>
-            </a:endParaRPr>
-          </a:p>
-          <a:p>
-            <a:pPr marL="457200" indent="-457200">
-              <a:buFont typeface="+mj-lt"/>
-              <a:buAutoNum type="arabicPeriod"/>
-            </a:pPr>
-            <a:r>
-              <a:rPr lang="zh-TW" altLang="zh-TW" dirty="0" smtClean="0">
-                <a:latin typeface="Times New Roman" panose="02020603050405020304" pitchFamily="18" charset="0"/>
-                <a:cs typeface="Times New Roman" panose="02020603050405020304" pitchFamily="18" charset="0"/>
-              </a:rPr>
-              <a:t>批次</a:t>
-            </a:r>
-            <a:r>
-              <a:rPr lang="zh-TW" altLang="zh-TW" dirty="0">
-                <a:latin typeface="Times New Roman" panose="02020603050405020304" pitchFamily="18" charset="0"/>
-                <a:cs typeface="Times New Roman" panose="02020603050405020304" pitchFamily="18" charset="0"/>
-              </a:rPr>
-              <a:t>與線上程式執行有何不同？</a:t>
-            </a:r>
-            <a:endParaRPr lang="zh-TW" altLang="en-US" dirty="0">
-              <a:latin typeface="Times New Roman" panose="02020603050405020304" pitchFamily="18" charset="0"/>
-              <a:cs typeface="Times New Roman" panose="02020603050405020304" pitchFamily="18" charset="0"/>
-            </a:endParaRPr>
-          </a:p>
-        </p:txBody>
-      </p:sp>
-      <p:sp>
-        <p:nvSpPr>
-          <p:cNvPr id="4" name="投影片編號版面配置區 3"/>
-          <p:cNvSpPr>
-            <a:spLocks noGrp="1"/>
-          </p:cNvSpPr>
-          <p:nvPr>
-            <p:ph type="sldNum" sz="quarter" idx="12"/>
-          </p:nvPr>
-        </p:nvSpPr>
-        <p:spPr/>
-        <p:txBody>
-          <a:bodyPr/>
-          <a:lstStyle/>
-          <a:p>
-            <a:fld id="{7EEA38C4-728D-4C6D-B45A-B952D9AC726F}" type="slidenum">
-              <a:rPr lang="zh-TW" altLang="en-US" smtClean="0"/>
-              <a:pPr/>
-              <a:t>19</a:t>
-            </a:fld>
-            <a:endParaRPr lang="zh-TW" altLang="en-US" dirty="0"/>
-          </a:p>
-        </p:txBody>
-      </p:sp>
-    </p:spTree>
-    <p:extLst>
-      <p:ext uri="{BB962C8B-B14F-4D97-AF65-F5344CB8AC3E}">
-        <p14:creationId xmlns:p14="http://schemas.microsoft.com/office/powerpoint/2010/main" val="127330774"/>
-      </p:ext>
-    </p:extLst>
-  </p:cSld>
-  <p:clrMapOvr>
-    <a:masterClrMapping/>
-  </p:clrMapOvr>
-  <p:timing>
-    <p:tnLst>
-      <p:par>
-        <p:cTn id="1" dur="indefinite" restart="never" nodeType="tmRoot"/>
-      </p:par>
-    </p:tnLst>
-  </p:timing>
-</p:sld>
-</file>
-
-<file path=ppt/slides/slide2.xml><?xml version="1.0" encoding="utf-8"?>
-<p:sld xmlns:a="http://schemas.openxmlformats.org/drawingml/2006/main" xmlns:r="http://schemas.openxmlformats.org/officeDocument/2006/relationships" xmlns:p="http://schemas.openxmlformats.org/presentationml/2006/main">
-  <p:cSld>
-    <p:spTree>
-      <p:nvGrpSpPr>
-        <p:cNvPr id="1" name=""/>
-        <p:cNvGrpSpPr/>
-        <p:nvPr/>
-      </p:nvGrpSpPr>
-      <p:grpSpPr>
-        <a:xfrm>
-          <a:off x="0" y="0"/>
-          <a:ext cx="0" cy="0"/>
-          <a:chOff x="0" y="0"/>
-          <a:chExt cx="0" cy="0"/>
-        </a:xfrm>
-      </p:grpSpPr>
-      <p:sp>
-        <p:nvSpPr>
-          <p:cNvPr id="2" name="標題 1"/>
-          <p:cNvSpPr>
-            <a:spLocks noGrp="1"/>
-          </p:cNvSpPr>
-          <p:nvPr>
-            <p:ph type="title"/>
-          </p:nvPr>
-        </p:nvSpPr>
-        <p:spPr/>
-        <p:txBody>
-          <a:bodyPr/>
-          <a:lstStyle/>
-          <a:p>
-            <a:r>
-              <a:rPr lang="en-US" altLang="zh-TW" dirty="0">
-                <a:solidFill>
-                  <a:srgbClr val="FF0000"/>
-                </a:solidFill>
-              </a:rPr>
-              <a:t>DB2PoolSvc.xml</a:t>
-            </a:r>
-            <a:endParaRPr lang="zh-TW" altLang="en-US" dirty="0">
-              <a:solidFill>
-                <a:srgbClr val="FF0000"/>
-              </a:solidFill>
-            </a:endParaRPr>
-          </a:p>
-        </p:txBody>
-      </p:sp>
-      <p:sp>
-        <p:nvSpPr>
-          <p:cNvPr id="3" name="內容版面配置區 2"/>
-          <p:cNvSpPr>
-            <a:spLocks noGrp="1"/>
-          </p:cNvSpPr>
-          <p:nvPr>
-            <p:ph idx="1"/>
-          </p:nvPr>
-        </p:nvSpPr>
-        <p:spPr/>
-        <p:txBody>
-          <a:bodyPr/>
-          <a:lstStyle/>
-          <a:p>
-            <a:pPr marL="457200" indent="-457200">
-              <a:buFont typeface="+mj-lt"/>
-              <a:buAutoNum type="arabicPeriod"/>
-            </a:pPr>
-            <a:r>
-              <a:rPr lang="en-US" altLang="zh-TW" dirty="0"/>
-              <a:t>Sever </a:t>
-            </a:r>
-            <a:r>
-              <a:rPr lang="zh-TW" altLang="en-US" dirty="0"/>
-              <a:t>啟動時建 </a:t>
-            </a:r>
-            <a:r>
-              <a:rPr lang="en-US" altLang="zh-TW" dirty="0" err="1"/>
-              <a:t>DataSource</a:t>
-            </a:r>
-            <a:r>
-              <a:rPr lang="zh-TW" altLang="en-US" dirty="0"/>
-              <a:t>是</a:t>
-            </a:r>
-            <a:r>
-              <a:rPr lang="en-US" altLang="zh-TW" dirty="0"/>
-              <a:t>DB2PoolSvc.xml</a:t>
-            </a:r>
-            <a:r>
-              <a:rPr lang="zh-TW" altLang="en-US" dirty="0"/>
-              <a:t>建立？還是如何驅動</a:t>
-            </a:r>
-            <a:r>
-              <a:rPr lang="zh-TW" altLang="en-US" dirty="0" smtClean="0"/>
-              <a:t>？</a:t>
-            </a:r>
-            <a:endParaRPr lang="en-US" altLang="zh-TW" dirty="0" smtClean="0"/>
-          </a:p>
-          <a:p>
-            <a:pPr marL="400050" lvl="1" indent="0">
-              <a:buNone/>
-            </a:pPr>
-            <a:r>
-              <a:rPr lang="zh-TW" altLang="en-US" dirty="0" smtClean="0">
-                <a:solidFill>
-                  <a:srgbClr val="FFFF00"/>
-                </a:solidFill>
-              </a:rPr>
-              <a:t>設定在</a:t>
-            </a:r>
-            <a:r>
-              <a:rPr lang="en-US" altLang="zh-TW" dirty="0" smtClean="0">
-                <a:solidFill>
-                  <a:srgbClr val="FFFF00"/>
-                </a:solidFill>
-              </a:rPr>
-              <a:t>EAR</a:t>
-            </a:r>
-            <a:r>
-              <a:rPr lang="zh-TW" altLang="en-US" dirty="0" smtClean="0">
-                <a:solidFill>
-                  <a:srgbClr val="FFFF00"/>
-                </a:solidFill>
-              </a:rPr>
-              <a:t>的</a:t>
-            </a:r>
-            <a:r>
-              <a:rPr lang="en-US" altLang="zh-TW" dirty="0" smtClean="0">
-                <a:solidFill>
-                  <a:srgbClr val="FFFF00"/>
-                </a:solidFill>
-              </a:rPr>
-              <a:t>application.xml</a:t>
-            </a:r>
-            <a:r>
-              <a:rPr lang="zh-TW" altLang="en-US" dirty="0" smtClean="0">
-                <a:solidFill>
-                  <a:srgbClr val="FFFF00"/>
-                </a:solidFill>
-              </a:rPr>
-              <a:t>；</a:t>
-            </a:r>
-            <a:endParaRPr lang="en-US" altLang="zh-TW" dirty="0" smtClean="0">
-              <a:solidFill>
-                <a:srgbClr val="FFFF00"/>
-              </a:solidFill>
-            </a:endParaRPr>
-          </a:p>
-          <a:p>
-            <a:pPr marL="400050" lvl="1" indent="0">
-              <a:buNone/>
-            </a:pPr>
-            <a:r>
-              <a:rPr lang="zh-TW" altLang="en-US" dirty="0" smtClean="0">
-                <a:solidFill>
-                  <a:srgbClr val="FFFF00"/>
-                </a:solidFill>
-              </a:rPr>
-              <a:t>當</a:t>
-            </a:r>
-            <a:r>
-              <a:rPr lang="en-US" altLang="zh-TW" dirty="0" smtClean="0">
-                <a:solidFill>
-                  <a:srgbClr val="FFFF00"/>
-                </a:solidFill>
-              </a:rPr>
-              <a:t>Server</a:t>
-            </a:r>
-            <a:r>
-              <a:rPr lang="zh-TW" altLang="en-US" dirty="0" smtClean="0">
-                <a:solidFill>
-                  <a:srgbClr val="FFFF00"/>
-                </a:solidFill>
-              </a:rPr>
-              <a:t>啟動時，</a:t>
-            </a:r>
-            <a:r>
-              <a:rPr lang="en-US" altLang="zh-TW" dirty="0" smtClean="0">
-                <a:solidFill>
-                  <a:srgbClr val="FFFF00"/>
-                </a:solidFill>
-              </a:rPr>
-              <a:t>EAR</a:t>
-            </a:r>
-            <a:r>
-              <a:rPr lang="zh-TW" altLang="en-US" dirty="0" smtClean="0">
-                <a:solidFill>
-                  <a:srgbClr val="FFFF00"/>
-                </a:solidFill>
-              </a:rPr>
-              <a:t>的連線會載入到</a:t>
-            </a:r>
-            <a:r>
-              <a:rPr lang="en-US" altLang="zh-TW" dirty="0" smtClean="0">
-                <a:solidFill>
-                  <a:srgbClr val="FFFF00"/>
-                </a:solidFill>
-              </a:rPr>
-              <a:t>Server</a:t>
-            </a:r>
-            <a:r>
-              <a:rPr lang="zh-TW" altLang="en-US" dirty="0" smtClean="0">
-                <a:solidFill>
-                  <a:srgbClr val="FFFF00"/>
-                </a:solidFill>
-              </a:rPr>
-              <a:t>上的</a:t>
-            </a:r>
-            <a:r>
-              <a:rPr lang="en-US" altLang="zh-TW" dirty="0" smtClean="0">
-                <a:solidFill>
-                  <a:srgbClr val="FFFF00"/>
-                </a:solidFill>
-              </a:rPr>
-              <a:t>pool</a:t>
-            </a:r>
-            <a:r>
-              <a:rPr lang="zh-TW" altLang="en-US" dirty="0" smtClean="0">
-                <a:solidFill>
-                  <a:srgbClr val="FFFF00"/>
-                </a:solidFill>
-              </a:rPr>
-              <a:t>連線池，統一控管；</a:t>
-            </a:r>
-            <a:endParaRPr lang="en-US" altLang="zh-TW" dirty="0" smtClean="0">
-              <a:solidFill>
-                <a:srgbClr val="FFFF00"/>
-              </a:solidFill>
-            </a:endParaRPr>
-          </a:p>
-          <a:p>
-            <a:pPr marL="400050" lvl="1" indent="0">
-              <a:buNone/>
-            </a:pPr>
-            <a:endParaRPr lang="en-US" altLang="zh-TW" dirty="0" smtClean="0">
-              <a:solidFill>
-                <a:srgbClr val="FFFF00"/>
-              </a:solidFill>
-            </a:endParaRPr>
-          </a:p>
-          <a:p>
-            <a:pPr marL="457200" indent="-457200">
-              <a:buFont typeface="+mj-lt"/>
-              <a:buAutoNum type="arabicPeriod"/>
-            </a:pPr>
-            <a:endParaRPr lang="en-US" altLang="zh-TW" dirty="0" smtClean="0"/>
-          </a:p>
-          <a:p>
-            <a:pPr marL="457200" indent="-457200">
-              <a:buFont typeface="+mj-lt"/>
-              <a:buAutoNum type="arabicPeriod"/>
-            </a:pPr>
-            <a:endParaRPr lang="en-US" altLang="zh-TW" dirty="0"/>
-          </a:p>
-          <a:p>
-            <a:pPr marL="457200" indent="-457200">
-              <a:buFont typeface="+mj-lt"/>
-              <a:buAutoNum type="arabicPeriod"/>
-            </a:pPr>
-            <a:endParaRPr lang="en-US" altLang="zh-TW" dirty="0" smtClean="0"/>
-          </a:p>
-          <a:p>
-            <a:pPr marL="457200" indent="-457200">
-              <a:buFont typeface="+mj-lt"/>
-              <a:buAutoNum type="arabicPeriod"/>
-            </a:pPr>
-            <a:endParaRPr lang="en-US" altLang="zh-TW" dirty="0"/>
-          </a:p>
-          <a:p>
-            <a:pPr marL="457200" indent="-457200">
-              <a:buFont typeface="+mj-lt"/>
-              <a:buAutoNum type="arabicPeriod"/>
-            </a:pPr>
-            <a:endParaRPr lang="en-US" altLang="zh-TW" dirty="0" smtClean="0"/>
-          </a:p>
-          <a:p>
-            <a:pPr marL="457200" indent="-457200">
-              <a:buFont typeface="+mj-lt"/>
-              <a:buAutoNum type="arabicPeriod"/>
-            </a:pPr>
-            <a:r>
-              <a:rPr lang="en-US" altLang="zh-TW" dirty="0"/>
-              <a:t>DB2PoolSvc.xml  type pool</a:t>
-            </a:r>
-            <a:r>
-              <a:rPr lang="zh-TW" altLang="en-US" dirty="0"/>
-              <a:t>與 </a:t>
-            </a:r>
-            <a:r>
-              <a:rPr lang="en-US" altLang="zh-TW" dirty="0" err="1"/>
-              <a:t>dbcp</a:t>
-            </a:r>
-            <a:r>
-              <a:rPr lang="en-US" altLang="zh-TW" dirty="0"/>
-              <a:t> </a:t>
-            </a:r>
-            <a:r>
-              <a:rPr lang="zh-TW" altLang="en-US" dirty="0"/>
-              <a:t>差異為何</a:t>
-            </a:r>
-            <a:r>
-              <a:rPr lang="zh-TW" altLang="en-US" dirty="0" smtClean="0"/>
-              <a:t>？</a:t>
-            </a:r>
-            <a:endParaRPr lang="en-US" altLang="zh-TW" dirty="0" smtClean="0"/>
-          </a:p>
-          <a:p>
-            <a:pPr marL="457200" indent="-457200">
-              <a:buFont typeface="+mj-lt"/>
-              <a:buAutoNum type="arabicPeriod"/>
-            </a:pPr>
-            <a:endParaRPr lang="zh-TW" altLang="en-US" dirty="0"/>
-          </a:p>
-        </p:txBody>
-      </p:sp>
-      <p:sp>
-        <p:nvSpPr>
-          <p:cNvPr id="4" name="投影片編號版面配置區 3"/>
-          <p:cNvSpPr>
-            <a:spLocks noGrp="1"/>
-          </p:cNvSpPr>
-          <p:nvPr>
-            <p:ph type="sldNum" sz="quarter" idx="12"/>
-          </p:nvPr>
-        </p:nvSpPr>
-        <p:spPr/>
-        <p:txBody>
-          <a:bodyPr/>
-          <a:lstStyle/>
-          <a:p>
-            <a:fld id="{7EEA38C4-728D-4C6D-B45A-B952D9AC726F}" type="slidenum">
-              <a:rPr lang="zh-TW" altLang="en-US" smtClean="0"/>
-              <a:pPr/>
-              <a:t>2</a:t>
-            </a:fld>
-            <a:endParaRPr lang="zh-TW" altLang="en-US" dirty="0"/>
-          </a:p>
-        </p:txBody>
-      </p:sp>
-    </p:spTree>
-    <p:extLst>
-      <p:ext uri="{BB962C8B-B14F-4D97-AF65-F5344CB8AC3E}">
-        <p14:creationId xmlns:p14="http://schemas.microsoft.com/office/powerpoint/2010/main" val="3540486761"/>
-      </p:ext>
-    </p:extLst>
-  </p:cSld>
-  <p:clrMapOvr>
-    <a:masterClrMapping/>
-  </p:clrMapOvr>
-  <p:timing>
-    <p:tnLst>
-      <p:par>
-        <p:cTn id="1" dur="indefinite" restart="never" nodeType="tmRoot"/>
-      </p:par>
-    </p:tnLst>
-  </p:timing>
-</p:sld>
-</file>
-
-<file path=ppt/slides/slide20.xml><?xml version="1.0" encoding="utf-8"?>
-<p:sld xmlns:a="http://schemas.openxmlformats.org/drawingml/2006/main" xmlns:r="http://schemas.openxmlformats.org/officeDocument/2006/relationships" xmlns:p="http://schemas.openxmlformats.org/presentationml/2006/main">
-  <p:cSld>
-    <p:spTree>
-      <p:nvGrpSpPr>
-        <p:cNvPr id="1" name=""/>
-        <p:cNvGrpSpPr/>
-        <p:nvPr/>
-      </p:nvGrpSpPr>
-      <p:grpSpPr>
-        <a:xfrm>
-          <a:off x="0" y="0"/>
-          <a:ext cx="0" cy="0"/>
-          <a:chOff x="0" y="0"/>
-          <a:chExt cx="0" cy="0"/>
-        </a:xfrm>
-      </p:grpSpPr>
-      <p:sp>
-        <p:nvSpPr>
-          <p:cNvPr id="2" name="標題 1"/>
-          <p:cNvSpPr>
-            <a:spLocks noGrp="1"/>
-          </p:cNvSpPr>
-          <p:nvPr>
-            <p:ph type="title"/>
-          </p:nvPr>
-        </p:nvSpPr>
-        <p:spPr/>
-        <p:txBody>
-          <a:bodyPr/>
-          <a:lstStyle/>
-          <a:p>
-            <a:r>
               <a:rPr lang="en-US" altLang="zh-TW" dirty="0" err="1">
                 <a:solidFill>
                   <a:schemeClr val="tx1"/>
@@ -12192,14 +11727,26 @@
           <a:lstStyle/>
           <a:p>
             <a:r>
-              <a:rPr lang="en-US" altLang="zh-TW" dirty="0" err="1"/>
+              <a:rPr lang="en-US" altLang="zh-TW" dirty="0" err="1">
+                <a:solidFill>
+                  <a:srgbClr val="FF0000"/>
+                </a:solidFill>
+              </a:rPr>
               <a:t>DBMudule</a:t>
             </a:r>
             <a:r>
-              <a:rPr lang="zh-TW" altLang="zh-TW" dirty="0"/>
+              <a:rPr lang="zh-TW" altLang="zh-TW" dirty="0">
+                <a:solidFill>
+                  <a:srgbClr val="FF0000"/>
+                </a:solidFill>
+              </a:rPr>
               <a:t>使用的時機？</a:t>
             </a:r>
-            <a:endParaRPr lang="en-US" altLang="zh-TW" dirty="0"/>
+            <a:endParaRPr lang="en-US" altLang="zh-TW" dirty="0">
+              <a:solidFill>
+                <a:srgbClr val="FF0000"/>
+              </a:solidFill>
+            </a:endParaRPr>
           </a:p>
           <a:p>
             <a:endParaRPr lang="en-US" altLang="zh-TW" dirty="0" smtClean="0"/>
@@ -12380,7 +11927,7 @@
           <a:p>
             <a:fld id="{7EEA38C4-728D-4C6D-B45A-B952D9AC726F}" type="slidenum">
               <a:rPr lang="zh-TW" altLang="en-US" smtClean="0"/>
-              <a:t>20</a:t>
+              <a:t>19</a:t>
             </a:fld>
             <a:endParaRPr lang="zh-TW" altLang="en-US"/>
           </a:p>
@@ -12430,7 +11977,7 @@
 </p:sld>
 </file>
 
-<file path=ppt/slides/slide21.xml><?xml version="1.0" encoding="utf-8"?>
+<file path=ppt/slides/slide2.xml><?xml version="1.0" encoding="utf-8"?>
 <p:sld xmlns:a="http://schemas.openxmlformats.org/drawingml/2006/main" xmlns:r="http://schemas.openxmlformats.org/officeDocument/2006/relationships" xmlns:p="http://schemas.openxmlformats.org/presentationml/2006/main">
   <p:cSld>
     <p:spTree>
@@ -12463,12 +12010,350 @@
           <a:lstStyle/>
           <a:p>
             <a:r>
-              <a:rPr lang="en-US" altLang="zh-TW" dirty="0" err="1">
+              <a:rPr lang="en-US" altLang="zh-TW" dirty="0">
+                <a:solidFill>
+                  <a:schemeClr val="tx1"/>
+                </a:solidFill>
+              </a:rPr>
+              <a:t>DB2PoolSvc.xml</a:t>
+            </a:r>
+            <a:endParaRPr lang="zh-TW" altLang="en-US" dirty="0">
+              <a:solidFill>
+                <a:schemeClr val="tx1"/>
+              </a:solidFill>
+            </a:endParaRPr>
+          </a:p>
+        </p:txBody>
+      </p:sp>
+      <p:sp>
+        <p:nvSpPr>
+          <p:cNvPr id="3" name="內容版面配置區 2"/>
+          <p:cNvSpPr>
+            <a:spLocks noGrp="1"/>
+          </p:cNvSpPr>
+          <p:nvPr>
+            <p:ph idx="1"/>
+          </p:nvPr>
+        </p:nvSpPr>
+        <p:spPr>
+          <a:xfrm>
+            <a:off x="801163" y="1583791"/>
+            <a:ext cx="8946541" cy="4195481"/>
+          </a:xfrm>
+        </p:spPr>
+        <p:txBody>
+          <a:bodyPr/>
+          <a:lstStyle/>
+          <a:p>
+            <a:pPr marL="457200" indent="-457200">
+              <a:buFont typeface="+mj-lt"/>
+              <a:buAutoNum type="arabicPeriod"/>
+            </a:pPr>
+            <a:r>
+              <a:rPr lang="en-US" altLang="zh-TW" dirty="0"/>
+              <a:t>Sever </a:t>
+            </a:r>
+            <a:r>
+              <a:rPr lang="zh-TW" altLang="en-US" dirty="0"/>
+              <a:t>啟動時建 </a:t>
+            </a:r>
+            <a:r>
+              <a:rPr lang="en-US" altLang="zh-TW" dirty="0" err="1"/>
+              <a:t>DataSource</a:t>
+            </a:r>
+            <a:r>
+              <a:rPr lang="zh-TW" altLang="en-US" dirty="0"/>
+              <a:t>是</a:t>
+            </a:r>
+            <a:r>
+              <a:rPr lang="en-US" altLang="zh-TW" dirty="0"/>
+              <a:t>DB2PoolSvc.xml</a:t>
+            </a:r>
+            <a:r>
+              <a:rPr lang="zh-TW" altLang="en-US" dirty="0"/>
+              <a:t>建立？還是如何驅動</a:t>
+            </a:r>
+            <a:r>
+              <a:rPr lang="zh-TW" altLang="en-US" dirty="0" smtClean="0"/>
+              <a:t>？</a:t>
+            </a:r>
+            <a:endParaRPr lang="en-US" altLang="zh-TW" dirty="0" smtClean="0"/>
+          </a:p>
+          <a:p>
+            <a:pPr marL="400050" lvl="1" indent="0">
+              <a:buNone/>
+            </a:pPr>
+            <a:r>
+              <a:rPr lang="zh-TW" altLang="en-US" dirty="0" smtClean="0">
+                <a:solidFill>
+                  <a:srgbClr val="FFFF00"/>
+                </a:solidFill>
+              </a:rPr>
+              <a:t>設定在</a:t>
+            </a:r>
+            <a:r>
+              <a:rPr lang="en-US" altLang="zh-TW" dirty="0" smtClean="0">
+                <a:solidFill>
+                  <a:srgbClr val="FFFF00"/>
+                </a:solidFill>
+              </a:rPr>
+              <a:t>EAR</a:t>
+            </a:r>
+            <a:r>
+              <a:rPr lang="zh-TW" altLang="en-US" dirty="0" smtClean="0">
+                <a:solidFill>
+                  <a:srgbClr val="FFFF00"/>
+                </a:solidFill>
+              </a:rPr>
+              <a:t>的</a:t>
+            </a:r>
+            <a:r>
+              <a:rPr lang="en-US" altLang="zh-TW" dirty="0" smtClean="0">
+                <a:solidFill>
+                  <a:srgbClr val="FFFF00"/>
+                </a:solidFill>
+              </a:rPr>
+              <a:t>application.xml</a:t>
+            </a:r>
+            <a:r>
+              <a:rPr lang="zh-TW" altLang="en-US" dirty="0" smtClean="0">
+                <a:solidFill>
+                  <a:srgbClr val="FFFF00"/>
+                </a:solidFill>
+              </a:rPr>
+              <a:t>；</a:t>
+            </a:r>
+            <a:endParaRPr lang="en-US" altLang="zh-TW" dirty="0" smtClean="0">
+              <a:solidFill>
+                <a:srgbClr val="FFFF00"/>
+              </a:solidFill>
+            </a:endParaRPr>
+          </a:p>
+          <a:p>
+            <a:pPr marL="400050" lvl="1" indent="0">
+              <a:buNone/>
+            </a:pPr>
+            <a:r>
+              <a:rPr lang="zh-TW" altLang="en-US" dirty="0" smtClean="0">
+                <a:solidFill>
+                  <a:srgbClr val="FFFF00"/>
+                </a:solidFill>
+              </a:rPr>
+              <a:t>當</a:t>
+            </a:r>
+            <a:r>
+              <a:rPr lang="en-US" altLang="zh-TW" dirty="0" smtClean="0">
+                <a:solidFill>
+                  <a:srgbClr val="FFFF00"/>
+                </a:solidFill>
+              </a:rPr>
+              <a:t>Server</a:t>
+            </a:r>
+            <a:r>
+              <a:rPr lang="zh-TW" altLang="en-US" dirty="0" smtClean="0">
+                <a:solidFill>
+                  <a:srgbClr val="FFFF00"/>
+                </a:solidFill>
+              </a:rPr>
+              <a:t>啟動時，</a:t>
+            </a:r>
+            <a:r>
+              <a:rPr lang="en-US" altLang="zh-TW" dirty="0" smtClean="0">
+                <a:solidFill>
+                  <a:srgbClr val="FFFF00"/>
+                </a:solidFill>
+              </a:rPr>
+              <a:t>EAR</a:t>
+            </a:r>
+            <a:r>
+              <a:rPr lang="zh-TW" altLang="en-US" dirty="0" smtClean="0">
+                <a:solidFill>
+                  <a:srgbClr val="FFFF00"/>
+                </a:solidFill>
+              </a:rPr>
+              <a:t>的連線會載入到</a:t>
+            </a:r>
+            <a:r>
+              <a:rPr lang="en-US" altLang="zh-TW" dirty="0" smtClean="0">
+                <a:solidFill>
+                  <a:srgbClr val="FFFF00"/>
+                </a:solidFill>
+              </a:rPr>
+              <a:t>Server</a:t>
+            </a:r>
+            <a:r>
+              <a:rPr lang="zh-TW" altLang="en-US" dirty="0" smtClean="0">
+                <a:solidFill>
+                  <a:srgbClr val="FFFF00"/>
+                </a:solidFill>
+              </a:rPr>
+              <a:t>上的</a:t>
+            </a:r>
+            <a:r>
+              <a:rPr lang="en-US" altLang="zh-TW" dirty="0" smtClean="0">
+                <a:solidFill>
+                  <a:srgbClr val="FFFF00"/>
+                </a:solidFill>
+              </a:rPr>
+              <a:t>pool</a:t>
+            </a:r>
+            <a:r>
+              <a:rPr lang="zh-TW" altLang="en-US" dirty="0" smtClean="0">
+                <a:solidFill>
+                  <a:srgbClr val="FFFF00"/>
+                </a:solidFill>
+              </a:rPr>
+              <a:t>連線池，統一控管；</a:t>
+            </a:r>
+            <a:endParaRPr lang="en-US" altLang="zh-TW" dirty="0" smtClean="0">
+              <a:solidFill>
+                <a:srgbClr val="FFFF00"/>
+              </a:solidFill>
+            </a:endParaRPr>
+          </a:p>
+          <a:p>
+            <a:pPr marL="457200" indent="-457200">
+              <a:buFont typeface="+mj-lt"/>
+              <a:buAutoNum type="arabicPeriod"/>
+            </a:pPr>
+            <a:r>
+              <a:rPr lang="en-US" altLang="zh-TW" dirty="0" smtClean="0"/>
+              <a:t>DB2PoolSvc.xml  </a:t>
+            </a:r>
+            <a:r>
+              <a:rPr lang="en-US" altLang="zh-TW" dirty="0"/>
+              <a:t>type pool</a:t>
+            </a:r>
+            <a:r>
+              <a:rPr lang="zh-TW" altLang="en-US" dirty="0"/>
+              <a:t>與 </a:t>
+            </a:r>
+            <a:r>
+              <a:rPr lang="en-US" altLang="zh-TW" dirty="0" err="1"/>
+              <a:t>dbcp</a:t>
+            </a:r>
+            <a:r>
+              <a:rPr lang="en-US" altLang="zh-TW" dirty="0"/>
+              <a:t> </a:t>
+            </a:r>
+            <a:r>
+              <a:rPr lang="zh-TW" altLang="en-US" dirty="0"/>
+              <a:t>差異為何</a:t>
+            </a:r>
+            <a:r>
+              <a:rPr lang="zh-TW" altLang="en-US" dirty="0" smtClean="0"/>
+              <a:t>？</a:t>
+            </a:r>
+            <a:endParaRPr lang="en-US" altLang="zh-TW" dirty="0" smtClean="0"/>
+          </a:p>
+          <a:p>
+            <a:pPr marL="457200" indent="-457200">
+              <a:buFont typeface="+mj-lt"/>
+              <a:buAutoNum type="arabicPeriod"/>
+            </a:pPr>
+            <a:endParaRPr lang="zh-TW" altLang="en-US" dirty="0"/>
+          </a:p>
+        </p:txBody>
+      </p:sp>
+      <p:sp>
+        <p:nvSpPr>
+          <p:cNvPr id="4" name="投影片編號版面配置區 3"/>
+          <p:cNvSpPr>
+            <a:spLocks noGrp="1"/>
+          </p:cNvSpPr>
+          <p:nvPr>
+            <p:ph type="sldNum" sz="quarter" idx="12"/>
+          </p:nvPr>
+        </p:nvSpPr>
+        <p:spPr/>
+        <p:txBody>
+          <a:bodyPr/>
+          <a:lstStyle/>
+          <a:p>
+            <a:fld id="{7EEA38C4-728D-4C6D-B45A-B952D9AC726F}" type="slidenum">
+              <a:rPr lang="zh-TW" altLang="en-US" smtClean="0"/>
+              <a:pPr/>
+              <a:t>2</a:t>
+            </a:fld>
+            <a:endParaRPr lang="zh-TW" altLang="en-US" dirty="0"/>
+          </a:p>
+        </p:txBody>
+      </p:sp>
+    </p:spTree>
+    <p:extLst>
+      <p:ext uri="{BB962C8B-B14F-4D97-AF65-F5344CB8AC3E}">
+        <p14:creationId xmlns:p14="http://schemas.microsoft.com/office/powerpoint/2010/main" val="3540486761"/>
+      </p:ext>
+    </p:extLst>
+  </p:cSld>
+  <p:clrMapOvr>
+    <a:masterClrMapping/>
+  </p:clrMapOvr>
+  <p:timing>
+    <p:tnLst>
+      <p:par>
+        <p:cTn id="1" dur="indefinite" restart="never" nodeType="tmRoot"/>
+      </p:par>
+    </p:tnLst>
+  </p:timing>
+</p:sld>
+</file>
+
+<file path=ppt/slides/slide20.xml><?xml version="1.0" encoding="utf-8"?>
+<p:sld xmlns:a="http://schemas.openxmlformats.org/drawingml/2006/main" xmlns:r="http://schemas.openxmlformats.org/officeDocument/2006/relationships" xmlns:p="http://schemas.openxmlformats.org/presentationml/2006/main">
+  <p:cSld>
+    <p:spTree>
+      <p:nvGrpSpPr>
+        <p:cNvPr id="1" name=""/>
+        <p:cNvGrpSpPr/>
+        <p:nvPr/>
+      </p:nvGrpSpPr>
+      <p:grpSpPr>
+        <a:xfrm>
+          <a:off x="0" y="0"/>
+          <a:ext cx="0" cy="0"/>
+          <a:chOff x="0" y="0"/>
+          <a:chExt cx="0" cy="0"/>
+        </a:xfrm>
+      </p:grpSpPr>
+      <p:sp>
+        <p:nvSpPr>
+          <p:cNvPr id="2" name="標題 1"/>
+          <p:cNvSpPr>
+            <a:spLocks noGrp="1"/>
+          </p:cNvSpPr>
+          <p:nvPr>
+            <p:ph type="title"/>
+          </p:nvPr>
+        </p:nvSpPr>
+        <p:spPr/>
+        <p:txBody>
+          <a:bodyPr/>
+          <a:lstStyle/>
+          <a:p>
+            <a:r>
+              <a:rPr lang="en-US" altLang="zh-TW" dirty="0" err="1" smtClean="0">
                 <a:solidFill>
                   <a:srgbClr val="FF0000"/>
                 </a:solidFill>
               </a:rPr>
               <a:t>DBMudule</a:t>
+            </a:r>
+            <a:r>
+              <a:rPr lang="en-US" altLang="zh-TW" dirty="0" smtClean="0">
+                <a:solidFill>
+                  <a:srgbClr val="FF0000"/>
+                </a:solidFill>
+              </a:rPr>
+              <a:t> </a:t>
+            </a:r>
+            <a:r>
+              <a:rPr lang="zh-TW" altLang="en-US" dirty="0" smtClean="0">
+                <a:solidFill>
+                  <a:srgbClr val="FF0000"/>
+                </a:solidFill>
+              </a:rPr>
+              <a:t>這頁要改圖</a:t>
             </a:r>
             <a:endParaRPr lang="zh-TW" altLang="en-US" dirty="0">
               <a:solidFill>
@@ -12516,15 +12401,12 @@
             </a:r>
             <a:r>
               <a:rPr lang="zh-TW" altLang="zh-TW" dirty="0"/>
-              <a:t>資料一起要進行交易控制，該如何做到交易控制</a:t>
+              <a:t>資料一起要進行交易控制，該如何做到交易</a:t>
             </a:r>
             <a:r>
               <a:rPr lang="zh-TW" altLang="zh-TW" dirty="0" smtClean="0"/>
-              <a:t>？</a:t>
-            </a:r>
-            <a:endParaRPr lang="en-US" altLang="zh-TW" dirty="0" smtClean="0"/>
-          </a:p>
-          <a:p>
+              <a:t>控制？</a:t>
+            </a:r>
             <a:endParaRPr lang="en-US" altLang="zh-TW" dirty="0" smtClean="0"/>
           </a:p>
           <a:p>
@@ -12559,7 +12441,7 @@
             <a:fld id="{7EEA38C4-728D-4C6D-B45A-B952D9AC726F}" type="slidenum">
               <a:rPr lang="zh-TW" altLang="en-US" smtClean="0"/>
               <a:pPr/>
-              <a:t>21</a:t>
+              <a:t>20</a:t>
             </a:fld>
             <a:endParaRPr lang="zh-TW" altLang="en-US" dirty="0"/>
           </a:p>
@@ -12609,6 +12491,256 @@
 </p:sld>
 </file>
 
+<file path=ppt/slides/slide21.xml><?xml version="1.0" encoding="utf-8"?>
+<p:sld xmlns:a="http://schemas.openxmlformats.org/drawingml/2006/main" xmlns:r="http://schemas.openxmlformats.org/officeDocument/2006/relationships" xmlns:p="http://schemas.openxmlformats.org/presentationml/2006/main">
+  <p:cSld>
+    <p:spTree>
+      <p:nvGrpSpPr>
+        <p:cNvPr id="1" name=""/>
+        <p:cNvGrpSpPr/>
+        <p:nvPr/>
+      </p:nvGrpSpPr>
+      <p:grpSpPr>
+        <a:xfrm>
+          <a:off x="0" y="0"/>
+          <a:ext cx="0" cy="0"/>
+          <a:chOff x="0" y="0"/>
+          <a:chExt cx="0" cy="0"/>
+        </a:xfrm>
+      </p:grpSpPr>
+      <p:sp>
+        <p:nvSpPr>
+          <p:cNvPr id="2" name="標題 1"/>
+          <p:cNvSpPr>
+            <a:spLocks noGrp="1"/>
+          </p:cNvSpPr>
+          <p:nvPr>
+            <p:ph type="title"/>
+          </p:nvPr>
+        </p:nvSpPr>
+        <p:spPr/>
+        <p:txBody>
+          <a:bodyPr/>
+          <a:lstStyle/>
+          <a:p>
+            <a:r>
+              <a:rPr lang="zh-TW" altLang="en-US" dirty="0"/>
+              <a:t>測試</a:t>
+            </a:r>
+            <a:r>
+              <a:rPr lang="en-US" altLang="zh-TW" dirty="0" smtClean="0"/>
+              <a:t>Dataset Clear(1)</a:t>
+            </a:r>
+            <a:endParaRPr lang="zh-TW" altLang="en-US" dirty="0"/>
+          </a:p>
+        </p:txBody>
+      </p:sp>
+      <p:sp>
+        <p:nvSpPr>
+          <p:cNvPr id="3" name="內容版面配置區 2"/>
+          <p:cNvSpPr>
+            <a:spLocks noGrp="1"/>
+          </p:cNvSpPr>
+          <p:nvPr>
+            <p:ph idx="1"/>
+          </p:nvPr>
+        </p:nvSpPr>
+        <p:spPr>
+          <a:xfrm>
+            <a:off x="739192" y="1297507"/>
+            <a:ext cx="8946541" cy="5244493"/>
+          </a:xfrm>
+        </p:spPr>
+        <p:txBody>
+          <a:bodyPr>
+            <a:normAutofit/>
+          </a:bodyPr>
+          <a:lstStyle/>
+          <a:p>
+            <a:r>
+              <a:rPr lang="zh-TW" altLang="en-US" dirty="0"/>
+              <a:t>不做</a:t>
+            </a:r>
+            <a:r>
+              <a:rPr lang="en-US" altLang="zh-TW" dirty="0"/>
+              <a:t>clear</a:t>
+            </a:r>
+            <a:r>
+              <a:rPr lang="zh-TW" altLang="en-US" dirty="0"/>
+              <a:t>會不會</a:t>
+            </a:r>
+            <a:r>
+              <a:rPr lang="zh-TW" altLang="en-US" dirty="0" smtClean="0"/>
+              <a:t>生效</a:t>
+            </a:r>
+            <a:r>
+              <a:rPr lang="en-US" altLang="zh-TW" dirty="0" smtClean="0"/>
+              <a:t>(1)</a:t>
+            </a:r>
+            <a:r>
+              <a:rPr lang="zh-TW" altLang="en-US" dirty="0" smtClean="0"/>
+              <a:t>？</a:t>
+            </a:r>
+            <a:endParaRPr lang="en-US" altLang="zh-TW" dirty="0" smtClean="0"/>
+          </a:p>
+          <a:p>
+            <a:pPr marL="0" indent="0">
+              <a:buNone/>
+            </a:pPr>
+            <a:endParaRPr lang="en-US" altLang="zh-TW" dirty="0" smtClean="0"/>
+          </a:p>
+          <a:p>
+            <a:pPr marL="0" indent="0">
+              <a:buNone/>
+            </a:pPr>
+            <a:endParaRPr lang="en-US" altLang="zh-TW" dirty="0"/>
+          </a:p>
+          <a:p>
+            <a:pPr marL="0" indent="0">
+              <a:buNone/>
+            </a:pPr>
+            <a:endParaRPr lang="en-US" altLang="zh-TW" dirty="0" smtClean="0"/>
+          </a:p>
+          <a:p>
+            <a:pPr marL="0" indent="0">
+              <a:buNone/>
+            </a:pPr>
+            <a:endParaRPr lang="en-US" altLang="zh-TW" dirty="0" smtClean="0"/>
+          </a:p>
+          <a:p>
+            <a:pPr marL="0" indent="0">
+              <a:buNone/>
+            </a:pPr>
+            <a:endParaRPr lang="en-US" altLang="zh-TW" dirty="0" smtClean="0"/>
+          </a:p>
+          <a:p>
+            <a:pPr marL="0" indent="0">
+              <a:buNone/>
+            </a:pPr>
+            <a:endParaRPr lang="en-US" altLang="zh-TW" dirty="0" smtClean="0"/>
+          </a:p>
+        </p:txBody>
+      </p:sp>
+      <p:sp>
+        <p:nvSpPr>
+          <p:cNvPr id="4" name="投影片編號版面配置區 3"/>
+          <p:cNvSpPr>
+            <a:spLocks noGrp="1"/>
+          </p:cNvSpPr>
+          <p:nvPr>
+            <p:ph type="sldNum" sz="quarter" idx="12"/>
+          </p:nvPr>
+        </p:nvSpPr>
+        <p:spPr/>
+        <p:txBody>
+          <a:bodyPr/>
+          <a:lstStyle/>
+          <a:p>
+            <a:fld id="{7EEA38C4-728D-4C6D-B45A-B952D9AC726F}" type="slidenum">
+              <a:rPr lang="zh-TW" altLang="en-US" smtClean="0"/>
+              <a:pPr/>
+              <a:t>21</a:t>
+            </a:fld>
+            <a:endParaRPr lang="zh-TW" altLang="en-US" dirty="0"/>
+          </a:p>
+        </p:txBody>
+      </p:sp>
+      <p:pic>
+        <p:nvPicPr>
+          <p:cNvPr id="9" name="圖片 8"/>
+          <p:cNvPicPr>
+            <a:picLocks noChangeAspect="1"/>
+          </p:cNvPicPr>
+          <p:nvPr/>
+        </p:nvPicPr>
+        <p:blipFill>
+          <a:blip r:embed="rId2"/>
+          <a:stretch>
+            <a:fillRect/>
+          </a:stretch>
+        </p:blipFill>
+        <p:spPr>
+          <a:xfrm>
+            <a:off x="889594" y="1739525"/>
+            <a:ext cx="5174867" cy="4644298"/>
+          </a:xfrm>
+          <a:prstGeom prst="rect">
+            <a:avLst/>
+          </a:prstGeom>
+          <a:ln w="38100" cap="sq">
+            <a:solidFill>
+              <a:srgbClr val="000000"/>
+            </a:solidFill>
+            <a:prstDash val="solid"/>
+            <a:miter lim="800000"/>
+          </a:ln>
+          <a:effectLst>
+            <a:outerShdw blurRad="50800" dist="38100" dir="2700000" algn="tl" rotWithShape="0">
+              <a:srgbClr val="000000">
+                <a:alpha val="43000"/>
+              </a:srgbClr>
+            </a:outerShdw>
+          </a:effectLst>
+        </p:spPr>
+      </p:pic>
+      <p:pic>
+        <p:nvPicPr>
+          <p:cNvPr id="5" name="圖片 4"/>
+          <p:cNvPicPr>
+            <a:picLocks noChangeAspect="1"/>
+          </p:cNvPicPr>
+          <p:nvPr/>
+        </p:nvPicPr>
+        <p:blipFill>
+          <a:blip r:embed="rId3"/>
+          <a:stretch>
+            <a:fillRect/>
+          </a:stretch>
+        </p:blipFill>
+        <p:spPr>
+          <a:xfrm>
+            <a:off x="3823626" y="5620964"/>
+            <a:ext cx="7439025" cy="666750"/>
+          </a:xfrm>
+          <a:prstGeom prst="rect">
+            <a:avLst/>
+          </a:prstGeom>
+          <a:ln w="38100" cap="sq">
+            <a:solidFill>
+              <a:srgbClr val="000000"/>
+            </a:solidFill>
+            <a:prstDash val="solid"/>
+            <a:miter lim="800000"/>
+          </a:ln>
+          <a:effectLst>
+            <a:outerShdw blurRad="50800" dist="38100" dir="2700000" algn="tl" rotWithShape="0">
+              <a:srgbClr val="000000">
+                <a:alpha val="43000"/>
+              </a:srgbClr>
+            </a:outerShdw>
+          </a:effectLst>
+        </p:spPr>
+      </p:pic>
+    </p:spTree>
+    <p:extLst>
+      <p:ext uri="{BB962C8B-B14F-4D97-AF65-F5344CB8AC3E}">
+        <p14:creationId xmlns:p14="http://schemas.microsoft.com/office/powerpoint/2010/main" val="1436779720"/>
+      </p:ext>
+    </p:extLst>
+  </p:cSld>
+  <p:clrMapOvr>
+    <a:masterClrMapping/>
+  </p:clrMapOvr>
+  <p:timing>
+    <p:tnLst>
+      <p:par>
+        <p:cTn id="1" dur="indefinite" restart="never" nodeType="tmRoot"/>
+      </p:par>
+    </p:tnLst>
+  </p:timing>
+</p:sld>
+</file>
+
 <file path=ppt/slides/slide22.xml><?xml version="1.0" encoding="utf-8"?>
 <p:sld xmlns:a="http://schemas.openxmlformats.org/drawingml/2006/main" xmlns:r="http://schemas.openxmlformats.org/officeDocument/2006/relationships" xmlns:p="http://schemas.openxmlformats.org/presentationml/2006/main">
   <p:cSld>
@@ -12641,7 +12773,15 @@
           <a:bodyPr/>
           <a:lstStyle/>
           <a:p>
-            <a:endParaRPr lang="zh-TW" altLang="en-US"/>
+            <a:r>
+              <a:rPr lang="zh-TW" altLang="en-US" dirty="0"/>
+              <a:t>測試</a:t>
+            </a:r>
+            <a:r>
+              <a:rPr lang="en-US" altLang="zh-TW" dirty="0" smtClean="0"/>
+              <a:t>Dataset Clear(1)</a:t>
+            </a:r>
+            <a:endParaRPr lang="zh-TW" altLang="en-US" dirty="0"/>
           </a:p>
         </p:txBody>
       </p:sp>
@@ -12655,41 +12795,109 @@
             <p:ph idx="1"/>
           </p:nvPr>
         </p:nvSpPr>
+        <p:spPr>
+          <a:xfrm>
+            <a:off x="739192" y="1297507"/>
+            <a:ext cx="8946541" cy="5244493"/>
+          </a:xfrm>
+        </p:spPr>
+        <p:txBody>
+          <a:bodyPr>
+            <a:normAutofit/>
+          </a:bodyPr>
+          <a:lstStyle/>
+          <a:p>
+            <a:r>
+              <a:rPr lang="zh-TW" altLang="en-US" dirty="0"/>
+              <a:t>不做</a:t>
+            </a:r>
+            <a:r>
+              <a:rPr lang="en-US" altLang="zh-TW" dirty="0"/>
+              <a:t>clear</a:t>
+            </a:r>
+            <a:r>
+              <a:rPr lang="zh-TW" altLang="en-US" dirty="0"/>
+              <a:t>會不會</a:t>
+            </a:r>
+            <a:r>
+              <a:rPr lang="zh-TW" altLang="en-US" dirty="0" smtClean="0"/>
+              <a:t>生效</a:t>
+            </a:r>
+            <a:r>
+              <a:rPr lang="en-US" altLang="zh-TW" dirty="0" smtClean="0"/>
+              <a:t>(2)</a:t>
+            </a:r>
+            <a:r>
+              <a:rPr lang="zh-TW" altLang="en-US" dirty="0" smtClean="0"/>
+              <a:t>？</a:t>
+            </a:r>
+            <a:endParaRPr lang="en-US" altLang="zh-TW" dirty="0" smtClean="0"/>
+          </a:p>
+          <a:p>
+            <a:pPr marL="0" indent="0">
+              <a:buNone/>
+            </a:pPr>
+            <a:endParaRPr lang="en-US" altLang="zh-TW" dirty="0" smtClean="0"/>
+          </a:p>
+          <a:p>
+            <a:pPr marL="0" indent="0">
+              <a:buNone/>
+            </a:pPr>
+            <a:endParaRPr lang="en-US" altLang="zh-TW" dirty="0"/>
+          </a:p>
+          <a:p>
+            <a:pPr marL="0" indent="0">
+              <a:buNone/>
+            </a:pPr>
+            <a:endParaRPr lang="en-US" altLang="zh-TW" dirty="0" smtClean="0"/>
+          </a:p>
+          <a:p>
+            <a:pPr marL="0" indent="0">
+              <a:buNone/>
+            </a:pPr>
+            <a:endParaRPr lang="en-US" altLang="zh-TW" dirty="0" smtClean="0"/>
+          </a:p>
+          <a:p>
+            <a:pPr marL="0" indent="0">
+              <a:buNone/>
+            </a:pPr>
+            <a:endParaRPr lang="en-US" altLang="zh-TW" dirty="0" smtClean="0"/>
+          </a:p>
+          <a:p>
+            <a:pPr marL="0" indent="0">
+              <a:buNone/>
+            </a:pPr>
+            <a:endParaRPr lang="en-US" altLang="zh-TW" dirty="0" smtClean="0"/>
+          </a:p>
+        </p:txBody>
+      </p:sp>
+      <p:sp>
+        <p:nvSpPr>
+          <p:cNvPr id="4" name="投影片編號版面配置區 3"/>
+          <p:cNvSpPr>
+            <a:spLocks noGrp="1"/>
+          </p:cNvSpPr>
+          <p:nvPr>
+            <p:ph type="sldNum" sz="quarter" idx="12"/>
+          </p:nvPr>
+        </p:nvSpPr>
         <p:spPr/>
         <p:txBody>
           <a:bodyPr/>
           <a:lstStyle/>
           <a:p>
-            <a:endParaRPr lang="zh-TW" altLang="en-US" dirty="0"/>
-          </a:p>
-        </p:txBody>
-      </p:sp>
-      <p:sp>
-        <p:nvSpPr>
-          <p:cNvPr id="4" name="投影片編號版面配置區 3"/>
-          <p:cNvSpPr>
-            <a:spLocks noGrp="1"/>
-          </p:cNvSpPr>
-          <p:nvPr>
-            <p:ph type="sldNum" sz="quarter" idx="12"/>
-          </p:nvPr>
-        </p:nvSpPr>
-        <p:spPr/>
-        <p:txBody>
-          <a:bodyPr/>
-          <a:lstStyle/>
-          <a:p>
             <a:fld id="{7EEA38C4-728D-4C6D-B45A-B952D9AC726F}" type="slidenum">
               <a:rPr lang="zh-TW" altLang="en-US" smtClean="0"/>
+              <a:pPr/>
               <a:t>22</a:t>
             </a:fld>
-            <a:endParaRPr lang="zh-TW" altLang="en-US"/>
+            <a:endParaRPr lang="zh-TW" altLang="en-US" dirty="0"/>
           </a:p>
         </p:txBody>
       </p:sp>
       <p:pic>
         <p:nvPicPr>
-          <p:cNvPr id="5" name="圖片 4"/>
+          <p:cNvPr id="7" name="圖片 6"/>
           <p:cNvPicPr>
             <a:picLocks noChangeAspect="1"/>
           </p:cNvPicPr>
@@ -12703,8 +12911,8 @@
         </p:blipFill>
         <p:spPr>
           <a:xfrm>
-            <a:off x="211198" y="182878"/>
-            <a:ext cx="10157303" cy="4200428"/>
+            <a:off x="739192" y="1853248"/>
+            <a:ext cx="3429000" cy="2571750"/>
           </a:xfrm>
           <a:prstGeom prst="rect">
             <a:avLst/>
@@ -12713,31 +12921,132 @@
       </p:pic>
       <p:pic>
         <p:nvPicPr>
-          <p:cNvPr id="6" name="圖片 5"/>
+          <p:cNvPr id="8" name="圖片 7"/>
           <p:cNvPicPr>
             <a:picLocks noChangeAspect="1"/>
           </p:cNvPicPr>
           <p:nvPr/>
         </p:nvPicPr>
-        <p:blipFill rotWithShape="1">
+        <p:blipFill>
           <a:blip r:embed="rId3"/>
-          <a:srcRect b="63937"/>
-          <a:stretch/>
+          <a:stretch>
+            <a:fillRect/>
+          </a:stretch>
         </p:blipFill>
         <p:spPr>
           <a:xfrm>
-            <a:off x="204154" y="4317633"/>
-            <a:ext cx="11294955" cy="1621991"/>
+            <a:off x="4463053" y="1152983"/>
+            <a:ext cx="7223961" cy="2680026"/>
           </a:xfrm>
           <a:prstGeom prst="rect">
             <a:avLst/>
           </a:prstGeom>
         </p:spPr>
       </p:pic>
+      <p:pic>
+        <p:nvPicPr>
+          <p:cNvPr id="10" name="圖片 9"/>
+          <p:cNvPicPr>
+            <a:picLocks noChangeAspect="1"/>
+          </p:cNvPicPr>
+          <p:nvPr/>
+        </p:nvPicPr>
+        <p:blipFill>
+          <a:blip r:embed="rId4"/>
+          <a:stretch>
+            <a:fillRect/>
+          </a:stretch>
+        </p:blipFill>
+        <p:spPr>
+          <a:xfrm>
+            <a:off x="4235467" y="3899230"/>
+            <a:ext cx="7679135" cy="2856705"/>
+          </a:xfrm>
+          <a:prstGeom prst="rect">
+            <a:avLst/>
+          </a:prstGeom>
+        </p:spPr>
+      </p:pic>
+      <p:sp>
+        <p:nvSpPr>
+          <p:cNvPr id="6" name="文字方塊 5"/>
+          <p:cNvSpPr txBox="1"/>
+          <p:nvPr/>
+        </p:nvSpPr>
+        <p:spPr>
+          <a:xfrm>
+            <a:off x="8774396" y="1258565"/>
+            <a:ext cx="2940228" cy="369332"/>
+          </a:xfrm>
+          <a:prstGeom prst="rect">
+            <a:avLst/>
+          </a:prstGeom>
+          <a:noFill/>
+        </p:spPr>
+        <p:txBody>
+          <a:bodyPr wrap="none" rtlCol="0">
+            <a:spAutoFit/>
+          </a:bodyPr>
+          <a:lstStyle/>
+          <a:p>
+            <a:r>
+              <a:rPr lang="en-US" altLang="zh-TW" dirty="0" smtClean="0">
+                <a:solidFill>
+                  <a:srgbClr val="00B0F0"/>
+                </a:solidFill>
+              </a:rPr>
+              <a:t>Insert intoDBXX.DTXXTP01</a:t>
+            </a:r>
+            <a:endParaRPr lang="zh-TW" altLang="en-US" dirty="0">
+              <a:solidFill>
+                <a:srgbClr val="00B0F0"/>
+              </a:solidFill>
+            </a:endParaRPr>
+          </a:p>
+        </p:txBody>
+      </p:sp>
+      <p:sp>
+        <p:nvSpPr>
+          <p:cNvPr id="11" name="文字方塊 10"/>
+          <p:cNvSpPr txBox="1"/>
+          <p:nvPr/>
+        </p:nvSpPr>
+        <p:spPr>
+          <a:xfrm>
+            <a:off x="8270539" y="4168015"/>
+            <a:ext cx="3560590" cy="369332"/>
+          </a:xfrm>
+          <a:prstGeom prst="rect">
+            <a:avLst/>
+          </a:prstGeom>
+          <a:noFill/>
+        </p:spPr>
+        <p:txBody>
+          <a:bodyPr wrap="none" rtlCol="0">
+            <a:spAutoFit/>
+          </a:bodyPr>
+          <a:lstStyle/>
+          <a:p>
+            <a:r>
+              <a:rPr lang="en-US" altLang="zh-TW" dirty="0" smtClean="0">
+                <a:solidFill>
+                  <a:srgbClr val="00B0F0"/>
+                </a:solidFill>
+              </a:rPr>
+              <a:t>Insert into DBXX.DTXXTP01_BAK</a:t>
+            </a:r>
+            <a:endParaRPr lang="zh-TW" altLang="en-US" dirty="0">
+              <a:solidFill>
+                <a:srgbClr val="00B0F0"/>
+              </a:solidFill>
+            </a:endParaRPr>
+          </a:p>
+        </p:txBody>
+      </p:sp>
     </p:spTree>
     <p:extLst>
       <p:ext uri="{BB962C8B-B14F-4D97-AF65-F5344CB8AC3E}">
-        <p14:creationId xmlns:p14="http://schemas.microsoft.com/office/powerpoint/2010/main" val="1829162389"/>
+        <p14:creationId xmlns:p14="http://schemas.microsoft.com/office/powerpoint/2010/main" val="1441788102"/>
       </p:ext>
     </p:extLst>
   </p:cSld>
@@ -12786,390 +13095,6 @@
           <a:bodyPr/>
           <a:lstStyle/>
           <a:p>
-            <a:endParaRPr lang="zh-TW" altLang="en-US"/>
-          </a:p>
-        </p:txBody>
-      </p:sp>
-      <p:sp>
-        <p:nvSpPr>
-          <p:cNvPr id="3" name="內容版面配置區 2"/>
-          <p:cNvSpPr>
-            <a:spLocks noGrp="1"/>
-          </p:cNvSpPr>
-          <p:nvPr>
-            <p:ph idx="1"/>
-          </p:nvPr>
-        </p:nvSpPr>
-        <p:spPr/>
-        <p:txBody>
-          <a:bodyPr/>
-          <a:lstStyle/>
-          <a:p>
-            <a:endParaRPr lang="zh-TW" altLang="en-US"/>
-          </a:p>
-        </p:txBody>
-      </p:sp>
-      <p:sp>
-        <p:nvSpPr>
-          <p:cNvPr id="4" name="投影片編號版面配置區 3"/>
-          <p:cNvSpPr>
-            <a:spLocks noGrp="1"/>
-          </p:cNvSpPr>
-          <p:nvPr>
-            <p:ph type="sldNum" sz="quarter" idx="12"/>
-          </p:nvPr>
-        </p:nvSpPr>
-        <p:spPr/>
-        <p:txBody>
-          <a:bodyPr/>
-          <a:lstStyle/>
-          <a:p>
-            <a:fld id="{7EEA38C4-728D-4C6D-B45A-B952D9AC726F}" type="slidenum">
-              <a:rPr lang="zh-TW" altLang="en-US" smtClean="0"/>
-              <a:t>23</a:t>
-            </a:fld>
-            <a:endParaRPr lang="zh-TW" altLang="en-US"/>
-          </a:p>
-        </p:txBody>
-      </p:sp>
-      <p:pic>
-        <p:nvPicPr>
-          <p:cNvPr id="5" name="圖片 4"/>
-          <p:cNvPicPr>
-            <a:picLocks noChangeAspect="1"/>
-          </p:cNvPicPr>
-          <p:nvPr/>
-        </p:nvPicPr>
-        <p:blipFill>
-          <a:blip r:embed="rId2"/>
-          <a:stretch>
-            <a:fillRect/>
-          </a:stretch>
-        </p:blipFill>
-        <p:spPr>
-          <a:xfrm>
-            <a:off x="-661988" y="2790825"/>
-            <a:ext cx="13515975" cy="1276350"/>
-          </a:xfrm>
-          <a:prstGeom prst="rect">
-            <a:avLst/>
-          </a:prstGeom>
-        </p:spPr>
-      </p:pic>
-    </p:spTree>
-    <p:extLst>
-      <p:ext uri="{BB962C8B-B14F-4D97-AF65-F5344CB8AC3E}">
-        <p14:creationId xmlns:p14="http://schemas.microsoft.com/office/powerpoint/2010/main" val="764708013"/>
-      </p:ext>
-    </p:extLst>
-  </p:cSld>
-  <p:clrMapOvr>
-    <a:masterClrMapping/>
-  </p:clrMapOvr>
-  <p:timing>
-    <p:tnLst>
-      <p:par>
-        <p:cTn id="1" dur="indefinite" restart="never" nodeType="tmRoot"/>
-      </p:par>
-    </p:tnLst>
-  </p:timing>
-</p:sld>
-</file>
-
-<file path=ppt/slides/slide24.xml><?xml version="1.0" encoding="utf-8"?>
-<p:sld xmlns:a="http://schemas.openxmlformats.org/drawingml/2006/main" xmlns:r="http://schemas.openxmlformats.org/officeDocument/2006/relationships" xmlns:p="http://schemas.openxmlformats.org/presentationml/2006/main">
-  <p:cSld>
-    <p:spTree>
-      <p:nvGrpSpPr>
-        <p:cNvPr id="1" name=""/>
-        <p:cNvGrpSpPr/>
-        <p:nvPr/>
-      </p:nvGrpSpPr>
-      <p:grpSpPr>
-        <a:xfrm>
-          <a:off x="0" y="0"/>
-          <a:ext cx="0" cy="0"/>
-          <a:chOff x="0" y="0"/>
-          <a:chExt cx="0" cy="0"/>
-        </a:xfrm>
-      </p:grpSpPr>
-      <p:sp>
-        <p:nvSpPr>
-          <p:cNvPr id="2" name="標題 1"/>
-          <p:cNvSpPr>
-            <a:spLocks noGrp="1"/>
-          </p:cNvSpPr>
-          <p:nvPr>
-            <p:ph type="title"/>
-          </p:nvPr>
-        </p:nvSpPr>
-        <p:spPr/>
-        <p:txBody>
-          <a:bodyPr/>
-          <a:lstStyle/>
-          <a:p>
-            <a:r>
-              <a:rPr lang="zh-TW" altLang="en-US" dirty="0"/>
-              <a:t>測試</a:t>
-            </a:r>
-            <a:r>
-              <a:rPr lang="en-US" altLang="zh-TW" dirty="0" smtClean="0"/>
-              <a:t>Dataset Clear(1)</a:t>
-            </a:r>
-            <a:endParaRPr lang="zh-TW" altLang="en-US" dirty="0"/>
-          </a:p>
-        </p:txBody>
-      </p:sp>
-      <p:sp>
-        <p:nvSpPr>
-          <p:cNvPr id="3" name="內容版面配置區 2"/>
-          <p:cNvSpPr>
-            <a:spLocks noGrp="1"/>
-          </p:cNvSpPr>
-          <p:nvPr>
-            <p:ph idx="1"/>
-          </p:nvPr>
-        </p:nvSpPr>
-        <p:spPr>
-          <a:xfrm>
-            <a:off x="707387" y="1506164"/>
-            <a:ext cx="8946541" cy="5244493"/>
-          </a:xfrm>
-        </p:spPr>
-        <p:txBody>
-          <a:bodyPr>
-            <a:normAutofit/>
-          </a:bodyPr>
-          <a:lstStyle/>
-          <a:p>
-            <a:r>
-              <a:rPr lang="zh-TW" altLang="en-US" dirty="0"/>
-              <a:t>不做</a:t>
-            </a:r>
-            <a:r>
-              <a:rPr lang="en-US" altLang="zh-TW" dirty="0"/>
-              <a:t>clear</a:t>
-            </a:r>
-            <a:r>
-              <a:rPr lang="zh-TW" altLang="en-US" dirty="0"/>
-              <a:t>會不會生效</a:t>
-            </a:r>
-            <a:r>
-              <a:rPr lang="zh-TW" altLang="en-US" dirty="0" smtClean="0"/>
-              <a:t>？</a:t>
-            </a:r>
-            <a:endParaRPr lang="en-US" altLang="zh-TW" dirty="0" smtClean="0"/>
-          </a:p>
-          <a:p>
-            <a:pPr marL="0" indent="0">
-              <a:buNone/>
-            </a:pPr>
-            <a:endParaRPr lang="en-US" altLang="zh-TW" dirty="0" smtClean="0"/>
-          </a:p>
-          <a:p>
-            <a:pPr marL="0" indent="0">
-              <a:buNone/>
-            </a:pPr>
-            <a:endParaRPr lang="en-US" altLang="zh-TW" dirty="0"/>
-          </a:p>
-          <a:p>
-            <a:pPr marL="0" indent="0">
-              <a:buNone/>
-            </a:pPr>
-            <a:endParaRPr lang="en-US" altLang="zh-TW" dirty="0" smtClean="0"/>
-          </a:p>
-          <a:p>
-            <a:pPr marL="0" indent="0">
-              <a:buNone/>
-            </a:pPr>
-            <a:endParaRPr lang="en-US" altLang="zh-TW" dirty="0" smtClean="0"/>
-          </a:p>
-          <a:p>
-            <a:pPr marL="0" indent="0">
-              <a:buNone/>
-            </a:pPr>
-            <a:endParaRPr lang="en-US" altLang="zh-TW" dirty="0" smtClean="0"/>
-          </a:p>
-          <a:p>
-            <a:pPr marL="0" indent="0">
-              <a:buNone/>
-            </a:pPr>
-            <a:endParaRPr lang="en-US" altLang="zh-TW" dirty="0" smtClean="0"/>
-          </a:p>
-        </p:txBody>
-      </p:sp>
-      <p:sp>
-        <p:nvSpPr>
-          <p:cNvPr id="4" name="投影片編號版面配置區 3"/>
-          <p:cNvSpPr>
-            <a:spLocks noGrp="1"/>
-          </p:cNvSpPr>
-          <p:nvPr>
-            <p:ph type="sldNum" sz="quarter" idx="12"/>
-          </p:nvPr>
-        </p:nvSpPr>
-        <p:spPr/>
-        <p:txBody>
-          <a:bodyPr/>
-          <a:lstStyle/>
-          <a:p>
-            <a:fld id="{7EEA38C4-728D-4C6D-B45A-B952D9AC726F}" type="slidenum">
-              <a:rPr lang="zh-TW" altLang="en-US" smtClean="0"/>
-              <a:pPr/>
-              <a:t>24</a:t>
-            </a:fld>
-            <a:endParaRPr lang="zh-TW" altLang="en-US" dirty="0"/>
-          </a:p>
-        </p:txBody>
-      </p:sp>
-      <p:pic>
-        <p:nvPicPr>
-          <p:cNvPr id="5" name="圖片 4"/>
-          <p:cNvPicPr>
-            <a:picLocks noChangeAspect="1"/>
-          </p:cNvPicPr>
-          <p:nvPr/>
-        </p:nvPicPr>
-        <p:blipFill>
-          <a:blip r:embed="rId2"/>
-          <a:stretch>
-            <a:fillRect/>
-          </a:stretch>
-        </p:blipFill>
-        <p:spPr>
-          <a:xfrm>
-            <a:off x="1008863" y="3986171"/>
-            <a:ext cx="7439025" cy="666750"/>
-          </a:xfrm>
-          <a:prstGeom prst="rect">
-            <a:avLst/>
-          </a:prstGeom>
-        </p:spPr>
-      </p:pic>
-      <p:pic>
-        <p:nvPicPr>
-          <p:cNvPr id="7" name="圖片 6"/>
-          <p:cNvPicPr>
-            <a:picLocks noChangeAspect="1"/>
-          </p:cNvPicPr>
-          <p:nvPr/>
-        </p:nvPicPr>
-        <p:blipFill>
-          <a:blip r:embed="rId3"/>
-          <a:stretch>
-            <a:fillRect/>
-          </a:stretch>
-        </p:blipFill>
-        <p:spPr>
-          <a:xfrm>
-            <a:off x="1023274" y="1994701"/>
-            <a:ext cx="3895725" cy="1962150"/>
-          </a:xfrm>
-          <a:prstGeom prst="rect">
-            <a:avLst/>
-          </a:prstGeom>
-        </p:spPr>
-      </p:pic>
-      <p:pic>
-        <p:nvPicPr>
-          <p:cNvPr id="8" name="圖片 7"/>
-          <p:cNvPicPr>
-            <a:picLocks noChangeAspect="1"/>
-          </p:cNvPicPr>
-          <p:nvPr/>
-        </p:nvPicPr>
-        <p:blipFill>
-          <a:blip r:embed="rId4"/>
-          <a:stretch>
-            <a:fillRect/>
-          </a:stretch>
-        </p:blipFill>
-        <p:spPr>
-          <a:xfrm>
-            <a:off x="4953663" y="1989939"/>
-            <a:ext cx="4015657" cy="1971675"/>
-          </a:xfrm>
-          <a:prstGeom prst="rect">
-            <a:avLst/>
-          </a:prstGeom>
-        </p:spPr>
-      </p:pic>
-      <p:pic>
-        <p:nvPicPr>
-          <p:cNvPr id="9" name="圖片 8"/>
-          <p:cNvPicPr>
-            <a:picLocks noChangeAspect="1"/>
-          </p:cNvPicPr>
-          <p:nvPr/>
-        </p:nvPicPr>
-        <p:blipFill>
-          <a:blip r:embed="rId5"/>
-          <a:stretch>
-            <a:fillRect/>
-          </a:stretch>
-        </p:blipFill>
-        <p:spPr>
-          <a:xfrm>
-            <a:off x="6468960" y="423076"/>
-            <a:ext cx="6781800" cy="6086475"/>
-          </a:xfrm>
-          <a:prstGeom prst="rect">
-            <a:avLst/>
-          </a:prstGeom>
-        </p:spPr>
-      </p:pic>
-    </p:spTree>
-    <p:extLst>
-      <p:ext uri="{BB962C8B-B14F-4D97-AF65-F5344CB8AC3E}">
-        <p14:creationId xmlns:p14="http://schemas.microsoft.com/office/powerpoint/2010/main" val="1436779720"/>
-      </p:ext>
-    </p:extLst>
-  </p:cSld>
-  <p:clrMapOvr>
-    <a:masterClrMapping/>
-  </p:clrMapOvr>
-  <p:timing>
-    <p:tnLst>
-      <p:par>
-        <p:cTn id="1" dur="indefinite" restart="never" nodeType="tmRoot"/>
-      </p:par>
-    </p:tnLst>
-  </p:timing>
-</p:sld>
-</file>
-
-<file path=ppt/slides/slide25.xml><?xml version="1.0" encoding="utf-8"?>
-<p:sld xmlns:a="http://schemas.openxmlformats.org/drawingml/2006/main" xmlns:r="http://schemas.openxmlformats.org/officeDocument/2006/relationships" xmlns:p="http://schemas.openxmlformats.org/presentationml/2006/main">
-  <p:cSld>
-    <p:spTree>
-      <p:nvGrpSpPr>
-        <p:cNvPr id="1" name=""/>
-        <p:cNvGrpSpPr/>
-        <p:nvPr/>
-      </p:nvGrpSpPr>
-      <p:grpSpPr>
-        <a:xfrm>
-          <a:off x="0" y="0"/>
-          <a:ext cx="0" cy="0"/>
-          <a:chOff x="0" y="0"/>
-          <a:chExt cx="0" cy="0"/>
-        </a:xfrm>
-      </p:grpSpPr>
-      <p:sp>
-        <p:nvSpPr>
-          <p:cNvPr id="2" name="標題 1"/>
-          <p:cNvSpPr>
-            <a:spLocks noGrp="1"/>
-          </p:cNvSpPr>
-          <p:nvPr>
-            <p:ph type="title"/>
-          </p:nvPr>
-        </p:nvSpPr>
-        <p:spPr/>
-        <p:txBody>
-          <a:bodyPr/>
-          <a:lstStyle/>
-          <a:p>
             <a:r>
               <a:rPr lang="zh-TW" altLang="en-US" dirty="0"/>
               <a:t>測試</a:t>
@@ -13269,559 +13194,641 @@
           <a:p>
             <a:fld id="{7EEA38C4-728D-4C6D-B45A-B952D9AC726F}" type="slidenum">
               <a:rPr lang="zh-TW" altLang="en-US" smtClean="0"/>
-              <a:t>25</a:t>
+              <a:t>23</a:t>
             </a:fld>
             <a:endParaRPr lang="zh-TW" altLang="en-US"/>
           </a:p>
         </p:txBody>
       </p:sp>
-      <p:pic>
-        <p:nvPicPr>
-          <p:cNvPr id="8" name="圖片 7"/>
-          <p:cNvPicPr>
-            <a:picLocks noChangeAspect="1"/>
-          </p:cNvPicPr>
+      <p:grpSp>
+        <p:nvGrpSpPr>
+          <p:cNvPr id="7" name="群組 6"/>
+          <p:cNvGrpSpPr/>
           <p:nvPr/>
-        </p:nvPicPr>
-        <p:blipFill>
-          <a:blip r:embed="rId2"/>
-          <a:stretch>
-            <a:fillRect/>
-          </a:stretch>
-        </p:blipFill>
-        <p:spPr>
+        </p:nvGrpSpPr>
+        <p:grpSpPr>
           <a:xfrm>
-            <a:off x="510830" y="2390402"/>
-            <a:ext cx="3457575" cy="1647825"/>
+            <a:off x="4393269" y="2229434"/>
+            <a:ext cx="4044697" cy="1978637"/>
+            <a:chOff x="233224" y="2059590"/>
+            <a:chExt cx="4044697" cy="1978637"/>
           </a:xfrm>
-          <a:prstGeom prst="rect">
-            <a:avLst/>
-          </a:prstGeom>
-        </p:spPr>
-      </p:pic>
-      <p:sp>
-        <p:nvSpPr>
-          <p:cNvPr id="9" name="矩形 8"/>
-          <p:cNvSpPr/>
+        </p:grpSpPr>
+        <p:pic>
+          <p:nvPicPr>
+            <p:cNvPr id="8" name="圖片 7"/>
+            <p:cNvPicPr>
+              <a:picLocks noChangeAspect="1"/>
+            </p:cNvPicPr>
+            <p:nvPr/>
+          </p:nvPicPr>
+          <p:blipFill>
+            <a:blip r:embed="rId2"/>
+            <a:stretch>
+              <a:fillRect/>
+            </a:stretch>
+          </p:blipFill>
+          <p:spPr>
+            <a:xfrm>
+              <a:off x="510830" y="2390402"/>
+              <a:ext cx="3457575" cy="1647825"/>
+            </a:xfrm>
+            <a:prstGeom prst="rect">
+              <a:avLst/>
+            </a:prstGeom>
+          </p:spPr>
+        </p:pic>
+        <p:sp>
+          <p:nvSpPr>
+            <p:cNvPr id="9" name="矩形 8"/>
+            <p:cNvSpPr/>
+            <p:nvPr/>
+          </p:nvSpPr>
+          <p:spPr>
+            <a:xfrm>
+              <a:off x="233224" y="2059590"/>
+              <a:ext cx="4044697" cy="369332"/>
+            </a:xfrm>
+            <a:prstGeom prst="rect">
+              <a:avLst/>
+            </a:prstGeom>
+          </p:spPr>
+          <p:txBody>
+            <a:bodyPr wrap="none">
+              <a:spAutoFit/>
+            </a:bodyPr>
+            <a:lstStyle/>
+            <a:p>
+              <a:r>
+                <a:rPr lang="en-US" altLang="zh-TW" dirty="0" smtClean="0">
+                  <a:solidFill>
+                    <a:srgbClr val="FFFF00"/>
+                  </a:solidFill>
+                  <a:latin typeface="Courier New" panose="02070309020205020404" pitchFamily="49" charset="0"/>
+                </a:rPr>
+                <a:t>1.</a:t>
+              </a:r>
+              <a:r>
+                <a:rPr lang="zh-TW" altLang="en-US" dirty="0" smtClean="0">
+                  <a:solidFill>
+                    <a:srgbClr val="FFFF00"/>
+                  </a:solidFill>
+                  <a:latin typeface="Courier New" panose="02070309020205020404" pitchFamily="49" charset="0"/>
+                </a:rPr>
+                <a:t> </a:t>
+              </a:r>
+              <a:r>
+                <a:rPr lang="en-US" altLang="zh-TW" dirty="0" smtClean="0">
+                  <a:solidFill>
+                    <a:srgbClr val="FFFF00"/>
+                  </a:solidFill>
+                  <a:latin typeface="Courier New" panose="02070309020205020404" pitchFamily="49" charset="0"/>
+                </a:rPr>
+                <a:t>INSERT </a:t>
+              </a:r>
+              <a:r>
+                <a:rPr lang="en-US" altLang="zh-TW" dirty="0">
+                  <a:solidFill>
+                    <a:srgbClr val="FFFF00"/>
+                  </a:solidFill>
+                  <a:latin typeface="Courier New" panose="02070309020205020404" pitchFamily="49" charset="0"/>
+                </a:rPr>
+                <a:t>INTO DBXX.DTXXTP01</a:t>
+              </a:r>
+              <a:endParaRPr lang="zh-TW" altLang="en-US" dirty="0">
+                <a:solidFill>
+                  <a:srgbClr val="FFFF00"/>
+                </a:solidFill>
+              </a:endParaRPr>
+            </a:p>
+          </p:txBody>
+        </p:sp>
+      </p:grpSp>
+      <p:grpSp>
+        <p:nvGrpSpPr>
+          <p:cNvPr id="6" name="群組 5"/>
+          <p:cNvGrpSpPr/>
           <p:nvPr/>
-        </p:nvSpPr>
-        <p:spPr>
+        </p:nvGrpSpPr>
+        <p:grpSpPr>
           <a:xfrm>
-            <a:off x="233224" y="2059590"/>
-            <a:ext cx="4044697" cy="369332"/>
+            <a:off x="8506494" y="2188162"/>
+            <a:ext cx="2528256" cy="1165409"/>
+            <a:chOff x="4712388" y="2059590"/>
+            <a:chExt cx="2528256" cy="1165409"/>
           </a:xfrm>
-          <a:prstGeom prst="rect">
-            <a:avLst/>
-          </a:prstGeom>
-        </p:spPr>
-        <p:txBody>
-          <a:bodyPr wrap="none">
-            <a:spAutoFit/>
-          </a:bodyPr>
-          <a:lstStyle/>
-          <a:p>
-            <a:r>
-              <a:rPr lang="en-US" altLang="zh-TW" dirty="0" smtClean="0">
+        </p:grpSpPr>
+        <p:pic>
+          <p:nvPicPr>
+            <p:cNvPr id="10" name="圖片 9"/>
+            <p:cNvPicPr>
+              <a:picLocks noChangeAspect="1"/>
+            </p:cNvPicPr>
+            <p:nvPr/>
+          </p:nvPicPr>
+          <p:blipFill>
+            <a:blip r:embed="rId3"/>
+            <a:stretch>
+              <a:fillRect/>
+            </a:stretch>
+          </p:blipFill>
+          <p:spPr>
+            <a:xfrm>
+              <a:off x="4781341" y="2710649"/>
+              <a:ext cx="2390775" cy="514350"/>
+            </a:xfrm>
+            <a:prstGeom prst="rect">
+              <a:avLst/>
+            </a:prstGeom>
+          </p:spPr>
+        </p:pic>
+        <p:sp>
+          <p:nvSpPr>
+            <p:cNvPr id="11" name="矩形 10"/>
+            <p:cNvSpPr/>
+            <p:nvPr/>
+          </p:nvSpPr>
+          <p:spPr>
+            <a:xfrm>
+              <a:off x="4712388" y="2059590"/>
+              <a:ext cx="2528256" cy="646331"/>
+            </a:xfrm>
+            <a:prstGeom prst="rect">
+              <a:avLst/>
+            </a:prstGeom>
+          </p:spPr>
+          <p:txBody>
+            <a:bodyPr wrap="none">
+              <a:spAutoFit/>
+            </a:bodyPr>
+            <a:lstStyle/>
+            <a:p>
+              <a:r>
+                <a:rPr lang="en-US" altLang="zh-TW" dirty="0" smtClean="0">
+                  <a:solidFill>
+                    <a:srgbClr val="FFFF00"/>
+                  </a:solidFill>
+                  <a:latin typeface="Courier New" panose="02070309020205020404" pitchFamily="49" charset="0"/>
+                </a:rPr>
+                <a:t>2.INSERT </a:t>
+              </a:r>
+              <a:r>
+                <a:rPr lang="en-US" altLang="zh-TW" dirty="0">
+                  <a:solidFill>
+                    <a:srgbClr val="FFFF00"/>
+                  </a:solidFill>
+                  <a:latin typeface="Courier New" panose="02070309020205020404" pitchFamily="49" charset="0"/>
+                </a:rPr>
+                <a:t>INTO </a:t>
+              </a:r>
+              <a:endParaRPr lang="en-US" altLang="zh-TW" dirty="0" smtClean="0">
                 <a:solidFill>
                   <a:srgbClr val="FFFF00"/>
                 </a:solidFill>
                 <a:latin typeface="Courier New" panose="02070309020205020404" pitchFamily="49" charset="0"/>
-              </a:rPr>
-              <a:t>1.</a:t>
-            </a:r>
-            <a:r>
-              <a:rPr lang="zh-TW" altLang="en-US" dirty="0" smtClean="0">
+              </a:endParaRPr>
+            </a:p>
+            <a:p>
+              <a:r>
+                <a:rPr lang="en-US" altLang="zh-TW" dirty="0" smtClean="0">
+                  <a:solidFill>
+                    <a:srgbClr val="FFFF00"/>
+                  </a:solidFill>
+                  <a:latin typeface="Courier New" panose="02070309020205020404" pitchFamily="49" charset="0"/>
+                </a:rPr>
+                <a:t>DBXX.DTXXTP01_BAK</a:t>
+              </a:r>
+              <a:endParaRPr lang="zh-TW" altLang="en-US" dirty="0">
                 <a:solidFill>
                   <a:srgbClr val="FFFF00"/>
                 </a:solidFill>
-                <a:latin typeface="Courier New" panose="02070309020205020404" pitchFamily="49" charset="0"/>
-              </a:rPr>
-              <a:t> </a:t>
-            </a:r>
-            <a:r>
-              <a:rPr lang="en-US" altLang="zh-TW" dirty="0" smtClean="0">
+              </a:endParaRPr>
+            </a:p>
+          </p:txBody>
+        </p:sp>
+      </p:grpSp>
+      <p:grpSp>
+        <p:nvGrpSpPr>
+          <p:cNvPr id="19" name="群組 18"/>
+          <p:cNvGrpSpPr/>
+          <p:nvPr/>
+        </p:nvGrpSpPr>
+        <p:grpSpPr>
+          <a:xfrm>
+            <a:off x="4374415" y="4257638"/>
+            <a:ext cx="4733988" cy="1055541"/>
+            <a:chOff x="214582" y="4158733"/>
+            <a:chExt cx="4733988" cy="1055541"/>
+          </a:xfrm>
+        </p:grpSpPr>
+        <p:pic>
+          <p:nvPicPr>
+            <p:cNvPr id="12" name="圖片 11"/>
+            <p:cNvPicPr>
+              <a:picLocks noChangeAspect="1"/>
+            </p:cNvPicPr>
+            <p:nvPr/>
+          </p:nvPicPr>
+          <p:blipFill>
+            <a:blip r:embed="rId4"/>
+            <a:stretch>
+              <a:fillRect/>
+            </a:stretch>
+          </p:blipFill>
+          <p:spPr>
+            <a:xfrm>
+              <a:off x="494429" y="4537999"/>
+              <a:ext cx="2886075" cy="676275"/>
+            </a:xfrm>
+            <a:prstGeom prst="rect">
+              <a:avLst/>
+            </a:prstGeom>
+          </p:spPr>
+        </p:pic>
+        <p:sp>
+          <p:nvSpPr>
+            <p:cNvPr id="13" name="矩形 12"/>
+            <p:cNvSpPr/>
+            <p:nvPr/>
+          </p:nvSpPr>
+          <p:spPr>
+            <a:xfrm>
+              <a:off x="214582" y="4158733"/>
+              <a:ext cx="4733988" cy="369332"/>
+            </a:xfrm>
+            <a:prstGeom prst="rect">
+              <a:avLst/>
+            </a:prstGeom>
+          </p:spPr>
+          <p:txBody>
+            <a:bodyPr wrap="none">
+              <a:spAutoFit/>
+            </a:bodyPr>
+            <a:lstStyle/>
+            <a:p>
+              <a:r>
+                <a:rPr lang="en-US" altLang="zh-TW" dirty="0" smtClean="0">
+                  <a:solidFill>
+                    <a:srgbClr val="FFFF00"/>
+                  </a:solidFill>
+                  <a:latin typeface="Courier New" panose="02070309020205020404" pitchFamily="49" charset="0"/>
+                </a:rPr>
+                <a:t>3.</a:t>
+              </a:r>
+              <a:r>
+                <a:rPr lang="zh-TW" altLang="en-US" dirty="0" smtClean="0">
+                  <a:solidFill>
+                    <a:srgbClr val="FFFF00"/>
+                  </a:solidFill>
+                  <a:latin typeface="Courier New" panose="02070309020205020404" pitchFamily="49" charset="0"/>
+                </a:rPr>
+                <a:t> </a:t>
+              </a:r>
+              <a:r>
+                <a:rPr lang="en-US" altLang="zh-TW" dirty="0" smtClean="0">
+                  <a:solidFill>
+                    <a:srgbClr val="FFFF00"/>
+                  </a:solidFill>
+                  <a:latin typeface="Courier New" panose="02070309020205020404" pitchFamily="49" charset="0"/>
+                </a:rPr>
+                <a:t>INSERT </a:t>
+              </a:r>
+              <a:r>
+                <a:rPr lang="en-US" altLang="zh-TW" dirty="0">
+                  <a:solidFill>
+                    <a:srgbClr val="FFFF00"/>
+                  </a:solidFill>
+                  <a:latin typeface="Courier New" panose="02070309020205020404" pitchFamily="49" charset="0"/>
+                </a:rPr>
+                <a:t>INTO DBXX.DTXXTP01_BAK2</a:t>
+              </a:r>
+              <a:endParaRPr lang="zh-TW" altLang="en-US" dirty="0">
                 <a:solidFill>
                   <a:srgbClr val="FFFF00"/>
                 </a:solidFill>
-                <a:latin typeface="Courier New" panose="02070309020205020404" pitchFamily="49" charset="0"/>
-              </a:rPr>
-              <a:t>INSERT </a:t>
-            </a:r>
-            <a:r>
-              <a:rPr lang="en-US" altLang="zh-TW" dirty="0">
+              </a:endParaRPr>
+            </a:p>
+          </p:txBody>
+        </p:sp>
+      </p:grpSp>
+      <p:grpSp>
+        <p:nvGrpSpPr>
+          <p:cNvPr id="20" name="群組 19"/>
+          <p:cNvGrpSpPr/>
+          <p:nvPr/>
+        </p:nvGrpSpPr>
+        <p:grpSpPr>
+          <a:xfrm>
+            <a:off x="4374415" y="5424569"/>
+            <a:ext cx="5864314" cy="1377824"/>
+            <a:chOff x="3953020" y="4986994"/>
+            <a:chExt cx="5864314" cy="1377824"/>
+          </a:xfrm>
+        </p:grpSpPr>
+        <p:pic>
+          <p:nvPicPr>
+            <p:cNvPr id="14" name="圖片 13"/>
+            <p:cNvPicPr>
+              <a:picLocks noChangeAspect="1"/>
+            </p:cNvPicPr>
+            <p:nvPr/>
+          </p:nvPicPr>
+          <p:blipFill>
+            <a:blip r:embed="rId5"/>
+            <a:stretch>
+              <a:fillRect/>
+            </a:stretch>
+          </p:blipFill>
+          <p:spPr>
+            <a:xfrm>
+              <a:off x="4473809" y="5412519"/>
+              <a:ext cx="5343525" cy="533400"/>
+            </a:xfrm>
+            <a:prstGeom prst="rect">
+              <a:avLst/>
+            </a:prstGeom>
+          </p:spPr>
+        </p:pic>
+        <p:sp>
+          <p:nvSpPr>
+            <p:cNvPr id="15" name="矩形 14"/>
+            <p:cNvSpPr/>
+            <p:nvPr/>
+          </p:nvSpPr>
+          <p:spPr>
+            <a:xfrm>
+              <a:off x="3953020" y="4986994"/>
+              <a:ext cx="4733988" cy="369332"/>
+            </a:xfrm>
+            <a:prstGeom prst="rect">
+              <a:avLst/>
+            </a:prstGeom>
+          </p:spPr>
+          <p:txBody>
+            <a:bodyPr wrap="none">
+              <a:spAutoFit/>
+            </a:bodyPr>
+            <a:lstStyle/>
+            <a:p>
+              <a:r>
+                <a:rPr lang="en-US" altLang="zh-TW" dirty="0" smtClean="0">
+                  <a:solidFill>
+                    <a:srgbClr val="FFFF00"/>
+                  </a:solidFill>
+                  <a:latin typeface="Courier New" panose="02070309020205020404" pitchFamily="49" charset="0"/>
+                </a:rPr>
+                <a:t>4.</a:t>
+              </a:r>
+              <a:r>
+                <a:rPr lang="zh-TW" altLang="en-US" dirty="0" smtClean="0">
+                  <a:solidFill>
+                    <a:srgbClr val="FFFF00"/>
+                  </a:solidFill>
+                  <a:latin typeface="Courier New" panose="02070309020205020404" pitchFamily="49" charset="0"/>
+                </a:rPr>
+                <a:t> </a:t>
+              </a:r>
+              <a:r>
+                <a:rPr lang="en-US" altLang="zh-TW" dirty="0" smtClean="0">
+                  <a:solidFill>
+                    <a:srgbClr val="FFFF00"/>
+                  </a:solidFill>
+                  <a:latin typeface="Courier New" panose="02070309020205020404" pitchFamily="49" charset="0"/>
+                </a:rPr>
+                <a:t>INSERT </a:t>
+              </a:r>
+              <a:r>
+                <a:rPr lang="en-US" altLang="zh-TW" dirty="0">
+                  <a:solidFill>
+                    <a:srgbClr val="FFFF00"/>
+                  </a:solidFill>
+                  <a:latin typeface="Courier New" panose="02070309020205020404" pitchFamily="49" charset="0"/>
+                </a:rPr>
+                <a:t>INTO DBXX.DTXXTP01_BAK2</a:t>
+              </a:r>
+              <a:endParaRPr lang="zh-TW" altLang="en-US" dirty="0">
                 <a:solidFill>
                   <a:srgbClr val="FFFF00"/>
                 </a:solidFill>
-                <a:latin typeface="Courier New" panose="02070309020205020404" pitchFamily="49" charset="0"/>
-              </a:rPr>
-              <a:t>INTO DBXX.DTXXTP01</a:t>
-            </a:r>
-            <a:endParaRPr lang="zh-TW" altLang="en-US" dirty="0">
-              <a:solidFill>
-                <a:srgbClr val="FFFF00"/>
-              </a:solidFill>
-            </a:endParaRPr>
-          </a:p>
-        </p:txBody>
-      </p:sp>
-      <p:pic>
-        <p:nvPicPr>
-          <p:cNvPr id="10" name="圖片 9"/>
-          <p:cNvPicPr>
-            <a:picLocks noChangeAspect="1"/>
-          </p:cNvPicPr>
+              </a:endParaRPr>
+            </a:p>
+          </p:txBody>
+        </p:sp>
+        <p:sp>
+          <p:nvSpPr>
+            <p:cNvPr id="16" name="矩形 15"/>
+            <p:cNvSpPr/>
+            <p:nvPr/>
+          </p:nvSpPr>
+          <p:spPr>
+            <a:xfrm>
+              <a:off x="4399081" y="5995486"/>
+              <a:ext cx="4188967" cy="369332"/>
+            </a:xfrm>
+            <a:prstGeom prst="rect">
+              <a:avLst/>
+            </a:prstGeom>
+          </p:spPr>
+          <p:txBody>
+            <a:bodyPr wrap="none">
+              <a:spAutoFit/>
+            </a:bodyPr>
+            <a:lstStyle/>
+            <a:p>
+              <a:r>
+                <a:rPr lang="zh-TW" altLang="en-US" b="1" dirty="0">
+                  <a:solidFill>
+                    <a:srgbClr val="FF0000"/>
+                  </a:solidFill>
+                  <a:latin typeface="Courier New" panose="02070309020205020404" pitchFamily="49" charset="0"/>
+                </a:rPr>
+                <a:t>前端並沒有</a:t>
+              </a:r>
+              <a:r>
+                <a:rPr lang="en-US" altLang="zh-TW" b="1" dirty="0" err="1">
+                  <a:solidFill>
+                    <a:srgbClr val="FF0000"/>
+                  </a:solidFill>
+                  <a:latin typeface="Courier New" panose="02070309020205020404" pitchFamily="49" charset="0"/>
+                </a:rPr>
+                <a:t>setField</a:t>
+              </a:r>
+              <a:r>
+                <a:rPr lang="en-US" altLang="zh-TW" b="1" dirty="0">
+                  <a:solidFill>
+                    <a:srgbClr val="FF0000"/>
+                  </a:solidFill>
+                  <a:latin typeface="Courier New" panose="02070309020205020404" pitchFamily="49" charset="0"/>
+                </a:rPr>
+                <a:t>[EMP_NAME]</a:t>
+              </a:r>
+              <a:r>
+                <a:rPr lang="zh-TW" altLang="en-US" b="1" dirty="0">
+                  <a:solidFill>
+                    <a:srgbClr val="FF0000"/>
+                  </a:solidFill>
+                  <a:latin typeface="Courier New" panose="02070309020205020404" pitchFamily="49" charset="0"/>
+                </a:rPr>
+                <a:t>值</a:t>
+              </a:r>
+              <a:r>
+                <a:rPr lang="en-US" altLang="zh-TW" b="1" dirty="0">
+                  <a:solidFill>
+                    <a:srgbClr val="FF0000"/>
+                  </a:solidFill>
+                  <a:latin typeface="Courier New" panose="02070309020205020404" pitchFamily="49" charset="0"/>
+                </a:rPr>
+                <a:t>.</a:t>
+              </a:r>
+              <a:endParaRPr lang="zh-TW" altLang="en-US" b="1" dirty="0">
+                <a:solidFill>
+                  <a:srgbClr val="FF0000"/>
+                </a:solidFill>
+              </a:endParaRPr>
+            </a:p>
+          </p:txBody>
+        </p:sp>
+      </p:grpSp>
+      <p:grpSp>
+        <p:nvGrpSpPr>
+          <p:cNvPr id="5" name="群組 4"/>
+          <p:cNvGrpSpPr/>
           <p:nvPr/>
-        </p:nvPicPr>
-        <p:blipFill>
-          <a:blip r:embed="rId3"/>
-          <a:stretch>
-            <a:fillRect/>
-          </a:stretch>
-        </p:blipFill>
-        <p:spPr>
+        </p:nvGrpSpPr>
+        <p:grpSpPr>
           <a:xfrm>
-            <a:off x="4781341" y="2710649"/>
-            <a:ext cx="2390775" cy="514350"/>
+            <a:off x="268560" y="2266257"/>
+            <a:ext cx="4036902" cy="3497625"/>
+            <a:chOff x="7617351" y="1324390"/>
+            <a:chExt cx="4036902" cy="3497625"/>
           </a:xfrm>
-          <a:prstGeom prst="rect">
-            <a:avLst/>
-          </a:prstGeom>
-        </p:spPr>
-      </p:pic>
-      <p:sp>
-        <p:nvSpPr>
-          <p:cNvPr id="11" name="矩形 10"/>
-          <p:cNvSpPr/>
-          <p:nvPr/>
-        </p:nvSpPr>
-        <p:spPr>
-          <a:xfrm>
-            <a:off x="4712388" y="2059590"/>
-            <a:ext cx="2528256" cy="646331"/>
-          </a:xfrm>
-          <a:prstGeom prst="rect">
-            <a:avLst/>
-          </a:prstGeom>
-        </p:spPr>
-        <p:txBody>
-          <a:bodyPr wrap="none">
-            <a:spAutoFit/>
-          </a:bodyPr>
-          <a:lstStyle/>
-          <a:p>
-            <a:r>
-              <a:rPr lang="en-US" altLang="zh-TW" dirty="0" smtClean="0">
-                <a:solidFill>
-                  <a:srgbClr val="FFFF00"/>
-                </a:solidFill>
-                <a:latin typeface="Courier New" panose="02070309020205020404" pitchFamily="49" charset="0"/>
-              </a:rPr>
-              <a:t>2.INSERT </a:t>
-            </a:r>
-            <a:r>
-              <a:rPr lang="en-US" altLang="zh-TW" dirty="0">
-                <a:solidFill>
-                  <a:srgbClr val="FFFF00"/>
-                </a:solidFill>
-                <a:latin typeface="Courier New" panose="02070309020205020404" pitchFamily="49" charset="0"/>
-              </a:rPr>
-              <a:t>INTO </a:t>
-            </a:r>
-            <a:endParaRPr lang="en-US" altLang="zh-TW" dirty="0" smtClean="0">
-              <a:solidFill>
-                <a:srgbClr val="FFFF00"/>
-              </a:solidFill>
-              <a:latin typeface="Courier New" panose="02070309020205020404" pitchFamily="49" charset="0"/>
-            </a:endParaRPr>
-          </a:p>
-          <a:p>
-            <a:r>
-              <a:rPr lang="en-US" altLang="zh-TW" dirty="0" smtClean="0">
-                <a:solidFill>
-                  <a:srgbClr val="FFFF00"/>
-                </a:solidFill>
-                <a:latin typeface="Courier New" panose="02070309020205020404" pitchFamily="49" charset="0"/>
-              </a:rPr>
-              <a:t>DBXX.DTXXTP01_BAK</a:t>
-            </a:r>
-            <a:endParaRPr lang="zh-TW" altLang="en-US" dirty="0">
-              <a:solidFill>
-                <a:srgbClr val="FFFF00"/>
-              </a:solidFill>
-            </a:endParaRPr>
-          </a:p>
-        </p:txBody>
-      </p:sp>
-      <p:pic>
-        <p:nvPicPr>
-          <p:cNvPr id="12" name="圖片 11"/>
-          <p:cNvPicPr>
-            <a:picLocks noChangeAspect="1"/>
-          </p:cNvPicPr>
-          <p:nvPr/>
-        </p:nvPicPr>
-        <p:blipFill>
-          <a:blip r:embed="rId4"/>
-          <a:stretch>
-            <a:fillRect/>
-          </a:stretch>
-        </p:blipFill>
-        <p:spPr>
-          <a:xfrm>
-            <a:off x="494429" y="4537999"/>
-            <a:ext cx="2886075" cy="676275"/>
-          </a:xfrm>
-          <a:prstGeom prst="rect">
-            <a:avLst/>
-          </a:prstGeom>
-        </p:spPr>
-      </p:pic>
-      <p:sp>
-        <p:nvSpPr>
-          <p:cNvPr id="13" name="矩形 12"/>
-          <p:cNvSpPr/>
-          <p:nvPr/>
-        </p:nvSpPr>
-        <p:spPr>
-          <a:xfrm>
-            <a:off x="214582" y="4158733"/>
-            <a:ext cx="4733988" cy="369332"/>
-          </a:xfrm>
-          <a:prstGeom prst="rect">
-            <a:avLst/>
-          </a:prstGeom>
-        </p:spPr>
-        <p:txBody>
-          <a:bodyPr wrap="none">
-            <a:spAutoFit/>
-          </a:bodyPr>
-          <a:lstStyle/>
-          <a:p>
-            <a:r>
-              <a:rPr lang="en-US" altLang="zh-TW" dirty="0" smtClean="0">
-                <a:solidFill>
-                  <a:srgbClr val="FFFF00"/>
-                </a:solidFill>
-                <a:latin typeface="Courier New" panose="02070309020205020404" pitchFamily="49" charset="0"/>
-              </a:rPr>
-              <a:t>3.</a:t>
-            </a:r>
-            <a:r>
-              <a:rPr lang="zh-TW" altLang="en-US" dirty="0" smtClean="0">
-                <a:solidFill>
-                  <a:srgbClr val="FFFF00"/>
-                </a:solidFill>
-                <a:latin typeface="Courier New" panose="02070309020205020404" pitchFamily="49" charset="0"/>
-              </a:rPr>
-              <a:t> </a:t>
-            </a:r>
-            <a:r>
-              <a:rPr lang="en-US" altLang="zh-TW" dirty="0" smtClean="0">
-                <a:solidFill>
-                  <a:srgbClr val="FFFF00"/>
-                </a:solidFill>
-                <a:latin typeface="Courier New" panose="02070309020205020404" pitchFamily="49" charset="0"/>
-              </a:rPr>
-              <a:t>INSERT </a:t>
-            </a:r>
-            <a:r>
-              <a:rPr lang="en-US" altLang="zh-TW" dirty="0">
-                <a:solidFill>
-                  <a:srgbClr val="FFFF00"/>
-                </a:solidFill>
-                <a:latin typeface="Courier New" panose="02070309020205020404" pitchFamily="49" charset="0"/>
-              </a:rPr>
-              <a:t>INTO DBXX.DTXXTP01_BAK2</a:t>
-            </a:r>
-            <a:endParaRPr lang="zh-TW" altLang="en-US" dirty="0">
-              <a:solidFill>
-                <a:srgbClr val="FFFF00"/>
-              </a:solidFill>
-            </a:endParaRPr>
-          </a:p>
-        </p:txBody>
-      </p:sp>
-      <p:pic>
-        <p:nvPicPr>
-          <p:cNvPr id="14" name="圖片 13"/>
-          <p:cNvPicPr>
-            <a:picLocks noChangeAspect="1"/>
-          </p:cNvPicPr>
-          <p:nvPr/>
-        </p:nvPicPr>
-        <p:blipFill>
-          <a:blip r:embed="rId5"/>
-          <a:stretch>
-            <a:fillRect/>
-          </a:stretch>
-        </p:blipFill>
-        <p:spPr>
-          <a:xfrm>
-            <a:off x="4473809" y="5412519"/>
-            <a:ext cx="5343525" cy="533400"/>
-          </a:xfrm>
-          <a:prstGeom prst="rect">
-            <a:avLst/>
-          </a:prstGeom>
-        </p:spPr>
-      </p:pic>
-      <p:sp>
-        <p:nvSpPr>
-          <p:cNvPr id="15" name="矩形 14"/>
-          <p:cNvSpPr/>
-          <p:nvPr/>
-        </p:nvSpPr>
-        <p:spPr>
-          <a:xfrm>
-            <a:off x="3953020" y="4986994"/>
-            <a:ext cx="4733988" cy="369332"/>
-          </a:xfrm>
-          <a:prstGeom prst="rect">
-            <a:avLst/>
-          </a:prstGeom>
-        </p:spPr>
-        <p:txBody>
-          <a:bodyPr wrap="none">
-            <a:spAutoFit/>
-          </a:bodyPr>
-          <a:lstStyle/>
-          <a:p>
-            <a:r>
-              <a:rPr lang="en-US" altLang="zh-TW" dirty="0" smtClean="0">
-                <a:solidFill>
-                  <a:srgbClr val="FFFF00"/>
-                </a:solidFill>
-                <a:latin typeface="Courier New" panose="02070309020205020404" pitchFamily="49" charset="0"/>
-              </a:rPr>
-              <a:t>4.</a:t>
-            </a:r>
-            <a:r>
-              <a:rPr lang="zh-TW" altLang="en-US" dirty="0" smtClean="0">
-                <a:solidFill>
-                  <a:srgbClr val="FFFF00"/>
-                </a:solidFill>
-                <a:latin typeface="Courier New" panose="02070309020205020404" pitchFamily="49" charset="0"/>
-              </a:rPr>
-              <a:t> </a:t>
-            </a:r>
-            <a:r>
-              <a:rPr lang="en-US" altLang="zh-TW" dirty="0" smtClean="0">
-                <a:solidFill>
-                  <a:srgbClr val="FFFF00"/>
-                </a:solidFill>
-                <a:latin typeface="Courier New" panose="02070309020205020404" pitchFamily="49" charset="0"/>
-              </a:rPr>
-              <a:t>INSERT </a:t>
-            </a:r>
-            <a:r>
-              <a:rPr lang="en-US" altLang="zh-TW" dirty="0">
-                <a:solidFill>
-                  <a:srgbClr val="FFFF00"/>
-                </a:solidFill>
-                <a:latin typeface="Courier New" panose="02070309020205020404" pitchFamily="49" charset="0"/>
-              </a:rPr>
-              <a:t>INTO DBXX.DTXXTP01_BAK2</a:t>
-            </a:r>
-            <a:endParaRPr lang="zh-TW" altLang="en-US" dirty="0">
-              <a:solidFill>
-                <a:srgbClr val="FFFF00"/>
-              </a:solidFill>
-            </a:endParaRPr>
-          </a:p>
-        </p:txBody>
-      </p:sp>
-      <p:sp>
-        <p:nvSpPr>
-          <p:cNvPr id="16" name="矩形 15"/>
-          <p:cNvSpPr/>
-          <p:nvPr/>
-        </p:nvSpPr>
-        <p:spPr>
-          <a:xfrm>
-            <a:off x="4399081" y="5995486"/>
-            <a:ext cx="4188967" cy="369332"/>
-          </a:xfrm>
-          <a:prstGeom prst="rect">
-            <a:avLst/>
-          </a:prstGeom>
-        </p:spPr>
-        <p:txBody>
-          <a:bodyPr wrap="none">
-            <a:spAutoFit/>
-          </a:bodyPr>
-          <a:lstStyle/>
-          <a:p>
-            <a:r>
-              <a:rPr lang="zh-TW" altLang="en-US" b="1" dirty="0">
-                <a:solidFill>
-                  <a:srgbClr val="FF0000"/>
-                </a:solidFill>
-                <a:latin typeface="Courier New" panose="02070309020205020404" pitchFamily="49" charset="0"/>
-              </a:rPr>
-              <a:t>前端並沒有</a:t>
-            </a:r>
-            <a:r>
-              <a:rPr lang="en-US" altLang="zh-TW" b="1" dirty="0" err="1">
-                <a:solidFill>
-                  <a:srgbClr val="FF0000"/>
-                </a:solidFill>
-                <a:latin typeface="Courier New" panose="02070309020205020404" pitchFamily="49" charset="0"/>
-              </a:rPr>
-              <a:t>setField</a:t>
-            </a:r>
-            <a:r>
-              <a:rPr lang="en-US" altLang="zh-TW" b="1" dirty="0">
-                <a:solidFill>
-                  <a:srgbClr val="FF0000"/>
-                </a:solidFill>
-                <a:latin typeface="Courier New" panose="02070309020205020404" pitchFamily="49" charset="0"/>
-              </a:rPr>
-              <a:t>[EMP_NAME]</a:t>
-            </a:r>
-            <a:r>
-              <a:rPr lang="zh-TW" altLang="en-US" b="1" dirty="0">
-                <a:solidFill>
-                  <a:srgbClr val="FF0000"/>
-                </a:solidFill>
-                <a:latin typeface="Courier New" panose="02070309020205020404" pitchFamily="49" charset="0"/>
-              </a:rPr>
-              <a:t>值</a:t>
-            </a:r>
-            <a:r>
-              <a:rPr lang="en-US" altLang="zh-TW" b="1" dirty="0">
-                <a:solidFill>
-                  <a:srgbClr val="FF0000"/>
-                </a:solidFill>
-                <a:latin typeface="Courier New" panose="02070309020205020404" pitchFamily="49" charset="0"/>
-              </a:rPr>
-              <a:t>.</a:t>
-            </a:r>
-            <a:endParaRPr lang="zh-TW" altLang="en-US" b="1" dirty="0">
+        </p:grpSpPr>
+        <p:pic>
+          <p:nvPicPr>
+            <p:cNvPr id="17" name="圖片 16"/>
+            <p:cNvPicPr>
+              <a:picLocks noChangeAspect="1"/>
+            </p:cNvPicPr>
+            <p:nvPr/>
+          </p:nvPicPr>
+          <p:blipFill>
+            <a:blip r:embed="rId6"/>
+            <a:stretch>
+              <a:fillRect/>
+            </a:stretch>
+          </p:blipFill>
+          <p:spPr>
+            <a:xfrm>
+              <a:off x="7617351" y="1324390"/>
+              <a:ext cx="4036902" cy="3470116"/>
+            </a:xfrm>
+            <a:prstGeom prst="rect">
+              <a:avLst/>
+            </a:prstGeom>
+          </p:spPr>
+        </p:pic>
+        <p:sp>
+          <p:nvSpPr>
+            <p:cNvPr id="18" name="文字方塊 17"/>
+            <p:cNvSpPr txBox="1"/>
+            <p:nvPr/>
+          </p:nvSpPr>
+          <p:spPr>
+            <a:xfrm>
+              <a:off x="7617351" y="3498576"/>
+              <a:ext cx="4036902" cy="1323439"/>
+            </a:xfrm>
+            <a:prstGeom prst="rect">
+              <a:avLst/>
+            </a:prstGeom>
+            <a:noFill/>
+            <a:ln w="38100">
               <a:solidFill>
                 <a:srgbClr val="FF0000"/>
               </a:solidFill>
-            </a:endParaRPr>
-          </a:p>
-        </p:txBody>
-      </p:sp>
-      <p:pic>
-        <p:nvPicPr>
-          <p:cNvPr id="17" name="圖片 16"/>
-          <p:cNvPicPr>
-            <a:picLocks noChangeAspect="1"/>
-          </p:cNvPicPr>
-          <p:nvPr/>
-        </p:nvPicPr>
-        <p:blipFill>
-          <a:blip r:embed="rId6"/>
-          <a:stretch>
-            <a:fillRect/>
-          </a:stretch>
-        </p:blipFill>
-        <p:spPr>
-          <a:xfrm>
-            <a:off x="7617351" y="1324390"/>
-            <a:ext cx="4036902" cy="3470116"/>
-          </a:xfrm>
-          <a:prstGeom prst="rect">
-            <a:avLst/>
-          </a:prstGeom>
-        </p:spPr>
-      </p:pic>
-      <p:sp>
-        <p:nvSpPr>
-          <p:cNvPr id="18" name="文字方塊 17"/>
-          <p:cNvSpPr txBox="1"/>
-          <p:nvPr/>
-        </p:nvSpPr>
-        <p:spPr>
-          <a:xfrm>
-            <a:off x="7410613" y="3498576"/>
-            <a:ext cx="4094923" cy="1323439"/>
-          </a:xfrm>
-          <a:prstGeom prst="rect">
-            <a:avLst/>
-          </a:prstGeom>
-          <a:noFill/>
-          <a:ln>
-            <a:solidFill>
-              <a:srgbClr val="FF0000"/>
-            </a:solidFill>
-          </a:ln>
-        </p:spPr>
-        <p:txBody>
-          <a:bodyPr wrap="square" rtlCol="0">
-            <a:spAutoFit/>
-          </a:bodyPr>
-          <a:lstStyle/>
-          <a:p>
-            <a:r>
-              <a:rPr lang="en-US" altLang="zh-TW" sz="1200" dirty="0" smtClean="0">
+            </a:ln>
+          </p:spPr>
+          <p:txBody>
+            <a:bodyPr wrap="square" rtlCol="0">
+              <a:spAutoFit/>
+            </a:bodyPr>
+            <a:lstStyle/>
+            <a:p>
+              <a:pPr algn="r"/>
+              <a:r>
+                <a:rPr lang="en-US" altLang="zh-TW" sz="1200" b="1" dirty="0" smtClean="0">
+                  <a:solidFill>
+                    <a:srgbClr val="FF0000"/>
+                  </a:solidFill>
+                </a:rPr>
+                <a:t>1</a:t>
+              </a:r>
+            </a:p>
+            <a:p>
+              <a:pPr algn="r"/>
+              <a:r>
+                <a:rPr lang="en-US" altLang="zh-TW" sz="1200" b="1" dirty="0" smtClean="0">
+                  <a:solidFill>
+                    <a:srgbClr val="FF0000"/>
+                  </a:solidFill>
+                </a:rPr>
+                <a:t>2</a:t>
+              </a:r>
+            </a:p>
+            <a:p>
+              <a:pPr algn="r"/>
+              <a:r>
+                <a:rPr lang="en-US" altLang="zh-TW" sz="1200" b="1" dirty="0" smtClean="0">
+                  <a:solidFill>
+                    <a:srgbClr val="FF0000"/>
+                  </a:solidFill>
+                </a:rPr>
+                <a:t>3</a:t>
+              </a:r>
+            </a:p>
+            <a:p>
+              <a:pPr algn="r"/>
+              <a:endParaRPr lang="en-US" altLang="zh-TW" sz="1200" b="1" dirty="0">
                 <a:solidFill>
                   <a:srgbClr val="FF0000"/>
                 </a:solidFill>
-              </a:rPr>
-              <a:t>1</a:t>
-            </a:r>
-          </a:p>
-          <a:p>
-            <a:r>
-              <a:rPr lang="en-US" altLang="zh-TW" sz="1200" dirty="0" smtClean="0">
+              </a:endParaRPr>
+            </a:p>
+            <a:p>
+              <a:pPr algn="r"/>
+              <a:endParaRPr lang="en-US" altLang="zh-TW" sz="1200" b="1" dirty="0" smtClean="0">
                 <a:solidFill>
                   <a:srgbClr val="FF0000"/>
                 </a:solidFill>
-              </a:rPr>
-              <a:t>2</a:t>
-            </a:r>
-          </a:p>
-          <a:p>
-            <a:r>
-              <a:rPr lang="en-US" altLang="zh-TW" sz="1200" dirty="0" smtClean="0">
+              </a:endParaRPr>
+            </a:p>
+            <a:p>
+              <a:pPr algn="r"/>
+              <a:endParaRPr lang="en-US" altLang="zh-TW" sz="500" b="1" dirty="0" smtClean="0">
                 <a:solidFill>
                   <a:srgbClr val="FF0000"/>
                 </a:solidFill>
-              </a:rPr>
-              <a:t>3</a:t>
-            </a:r>
-          </a:p>
-          <a:p>
-            <a:endParaRPr lang="en-US" altLang="zh-TW" sz="1200" dirty="0">
-              <a:solidFill>
-                <a:srgbClr val="FF0000"/>
-              </a:solidFill>
-            </a:endParaRPr>
-          </a:p>
-          <a:p>
-            <a:endParaRPr lang="en-US" altLang="zh-TW" sz="1200" dirty="0" smtClean="0">
-              <a:solidFill>
-                <a:srgbClr val="FF0000"/>
-              </a:solidFill>
-            </a:endParaRPr>
-          </a:p>
-          <a:p>
-            <a:endParaRPr lang="en-US" altLang="zh-TW" sz="500" dirty="0" smtClean="0">
-              <a:solidFill>
-                <a:srgbClr val="FF0000"/>
-              </a:solidFill>
-            </a:endParaRPr>
-          </a:p>
-          <a:p>
-            <a:r>
-              <a:rPr lang="en-US" altLang="zh-TW" sz="1200" dirty="0" smtClean="0">
+              </a:endParaRPr>
+            </a:p>
+            <a:p>
+              <a:pPr algn="r"/>
+              <a:r>
+                <a:rPr lang="en-US" altLang="zh-TW" sz="1200" b="1" dirty="0" smtClean="0">
+                  <a:solidFill>
+                    <a:srgbClr val="FF0000"/>
+                  </a:solidFill>
+                </a:rPr>
+                <a:t>4</a:t>
+              </a:r>
+              <a:endParaRPr lang="zh-TW" altLang="en-US" sz="1200" b="1" dirty="0">
                 <a:solidFill>
                   <a:srgbClr val="FF0000"/>
                 </a:solidFill>
-              </a:rPr>
-              <a:t>4</a:t>
-            </a:r>
-            <a:endParaRPr lang="zh-TW" altLang="en-US" sz="1200" dirty="0">
-              <a:solidFill>
-                <a:srgbClr val="FF0000"/>
-              </a:solidFill>
-            </a:endParaRPr>
-          </a:p>
-        </p:txBody>
-      </p:sp>
+              </a:endParaRPr>
+            </a:p>
+          </p:txBody>
+        </p:sp>
+      </p:grpSp>
     </p:spTree>
     <p:extLst>
       <p:ext uri="{BB962C8B-B14F-4D97-AF65-F5344CB8AC3E}">
@@ -13842,704 +13849,7 @@
 </p:sld>
 </file>
 
-<file path=ppt/slides/slide26.xml><?xml version="1.0" encoding="utf-8"?>
-<p:sld xmlns:a="http://schemas.openxmlformats.org/drawingml/2006/main" xmlns:r="http://schemas.openxmlformats.org/officeDocument/2006/relationships" xmlns:p="http://schemas.openxmlformats.org/presentationml/2006/main">
-  <p:cSld>
-    <p:spTree>
-      <p:nvGrpSpPr>
-        <p:cNvPr id="1" name=""/>
-        <p:cNvGrpSpPr/>
-        <p:nvPr/>
-      </p:nvGrpSpPr>
-      <p:grpSpPr>
-        <a:xfrm>
-          <a:off x="0" y="0"/>
-          <a:ext cx="0" cy="0"/>
-          <a:chOff x="0" y="0"/>
-          <a:chExt cx="0" cy="0"/>
-        </a:xfrm>
-      </p:grpSpPr>
-      <p:sp>
-        <p:nvSpPr>
-          <p:cNvPr id="2" name="標題 1"/>
-          <p:cNvSpPr>
-            <a:spLocks noGrp="1"/>
-          </p:cNvSpPr>
-          <p:nvPr>
-            <p:ph type="title"/>
-          </p:nvPr>
-        </p:nvSpPr>
-        <p:spPr/>
-        <p:txBody>
-          <a:bodyPr/>
-          <a:lstStyle/>
-          <a:p>
-            <a:endParaRPr lang="zh-TW" altLang="en-US"/>
-          </a:p>
-        </p:txBody>
-      </p:sp>
-      <p:sp>
-        <p:nvSpPr>
-          <p:cNvPr id="3" name="內容版面配置區 2"/>
-          <p:cNvSpPr>
-            <a:spLocks noGrp="1"/>
-          </p:cNvSpPr>
-          <p:nvPr>
-            <p:ph idx="1"/>
-          </p:nvPr>
-        </p:nvSpPr>
-        <p:spPr/>
-        <p:txBody>
-          <a:bodyPr/>
-          <a:lstStyle/>
-          <a:p>
-            <a:endParaRPr lang="zh-TW" altLang="en-US" dirty="0"/>
-          </a:p>
-        </p:txBody>
-      </p:sp>
-      <p:sp>
-        <p:nvSpPr>
-          <p:cNvPr id="4" name="投影片編號版面配置區 3"/>
-          <p:cNvSpPr>
-            <a:spLocks noGrp="1"/>
-          </p:cNvSpPr>
-          <p:nvPr>
-            <p:ph type="sldNum" sz="quarter" idx="12"/>
-          </p:nvPr>
-        </p:nvSpPr>
-        <p:spPr/>
-        <p:txBody>
-          <a:bodyPr/>
-          <a:lstStyle/>
-          <a:p>
-            <a:fld id="{7EEA38C4-728D-4C6D-B45A-B952D9AC726F}" type="slidenum">
-              <a:rPr lang="zh-TW" altLang="en-US" smtClean="0"/>
-              <a:t>26</a:t>
-            </a:fld>
-            <a:endParaRPr lang="zh-TW" altLang="en-US"/>
-          </a:p>
-        </p:txBody>
-      </p:sp>
-      <p:pic>
-        <p:nvPicPr>
-          <p:cNvPr id="6" name="圖片 5"/>
-          <p:cNvPicPr>
-            <a:picLocks noChangeAspect="1"/>
-          </p:cNvPicPr>
-          <p:nvPr/>
-        </p:nvPicPr>
-        <p:blipFill>
-          <a:blip r:embed="rId2"/>
-          <a:stretch>
-            <a:fillRect/>
-          </a:stretch>
-        </p:blipFill>
-        <p:spPr>
-          <a:xfrm>
-            <a:off x="844790" y="1080986"/>
-            <a:ext cx="7223961" cy="2680026"/>
-          </a:xfrm>
-          <a:prstGeom prst="rect">
-            <a:avLst/>
-          </a:prstGeom>
-        </p:spPr>
-      </p:pic>
-      <p:pic>
-        <p:nvPicPr>
-          <p:cNvPr id="7" name="圖片 6"/>
-          <p:cNvPicPr>
-            <a:picLocks noChangeAspect="1"/>
-          </p:cNvPicPr>
-          <p:nvPr/>
-        </p:nvPicPr>
-        <p:blipFill>
-          <a:blip r:embed="rId3"/>
-          <a:stretch>
-            <a:fillRect/>
-          </a:stretch>
-        </p:blipFill>
-        <p:spPr>
-          <a:xfrm>
-            <a:off x="818984" y="3833883"/>
-            <a:ext cx="7679135" cy="2856705"/>
-          </a:xfrm>
-          <a:prstGeom prst="rect">
-            <a:avLst/>
-          </a:prstGeom>
-        </p:spPr>
-      </p:pic>
-      <p:pic>
-        <p:nvPicPr>
-          <p:cNvPr id="8" name="圖片 7"/>
-          <p:cNvPicPr>
-            <a:picLocks noChangeAspect="1"/>
-          </p:cNvPicPr>
-          <p:nvPr/>
-        </p:nvPicPr>
-        <p:blipFill>
-          <a:blip r:embed="rId4"/>
-          <a:stretch>
-            <a:fillRect/>
-          </a:stretch>
-        </p:blipFill>
-        <p:spPr>
-          <a:xfrm>
-            <a:off x="8524130" y="1475216"/>
-            <a:ext cx="3429000" cy="2571750"/>
-          </a:xfrm>
-          <a:prstGeom prst="rect">
-            <a:avLst/>
-          </a:prstGeom>
-        </p:spPr>
-      </p:pic>
-    </p:spTree>
-    <p:extLst>
-      <p:ext uri="{BB962C8B-B14F-4D97-AF65-F5344CB8AC3E}">
-        <p14:creationId xmlns:p14="http://schemas.microsoft.com/office/powerpoint/2010/main" val="1088997398"/>
-      </p:ext>
-    </p:extLst>
-  </p:cSld>
-  <p:clrMapOvr>
-    <a:masterClrMapping/>
-  </p:clrMapOvr>
-  <p:timing>
-    <p:tnLst>
-      <p:par>
-        <p:cTn id="1" dur="indefinite" restart="never" nodeType="tmRoot"/>
-      </p:par>
-    </p:tnLst>
-  </p:timing>
-</p:sld>
-</file>
-
-<file path=ppt/slides/slide27.xml><?xml version="1.0" encoding="utf-8"?>
-<p:sld xmlns:a="http://schemas.openxmlformats.org/drawingml/2006/main" xmlns:r="http://schemas.openxmlformats.org/officeDocument/2006/relationships" xmlns:p="http://schemas.openxmlformats.org/presentationml/2006/main">
-  <p:cSld>
-    <p:spTree>
-      <p:nvGrpSpPr>
-        <p:cNvPr id="1" name=""/>
-        <p:cNvGrpSpPr/>
-        <p:nvPr/>
-      </p:nvGrpSpPr>
-      <p:grpSpPr>
-        <a:xfrm>
-          <a:off x="0" y="0"/>
-          <a:ext cx="0" cy="0"/>
-          <a:chOff x="0" y="0"/>
-          <a:chExt cx="0" cy="0"/>
-        </a:xfrm>
-      </p:grpSpPr>
-      <p:sp>
-        <p:nvSpPr>
-          <p:cNvPr id="2" name="標題 1"/>
-          <p:cNvSpPr>
-            <a:spLocks noGrp="1"/>
-          </p:cNvSpPr>
-          <p:nvPr>
-            <p:ph type="title"/>
-          </p:nvPr>
-        </p:nvSpPr>
-        <p:spPr/>
-        <p:txBody>
-          <a:bodyPr/>
-          <a:lstStyle/>
-          <a:p>
-            <a:endParaRPr lang="zh-TW" altLang="en-US"/>
-          </a:p>
-        </p:txBody>
-      </p:sp>
-      <p:sp>
-        <p:nvSpPr>
-          <p:cNvPr id="3" name="內容版面配置區 2"/>
-          <p:cNvSpPr>
-            <a:spLocks noGrp="1"/>
-          </p:cNvSpPr>
-          <p:nvPr>
-            <p:ph idx="1"/>
-          </p:nvPr>
-        </p:nvSpPr>
-        <p:spPr/>
-        <p:txBody>
-          <a:bodyPr/>
-          <a:lstStyle/>
-          <a:p>
-            <a:endParaRPr lang="zh-TW" altLang="en-US"/>
-          </a:p>
-        </p:txBody>
-      </p:sp>
-      <p:sp>
-        <p:nvSpPr>
-          <p:cNvPr id="4" name="投影片編號版面配置區 3"/>
-          <p:cNvSpPr>
-            <a:spLocks noGrp="1"/>
-          </p:cNvSpPr>
-          <p:nvPr>
-            <p:ph type="sldNum" sz="quarter" idx="12"/>
-          </p:nvPr>
-        </p:nvSpPr>
-        <p:spPr/>
-        <p:txBody>
-          <a:bodyPr/>
-          <a:lstStyle/>
-          <a:p>
-            <a:fld id="{7EEA38C4-728D-4C6D-B45A-B952D9AC726F}" type="slidenum">
-              <a:rPr lang="zh-TW" altLang="en-US" smtClean="0"/>
-              <a:t>27</a:t>
-            </a:fld>
-            <a:endParaRPr lang="zh-TW" altLang="en-US"/>
-          </a:p>
-        </p:txBody>
-      </p:sp>
-      <p:pic>
-        <p:nvPicPr>
-          <p:cNvPr id="5" name="圖片 4"/>
-          <p:cNvPicPr>
-            <a:picLocks noChangeAspect="1"/>
-          </p:cNvPicPr>
-          <p:nvPr/>
-        </p:nvPicPr>
-        <p:blipFill>
-          <a:blip r:embed="rId2"/>
-          <a:stretch>
-            <a:fillRect/>
-          </a:stretch>
-        </p:blipFill>
-        <p:spPr>
-          <a:xfrm>
-            <a:off x="514840" y="848054"/>
-            <a:ext cx="4219575" cy="1819275"/>
-          </a:xfrm>
-          <a:prstGeom prst="rect">
-            <a:avLst/>
-          </a:prstGeom>
-        </p:spPr>
-      </p:pic>
-      <p:pic>
-        <p:nvPicPr>
-          <p:cNvPr id="6" name="圖片 5"/>
-          <p:cNvPicPr>
-            <a:picLocks noChangeAspect="1"/>
-          </p:cNvPicPr>
-          <p:nvPr/>
-        </p:nvPicPr>
-        <p:blipFill>
-          <a:blip r:embed="rId3"/>
-          <a:stretch>
-            <a:fillRect/>
-          </a:stretch>
-        </p:blipFill>
-        <p:spPr>
-          <a:xfrm>
-            <a:off x="585536" y="1824320"/>
-            <a:ext cx="10764002" cy="3036438"/>
-          </a:xfrm>
-          <a:prstGeom prst="rect">
-            <a:avLst/>
-          </a:prstGeom>
-        </p:spPr>
-      </p:pic>
-      <p:pic>
-        <p:nvPicPr>
-          <p:cNvPr id="7" name="圖片 6"/>
-          <p:cNvPicPr>
-            <a:picLocks noChangeAspect="1"/>
-          </p:cNvPicPr>
-          <p:nvPr/>
-        </p:nvPicPr>
-        <p:blipFill>
-          <a:blip r:embed="rId4"/>
-          <a:stretch>
-            <a:fillRect/>
-          </a:stretch>
-        </p:blipFill>
-        <p:spPr>
-          <a:xfrm>
-            <a:off x="1138988" y="4284115"/>
-            <a:ext cx="9580645" cy="2385140"/>
-          </a:xfrm>
-          <a:prstGeom prst="rect">
-            <a:avLst/>
-          </a:prstGeom>
-        </p:spPr>
-      </p:pic>
-      <p:pic>
-        <p:nvPicPr>
-          <p:cNvPr id="8" name="圖片 7"/>
-          <p:cNvPicPr>
-            <a:picLocks noChangeAspect="1"/>
-          </p:cNvPicPr>
-          <p:nvPr/>
-        </p:nvPicPr>
-        <p:blipFill>
-          <a:blip r:embed="rId5"/>
-          <a:stretch>
-            <a:fillRect/>
-          </a:stretch>
-        </p:blipFill>
-        <p:spPr>
-          <a:xfrm>
-            <a:off x="6893904" y="428749"/>
-            <a:ext cx="3190875" cy="2486025"/>
-          </a:xfrm>
-          <a:prstGeom prst="rect">
-            <a:avLst/>
-          </a:prstGeom>
-        </p:spPr>
-      </p:pic>
-    </p:spTree>
-    <p:extLst>
-      <p:ext uri="{BB962C8B-B14F-4D97-AF65-F5344CB8AC3E}">
-        <p14:creationId xmlns:p14="http://schemas.microsoft.com/office/powerpoint/2010/main" val="2383342165"/>
-      </p:ext>
-    </p:extLst>
-  </p:cSld>
-  <p:clrMapOvr>
-    <a:masterClrMapping/>
-  </p:clrMapOvr>
-  <p:timing>
-    <p:tnLst>
-      <p:par>
-        <p:cTn id="1" dur="indefinite" restart="never" nodeType="tmRoot"/>
-      </p:par>
-    </p:tnLst>
-  </p:timing>
-</p:sld>
-</file>
-
-<file path=ppt/slides/slide28.xml><?xml version="1.0" encoding="utf-8"?>
-<p:sld xmlns:a="http://schemas.openxmlformats.org/drawingml/2006/main" xmlns:r="http://schemas.openxmlformats.org/officeDocument/2006/relationships" xmlns:p="http://schemas.openxmlformats.org/presentationml/2006/main">
-  <p:cSld>
-    <p:spTree>
-      <p:nvGrpSpPr>
-        <p:cNvPr id="1" name=""/>
-        <p:cNvGrpSpPr/>
-        <p:nvPr/>
-      </p:nvGrpSpPr>
-      <p:grpSpPr>
-        <a:xfrm>
-          <a:off x="0" y="0"/>
-          <a:ext cx="0" cy="0"/>
-          <a:chOff x="0" y="0"/>
-          <a:chExt cx="0" cy="0"/>
-        </a:xfrm>
-      </p:grpSpPr>
-      <p:sp>
-        <p:nvSpPr>
-          <p:cNvPr id="2" name="標題 1"/>
-          <p:cNvSpPr>
-            <a:spLocks noGrp="1"/>
-          </p:cNvSpPr>
-          <p:nvPr>
-            <p:ph type="title"/>
-          </p:nvPr>
-        </p:nvSpPr>
-        <p:spPr/>
-        <p:txBody>
-          <a:bodyPr/>
-          <a:lstStyle/>
-          <a:p>
-            <a:r>
-              <a:rPr lang="en-US" altLang="zh-TW" dirty="0" err="1" smtClean="0"/>
-              <a:t>HttpDispatcher</a:t>
-            </a:r>
-            <a:endParaRPr lang="zh-TW" altLang="en-US" dirty="0"/>
-          </a:p>
-        </p:txBody>
-      </p:sp>
-      <p:sp>
-        <p:nvSpPr>
-          <p:cNvPr id="3" name="內容版面配置區 2"/>
-          <p:cNvSpPr>
-            <a:spLocks noGrp="1"/>
-          </p:cNvSpPr>
-          <p:nvPr>
-            <p:ph idx="1"/>
-          </p:nvPr>
-        </p:nvSpPr>
-        <p:spPr>
-          <a:xfrm>
-            <a:off x="713698" y="1281642"/>
-            <a:ext cx="8946541" cy="555110"/>
-          </a:xfrm>
-        </p:spPr>
-        <p:txBody>
-          <a:bodyPr/>
-          <a:lstStyle/>
-          <a:p>
-            <a:r>
-              <a:rPr lang="en-US" altLang="zh-TW" dirty="0" err="1"/>
-              <a:t>HttpDispatcher</a:t>
-            </a:r>
-            <a:r>
-              <a:rPr lang="zh-TW" altLang="zh-TW" dirty="0"/>
-              <a:t>是什麼？接受任何</a:t>
-            </a:r>
-            <a:r>
-              <a:rPr lang="en-US" altLang="zh-TW" dirty="0"/>
-              <a:t> Request </a:t>
-            </a:r>
-            <a:r>
-              <a:rPr lang="zh-TW" altLang="zh-TW" dirty="0"/>
-              <a:t>會解析</a:t>
-            </a:r>
-            <a:r>
-              <a:rPr lang="en-US" altLang="zh-TW" dirty="0"/>
-              <a:t>URL</a:t>
-            </a:r>
-            <a:r>
-              <a:rPr lang="zh-TW" altLang="zh-TW" dirty="0"/>
-              <a:t>嗎？</a:t>
-            </a:r>
-            <a:endParaRPr lang="zh-TW" altLang="en-US" dirty="0"/>
-          </a:p>
-        </p:txBody>
-      </p:sp>
-      <p:sp>
-        <p:nvSpPr>
-          <p:cNvPr id="4" name="投影片編號版面配置區 3"/>
-          <p:cNvSpPr>
-            <a:spLocks noGrp="1"/>
-          </p:cNvSpPr>
-          <p:nvPr>
-            <p:ph type="sldNum" sz="quarter" idx="12"/>
-          </p:nvPr>
-        </p:nvSpPr>
-        <p:spPr/>
-        <p:txBody>
-          <a:bodyPr/>
-          <a:lstStyle/>
-          <a:p>
-            <a:fld id="{7EEA38C4-728D-4C6D-B45A-B952D9AC726F}" type="slidenum">
-              <a:rPr lang="zh-TW" altLang="en-US" smtClean="0"/>
-              <a:pPr/>
-              <a:t>28</a:t>
-            </a:fld>
-            <a:endParaRPr lang="zh-TW" altLang="en-US" dirty="0"/>
-          </a:p>
-        </p:txBody>
-      </p:sp>
-      <p:grpSp>
-        <p:nvGrpSpPr>
-          <p:cNvPr id="9" name="群組 8"/>
-          <p:cNvGrpSpPr/>
-          <p:nvPr/>
-        </p:nvGrpSpPr>
-        <p:grpSpPr>
-          <a:xfrm>
-            <a:off x="384602" y="2662668"/>
-            <a:ext cx="9515646" cy="2143125"/>
-            <a:chOff x="401077" y="1838884"/>
-            <a:chExt cx="9515646" cy="2143125"/>
-          </a:xfrm>
-        </p:grpSpPr>
-        <p:pic>
-          <p:nvPicPr>
-            <p:cNvPr id="5" name="圖片 4"/>
-            <p:cNvPicPr>
-              <a:picLocks noChangeAspect="1"/>
-            </p:cNvPicPr>
-            <p:nvPr/>
-          </p:nvPicPr>
-          <p:blipFill>
-            <a:blip r:embed="rId2"/>
-            <a:stretch>
-              <a:fillRect/>
-            </a:stretch>
-          </p:blipFill>
-          <p:spPr>
-            <a:xfrm>
-              <a:off x="2420548" y="1838884"/>
-              <a:ext cx="7496175" cy="2143125"/>
-            </a:xfrm>
-            <a:prstGeom prst="rect">
-              <a:avLst/>
-            </a:prstGeom>
-          </p:spPr>
-        </p:pic>
-        <p:sp>
-          <p:nvSpPr>
-            <p:cNvPr id="6" name="文字方塊 5"/>
-            <p:cNvSpPr txBox="1"/>
-            <p:nvPr/>
-          </p:nvSpPr>
-          <p:spPr>
-            <a:xfrm>
-              <a:off x="401077" y="3439764"/>
-              <a:ext cx="2308645" cy="369332"/>
-            </a:xfrm>
-            <a:prstGeom prst="rect">
-              <a:avLst/>
-            </a:prstGeom>
-          </p:spPr>
-          <p:style>
-            <a:lnRef idx="0">
-              <a:schemeClr val="accent2"/>
-            </a:lnRef>
-            <a:fillRef idx="3">
-              <a:schemeClr val="accent2"/>
-            </a:fillRef>
-            <a:effectRef idx="3">
-              <a:schemeClr val="accent2"/>
-            </a:effectRef>
-            <a:fontRef idx="minor">
-              <a:schemeClr val="lt1"/>
-            </a:fontRef>
-          </p:style>
-          <p:txBody>
-            <a:bodyPr wrap="none" rtlCol="0">
-              <a:spAutoFit/>
-            </a:bodyPr>
-            <a:lstStyle/>
-            <a:p>
-              <a:r>
-                <a:rPr lang="zh-TW" altLang="en-US" dirty="0" smtClean="0"/>
-                <a:t>找出</a:t>
-              </a:r>
-              <a:r>
-                <a:rPr lang="en-US" altLang="zh-TW" dirty="0" smtClean="0"/>
-                <a:t>Servlet</a:t>
-              </a:r>
-              <a:r>
-                <a:rPr lang="zh-TW" altLang="en-US" dirty="0" smtClean="0"/>
-                <a:t>註冊名稱</a:t>
-              </a:r>
-              <a:endParaRPr lang="zh-TW" altLang="en-US" dirty="0"/>
-            </a:p>
-          </p:txBody>
-        </p:sp>
-        <p:sp>
-          <p:nvSpPr>
-            <p:cNvPr id="7" name="文字方塊 6"/>
-            <p:cNvSpPr txBox="1"/>
-            <p:nvPr/>
-          </p:nvSpPr>
-          <p:spPr>
-            <a:xfrm>
-              <a:off x="1027619" y="2311788"/>
-              <a:ext cx="1569660" cy="369332"/>
-            </a:xfrm>
-            <a:prstGeom prst="rect">
-              <a:avLst/>
-            </a:prstGeom>
-          </p:spPr>
-          <p:style>
-            <a:lnRef idx="0">
-              <a:schemeClr val="accent2"/>
-            </a:lnRef>
-            <a:fillRef idx="3">
-              <a:schemeClr val="accent2"/>
-            </a:fillRef>
-            <a:effectRef idx="3">
-              <a:schemeClr val="accent2"/>
-            </a:effectRef>
-            <a:fontRef idx="minor">
-              <a:schemeClr val="lt1"/>
-            </a:fontRef>
-          </p:style>
-          <p:txBody>
-            <a:bodyPr wrap="none" rtlCol="0">
-              <a:spAutoFit/>
-            </a:bodyPr>
-            <a:lstStyle/>
-            <a:p>
-              <a:r>
-                <a:rPr lang="zh-TW" altLang="en-US" dirty="0" smtClean="0"/>
-                <a:t>對應註冊名稱</a:t>
-              </a:r>
-              <a:endParaRPr lang="zh-TW" altLang="en-US" dirty="0"/>
-            </a:p>
-          </p:txBody>
-        </p:sp>
-      </p:grpSp>
-      <p:sp>
-        <p:nvSpPr>
-          <p:cNvPr id="8" name="文字方塊 7"/>
-          <p:cNvSpPr txBox="1"/>
-          <p:nvPr/>
-        </p:nvSpPr>
-        <p:spPr>
-          <a:xfrm>
-            <a:off x="1087609" y="1547281"/>
-            <a:ext cx="9555677" cy="923330"/>
-          </a:xfrm>
-          <a:prstGeom prst="rect">
-            <a:avLst/>
-          </a:prstGeom>
-          <a:noFill/>
-        </p:spPr>
-        <p:txBody>
-          <a:bodyPr wrap="square" rtlCol="0">
-            <a:spAutoFit/>
-          </a:bodyPr>
-          <a:lstStyle/>
-          <a:p>
-            <a:endParaRPr lang="en-US" altLang="zh-TW" dirty="0" smtClean="0"/>
-          </a:p>
-          <a:p>
-            <a:pPr marL="285750" indent="-285750">
-              <a:buFont typeface="Arial" panose="020B0604020202020204" pitchFamily="34" charset="0"/>
-              <a:buChar char="•"/>
-            </a:pPr>
-            <a:r>
-              <a:rPr lang="zh-TW" altLang="en-US" dirty="0" smtClean="0"/>
-              <a:t>由</a:t>
-            </a:r>
-            <a:r>
-              <a:rPr lang="en-US" altLang="zh-TW" dirty="0" smtClean="0"/>
-              <a:t>Web</a:t>
-            </a:r>
-            <a:r>
-              <a:rPr lang="zh-TW" altLang="en-US" dirty="0" smtClean="0"/>
-              <a:t>容器對應至實際處理請求的檔案或程式實體名稱</a:t>
-            </a:r>
-            <a:endParaRPr lang="en-US" altLang="zh-TW" dirty="0" smtClean="0"/>
-          </a:p>
-          <a:p>
-            <a:pPr marL="285750" indent="-285750">
-              <a:buFont typeface="Arial" panose="020B0604020202020204" pitchFamily="34" charset="0"/>
-              <a:buChar char="•"/>
-            </a:pPr>
-            <a:r>
-              <a:rPr lang="en-US" altLang="zh-TW" dirty="0" err="1" smtClean="0"/>
-              <a:t>url</a:t>
-            </a:r>
-            <a:r>
-              <a:rPr lang="en-US" altLang="zh-TW" dirty="0" smtClean="0"/>
-              <a:t>-pattern</a:t>
-            </a:r>
-            <a:r>
-              <a:rPr lang="zh-TW" altLang="en-US" dirty="0" smtClean="0"/>
-              <a:t>設定的邏輯</a:t>
-            </a:r>
-            <a:r>
-              <a:rPr lang="zh-TW" altLang="en-US" dirty="0" smtClean="0"/>
-              <a:t>名稱</a:t>
-            </a:r>
-            <a:endParaRPr lang="en-US" altLang="zh-TW" dirty="0" smtClean="0"/>
-          </a:p>
-        </p:txBody>
-      </p:sp>
-    </p:spTree>
-    <p:extLst>
-      <p:ext uri="{BB962C8B-B14F-4D97-AF65-F5344CB8AC3E}">
-        <p14:creationId xmlns:p14="http://schemas.microsoft.com/office/powerpoint/2010/main" val="700147942"/>
-      </p:ext>
-    </p:extLst>
-  </p:cSld>
-  <p:clrMapOvr>
-    <a:masterClrMapping/>
-  </p:clrMapOvr>
-  <p:timing>
-    <p:tnLst>
-      <p:par>
-        <p:cTn id="1" dur="indefinite" restart="never" nodeType="tmRoot"/>
-      </p:par>
-    </p:tnLst>
-  </p:timing>
-</p:sld>
-</file>
-
-<file path=ppt/slides/slide29.xml><?xml version="1.0" encoding="utf-8"?>
+<file path=ppt/slides/slide24.xml><?xml version="1.0" encoding="utf-8"?>
 <p:sld xmlns:a="http://schemas.openxmlformats.org/drawingml/2006/main" xmlns:r="http://schemas.openxmlformats.org/officeDocument/2006/relationships" xmlns:p="http://schemas.openxmlformats.org/presentationml/2006/main">
   <p:cSld>
     <p:spTree>
@@ -14596,14 +13906,42 @@
           <a:lstStyle/>
           <a:p>
             <a:r>
-              <a:rPr lang="en-US" altLang="zh-TW" dirty="0" smtClean="0"/>
+              <a:rPr lang="en-US" altLang="zh-TW" dirty="0" smtClean="0">
+                <a:solidFill>
+                  <a:srgbClr val="FF0000"/>
+                </a:solidFill>
+              </a:rPr>
               <a:t>Dead Lock</a:t>
             </a:r>
             <a:r>
-              <a:rPr lang="zh-TW" altLang="zh-TW" dirty="0"/>
+              <a:rPr lang="zh-TW" altLang="zh-TW" dirty="0" smtClean="0">
+                <a:solidFill>
+                  <a:srgbClr val="FF0000"/>
+                </a:solidFill>
+              </a:rPr>
               <a:t>案例</a:t>
             </a:r>
-            <a:endParaRPr lang="zh-TW" altLang="en-US" dirty="0"/>
+            <a:r>
+              <a:rPr lang="en-US" altLang="zh-TW" dirty="0" smtClean="0">
+                <a:solidFill>
+                  <a:srgbClr val="FF0000"/>
+                </a:solidFill>
+              </a:rPr>
+              <a:t> </a:t>
+            </a:r>
+            <a:r>
+              <a:rPr lang="zh-TW" altLang="en-US" dirty="0" smtClean="0">
+                <a:solidFill>
+                  <a:srgbClr val="FF0000"/>
+                </a:solidFill>
+              </a:rPr>
+              <a:t>再測</a:t>
+            </a:r>
+            <a:endParaRPr lang="zh-TW" altLang="en-US" dirty="0">
+              <a:solidFill>
+                <a:srgbClr val="FF0000"/>
+              </a:solidFill>
+            </a:endParaRPr>
           </a:p>
         </p:txBody>
       </p:sp>
@@ -14644,7 +13982,7 @@
             <a:fld id="{7EEA38C4-728D-4C6D-B45A-B952D9AC726F}" type="slidenum">
               <a:rPr lang="zh-TW" altLang="en-US" smtClean="0"/>
               <a:pPr/>
-              <a:t>29</a:t>
+              <a:t>24</a:t>
             </a:fld>
             <a:endParaRPr lang="zh-TW" altLang="en-US" dirty="0"/>
           </a:p>
@@ -15060,6 +14398,649 @@
 </p:sld>
 </file>
 
+<file path=ppt/slides/slide25.xml><?xml version="1.0" encoding="utf-8"?>
+<p:sld xmlns:a="http://schemas.openxmlformats.org/drawingml/2006/main" xmlns:r="http://schemas.openxmlformats.org/officeDocument/2006/relationships" xmlns:p="http://schemas.openxmlformats.org/presentationml/2006/main">
+  <p:cSld>
+    <p:spTree>
+      <p:nvGrpSpPr>
+        <p:cNvPr id="1" name=""/>
+        <p:cNvGrpSpPr/>
+        <p:nvPr/>
+      </p:nvGrpSpPr>
+      <p:grpSpPr>
+        <a:xfrm>
+          <a:off x="0" y="0"/>
+          <a:ext cx="0" cy="0"/>
+          <a:chOff x="0" y="0"/>
+          <a:chExt cx="0" cy="0"/>
+        </a:xfrm>
+      </p:grpSpPr>
+      <p:sp>
+        <p:nvSpPr>
+          <p:cNvPr id="2" name="標題 1"/>
+          <p:cNvSpPr>
+            <a:spLocks noGrp="1"/>
+          </p:cNvSpPr>
+          <p:nvPr>
+            <p:ph type="title"/>
+          </p:nvPr>
+        </p:nvSpPr>
+        <p:spPr/>
+        <p:txBody>
+          <a:bodyPr/>
+          <a:lstStyle/>
+          <a:p>
+            <a:endParaRPr lang="zh-TW" altLang="en-US"/>
+          </a:p>
+        </p:txBody>
+      </p:sp>
+      <p:sp>
+        <p:nvSpPr>
+          <p:cNvPr id="3" name="內容版面配置區 2"/>
+          <p:cNvSpPr>
+            <a:spLocks noGrp="1"/>
+          </p:cNvSpPr>
+          <p:nvPr>
+            <p:ph idx="1"/>
+          </p:nvPr>
+        </p:nvSpPr>
+        <p:spPr/>
+        <p:txBody>
+          <a:bodyPr/>
+          <a:lstStyle/>
+          <a:p>
+            <a:endParaRPr lang="zh-TW" altLang="en-US" dirty="0"/>
+          </a:p>
+        </p:txBody>
+      </p:sp>
+      <p:sp>
+        <p:nvSpPr>
+          <p:cNvPr id="4" name="投影片編號版面配置區 3"/>
+          <p:cNvSpPr>
+            <a:spLocks noGrp="1"/>
+          </p:cNvSpPr>
+          <p:nvPr>
+            <p:ph type="sldNum" sz="quarter" idx="12"/>
+          </p:nvPr>
+        </p:nvSpPr>
+        <p:spPr/>
+        <p:txBody>
+          <a:bodyPr/>
+          <a:lstStyle/>
+          <a:p>
+            <a:fld id="{7EEA38C4-728D-4C6D-B45A-B952D9AC726F}" type="slidenum">
+              <a:rPr lang="zh-TW" altLang="en-US" smtClean="0"/>
+              <a:t>25</a:t>
+            </a:fld>
+            <a:endParaRPr lang="zh-TW" altLang="en-US"/>
+          </a:p>
+        </p:txBody>
+      </p:sp>
+      <p:pic>
+        <p:nvPicPr>
+          <p:cNvPr id="6" name="圖片 5"/>
+          <p:cNvPicPr>
+            <a:picLocks noChangeAspect="1"/>
+          </p:cNvPicPr>
+          <p:nvPr/>
+        </p:nvPicPr>
+        <p:blipFill>
+          <a:blip r:embed="rId2"/>
+          <a:stretch>
+            <a:fillRect/>
+          </a:stretch>
+        </p:blipFill>
+        <p:spPr>
+          <a:xfrm>
+            <a:off x="136576" y="888415"/>
+            <a:ext cx="10279920" cy="5331175"/>
+          </a:xfrm>
+          <a:prstGeom prst="rect">
+            <a:avLst/>
+          </a:prstGeom>
+        </p:spPr>
+      </p:pic>
+    </p:spTree>
+    <p:extLst>
+      <p:ext uri="{BB962C8B-B14F-4D97-AF65-F5344CB8AC3E}">
+        <p14:creationId xmlns:p14="http://schemas.microsoft.com/office/powerpoint/2010/main" val="491038785"/>
+      </p:ext>
+    </p:extLst>
+  </p:cSld>
+  <p:clrMapOvr>
+    <a:masterClrMapping/>
+  </p:clrMapOvr>
+  <p:timing>
+    <p:tnLst>
+      <p:par>
+        <p:cTn id="1" dur="indefinite" restart="never" nodeType="tmRoot"/>
+      </p:par>
+    </p:tnLst>
+  </p:timing>
+</p:sld>
+</file>
+
+<file path=ppt/slides/slide26.xml><?xml version="1.0" encoding="utf-8"?>
+<p:sld xmlns:a="http://schemas.openxmlformats.org/drawingml/2006/main" xmlns:r="http://schemas.openxmlformats.org/officeDocument/2006/relationships" xmlns:p="http://schemas.openxmlformats.org/presentationml/2006/main">
+  <p:cSld>
+    <p:spTree>
+      <p:nvGrpSpPr>
+        <p:cNvPr id="1" name=""/>
+        <p:cNvGrpSpPr/>
+        <p:nvPr/>
+      </p:nvGrpSpPr>
+      <p:grpSpPr>
+        <a:xfrm>
+          <a:off x="0" y="0"/>
+          <a:ext cx="0" cy="0"/>
+          <a:chOff x="0" y="0"/>
+          <a:chExt cx="0" cy="0"/>
+        </a:xfrm>
+      </p:grpSpPr>
+      <p:sp>
+        <p:nvSpPr>
+          <p:cNvPr id="2" name="標題 1"/>
+          <p:cNvSpPr>
+            <a:spLocks noGrp="1"/>
+          </p:cNvSpPr>
+          <p:nvPr>
+            <p:ph type="title"/>
+          </p:nvPr>
+        </p:nvSpPr>
+        <p:spPr/>
+        <p:txBody>
+          <a:bodyPr/>
+          <a:lstStyle/>
+          <a:p>
+            <a:endParaRPr lang="zh-TW" altLang="en-US"/>
+          </a:p>
+        </p:txBody>
+      </p:sp>
+      <p:sp>
+        <p:nvSpPr>
+          <p:cNvPr id="3" name="內容版面配置區 2"/>
+          <p:cNvSpPr>
+            <a:spLocks noGrp="1"/>
+          </p:cNvSpPr>
+          <p:nvPr>
+            <p:ph idx="1"/>
+          </p:nvPr>
+        </p:nvSpPr>
+        <p:spPr/>
+        <p:txBody>
+          <a:bodyPr/>
+          <a:lstStyle/>
+          <a:p>
+            <a:endParaRPr lang="zh-TW" altLang="en-US" dirty="0"/>
+          </a:p>
+        </p:txBody>
+      </p:sp>
+      <p:sp>
+        <p:nvSpPr>
+          <p:cNvPr id="4" name="投影片編號版面配置區 3"/>
+          <p:cNvSpPr>
+            <a:spLocks noGrp="1"/>
+          </p:cNvSpPr>
+          <p:nvPr>
+            <p:ph type="sldNum" sz="quarter" idx="12"/>
+          </p:nvPr>
+        </p:nvSpPr>
+        <p:spPr/>
+        <p:txBody>
+          <a:bodyPr/>
+          <a:lstStyle/>
+          <a:p>
+            <a:fld id="{7EEA38C4-728D-4C6D-B45A-B952D9AC726F}" type="slidenum">
+              <a:rPr lang="zh-TW" altLang="en-US" smtClean="0"/>
+              <a:t>26</a:t>
+            </a:fld>
+            <a:endParaRPr lang="zh-TW" altLang="en-US" dirty="0"/>
+          </a:p>
+        </p:txBody>
+      </p:sp>
+      <p:pic>
+        <p:nvPicPr>
+          <p:cNvPr id="5" name="圖片 4"/>
+          <p:cNvPicPr>
+            <a:picLocks noChangeAspect="1"/>
+          </p:cNvPicPr>
+          <p:nvPr/>
+        </p:nvPicPr>
+        <p:blipFill rotWithShape="1">
+          <a:blip r:embed="rId2"/>
+          <a:srcRect b="14524"/>
+          <a:stretch/>
+        </p:blipFill>
+        <p:spPr>
+          <a:xfrm>
+            <a:off x="216569" y="1935037"/>
+            <a:ext cx="11605209" cy="3296921"/>
+          </a:xfrm>
+          <a:prstGeom prst="rect">
+            <a:avLst/>
+          </a:prstGeom>
+        </p:spPr>
+      </p:pic>
+    </p:spTree>
+    <p:extLst>
+      <p:ext uri="{BB962C8B-B14F-4D97-AF65-F5344CB8AC3E}">
+        <p14:creationId xmlns:p14="http://schemas.microsoft.com/office/powerpoint/2010/main" val="1622109786"/>
+      </p:ext>
+    </p:extLst>
+  </p:cSld>
+  <p:clrMapOvr>
+    <a:masterClrMapping/>
+  </p:clrMapOvr>
+  <p:timing>
+    <p:tnLst>
+      <p:par>
+        <p:cTn id="1" dur="indefinite" restart="never" nodeType="tmRoot"/>
+      </p:par>
+    </p:tnLst>
+  </p:timing>
+</p:sld>
+</file>
+
+<file path=ppt/slides/slide27.xml><?xml version="1.0" encoding="utf-8"?>
+<p:sld xmlns:a="http://schemas.openxmlformats.org/drawingml/2006/main" xmlns:r="http://schemas.openxmlformats.org/officeDocument/2006/relationships" xmlns:p="http://schemas.openxmlformats.org/presentationml/2006/main">
+  <p:cSld>
+    <p:spTree>
+      <p:nvGrpSpPr>
+        <p:cNvPr id="1" name=""/>
+        <p:cNvGrpSpPr/>
+        <p:nvPr/>
+      </p:nvGrpSpPr>
+      <p:grpSpPr>
+        <a:xfrm>
+          <a:off x="0" y="0"/>
+          <a:ext cx="0" cy="0"/>
+          <a:chOff x="0" y="0"/>
+          <a:chExt cx="0" cy="0"/>
+        </a:xfrm>
+      </p:grpSpPr>
+      <p:sp>
+        <p:nvSpPr>
+          <p:cNvPr id="2" name="標題 1"/>
+          <p:cNvSpPr>
+            <a:spLocks noGrp="1"/>
+          </p:cNvSpPr>
+          <p:nvPr>
+            <p:ph type="title"/>
+          </p:nvPr>
+        </p:nvSpPr>
+        <p:spPr/>
+        <p:txBody>
+          <a:bodyPr/>
+          <a:lstStyle/>
+          <a:p>
+            <a:r>
+              <a:rPr lang="en-US" altLang="zh-TW" dirty="0" smtClean="0">
+                <a:solidFill>
+                  <a:schemeClr val="tx1"/>
+                </a:solidFill>
+              </a:rPr>
+              <a:t>XSS</a:t>
+            </a:r>
+            <a:endParaRPr lang="zh-TW" altLang="en-US" dirty="0">
+              <a:solidFill>
+                <a:schemeClr val="tx1"/>
+              </a:solidFill>
+            </a:endParaRPr>
+          </a:p>
+        </p:txBody>
+      </p:sp>
+      <p:sp>
+        <p:nvSpPr>
+          <p:cNvPr id="3" name="內容版面配置區 2"/>
+          <p:cNvSpPr>
+            <a:spLocks noGrp="1"/>
+          </p:cNvSpPr>
+          <p:nvPr>
+            <p:ph idx="1"/>
+          </p:nvPr>
+        </p:nvSpPr>
+        <p:spPr>
+          <a:xfrm>
+            <a:off x="757322" y="1336226"/>
+            <a:ext cx="10350649" cy="5188142"/>
+          </a:xfrm>
+        </p:spPr>
+        <p:txBody>
+          <a:bodyPr>
+            <a:normAutofit/>
+          </a:bodyPr>
+          <a:lstStyle/>
+          <a:p>
+            <a:r>
+              <a:rPr lang="zh-TW" altLang="zh-TW" dirty="0">
+                <a:solidFill>
+                  <a:srgbClr val="00B0F0"/>
+                </a:solidFill>
+              </a:rPr>
+              <a:t>權限檢核是什麼</a:t>
+            </a:r>
+            <a:r>
+              <a:rPr lang="zh-TW" altLang="zh-TW" dirty="0" smtClean="0">
+                <a:solidFill>
+                  <a:srgbClr val="00B0F0"/>
+                </a:solidFill>
+              </a:rPr>
+              <a:t>？</a:t>
+            </a:r>
+            <a:endParaRPr lang="en-US" altLang="zh-TW" dirty="0" smtClean="0">
+              <a:solidFill>
+                <a:srgbClr val="00B0F0"/>
+              </a:solidFill>
+            </a:endParaRPr>
+          </a:p>
+          <a:p>
+            <a:pPr marL="0" indent="0">
+              <a:buNone/>
+            </a:pPr>
+            <a:r>
+              <a:rPr lang="zh-TW" altLang="en-US" dirty="0" smtClean="0"/>
+              <a:t>保護</a:t>
+            </a:r>
+            <a:r>
+              <a:rPr lang="zh-TW" altLang="en-US" dirty="0"/>
+              <a:t>機制</a:t>
+            </a:r>
+            <a:r>
+              <a:rPr lang="zh-TW" altLang="en-US" dirty="0" smtClean="0"/>
+              <a:t>，</a:t>
+            </a:r>
+            <a:r>
+              <a:rPr lang="zh-TW" altLang="en-US" dirty="0"/>
+              <a:t>明確授予特定的使用者角色與存取權限。</a:t>
+            </a:r>
+            <a:endParaRPr lang="en-US" altLang="zh-TW" dirty="0"/>
+          </a:p>
+          <a:p>
+            <a:pPr marL="0" indent="0">
+              <a:buNone/>
+            </a:pPr>
+            <a:r>
+              <a:rPr lang="zh-TW" altLang="en-US" dirty="0" smtClean="0"/>
+              <a:t>確保</a:t>
+            </a:r>
+            <a:r>
+              <a:rPr lang="zh-TW" altLang="en-US" dirty="0"/>
+              <a:t>每個頁</a:t>
+            </a:r>
+            <a:r>
+              <a:rPr lang="zh-TW" altLang="en-US" dirty="0" smtClean="0"/>
+              <a:t>面的</a:t>
+            </a:r>
+            <a:r>
+              <a:rPr lang="zh-TW" altLang="en-US" dirty="0"/>
+              <a:t>存取都須經過適當的身分認證和授權，以</a:t>
+            </a:r>
+            <a:r>
+              <a:rPr lang="zh-TW" altLang="en-US" dirty="0" smtClean="0"/>
+              <a:t>防範</a:t>
+            </a:r>
+            <a:r>
+              <a:rPr lang="zh-TW" altLang="en-US" dirty="0"/>
+              <a:t>未經授權的 </a:t>
+            </a:r>
+            <a:r>
+              <a:rPr lang="en-US" altLang="zh-TW" dirty="0"/>
+              <a:t>URL </a:t>
+            </a:r>
+            <a:r>
+              <a:rPr lang="zh-TW" altLang="en-US" dirty="0"/>
+              <a:t>存取</a:t>
+            </a:r>
+            <a:r>
+              <a:rPr lang="zh-TW" altLang="en-US" dirty="0" smtClean="0"/>
+              <a:t>。</a:t>
+            </a:r>
+            <a:endParaRPr lang="en-US" altLang="zh-TW" dirty="0" smtClean="0"/>
+          </a:p>
+          <a:p>
+            <a:r>
+              <a:rPr lang="zh-TW" altLang="zh-TW" dirty="0" smtClean="0">
+                <a:solidFill>
+                  <a:srgbClr val="00B0F0"/>
+                </a:solidFill>
+              </a:rPr>
+              <a:t>黑名單</a:t>
+            </a:r>
+            <a:r>
+              <a:rPr lang="en-US" altLang="zh-TW" dirty="0">
+                <a:solidFill>
+                  <a:srgbClr val="00B0F0"/>
+                </a:solidFill>
+              </a:rPr>
+              <a:t>/</a:t>
+            </a:r>
+            <a:r>
+              <a:rPr lang="zh-TW" altLang="zh-TW" dirty="0">
+                <a:solidFill>
+                  <a:srgbClr val="00B0F0"/>
+                </a:solidFill>
+              </a:rPr>
+              <a:t>白名單是什麼</a:t>
+            </a:r>
+            <a:r>
+              <a:rPr lang="zh-TW" altLang="zh-TW" dirty="0" smtClean="0">
+                <a:solidFill>
+                  <a:srgbClr val="00B0F0"/>
+                </a:solidFill>
+              </a:rPr>
+              <a:t>？</a:t>
+            </a:r>
+            <a:endParaRPr lang="en-US" altLang="zh-TW" dirty="0" smtClean="0">
+              <a:solidFill>
+                <a:srgbClr val="00B0F0"/>
+              </a:solidFill>
+            </a:endParaRPr>
+          </a:p>
+          <a:p>
+            <a:pPr lvl="1"/>
+            <a:r>
+              <a:rPr lang="zh-TW" altLang="en-US" dirty="0"/>
+              <a:t>黑名單</a:t>
+            </a:r>
+            <a:r>
+              <a:rPr lang="zh-TW" altLang="en-US" dirty="0" smtClean="0"/>
+              <a:t>：</a:t>
+            </a:r>
+            <a:r>
+              <a:rPr lang="zh-TW" altLang="en-US" dirty="0" smtClean="0"/>
+              <a:t>程式先</a:t>
+            </a:r>
+            <a:r>
+              <a:rPr lang="zh-TW" altLang="en-US" dirty="0"/>
+              <a:t>列出「不能出現」的對象清單，然後進行過濾</a:t>
+            </a:r>
+            <a:r>
+              <a:rPr lang="zh-TW" altLang="en-US" dirty="0" smtClean="0"/>
+              <a:t>。</a:t>
+            </a:r>
+            <a:endParaRPr lang="en-US" altLang="zh-TW" dirty="0" smtClean="0"/>
+          </a:p>
+          <a:p>
+            <a:pPr lvl="2">
+              <a:buFont typeface="Wingdings" panose="05000000000000000000" pitchFamily="2" charset="2"/>
+              <a:buChar char="ü"/>
+            </a:pPr>
+            <a:r>
+              <a:rPr lang="zh-TW" altLang="en-US" dirty="0" smtClean="0"/>
+              <a:t>針對</a:t>
+            </a:r>
+            <a:r>
+              <a:rPr lang="zh-TW" altLang="en-US" dirty="0"/>
+              <a:t>有可能造成疑慮的使用者資料進行過濾。例如，針對</a:t>
+            </a:r>
+            <a:r>
+              <a:rPr lang="en-US" altLang="zh-TW" dirty="0"/>
+              <a:t>&lt;</a:t>
+            </a:r>
+            <a:r>
+              <a:rPr lang="zh-TW" altLang="en-US" dirty="0"/>
+              <a:t>或者</a:t>
+            </a:r>
+            <a:r>
+              <a:rPr lang="en-US" altLang="zh-TW" dirty="0"/>
+              <a:t>&gt;</a:t>
+            </a:r>
+            <a:r>
+              <a:rPr lang="zh-TW" altLang="en-US" dirty="0"/>
+              <a:t>字元、或者</a:t>
+            </a:r>
+            <a:r>
+              <a:rPr lang="en-US" altLang="zh-TW" dirty="0"/>
+              <a:t>SCRIPT</a:t>
+            </a:r>
+            <a:r>
+              <a:rPr lang="zh-TW" altLang="en-US" dirty="0"/>
+              <a:t>字串進行過濾，倘若使用者的輸入資料中含有可疑的字元或字串時，則進行改寫或禁止使用</a:t>
+            </a:r>
+            <a:r>
+              <a:rPr lang="zh-TW" altLang="en-US" dirty="0" smtClean="0"/>
+              <a:t>。</a:t>
+            </a:r>
+            <a:endParaRPr lang="en-US" altLang="zh-TW" dirty="0" smtClean="0"/>
+          </a:p>
+          <a:p>
+            <a:pPr lvl="1"/>
+            <a:r>
+              <a:rPr lang="zh-TW" altLang="en-US" dirty="0" smtClean="0"/>
+              <a:t>白</a:t>
+            </a:r>
+            <a:r>
+              <a:rPr lang="zh-TW" altLang="en-US" dirty="0"/>
+              <a:t>名單：</a:t>
+            </a:r>
+            <a:r>
+              <a:rPr lang="zh-TW" altLang="en-US" dirty="0" smtClean="0"/>
+              <a:t>程式先</a:t>
+            </a:r>
+            <a:r>
+              <a:rPr lang="zh-TW" altLang="en-US" dirty="0"/>
+              <a:t>列出可被接受的</a:t>
+            </a:r>
+            <a:r>
+              <a:rPr lang="zh-TW" altLang="en-US" dirty="0"/>
+              <a:t>對象清單。</a:t>
+            </a:r>
+            <a:endParaRPr lang="en-US" altLang="zh-TW" dirty="0" smtClean="0"/>
+          </a:p>
+          <a:p>
+            <a:pPr lvl="2">
+              <a:buFont typeface="Wingdings" panose="05000000000000000000" pitchFamily="2" charset="2"/>
+              <a:buChar char="ü"/>
+            </a:pPr>
+            <a:r>
+              <a:rPr lang="zh-TW" altLang="en-US" dirty="0"/>
+              <a:t>每個欄位都明確定義出它該有的形式，例如日期欄位就只能出現數字和斜線</a:t>
+            </a:r>
+            <a:r>
+              <a:rPr lang="zh-TW" altLang="en-US" dirty="0" smtClean="0"/>
+              <a:t>字元。</a:t>
+            </a:r>
+            <a:endParaRPr lang="en-US" altLang="zh-TW" dirty="0" smtClean="0"/>
+          </a:p>
+          <a:p>
+            <a:r>
+              <a:rPr lang="zh-TW" altLang="zh-TW" dirty="0" smtClean="0">
+                <a:solidFill>
+                  <a:srgbClr val="00B0F0"/>
+                </a:solidFill>
+              </a:rPr>
+              <a:t>為防止</a:t>
+            </a:r>
+            <a:r>
+              <a:rPr lang="en-US" altLang="zh-TW" dirty="0" smtClean="0">
+                <a:solidFill>
+                  <a:srgbClr val="00B0F0"/>
+                </a:solidFill>
+              </a:rPr>
+              <a:t>XSS</a:t>
+            </a:r>
+            <a:r>
+              <a:rPr lang="zh-TW" altLang="zh-TW" dirty="0" smtClean="0">
+                <a:solidFill>
+                  <a:srgbClr val="00B0F0"/>
+                </a:solidFill>
+              </a:rPr>
+              <a:t>攻擊，過濾特殊字元，若需某些特殊字元要呈現於網頁上，需如何處理？</a:t>
+            </a:r>
+            <a:endParaRPr lang="en-US" altLang="zh-TW" dirty="0" smtClean="0">
+              <a:solidFill>
+                <a:srgbClr val="00B0F0"/>
+              </a:solidFill>
+            </a:endParaRPr>
+          </a:p>
+          <a:p>
+            <a:pPr marL="457200" lvl="1" indent="0">
+              <a:buNone/>
+            </a:pPr>
+            <a:r>
+              <a:rPr lang="en-US" altLang="zh-TW" dirty="0" smtClean="0"/>
+              <a:t>HTML</a:t>
+            </a:r>
+            <a:r>
+              <a:rPr lang="zh-TW" altLang="zh-TW" dirty="0"/>
+              <a:t>特殊</a:t>
+            </a:r>
+            <a:r>
+              <a:rPr lang="zh-TW" altLang="zh-TW" dirty="0" smtClean="0"/>
+              <a:t>字元</a:t>
+            </a:r>
+            <a:r>
+              <a:rPr lang="zh-TW" altLang="en-US" dirty="0" smtClean="0"/>
+              <a:t>編碼</a:t>
+            </a:r>
+            <a:endParaRPr lang="en-US" altLang="zh-TW" dirty="0" smtClean="0"/>
+          </a:p>
+        </p:txBody>
+      </p:sp>
+      <p:sp>
+        <p:nvSpPr>
+          <p:cNvPr id="4" name="投影片編號版面配置區 3"/>
+          <p:cNvSpPr>
+            <a:spLocks noGrp="1"/>
+          </p:cNvSpPr>
+          <p:nvPr>
+            <p:ph type="sldNum" sz="quarter" idx="12"/>
+          </p:nvPr>
+        </p:nvSpPr>
+        <p:spPr/>
+        <p:txBody>
+          <a:bodyPr/>
+          <a:lstStyle/>
+          <a:p>
+            <a:fld id="{7EEA38C4-728D-4C6D-B45A-B952D9AC726F}" type="slidenum">
+              <a:rPr lang="zh-TW" altLang="en-US" smtClean="0"/>
+              <a:pPr/>
+              <a:t>27</a:t>
+            </a:fld>
+            <a:endParaRPr lang="zh-TW" altLang="en-US" dirty="0"/>
+          </a:p>
+        </p:txBody>
+      </p:sp>
+    </p:spTree>
+    <p:extLst>
+      <p:ext uri="{BB962C8B-B14F-4D97-AF65-F5344CB8AC3E}">
+        <p14:creationId xmlns:p14="http://schemas.microsoft.com/office/powerpoint/2010/main" val="572722433"/>
+      </p:ext>
+    </p:extLst>
+  </p:cSld>
+  <p:clrMapOvr>
+    <a:masterClrMapping/>
+  </p:clrMapOvr>
+  <p:timing>
+    <p:tnLst>
+      <p:par>
+        <p:cTn id="1" dur="indefinite" restart="never" nodeType="tmRoot"/>
+      </p:par>
+    </p:tnLst>
+  </p:timing>
+</p:sld>
+</file>
+
 <file path=ppt/slides/slide3.xml><?xml version="1.0" encoding="utf-8"?>
 <p:sld xmlns:a="http://schemas.openxmlformats.org/drawingml/2006/main" xmlns:r="http://schemas.openxmlformats.org/officeDocument/2006/relationships" xmlns:p="http://schemas.openxmlformats.org/presentationml/2006/main">
   <p:cSld>
@@ -15095,7 +15076,7 @@
             <a:r>
               <a:rPr lang="en-US" altLang="zh-TW" dirty="0" smtClean="0">
                 <a:solidFill>
-                  <a:srgbClr val="FF0000"/>
+                  <a:schemeClr val="tx1"/>
                 </a:solidFill>
               </a:rPr>
               <a:t>SQL</a:t>
@@ -15103,14 +15084,14 @@
             <a:r>
               <a:rPr lang="zh-TW" altLang="zh-TW" dirty="0">
                 <a:solidFill>
-                  <a:srgbClr val="FF0000"/>
+                  <a:schemeClr val="tx1"/>
                 </a:solidFill>
               </a:rPr>
               <a:t>未進行更新，是什麼原因？</a:t>
             </a:r>
             <a:endParaRPr lang="zh-TW" altLang="en-US" dirty="0">
               <a:solidFill>
-                <a:srgbClr val="FF0000"/>
+                <a:schemeClr val="tx1"/>
               </a:solidFill>
             </a:endParaRPr>
           </a:p>
@@ -15324,7 +15305,7 @@
         </p:blipFill>
         <p:spPr>
           <a:xfrm>
-            <a:off x="1271072" y="2590284"/>
+            <a:off x="1620930" y="2455112"/>
             <a:ext cx="5876925" cy="952500"/>
           </a:xfrm>
           <a:prstGeom prst="rect">
@@ -15375,582 +15356,6 @@
 </p:sld>
 </file>
 
-<file path=ppt/slides/slide30.xml><?xml version="1.0" encoding="utf-8"?>
-<p:sld xmlns:a="http://schemas.openxmlformats.org/drawingml/2006/main" xmlns:r="http://schemas.openxmlformats.org/officeDocument/2006/relationships" xmlns:p="http://schemas.openxmlformats.org/presentationml/2006/main">
-  <p:cSld>
-    <p:spTree>
-      <p:nvGrpSpPr>
-        <p:cNvPr id="1" name=""/>
-        <p:cNvGrpSpPr/>
-        <p:nvPr/>
-      </p:nvGrpSpPr>
-      <p:grpSpPr>
-        <a:xfrm>
-          <a:off x="0" y="0"/>
-          <a:ext cx="0" cy="0"/>
-          <a:chOff x="0" y="0"/>
-          <a:chExt cx="0" cy="0"/>
-        </a:xfrm>
-      </p:grpSpPr>
-      <p:sp>
-        <p:nvSpPr>
-          <p:cNvPr id="2" name="標題 1"/>
-          <p:cNvSpPr>
-            <a:spLocks noGrp="1"/>
-          </p:cNvSpPr>
-          <p:nvPr>
-            <p:ph type="title"/>
-          </p:nvPr>
-        </p:nvSpPr>
-        <p:spPr/>
-        <p:txBody>
-          <a:bodyPr/>
-          <a:lstStyle/>
-          <a:p>
-            <a:endParaRPr lang="zh-TW" altLang="en-US"/>
-          </a:p>
-        </p:txBody>
-      </p:sp>
-      <p:sp>
-        <p:nvSpPr>
-          <p:cNvPr id="3" name="內容版面配置區 2"/>
-          <p:cNvSpPr>
-            <a:spLocks noGrp="1"/>
-          </p:cNvSpPr>
-          <p:nvPr>
-            <p:ph idx="1"/>
-          </p:nvPr>
-        </p:nvSpPr>
-        <p:spPr/>
-        <p:txBody>
-          <a:bodyPr/>
-          <a:lstStyle/>
-          <a:p>
-            <a:endParaRPr lang="zh-TW" altLang="en-US" dirty="0"/>
-          </a:p>
-        </p:txBody>
-      </p:sp>
-      <p:sp>
-        <p:nvSpPr>
-          <p:cNvPr id="4" name="投影片編號版面配置區 3"/>
-          <p:cNvSpPr>
-            <a:spLocks noGrp="1"/>
-          </p:cNvSpPr>
-          <p:nvPr>
-            <p:ph type="sldNum" sz="quarter" idx="12"/>
-          </p:nvPr>
-        </p:nvSpPr>
-        <p:spPr/>
-        <p:txBody>
-          <a:bodyPr/>
-          <a:lstStyle/>
-          <a:p>
-            <a:fld id="{7EEA38C4-728D-4C6D-B45A-B952D9AC726F}" type="slidenum">
-              <a:rPr lang="zh-TW" altLang="en-US" smtClean="0"/>
-              <a:t>30</a:t>
-            </a:fld>
-            <a:endParaRPr lang="zh-TW" altLang="en-US"/>
-          </a:p>
-        </p:txBody>
-      </p:sp>
-      <p:pic>
-        <p:nvPicPr>
-          <p:cNvPr id="6" name="圖片 5"/>
-          <p:cNvPicPr>
-            <a:picLocks noChangeAspect="1"/>
-          </p:cNvPicPr>
-          <p:nvPr/>
-        </p:nvPicPr>
-        <p:blipFill>
-          <a:blip r:embed="rId2"/>
-          <a:stretch>
-            <a:fillRect/>
-          </a:stretch>
-        </p:blipFill>
-        <p:spPr>
-          <a:xfrm>
-            <a:off x="136576" y="888415"/>
-            <a:ext cx="10279920" cy="5331175"/>
-          </a:xfrm>
-          <a:prstGeom prst="rect">
-            <a:avLst/>
-          </a:prstGeom>
-        </p:spPr>
-      </p:pic>
-    </p:spTree>
-    <p:extLst>
-      <p:ext uri="{BB962C8B-B14F-4D97-AF65-F5344CB8AC3E}">
-        <p14:creationId xmlns:p14="http://schemas.microsoft.com/office/powerpoint/2010/main" val="491038785"/>
-      </p:ext>
-    </p:extLst>
-  </p:cSld>
-  <p:clrMapOvr>
-    <a:masterClrMapping/>
-  </p:clrMapOvr>
-  <p:timing>
-    <p:tnLst>
-      <p:par>
-        <p:cTn id="1" dur="indefinite" restart="never" nodeType="tmRoot"/>
-      </p:par>
-    </p:tnLst>
-  </p:timing>
-</p:sld>
-</file>
-
-<file path=ppt/slides/slide31.xml><?xml version="1.0" encoding="utf-8"?>
-<p:sld xmlns:a="http://schemas.openxmlformats.org/drawingml/2006/main" xmlns:r="http://schemas.openxmlformats.org/officeDocument/2006/relationships" xmlns:p="http://schemas.openxmlformats.org/presentationml/2006/main">
-  <p:cSld>
-    <p:spTree>
-      <p:nvGrpSpPr>
-        <p:cNvPr id="1" name=""/>
-        <p:cNvGrpSpPr/>
-        <p:nvPr/>
-      </p:nvGrpSpPr>
-      <p:grpSpPr>
-        <a:xfrm>
-          <a:off x="0" y="0"/>
-          <a:ext cx="0" cy="0"/>
-          <a:chOff x="0" y="0"/>
-          <a:chExt cx="0" cy="0"/>
-        </a:xfrm>
-      </p:grpSpPr>
-      <p:sp>
-        <p:nvSpPr>
-          <p:cNvPr id="2" name="標題 1"/>
-          <p:cNvSpPr>
-            <a:spLocks noGrp="1"/>
-          </p:cNvSpPr>
-          <p:nvPr>
-            <p:ph type="title"/>
-          </p:nvPr>
-        </p:nvSpPr>
-        <p:spPr/>
-        <p:txBody>
-          <a:bodyPr/>
-          <a:lstStyle/>
-          <a:p>
-            <a:endParaRPr lang="zh-TW" altLang="en-US"/>
-          </a:p>
-        </p:txBody>
-      </p:sp>
-      <p:sp>
-        <p:nvSpPr>
-          <p:cNvPr id="3" name="內容版面配置區 2"/>
-          <p:cNvSpPr>
-            <a:spLocks noGrp="1"/>
-          </p:cNvSpPr>
-          <p:nvPr>
-            <p:ph idx="1"/>
-          </p:nvPr>
-        </p:nvSpPr>
-        <p:spPr/>
-        <p:txBody>
-          <a:bodyPr/>
-          <a:lstStyle/>
-          <a:p>
-            <a:endParaRPr lang="zh-TW" altLang="en-US" dirty="0"/>
-          </a:p>
-        </p:txBody>
-      </p:sp>
-      <p:sp>
-        <p:nvSpPr>
-          <p:cNvPr id="4" name="投影片編號版面配置區 3"/>
-          <p:cNvSpPr>
-            <a:spLocks noGrp="1"/>
-          </p:cNvSpPr>
-          <p:nvPr>
-            <p:ph type="sldNum" sz="quarter" idx="12"/>
-          </p:nvPr>
-        </p:nvSpPr>
-        <p:spPr/>
-        <p:txBody>
-          <a:bodyPr/>
-          <a:lstStyle/>
-          <a:p>
-            <a:fld id="{7EEA38C4-728D-4C6D-B45A-B952D9AC726F}" type="slidenum">
-              <a:rPr lang="zh-TW" altLang="en-US" smtClean="0"/>
-              <a:t>31</a:t>
-            </a:fld>
-            <a:endParaRPr lang="zh-TW" altLang="en-US" dirty="0"/>
-          </a:p>
-        </p:txBody>
-      </p:sp>
-      <p:pic>
-        <p:nvPicPr>
-          <p:cNvPr id="5" name="圖片 4"/>
-          <p:cNvPicPr>
-            <a:picLocks noChangeAspect="1"/>
-          </p:cNvPicPr>
-          <p:nvPr/>
-        </p:nvPicPr>
-        <p:blipFill>
-          <a:blip r:embed="rId2"/>
-          <a:stretch>
-            <a:fillRect/>
-          </a:stretch>
-        </p:blipFill>
-        <p:spPr>
-          <a:xfrm>
-            <a:off x="216569" y="1935037"/>
-            <a:ext cx="11605209" cy="3857164"/>
-          </a:xfrm>
-          <a:prstGeom prst="rect">
-            <a:avLst/>
-          </a:prstGeom>
-        </p:spPr>
-      </p:pic>
-    </p:spTree>
-    <p:extLst>
-      <p:ext uri="{BB962C8B-B14F-4D97-AF65-F5344CB8AC3E}">
-        <p14:creationId xmlns:p14="http://schemas.microsoft.com/office/powerpoint/2010/main" val="1622109786"/>
-      </p:ext>
-    </p:extLst>
-  </p:cSld>
-  <p:clrMapOvr>
-    <a:masterClrMapping/>
-  </p:clrMapOvr>
-  <p:timing>
-    <p:tnLst>
-      <p:par>
-        <p:cTn id="1" dur="indefinite" restart="never" nodeType="tmRoot"/>
-      </p:par>
-    </p:tnLst>
-  </p:timing>
-</p:sld>
-</file>
-
-<file path=ppt/slides/slide32.xml><?xml version="1.0" encoding="utf-8"?>
-<p:sld xmlns:a="http://schemas.openxmlformats.org/drawingml/2006/main" xmlns:r="http://schemas.openxmlformats.org/officeDocument/2006/relationships" xmlns:p="http://schemas.openxmlformats.org/presentationml/2006/main">
-  <p:cSld>
-    <p:spTree>
-      <p:nvGrpSpPr>
-        <p:cNvPr id="1" name=""/>
-        <p:cNvGrpSpPr/>
-        <p:nvPr/>
-      </p:nvGrpSpPr>
-      <p:grpSpPr>
-        <a:xfrm>
-          <a:off x="0" y="0"/>
-          <a:ext cx="0" cy="0"/>
-          <a:chOff x="0" y="0"/>
-          <a:chExt cx="0" cy="0"/>
-        </a:xfrm>
-      </p:grpSpPr>
-      <p:sp>
-        <p:nvSpPr>
-          <p:cNvPr id="2" name="標題 1"/>
-          <p:cNvSpPr>
-            <a:spLocks noGrp="1"/>
-          </p:cNvSpPr>
-          <p:nvPr>
-            <p:ph type="title"/>
-          </p:nvPr>
-        </p:nvSpPr>
-        <p:spPr/>
-        <p:txBody>
-          <a:bodyPr/>
-          <a:lstStyle/>
-          <a:p>
-            <a:r>
-              <a:rPr lang="en-US" altLang="zh-TW" dirty="0" smtClean="0">
-                <a:solidFill>
-                  <a:schemeClr val="tx1"/>
-                </a:solidFill>
-              </a:rPr>
-              <a:t>XSS</a:t>
-            </a:r>
-            <a:endParaRPr lang="zh-TW" altLang="en-US" dirty="0">
-              <a:solidFill>
-                <a:schemeClr val="tx1"/>
-              </a:solidFill>
-            </a:endParaRPr>
-          </a:p>
-        </p:txBody>
-      </p:sp>
-      <p:sp>
-        <p:nvSpPr>
-          <p:cNvPr id="3" name="內容版面配置區 2"/>
-          <p:cNvSpPr>
-            <a:spLocks noGrp="1"/>
-          </p:cNvSpPr>
-          <p:nvPr>
-            <p:ph idx="1"/>
-          </p:nvPr>
-        </p:nvSpPr>
-        <p:spPr>
-          <a:xfrm>
-            <a:off x="757323" y="1336226"/>
-            <a:ext cx="9680018" cy="5188142"/>
-          </a:xfrm>
-        </p:spPr>
-        <p:txBody>
-          <a:bodyPr>
-            <a:normAutofit/>
-          </a:bodyPr>
-          <a:lstStyle/>
-          <a:p>
-            <a:r>
-              <a:rPr lang="zh-TW" altLang="zh-TW" dirty="0"/>
-              <a:t>權限檢核是什麼</a:t>
-            </a:r>
-            <a:r>
-              <a:rPr lang="zh-TW" altLang="zh-TW" dirty="0" smtClean="0"/>
-              <a:t>？</a:t>
-            </a:r>
-            <a:endParaRPr lang="en-US" altLang="zh-TW" dirty="0" smtClean="0"/>
-          </a:p>
-          <a:p>
-            <a:pPr marL="0" indent="0">
-              <a:buNone/>
-            </a:pPr>
-            <a:r>
-              <a:rPr lang="zh-TW" altLang="en-US" dirty="0" smtClean="0"/>
-              <a:t>保護</a:t>
-            </a:r>
-            <a:r>
-              <a:rPr lang="zh-TW" altLang="en-US" dirty="0"/>
-              <a:t>機制</a:t>
-            </a:r>
-            <a:r>
-              <a:rPr lang="zh-TW" altLang="en-US" dirty="0" smtClean="0"/>
-              <a:t>，</a:t>
-            </a:r>
-            <a:r>
-              <a:rPr lang="zh-TW" altLang="en-US" dirty="0"/>
-              <a:t>明確授予特定的使用者角色與存取權限。</a:t>
-            </a:r>
-            <a:endParaRPr lang="en-US" altLang="zh-TW" dirty="0"/>
-          </a:p>
-          <a:p>
-            <a:pPr marL="0" indent="0">
-              <a:buNone/>
-            </a:pPr>
-            <a:r>
-              <a:rPr lang="zh-TW" altLang="en-US" dirty="0" smtClean="0"/>
-              <a:t>確保</a:t>
-            </a:r>
-            <a:r>
-              <a:rPr lang="zh-TW" altLang="en-US" dirty="0"/>
-              <a:t>每個頁</a:t>
-            </a:r>
-            <a:r>
-              <a:rPr lang="zh-TW" altLang="en-US" dirty="0" smtClean="0"/>
-              <a:t>面的</a:t>
-            </a:r>
-            <a:r>
-              <a:rPr lang="zh-TW" altLang="en-US" dirty="0"/>
-              <a:t>存取都須經過適當的身分認證和授權，以</a:t>
-            </a:r>
-            <a:r>
-              <a:rPr lang="zh-TW" altLang="en-US" dirty="0" smtClean="0"/>
-              <a:t>防範</a:t>
-            </a:r>
-            <a:r>
-              <a:rPr lang="zh-TW" altLang="en-US" dirty="0"/>
-              <a:t>未經授權的 </a:t>
-            </a:r>
-            <a:r>
-              <a:rPr lang="en-US" altLang="zh-TW" dirty="0"/>
-              <a:t>URL </a:t>
-            </a:r>
-            <a:r>
-              <a:rPr lang="zh-TW" altLang="en-US" dirty="0"/>
-              <a:t>存取</a:t>
-            </a:r>
-            <a:r>
-              <a:rPr lang="zh-TW" altLang="en-US" dirty="0" smtClean="0"/>
-              <a:t>。</a:t>
-            </a:r>
-            <a:endParaRPr lang="en-US" altLang="zh-TW" dirty="0" smtClean="0"/>
-          </a:p>
-          <a:p>
-            <a:r>
-              <a:rPr lang="zh-TW" altLang="zh-TW" dirty="0" smtClean="0"/>
-              <a:t>黑名單</a:t>
-            </a:r>
-            <a:r>
-              <a:rPr lang="en-US" altLang="zh-TW" dirty="0"/>
-              <a:t>/</a:t>
-            </a:r>
-            <a:r>
-              <a:rPr lang="zh-TW" altLang="zh-TW" dirty="0"/>
-              <a:t>白名單是什麼</a:t>
-            </a:r>
-            <a:r>
-              <a:rPr lang="zh-TW" altLang="zh-TW" dirty="0" smtClean="0"/>
-              <a:t>？</a:t>
-            </a:r>
-            <a:endParaRPr lang="en-US" altLang="zh-TW" dirty="0" smtClean="0"/>
-          </a:p>
-          <a:p>
-            <a:pPr lvl="1"/>
-            <a:r>
-              <a:rPr lang="zh-TW" altLang="en-US" dirty="0"/>
-              <a:t>黑名單</a:t>
-            </a:r>
-            <a:r>
-              <a:rPr lang="zh-TW" altLang="en-US" dirty="0" smtClean="0"/>
-              <a:t>：</a:t>
-            </a:r>
-            <a:r>
-              <a:rPr lang="zh-TW" altLang="en-US" dirty="0"/>
-              <a:t>程式是先列出「不能出現」的對象清單，然後進行過濾</a:t>
-            </a:r>
-            <a:r>
-              <a:rPr lang="zh-TW" altLang="en-US" dirty="0" smtClean="0"/>
-              <a:t>。</a:t>
-            </a:r>
-            <a:endParaRPr lang="en-US" altLang="zh-TW" dirty="0" smtClean="0"/>
-          </a:p>
-          <a:p>
-            <a:pPr lvl="2"/>
-            <a:r>
-              <a:rPr lang="zh-TW" altLang="en-US" dirty="0" smtClean="0"/>
-              <a:t>針對</a:t>
-            </a:r>
-            <a:r>
-              <a:rPr lang="zh-TW" altLang="en-US" dirty="0"/>
-              <a:t>有可能造成疑慮的使用者資料進行過濾。例如，針對</a:t>
-            </a:r>
-            <a:r>
-              <a:rPr lang="en-US" altLang="zh-TW" dirty="0"/>
-              <a:t>&lt;</a:t>
-            </a:r>
-            <a:r>
-              <a:rPr lang="zh-TW" altLang="en-US" dirty="0"/>
-              <a:t>或者</a:t>
-            </a:r>
-            <a:r>
-              <a:rPr lang="en-US" altLang="zh-TW" dirty="0"/>
-              <a:t>&gt;</a:t>
-            </a:r>
-            <a:r>
-              <a:rPr lang="zh-TW" altLang="en-US" dirty="0"/>
-              <a:t>字元、或者</a:t>
-            </a:r>
-            <a:r>
-              <a:rPr lang="en-US" altLang="zh-TW" dirty="0"/>
-              <a:t>SCRIPT</a:t>
-            </a:r>
-            <a:r>
-              <a:rPr lang="zh-TW" altLang="en-US" dirty="0"/>
-              <a:t>字串進行過濾，倘若使用者的輸入資料中含有可疑的字元或字串時，則進行改寫或禁止使用</a:t>
-            </a:r>
-            <a:r>
-              <a:rPr lang="zh-TW" altLang="en-US" dirty="0" smtClean="0"/>
-              <a:t>。</a:t>
-            </a:r>
-            <a:endParaRPr lang="en-US" altLang="zh-TW" dirty="0" smtClean="0"/>
-          </a:p>
-          <a:p>
-            <a:pPr lvl="1"/>
-            <a:r>
-              <a:rPr lang="zh-TW" altLang="en-US" dirty="0" smtClean="0"/>
-              <a:t>白</a:t>
-            </a:r>
-            <a:r>
-              <a:rPr lang="zh-TW" altLang="en-US" dirty="0"/>
-              <a:t>名單：程式是先列出可被接受的對象</a:t>
-            </a:r>
-            <a:r>
-              <a:rPr lang="zh-TW" altLang="en-US" dirty="0" smtClean="0"/>
-              <a:t>。</a:t>
-            </a:r>
-            <a:endParaRPr lang="en-US" altLang="zh-TW" dirty="0" smtClean="0"/>
-          </a:p>
-          <a:p>
-            <a:pPr lvl="2"/>
-            <a:r>
-              <a:rPr lang="zh-TW" altLang="en-US" dirty="0"/>
-              <a:t>每個欄位都明確定義出它該有的形式，例如日期欄位就只能出現數字和斜線</a:t>
-            </a:r>
-            <a:r>
-              <a:rPr lang="zh-TW" altLang="en-US" dirty="0" smtClean="0"/>
-              <a:t>字元。</a:t>
-            </a:r>
-            <a:endParaRPr lang="en-US" altLang="zh-TW" dirty="0" smtClean="0"/>
-          </a:p>
-          <a:p>
-            <a:r>
-              <a:rPr lang="zh-TW" altLang="zh-TW" dirty="0" smtClean="0"/>
-              <a:t>為防止</a:t>
-            </a:r>
-            <a:r>
-              <a:rPr lang="en-US" altLang="zh-TW" dirty="0" smtClean="0"/>
-              <a:t>XSS</a:t>
-            </a:r>
-            <a:r>
-              <a:rPr lang="zh-TW" altLang="zh-TW" dirty="0" smtClean="0"/>
-              <a:t>攻擊，過濾特殊字元，若需某些特殊字元要呈現於網頁上，需如何處理？</a:t>
-            </a:r>
-            <a:endParaRPr lang="en-US" altLang="zh-TW" dirty="0" smtClean="0"/>
-          </a:p>
-          <a:p>
-            <a:pPr lvl="1"/>
-            <a:r>
-              <a:rPr lang="en-US" altLang="zh-TW" dirty="0" smtClean="0"/>
-              <a:t>HTML</a:t>
-            </a:r>
-            <a:r>
-              <a:rPr lang="zh-TW" altLang="zh-TW" dirty="0"/>
-              <a:t>特殊</a:t>
-            </a:r>
-            <a:r>
-              <a:rPr lang="zh-TW" altLang="zh-TW" dirty="0" smtClean="0"/>
-              <a:t>字元</a:t>
-            </a:r>
-            <a:r>
-              <a:rPr lang="zh-TW" altLang="en-US" dirty="0" smtClean="0"/>
-              <a:t>編碼</a:t>
-            </a:r>
-            <a:endParaRPr lang="en-US" altLang="zh-TW" dirty="0" smtClean="0"/>
-          </a:p>
-        </p:txBody>
-      </p:sp>
-      <p:sp>
-        <p:nvSpPr>
-          <p:cNvPr id="4" name="投影片編號版面配置區 3"/>
-          <p:cNvSpPr>
-            <a:spLocks noGrp="1"/>
-          </p:cNvSpPr>
-          <p:nvPr>
-            <p:ph type="sldNum" sz="quarter" idx="12"/>
-          </p:nvPr>
-        </p:nvSpPr>
-        <p:spPr/>
-        <p:txBody>
-          <a:bodyPr/>
-          <a:lstStyle/>
-          <a:p>
-            <a:fld id="{7EEA38C4-728D-4C6D-B45A-B952D9AC726F}" type="slidenum">
-              <a:rPr lang="zh-TW" altLang="en-US" smtClean="0"/>
-              <a:pPr/>
-              <a:t>32</a:t>
-            </a:fld>
-            <a:endParaRPr lang="zh-TW" altLang="en-US" dirty="0"/>
-          </a:p>
-        </p:txBody>
-      </p:sp>
-    </p:spTree>
-    <p:extLst>
-      <p:ext uri="{BB962C8B-B14F-4D97-AF65-F5344CB8AC3E}">
-        <p14:creationId xmlns:p14="http://schemas.microsoft.com/office/powerpoint/2010/main" val="572722433"/>
-      </p:ext>
-    </p:extLst>
-  </p:cSld>
-  <p:clrMapOvr>
-    <a:masterClrMapping/>
-  </p:clrMapOvr>
-  <p:timing>
-    <p:tnLst>
-      <p:par>
-        <p:cTn id="1" dur="indefinite" restart="never" nodeType="tmRoot"/>
-      </p:par>
-    </p:tnLst>
-  </p:timing>
-</p:sld>
-</file>
-
 <file path=ppt/slides/slide4.xml><?xml version="1.0" encoding="utf-8"?>
 <p:sld xmlns:a="http://schemas.openxmlformats.org/drawingml/2006/main" xmlns:r="http://schemas.openxmlformats.org/officeDocument/2006/relationships" xmlns:p="http://schemas.openxmlformats.org/presentationml/2006/main">
   <p:cSld>
@@ -15983,14 +15388,412 @@
           <a:bodyPr/>
           <a:lstStyle/>
           <a:p>
-            <a:r>
-              <a:rPr lang="en-US" altLang="zh-TW" dirty="0" err="1">
+            <a:endParaRPr lang="zh-TW" altLang="en-US" dirty="0"/>
+          </a:p>
+        </p:txBody>
+      </p:sp>
+      <p:pic>
+        <p:nvPicPr>
+          <p:cNvPr id="5" name="內容版面配置區 4"/>
+          <p:cNvPicPr>
+            <a:picLocks noGrp="1" noChangeAspect="1"/>
+          </p:cNvPicPr>
+          <p:nvPr>
+            <p:ph idx="1"/>
+          </p:nvPr>
+        </p:nvPicPr>
+        <p:blipFill>
+          <a:blip r:embed="rId2"/>
+          <a:stretch>
+            <a:fillRect/>
+          </a:stretch>
+        </p:blipFill>
+        <p:spPr>
+          <a:xfrm>
+            <a:off x="419571" y="3648298"/>
+            <a:ext cx="10731221" cy="3082015"/>
+          </a:xfrm>
+          <a:prstGeom prst="rect">
+            <a:avLst/>
+          </a:prstGeom>
+        </p:spPr>
+      </p:pic>
+      <p:sp>
+        <p:nvSpPr>
+          <p:cNvPr id="4" name="投影片編號版面配置區 3"/>
+          <p:cNvSpPr>
+            <a:spLocks noGrp="1"/>
+          </p:cNvSpPr>
+          <p:nvPr>
+            <p:ph type="sldNum" sz="quarter" idx="12"/>
+          </p:nvPr>
+        </p:nvSpPr>
+        <p:spPr/>
+        <p:txBody>
+          <a:bodyPr/>
+          <a:lstStyle/>
+          <a:p>
+            <a:fld id="{7EEA38C4-728D-4C6D-B45A-B952D9AC726F}" type="slidenum">
+              <a:rPr lang="zh-TW" altLang="en-US" smtClean="0"/>
+              <a:t>4</a:t>
+            </a:fld>
+            <a:endParaRPr lang="zh-TW" altLang="en-US"/>
+          </a:p>
+        </p:txBody>
+      </p:sp>
+      <p:pic>
+        <p:nvPicPr>
+          <p:cNvPr id="6" name="圖片 5"/>
+          <p:cNvPicPr>
+            <a:picLocks noChangeAspect="1"/>
+          </p:cNvPicPr>
+          <p:nvPr/>
+        </p:nvPicPr>
+        <p:blipFill>
+          <a:blip r:embed="rId3"/>
+          <a:stretch>
+            <a:fillRect/>
+          </a:stretch>
+        </p:blipFill>
+        <p:spPr>
+          <a:xfrm>
+            <a:off x="423528" y="1253628"/>
+            <a:ext cx="11365929" cy="2288642"/>
+          </a:xfrm>
+          <a:prstGeom prst="rect">
+            <a:avLst/>
+          </a:prstGeom>
+        </p:spPr>
+      </p:pic>
+    </p:spTree>
+    <p:extLst>
+      <p:ext uri="{BB962C8B-B14F-4D97-AF65-F5344CB8AC3E}">
+        <p14:creationId xmlns:p14="http://schemas.microsoft.com/office/powerpoint/2010/main" val="4039939736"/>
+      </p:ext>
+    </p:extLst>
+  </p:cSld>
+  <p:clrMapOvr>
+    <a:masterClrMapping/>
+  </p:clrMapOvr>
+</p:sld>
+</file>
+
+<file path=ppt/slides/slide5.xml><?xml version="1.0" encoding="utf-8"?>
+<p:sld xmlns:a="http://schemas.openxmlformats.org/drawingml/2006/main" xmlns:r="http://schemas.openxmlformats.org/officeDocument/2006/relationships" xmlns:p="http://schemas.openxmlformats.org/presentationml/2006/main">
+  <p:cSld>
+    <p:spTree>
+      <p:nvGrpSpPr>
+        <p:cNvPr id="1" name=""/>
+        <p:cNvGrpSpPr/>
+        <p:nvPr/>
+      </p:nvGrpSpPr>
+      <p:grpSpPr>
+        <a:xfrm>
+          <a:off x="0" y="0"/>
+          <a:ext cx="0" cy="0"/>
+          <a:chOff x="0" y="0"/>
+          <a:chExt cx="0" cy="0"/>
+        </a:xfrm>
+      </p:grpSpPr>
+      <p:sp>
+        <p:nvSpPr>
+          <p:cNvPr id="2" name="標題 1"/>
+          <p:cNvSpPr>
+            <a:spLocks noGrp="1"/>
+          </p:cNvSpPr>
+          <p:nvPr>
+            <p:ph type="title"/>
+          </p:nvPr>
+        </p:nvSpPr>
+        <p:spPr/>
+        <p:txBody>
+          <a:bodyPr/>
+          <a:lstStyle/>
+          <a:p>
+            <a:r>
+              <a:rPr lang="en-US" altLang="zh-TW" dirty="0" err="1" smtClean="0"/>
+              <a:t>HttpDispatcher</a:t>
+            </a:r>
+            <a:endParaRPr lang="zh-TW" altLang="en-US" dirty="0"/>
+          </a:p>
+        </p:txBody>
+      </p:sp>
+      <p:sp>
+        <p:nvSpPr>
+          <p:cNvPr id="3" name="內容版面配置區 2"/>
+          <p:cNvSpPr>
+            <a:spLocks noGrp="1"/>
+          </p:cNvSpPr>
+          <p:nvPr>
+            <p:ph idx="1"/>
+          </p:nvPr>
+        </p:nvSpPr>
+        <p:spPr>
+          <a:xfrm>
+            <a:off x="713698" y="1281642"/>
+            <a:ext cx="8946541" cy="555110"/>
+          </a:xfrm>
+        </p:spPr>
+        <p:txBody>
+          <a:bodyPr/>
+          <a:lstStyle/>
+          <a:p>
+            <a:r>
+              <a:rPr lang="en-US" altLang="zh-TW" dirty="0" err="1"/>
+              <a:t>HttpDispatcher</a:t>
+            </a:r>
+            <a:r>
+              <a:rPr lang="zh-TW" altLang="zh-TW" dirty="0"/>
+              <a:t>是什麼？接受任何</a:t>
+            </a:r>
+            <a:r>
+              <a:rPr lang="en-US" altLang="zh-TW" dirty="0"/>
+              <a:t> Request </a:t>
+            </a:r>
+            <a:r>
+              <a:rPr lang="zh-TW" altLang="zh-TW" dirty="0"/>
+              <a:t>會解析</a:t>
+            </a:r>
+            <a:r>
+              <a:rPr lang="en-US" altLang="zh-TW" dirty="0"/>
+              <a:t>URL</a:t>
+            </a:r>
+            <a:r>
+              <a:rPr lang="zh-TW" altLang="zh-TW" dirty="0"/>
+              <a:t>嗎？</a:t>
+            </a:r>
+            <a:endParaRPr lang="zh-TW" altLang="en-US" dirty="0"/>
+          </a:p>
+        </p:txBody>
+      </p:sp>
+      <p:sp>
+        <p:nvSpPr>
+          <p:cNvPr id="4" name="投影片編號版面配置區 3"/>
+          <p:cNvSpPr>
+            <a:spLocks noGrp="1"/>
+          </p:cNvSpPr>
+          <p:nvPr>
+            <p:ph type="sldNum" sz="quarter" idx="12"/>
+          </p:nvPr>
+        </p:nvSpPr>
+        <p:spPr/>
+        <p:txBody>
+          <a:bodyPr/>
+          <a:lstStyle/>
+          <a:p>
+            <a:fld id="{7EEA38C4-728D-4C6D-B45A-B952D9AC726F}" type="slidenum">
+              <a:rPr lang="zh-TW" altLang="en-US" smtClean="0"/>
+              <a:pPr/>
+              <a:t>5</a:t>
+            </a:fld>
+            <a:endParaRPr lang="zh-TW" altLang="en-US" dirty="0"/>
+          </a:p>
+        </p:txBody>
+      </p:sp>
+      <p:pic>
+        <p:nvPicPr>
+          <p:cNvPr id="5" name="圖片 4"/>
+          <p:cNvPicPr>
+            <a:picLocks noChangeAspect="1"/>
+          </p:cNvPicPr>
+          <p:nvPr/>
+        </p:nvPicPr>
+        <p:blipFill>
+          <a:blip r:embed="rId2"/>
+          <a:stretch>
+            <a:fillRect/>
+          </a:stretch>
+        </p:blipFill>
+        <p:spPr>
+          <a:xfrm>
+            <a:off x="1187523" y="2665676"/>
+            <a:ext cx="9143156" cy="2613990"/>
+          </a:xfrm>
+          <a:prstGeom prst="rect">
+            <a:avLst/>
+          </a:prstGeom>
+        </p:spPr>
+      </p:pic>
+      <p:sp>
+        <p:nvSpPr>
+          <p:cNvPr id="8" name="文字方塊 7"/>
+          <p:cNvSpPr txBox="1"/>
+          <p:nvPr/>
+        </p:nvSpPr>
+        <p:spPr>
+          <a:xfrm>
+            <a:off x="1087609" y="1547281"/>
+            <a:ext cx="9555677" cy="923330"/>
+          </a:xfrm>
+          <a:prstGeom prst="rect">
+            <a:avLst/>
+          </a:prstGeom>
+          <a:noFill/>
+        </p:spPr>
+        <p:txBody>
+          <a:bodyPr wrap="square" rtlCol="0">
+            <a:spAutoFit/>
+          </a:bodyPr>
+          <a:lstStyle/>
+          <a:p>
+            <a:endParaRPr lang="en-US" altLang="zh-TW" dirty="0" smtClean="0"/>
+          </a:p>
+          <a:p>
+            <a:pPr marL="285750" indent="-285750">
+              <a:buFont typeface="Arial" panose="020B0604020202020204" pitchFamily="34" charset="0"/>
+              <a:buChar char="•"/>
+            </a:pPr>
+            <a:r>
+              <a:rPr lang="zh-TW" altLang="en-US" dirty="0" smtClean="0"/>
+              <a:t>由</a:t>
+            </a:r>
+            <a:r>
+              <a:rPr lang="en-US" altLang="zh-TW" dirty="0" smtClean="0"/>
+              <a:t>Web</a:t>
+            </a:r>
+            <a:r>
+              <a:rPr lang="zh-TW" altLang="en-US" dirty="0" smtClean="0"/>
+              <a:t>容器對應至實際處理請求的檔案或程式實體名稱</a:t>
+            </a:r>
+            <a:endParaRPr lang="en-US" altLang="zh-TW" dirty="0" smtClean="0"/>
+          </a:p>
+          <a:p>
+            <a:pPr marL="285750" indent="-285750">
+              <a:buFont typeface="Arial" panose="020B0604020202020204" pitchFamily="34" charset="0"/>
+              <a:buChar char="•"/>
+            </a:pPr>
+            <a:r>
+              <a:rPr lang="en-US" altLang="zh-TW" dirty="0" err="1" smtClean="0"/>
+              <a:t>url</a:t>
+            </a:r>
+            <a:r>
+              <a:rPr lang="en-US" altLang="zh-TW" dirty="0" smtClean="0"/>
+              <a:t>-pattern</a:t>
+            </a:r>
+            <a:r>
+              <a:rPr lang="zh-TW" altLang="en-US" dirty="0" smtClean="0"/>
+              <a:t>設定的邏輯名稱</a:t>
+            </a:r>
+            <a:endParaRPr lang="en-US" altLang="zh-TW" dirty="0" smtClean="0"/>
+          </a:p>
+        </p:txBody>
+      </p:sp>
+    </p:spTree>
+    <p:extLst>
+      <p:ext uri="{BB962C8B-B14F-4D97-AF65-F5344CB8AC3E}">
+        <p14:creationId xmlns:p14="http://schemas.microsoft.com/office/powerpoint/2010/main" val="700147942"/>
+      </p:ext>
+    </p:extLst>
+  </p:cSld>
+  <p:clrMapOvr>
+    <a:masterClrMapping/>
+  </p:clrMapOvr>
+  <p:timing>
+    <p:tnLst>
+      <p:par>
+        <p:cTn id="1" dur="indefinite" restart="never" nodeType="tmRoot"/>
+      </p:par>
+    </p:tnLst>
+  </p:timing>
+</p:sld>
+</file>
+
+<file path=ppt/slides/slide6.xml><?xml version="1.0" encoding="utf-8"?>
+<p:sld xmlns:a="http://schemas.openxmlformats.org/drawingml/2006/main" xmlns:r="http://schemas.openxmlformats.org/officeDocument/2006/relationships" xmlns:p="http://schemas.openxmlformats.org/presentationml/2006/main">
+  <p:cSld>
+    <p:spTree>
+      <p:nvGrpSpPr>
+        <p:cNvPr id="1" name=""/>
+        <p:cNvGrpSpPr/>
+        <p:nvPr/>
+      </p:nvGrpSpPr>
+      <p:grpSpPr>
+        <a:xfrm>
+          <a:off x="0" y="0"/>
+          <a:ext cx="0" cy="0"/>
+          <a:chOff x="0" y="0"/>
+          <a:chExt cx="0" cy="0"/>
+        </a:xfrm>
+      </p:grpSpPr>
+      <p:sp>
+        <p:nvSpPr>
+          <p:cNvPr id="2" name="標題 1"/>
+          <p:cNvSpPr>
+            <a:spLocks noGrp="1"/>
+          </p:cNvSpPr>
+          <p:nvPr>
+            <p:ph type="title"/>
+          </p:nvPr>
+        </p:nvSpPr>
+        <p:spPr/>
+        <p:txBody>
+          <a:bodyPr/>
+          <a:lstStyle/>
+          <a:p>
+            <a:r>
+              <a:rPr lang="en-US" altLang="zh-TW" dirty="0" err="1" smtClean="0">
+                <a:solidFill>
+                  <a:srgbClr val="FF0000"/>
+                </a:solidFill>
                 <a:latin typeface="Times New Roman" panose="02020603050405020304" pitchFamily="18" charset="0"/>
                 <a:cs typeface="Times New Roman" panose="02020603050405020304" pitchFamily="18" charset="0"/>
               </a:rPr>
               <a:t>ResponseCode</a:t>
             </a:r>
+            <a:r>
+              <a:rPr lang="en-US" altLang="zh-TW" dirty="0" smtClean="0">
+                <a:solidFill>
+                  <a:srgbClr val="FF0000"/>
+                </a:solidFill>
+                <a:latin typeface="Times New Roman" panose="02020603050405020304" pitchFamily="18" charset="0"/>
+                <a:cs typeface="Times New Roman" panose="02020603050405020304" pitchFamily="18" charset="0"/>
+              </a:rPr>
+              <a:t> </a:t>
+            </a:r>
+            <a:r>
+              <a:rPr lang="zh-TW" altLang="en-US" dirty="0" smtClean="0">
+                <a:solidFill>
+                  <a:srgbClr val="FF0000"/>
+                </a:solidFill>
+                <a:latin typeface="Times New Roman" panose="02020603050405020304" pitchFamily="18" charset="0"/>
+                <a:cs typeface="Times New Roman" panose="02020603050405020304" pitchFamily="18" charset="0"/>
+              </a:rPr>
+              <a:t>（補</a:t>
+            </a:r>
+            <a:r>
+              <a:rPr lang="en-US" altLang="zh-TW" dirty="0" err="1" smtClean="0">
+                <a:solidFill>
+                  <a:srgbClr val="FF0000"/>
+                </a:solidFill>
+                <a:latin typeface="Times New Roman" panose="02020603050405020304" pitchFamily="18" charset="0"/>
+                <a:cs typeface="Times New Roman" panose="02020603050405020304" pitchFamily="18" charset="0"/>
+              </a:rPr>
+              <a:t>init</a:t>
+            </a:r>
+            <a:r>
+              <a:rPr lang="zh-TW" altLang="en-US" dirty="0" smtClean="0">
+                <a:solidFill>
+                  <a:srgbClr val="FF0000"/>
+                </a:solidFill>
+                <a:latin typeface="Times New Roman" panose="02020603050405020304" pitchFamily="18" charset="0"/>
+                <a:cs typeface="Times New Roman" panose="02020603050405020304" pitchFamily="18" charset="0"/>
+              </a:rPr>
+              <a:t>圖</a:t>
+            </a:r>
+            <a:r>
+              <a:rPr lang="en-US" altLang="zh-TW" dirty="0" smtClean="0">
+                <a:solidFill>
+                  <a:srgbClr val="FF0000"/>
+                </a:solidFill>
+                <a:latin typeface="Times New Roman" panose="02020603050405020304" pitchFamily="18" charset="0"/>
+                <a:cs typeface="Times New Roman" panose="02020603050405020304" pitchFamily="18" charset="0"/>
+              </a:rPr>
+              <a:t>)</a:t>
+            </a:r>
             <a:endParaRPr lang="zh-TW" altLang="en-US" dirty="0">
+              <a:solidFill>
+                <a:srgbClr val="FF0000"/>
+              </a:solidFill>
               <a:latin typeface="Times New Roman" panose="02020603050405020304" pitchFamily="18" charset="0"/>
               <a:cs typeface="Times New Roman" panose="02020603050405020304" pitchFamily="18" charset="0"/>
             </a:endParaRPr>
@@ -16312,7 +16115,7 @@
             <a:fld id="{7EEA38C4-728D-4C6D-B45A-B952D9AC726F}" type="slidenum">
               <a:rPr lang="zh-TW" altLang="en-US" smtClean="0"/>
               <a:pPr/>
-              <a:t>4</a:t>
+              <a:t>6</a:t>
             </a:fld>
             <a:endParaRPr lang="zh-TW" altLang="en-US" dirty="0"/>
           </a:p>
@@ -16338,7 +16141,7 @@
 </p:sld>
 </file>
 
-<file path=ppt/slides/slide5.xml><?xml version="1.0" encoding="utf-8"?>
+<file path=ppt/slides/slide7.xml><?xml version="1.0" encoding="utf-8"?>
 <p:sld xmlns:a="http://schemas.openxmlformats.org/drawingml/2006/main" xmlns:r="http://schemas.openxmlformats.org/officeDocument/2006/relationships" xmlns:p="http://schemas.openxmlformats.org/presentationml/2006/main">
   <p:cSld>
     <p:spTree>
@@ -16432,21 +16235,6 @@
             </a:r>
             <a:endParaRPr lang="en-US" altLang="zh-TW" dirty="0" smtClean="0"/>
           </a:p>
-          <a:p>
-            <a:r>
-              <a:rPr lang="zh-TW" altLang="en-US" dirty="0" smtClean="0"/>
-              <a:t>在</a:t>
-            </a:r>
-            <a:r>
-              <a:rPr lang="en-US" altLang="zh-TW" dirty="0" err="1" smtClean="0"/>
-              <a:t>initApp</a:t>
-            </a:r>
-            <a:r>
-              <a:rPr lang="zh-TW" altLang="en-US" dirty="0" smtClean="0"/>
-              <a:t>時</a:t>
-            </a:r>
-            <a:endParaRPr lang="zh-TW" altLang="zh-TW" dirty="0"/>
-          </a:p>
         </p:txBody>
       </p:sp>
       <p:sp>
@@ -16467,7 +16255,7 @@
             <a:fld id="{7EEA38C4-728D-4C6D-B45A-B952D9AC726F}" type="slidenum">
               <a:rPr lang="zh-TW" altLang="en-US" smtClean="0"/>
               <a:pPr/>
-              <a:t>5</a:t>
+              <a:t>7</a:t>
             </a:fld>
             <a:endParaRPr lang="zh-TW" altLang="en-US" dirty="0"/>
           </a:p>
@@ -16489,7 +16277,7 @@
         </p:blipFill>
         <p:spPr>
           <a:xfrm>
-            <a:off x="763588" y="2179917"/>
+            <a:off x="821618" y="2127249"/>
             <a:ext cx="5905500" cy="2457450"/>
           </a:xfrm>
           <a:prstGeom prst="rect">
@@ -16513,7 +16301,7 @@
         </p:blipFill>
         <p:spPr>
           <a:xfrm>
-            <a:off x="6575868" y="3827462"/>
+            <a:off x="821618" y="4724697"/>
             <a:ext cx="5124450" cy="1514475"/>
           </a:xfrm>
           <a:prstGeom prst="rect">
@@ -16537,7 +16325,7 @@
         </p:blipFill>
         <p:spPr>
           <a:xfrm>
-            <a:off x="4643343" y="6264500"/>
+            <a:off x="821618" y="6389607"/>
             <a:ext cx="5353050" cy="361950"/>
           </a:xfrm>
           <a:prstGeom prst="rect">
@@ -16585,7 +16373,7 @@
         </p:blipFill>
         <p:spPr>
           <a:xfrm>
-            <a:off x="3150116" y="2680641"/>
+            <a:off x="7338187" y="4084557"/>
             <a:ext cx="3362325" cy="2667000"/>
           </a:xfrm>
           <a:prstGeom prst="rect">
@@ -16593,6 +16381,166 @@
           </a:prstGeom>
         </p:spPr>
       </p:pic>
+      <p:sp>
+        <p:nvSpPr>
+          <p:cNvPr id="10" name="矩形 9"/>
+          <p:cNvSpPr/>
+          <p:nvPr/>
+        </p:nvSpPr>
+        <p:spPr>
+          <a:xfrm>
+            <a:off x="8887598" y="2919640"/>
+            <a:ext cx="646331" cy="369332"/>
+          </a:xfrm>
+          <a:prstGeom prst="rect">
+            <a:avLst/>
+          </a:prstGeom>
+        </p:spPr>
+        <p:style>
+          <a:lnRef idx="2">
+            <a:schemeClr val="accent1">
+              <a:shade val="50000"/>
+            </a:schemeClr>
+          </a:lnRef>
+          <a:fillRef idx="1">
+            <a:schemeClr val="accent1"/>
+          </a:fillRef>
+          <a:effectRef idx="0">
+            <a:schemeClr val="accent1"/>
+          </a:effectRef>
+          <a:fontRef idx="minor">
+            <a:schemeClr val="lt1"/>
+          </a:fontRef>
+        </p:style>
+        <p:txBody>
+          <a:bodyPr wrap="none">
+            <a:spAutoFit/>
+          </a:bodyPr>
+          <a:lstStyle/>
+          <a:p>
+            <a:r>
+              <a:rPr lang="zh-TW" altLang="en-US" dirty="0" smtClean="0"/>
+              <a:t>成功</a:t>
+            </a:r>
+            <a:endParaRPr lang="zh-TW" altLang="en-US" dirty="0"/>
+          </a:p>
+        </p:txBody>
+      </p:sp>
+      <p:sp>
+        <p:nvSpPr>
+          <p:cNvPr id="11" name="矩形 10"/>
+          <p:cNvSpPr/>
+          <p:nvPr/>
+        </p:nvSpPr>
+        <p:spPr>
+          <a:xfrm>
+            <a:off x="9019349" y="5691474"/>
+            <a:ext cx="646331" cy="369332"/>
+          </a:xfrm>
+          <a:prstGeom prst="rect">
+            <a:avLst/>
+          </a:prstGeom>
+        </p:spPr>
+        <p:style>
+          <a:lnRef idx="2">
+            <a:schemeClr val="accent1">
+              <a:shade val="50000"/>
+            </a:schemeClr>
+          </a:lnRef>
+          <a:fillRef idx="1">
+            <a:schemeClr val="accent1"/>
+          </a:fillRef>
+          <a:effectRef idx="0">
+            <a:schemeClr val="accent1"/>
+          </a:effectRef>
+          <a:fontRef idx="minor">
+            <a:schemeClr val="lt1"/>
+          </a:fontRef>
+        </p:style>
+        <p:txBody>
+          <a:bodyPr wrap="none">
+            <a:spAutoFit/>
+          </a:bodyPr>
+          <a:lstStyle/>
+          <a:p>
+            <a:r>
+              <a:rPr lang="zh-TW" altLang="en-US" dirty="0">
+                <a:solidFill>
+                  <a:srgbClr val="FFFF00"/>
+                </a:solidFill>
+              </a:rPr>
+              <a:t>失敗</a:t>
+            </a:r>
+            <a:endParaRPr lang="en-US" altLang="zh-TW" dirty="0">
+              <a:solidFill>
+                <a:srgbClr val="FFFF00"/>
+              </a:solidFill>
+            </a:endParaRPr>
+          </a:p>
+        </p:txBody>
+      </p:sp>
+      <p:sp>
+        <p:nvSpPr>
+          <p:cNvPr id="12" name="文字方塊 11"/>
+          <p:cNvSpPr txBox="1"/>
+          <p:nvPr/>
+        </p:nvSpPr>
+        <p:spPr>
+          <a:xfrm>
+            <a:off x="5368415" y="6060925"/>
+            <a:ext cx="2056973" cy="369332"/>
+          </a:xfrm>
+          <a:prstGeom prst="rect">
+            <a:avLst/>
+          </a:prstGeom>
+          <a:noFill/>
+        </p:spPr>
+        <p:txBody>
+          <a:bodyPr wrap="none" rtlCol="0">
+            <a:spAutoFit/>
+          </a:bodyPr>
+          <a:lstStyle/>
+          <a:p>
+            <a:r>
+              <a:rPr lang="zh-TW" altLang="en-US" dirty="0" smtClean="0">
+                <a:solidFill>
+                  <a:srgbClr val="FF0000"/>
+                </a:solidFill>
+              </a:rPr>
+              <a:t>加</a:t>
+            </a:r>
+            <a:r>
+              <a:rPr lang="en-US" altLang="zh-TW" dirty="0" smtClean="0">
+                <a:solidFill>
+                  <a:srgbClr val="FF0000"/>
+                </a:solidFill>
+              </a:rPr>
+              <a:t>return </a:t>
+            </a:r>
+            <a:r>
+              <a:rPr lang="en-US" altLang="zh-TW" dirty="0" err="1" smtClean="0">
+                <a:solidFill>
+                  <a:srgbClr val="FF0000"/>
+                </a:solidFill>
+              </a:rPr>
+              <a:t>resp</a:t>
+            </a:r>
+            <a:r>
+              <a:rPr lang="zh-TW" altLang="en-US" dirty="0" smtClean="0">
+                <a:solidFill>
+                  <a:srgbClr val="FF0000"/>
+                </a:solidFill>
+              </a:rPr>
+              <a:t>截圖</a:t>
+            </a:r>
+            <a:endParaRPr lang="zh-TW" altLang="en-US" dirty="0">
+              <a:solidFill>
+                <a:srgbClr val="FF0000"/>
+              </a:solidFill>
+            </a:endParaRPr>
+          </a:p>
+        </p:txBody>
+      </p:sp>
     </p:spTree>
     <p:extLst>
       <p:ext uri="{BB962C8B-B14F-4D97-AF65-F5344CB8AC3E}">
@@ -16613,7 +16561,7 @@
 </p:sld>
 </file>
 
-<file path=ppt/slides/slide6.xml><?xml version="1.0" encoding="utf-8"?>
+<file path=ppt/slides/slide8.xml><?xml version="1.0" encoding="utf-8"?>
 <p:sld xmlns:a="http://schemas.openxmlformats.org/drawingml/2006/main" xmlns:r="http://schemas.openxmlformats.org/officeDocument/2006/relationships" xmlns:p="http://schemas.openxmlformats.org/presentationml/2006/main">
   <p:cSld>
     <p:spTree>
@@ -16757,15 +16705,7 @@
                   <a:srgbClr val="FFFF00"/>
                 </a:solidFill>
               </a:rPr>
-              <a:t> </a:t>
-            </a:r>
-            <a:r>
-              <a:rPr lang="en-US" altLang="zh-TW" dirty="0" smtClean="0">
-                <a:solidFill>
-                  <a:srgbClr val="FFFF00"/>
-                </a:solidFill>
-              </a:rPr>
-              <a:t>=</a:t>
+              <a:t> =</a:t>
             </a:r>
             <a:r>
               <a:rPr lang="zh-TW" altLang="en-US" dirty="0" smtClean="0">
@@ -16789,15 +16729,7 @@
                   <a:srgbClr val="FFFF00"/>
                 </a:solidFill>
               </a:rPr>
-              <a:t> 成功</a:t>
-            </a:r>
-            <a:r>
-              <a:rPr lang="zh-TW" altLang="en-US" dirty="0" smtClean="0">
-                <a:solidFill>
-                  <a:srgbClr val="FFFF00"/>
-                </a:solidFill>
-              </a:rPr>
-              <a:t>，</a:t>
+              <a:t> 成功，</a:t>
             </a:r>
             <a:r>
               <a:rPr lang="en-US" altLang="zh-TW" dirty="0">
@@ -16948,7 +16880,7 @@
             <a:fld id="{7EEA38C4-728D-4C6D-B45A-B952D9AC726F}" type="slidenum">
               <a:rPr lang="zh-TW" altLang="en-US" smtClean="0"/>
               <a:pPr/>
-              <a:t>6</a:t>
+              <a:t>8</a:t>
             </a:fld>
             <a:endParaRPr lang="zh-TW" altLang="en-US" dirty="0"/>
           </a:p>
@@ -17137,7 +17069,7 @@
 </p:sld>
 </file>
 
-<file path=ppt/slides/slide7.xml><?xml version="1.0" encoding="utf-8"?>
+<file path=ppt/slides/slide9.xml><?xml version="1.0" encoding="utf-8"?>
 <p:sld xmlns:a="http://schemas.openxmlformats.org/drawingml/2006/main" xmlns:r="http://schemas.openxmlformats.org/officeDocument/2006/relationships" xmlns:p="http://schemas.openxmlformats.org/presentationml/2006/main">
   <p:cSld>
     <p:spTree>
@@ -17265,11 +17197,7 @@
             </a:r>
             <a:r>
               <a:rPr lang="zh-TW" altLang="en-US" sz="1600" dirty="0" smtClean="0"/>
-              <a:t>畫面</a:t>
-            </a:r>
-            <a:r>
-              <a:rPr lang="zh-TW" altLang="en-US" sz="1600" dirty="0" smtClean="0"/>
-              <a:t>上顯示錯誤訊息，應確保使用者能理解</a:t>
+              <a:t>畫面上顯示錯誤訊息，應確保使用者能理解</a:t>
             </a:r>
             <a:endParaRPr lang="en-US" altLang="zh-TW" sz="1600" dirty="0" smtClean="0"/>
           </a:p>
@@ -17319,7 +17247,7 @@
             <a:fld id="{7EEA38C4-728D-4C6D-B45A-B952D9AC726F}" type="slidenum">
               <a:rPr lang="zh-TW" altLang="en-US" smtClean="0"/>
               <a:pPr/>
-              <a:t>7</a:t>
+              <a:t>9</a:t>
             </a:fld>
             <a:endParaRPr lang="zh-TW" altLang="en-US" dirty="0"/>
           </a:p>
@@ -17525,285 +17453,6 @@
     <p:extLst>
       <p:ext uri="{BB962C8B-B14F-4D97-AF65-F5344CB8AC3E}">
         <p14:creationId xmlns:p14="http://schemas.microsoft.com/office/powerpoint/2010/main" val="2334321216"/>
-      </p:ext>
-    </p:extLst>
-  </p:cSld>
-  <p:clrMapOvr>
-    <a:masterClrMapping/>
-  </p:clrMapOvr>
-</p:sld>
-</file>
-
-<file path=ppt/slides/slide8.xml><?xml version="1.0" encoding="utf-8"?>
-<p:sld xmlns:a="http://schemas.openxmlformats.org/drawingml/2006/main" xmlns:r="http://schemas.openxmlformats.org/officeDocument/2006/relationships" xmlns:p="http://schemas.openxmlformats.org/presentationml/2006/main">
-  <p:cSld>
-    <p:spTree>
-      <p:nvGrpSpPr>
-        <p:cNvPr id="1" name=""/>
-        <p:cNvGrpSpPr/>
-        <p:nvPr/>
-      </p:nvGrpSpPr>
-      <p:grpSpPr>
-        <a:xfrm>
-          <a:off x="0" y="0"/>
-          <a:ext cx="0" cy="0"/>
-          <a:chOff x="0" y="0"/>
-          <a:chExt cx="0" cy="0"/>
-        </a:xfrm>
-      </p:grpSpPr>
-      <p:sp>
-        <p:nvSpPr>
-          <p:cNvPr id="2" name="標題 1"/>
-          <p:cNvSpPr>
-            <a:spLocks noGrp="1"/>
-          </p:cNvSpPr>
-          <p:nvPr>
-            <p:ph type="title"/>
-          </p:nvPr>
-        </p:nvSpPr>
-        <p:spPr/>
-        <p:txBody>
-          <a:bodyPr/>
-          <a:lstStyle/>
-          <a:p>
-            <a:endParaRPr lang="zh-TW" altLang="en-US"/>
-          </a:p>
-        </p:txBody>
-      </p:sp>
-      <p:pic>
-        <p:nvPicPr>
-          <p:cNvPr id="6" name="內容版面配置區 5"/>
-          <p:cNvPicPr>
-            <a:picLocks noGrp="1" noChangeAspect="1"/>
-          </p:cNvPicPr>
-          <p:nvPr>
-            <p:ph idx="1"/>
-          </p:nvPr>
-        </p:nvPicPr>
-        <p:blipFill>
-          <a:blip r:embed="rId2"/>
-          <a:stretch>
-            <a:fillRect/>
-          </a:stretch>
-        </p:blipFill>
-        <p:spPr>
-          <a:xfrm>
-            <a:off x="171638" y="207362"/>
-            <a:ext cx="10144937" cy="5495174"/>
-          </a:xfrm>
-          <a:prstGeom prst="rect">
-            <a:avLst/>
-          </a:prstGeom>
-        </p:spPr>
-      </p:pic>
-      <p:sp>
-        <p:nvSpPr>
-          <p:cNvPr id="4" name="投影片編號版面配置區 3"/>
-          <p:cNvSpPr>
-            <a:spLocks noGrp="1"/>
-          </p:cNvSpPr>
-          <p:nvPr>
-            <p:ph type="sldNum" sz="quarter" idx="12"/>
-          </p:nvPr>
-        </p:nvSpPr>
-        <p:spPr/>
-        <p:txBody>
-          <a:bodyPr/>
-          <a:lstStyle/>
-          <a:p>
-            <a:fld id="{7EEA38C4-728D-4C6D-B45A-B952D9AC726F}" type="slidenum">
-              <a:rPr lang="zh-TW" altLang="en-US" smtClean="0"/>
-              <a:t>8</a:t>
-            </a:fld>
-            <a:endParaRPr lang="zh-TW" altLang="en-US"/>
-          </a:p>
-        </p:txBody>
-      </p:sp>
-      <p:pic>
-        <p:nvPicPr>
-          <p:cNvPr id="3" name="圖片 2"/>
-          <p:cNvPicPr>
-            <a:picLocks noChangeAspect="1"/>
-          </p:cNvPicPr>
-          <p:nvPr/>
-        </p:nvPicPr>
-        <p:blipFill>
-          <a:blip r:embed="rId3"/>
-          <a:stretch>
-            <a:fillRect/>
-          </a:stretch>
-        </p:blipFill>
-        <p:spPr>
-          <a:xfrm>
-            <a:off x="2858529" y="672453"/>
-            <a:ext cx="7455244" cy="5604651"/>
-          </a:xfrm>
-          <a:prstGeom prst="rect">
-            <a:avLst/>
-          </a:prstGeom>
-        </p:spPr>
-      </p:pic>
-    </p:spTree>
-    <p:extLst>
-      <p:ext uri="{BB962C8B-B14F-4D97-AF65-F5344CB8AC3E}">
-        <p14:creationId xmlns:p14="http://schemas.microsoft.com/office/powerpoint/2010/main" val="316970818"/>
-      </p:ext>
-    </p:extLst>
-  </p:cSld>
-  <p:clrMapOvr>
-    <a:masterClrMapping/>
-  </p:clrMapOvr>
-</p:sld>
-</file>
-
-<file path=ppt/slides/slide9.xml><?xml version="1.0" encoding="utf-8"?>
-<p:sld xmlns:a="http://schemas.openxmlformats.org/drawingml/2006/main" xmlns:r="http://schemas.openxmlformats.org/officeDocument/2006/relationships" xmlns:p="http://schemas.openxmlformats.org/presentationml/2006/main">
-  <p:cSld>
-    <p:spTree>
-      <p:nvGrpSpPr>
-        <p:cNvPr id="1" name=""/>
-        <p:cNvGrpSpPr/>
-        <p:nvPr/>
-      </p:nvGrpSpPr>
-      <p:grpSpPr>
-        <a:xfrm>
-          <a:off x="0" y="0"/>
-          <a:ext cx="0" cy="0"/>
-          <a:chOff x="0" y="0"/>
-          <a:chExt cx="0" cy="0"/>
-        </a:xfrm>
-      </p:grpSpPr>
-      <p:sp>
-        <p:nvSpPr>
-          <p:cNvPr id="2" name="標題 1"/>
-          <p:cNvSpPr>
-            <a:spLocks noGrp="1"/>
-          </p:cNvSpPr>
-          <p:nvPr>
-            <p:ph type="title"/>
-          </p:nvPr>
-        </p:nvSpPr>
-        <p:spPr/>
-        <p:txBody>
-          <a:bodyPr/>
-          <a:lstStyle/>
-          <a:p>
-            <a:r>
-              <a:rPr lang="en-US" altLang="zh-TW" sz="4000" dirty="0" err="1">
-                <a:solidFill>
-                  <a:schemeClr val="tx1"/>
-                </a:solidFill>
-              </a:rPr>
-              <a:t>getRootException</a:t>
-            </a:r>
-            <a:r>
-              <a:rPr lang="en-US" altLang="zh-TW" sz="4000" dirty="0">
-                <a:solidFill>
-                  <a:schemeClr val="tx1"/>
-                </a:solidFill>
-              </a:rPr>
-              <a:t> </a:t>
-            </a:r>
-            <a:r>
-              <a:rPr lang="zh-TW" altLang="zh-TW" sz="4000" dirty="0" smtClean="0">
-                <a:solidFill>
-                  <a:schemeClr val="tx1"/>
-                </a:solidFill>
-              </a:rPr>
-              <a:t>說明</a:t>
-            </a:r>
-            <a:r>
-              <a:rPr lang="en-US" altLang="zh-TW" sz="4000" dirty="0" smtClean="0">
-                <a:solidFill>
-                  <a:schemeClr val="tx1"/>
-                </a:solidFill>
-              </a:rPr>
-              <a:t>(1)</a:t>
-            </a:r>
-            <a:endParaRPr lang="zh-TW" altLang="en-US" sz="4000" dirty="0">
-              <a:solidFill>
-                <a:schemeClr val="tx1"/>
-              </a:solidFill>
-            </a:endParaRPr>
-          </a:p>
-        </p:txBody>
-      </p:sp>
-      <p:sp>
-        <p:nvSpPr>
-          <p:cNvPr id="4" name="投影片編號版面配置區 3"/>
-          <p:cNvSpPr>
-            <a:spLocks noGrp="1"/>
-          </p:cNvSpPr>
-          <p:nvPr>
-            <p:ph type="sldNum" sz="quarter" idx="12"/>
-          </p:nvPr>
-        </p:nvSpPr>
-        <p:spPr/>
-        <p:txBody>
-          <a:bodyPr/>
-          <a:lstStyle/>
-          <a:p>
-            <a:fld id="{7EEA38C4-728D-4C6D-B45A-B952D9AC726F}" type="slidenum">
-              <a:rPr lang="zh-TW" altLang="en-US" smtClean="0"/>
-              <a:pPr/>
-              <a:t>9</a:t>
-            </a:fld>
-            <a:endParaRPr lang="zh-TW" altLang="en-US" dirty="0"/>
-          </a:p>
-        </p:txBody>
-      </p:sp>
-      <p:pic>
-        <p:nvPicPr>
-          <p:cNvPr id="5" name="圖片 4"/>
-          <p:cNvPicPr>
-            <a:picLocks noChangeAspect="1"/>
-          </p:cNvPicPr>
-          <p:nvPr/>
-        </p:nvPicPr>
-        <p:blipFill>
-          <a:blip r:embed="rId2"/>
-          <a:stretch>
-            <a:fillRect/>
-          </a:stretch>
-        </p:blipFill>
-        <p:spPr>
-          <a:xfrm>
-            <a:off x="7759931" y="1332631"/>
-            <a:ext cx="3924300" cy="5038725"/>
-          </a:xfrm>
-          <a:prstGeom prst="rect">
-            <a:avLst/>
-          </a:prstGeom>
-        </p:spPr>
-      </p:pic>
-      <p:pic>
-        <p:nvPicPr>
-          <p:cNvPr id="6" name="圖片 5"/>
-          <p:cNvPicPr>
-            <a:picLocks noChangeAspect="1"/>
-          </p:cNvPicPr>
-          <p:nvPr/>
-        </p:nvPicPr>
-        <p:blipFill>
-          <a:blip r:embed="rId3"/>
-          <a:stretch>
-            <a:fillRect/>
-          </a:stretch>
-        </p:blipFill>
-        <p:spPr>
-          <a:xfrm>
-            <a:off x="522331" y="2260643"/>
-            <a:ext cx="7143750" cy="1990725"/>
-          </a:xfrm>
-          <a:prstGeom prst="rect">
-            <a:avLst/>
-          </a:prstGeom>
-        </p:spPr>
-      </p:pic>
-    </p:spTree>
-    <p:extLst>
-      <p:ext uri="{BB962C8B-B14F-4D97-AF65-F5344CB8AC3E}">
-        <p14:creationId xmlns:p14="http://schemas.microsoft.com/office/powerpoint/2010/main" val="1607866946"/>
       </p:ext>
     </p:extLst>
   </p:cSld>
